--- a/poster.pptx
+++ b/poster.pptx
@@ -4951,12 +4951,14 @@
         <p:spPr>
           <a:xfrm>
             <a:off x="2338610" y="7787148"/>
-            <a:ext cx="12321287" cy="11246348"/>
+            <a:ext cx="12321287" cy="6836487"/>
           </a:xfrm>
           <a:prstGeom prst="rect">
             <a:avLst/>
           </a:prstGeom>
-          <a:noFill/>
+          <a:solidFill>
+            <a:schemeClr val="bg2"/>
+          </a:solidFill>
         </p:spPr>
         <p:txBody>
           <a:bodyPr wrap="square" rtlCol="0">
@@ -4970,7 +4972,7 @@
               </a:lnSpc>
             </a:pPr>
             <a:r>
-              <a:rPr lang="en-US" sz="4800" b="1" dirty="0">
+              <a:rPr lang="en-US" sz="4000" b="1" dirty="0">
                 <a:latin typeface="Times New Roman" panose="02020603050405020304" pitchFamily="18" charset="0"/>
                 <a:cs typeface="Times New Roman" panose="02020603050405020304" pitchFamily="18" charset="0"/>
               </a:rPr>
@@ -4984,41 +4986,41 @@
               </a:lnSpc>
             </a:pPr>
             <a:r>
-              <a:rPr lang="en-US" sz="4000" dirty="0">
+              <a:rPr lang="en-US" sz="3200" dirty="0">
                 <a:latin typeface="Times New Roman" panose="02020603050405020304" pitchFamily="18" charset="0"/>
                 <a:cs typeface="Times New Roman" panose="02020603050405020304" pitchFamily="18" charset="0"/>
               </a:rPr>
               <a:t>Today, bookmakers provide many different bet</a:t>
             </a:r>
             <a:r>
-              <a:rPr lang="et-EE" sz="4000" dirty="0">
+              <a:rPr lang="et-EE" sz="3200" dirty="0">
                 <a:latin typeface="Times New Roman" panose="02020603050405020304" pitchFamily="18" charset="0"/>
                 <a:cs typeface="Times New Roman" panose="02020603050405020304" pitchFamily="18" charset="0"/>
               </a:rPr>
               <a:t>ting </a:t>
             </a:r>
             <a:r>
-              <a:rPr lang="en-US" sz="4000" dirty="0">
+              <a:rPr lang="en-US" sz="3200" dirty="0">
                 <a:latin typeface="Times New Roman" panose="02020603050405020304" pitchFamily="18" charset="0"/>
                 <a:cs typeface="Times New Roman" panose="02020603050405020304" pitchFamily="18" charset="0"/>
               </a:rPr>
               <a:t>options on sports, including football. Such companies always give out three bet odds</a:t>
             </a:r>
             <a:r>
-              <a:rPr lang="et-EE" sz="4000" dirty="0">
+              <a:rPr lang="et-EE" sz="3200" dirty="0">
                 <a:latin typeface="Times New Roman" panose="02020603050405020304" pitchFamily="18" charset="0"/>
                 <a:cs typeface="Times New Roman" panose="02020603050405020304" pitchFamily="18" charset="0"/>
               </a:rPr>
               <a:t> - </a:t>
             </a:r>
             <a:r>
-              <a:rPr lang="en-US" sz="4000" dirty="0">
+              <a:rPr lang="en-US" sz="3200" dirty="0">
                 <a:latin typeface="Times New Roman" panose="02020603050405020304" pitchFamily="18" charset="0"/>
                 <a:cs typeface="Times New Roman" panose="02020603050405020304" pitchFamily="18" charset="0"/>
               </a:rPr>
               <a:t>one team wins, the other team wins or both teams play a draw.</a:t>
             </a:r>
-            <a:endParaRPr lang="et-EE" sz="4000" dirty="0">
+            <a:endParaRPr lang="et-EE" sz="3200" dirty="0">
               <a:latin typeface="Times New Roman" panose="02020603050405020304" pitchFamily="18" charset="0"/>
               <a:cs typeface="Times New Roman" panose="02020603050405020304" pitchFamily="18" charset="0"/>
             </a:endParaRPr>
@@ -5030,7 +5032,7 @@
               </a:lnSpc>
             </a:pPr>
             <a:r>
-              <a:rPr lang="en-US" sz="4000" dirty="0">
+              <a:rPr lang="en-US" sz="3200" dirty="0">
                 <a:latin typeface="Times New Roman" panose="02020603050405020304" pitchFamily="18" charset="0"/>
                 <a:cs typeface="Times New Roman" panose="02020603050405020304" pitchFamily="18" charset="0"/>
               </a:rPr>
@@ -5044,13 +5046,13 @@
               </a:lnSpc>
             </a:pPr>
             <a:r>
-              <a:rPr lang="en-US" sz="4000" dirty="0">
+              <a:rPr lang="en-US" sz="3200" dirty="0">
                 <a:latin typeface="Times New Roman" panose="02020603050405020304" pitchFamily="18" charset="0"/>
                 <a:cs typeface="Times New Roman" panose="02020603050405020304" pitchFamily="18" charset="0"/>
               </a:rPr>
               <a:t>We also took bet odds into consideration. Graphs were also made to make it more eye catching, easy on the eyes and easier to understand.</a:t>
             </a:r>
-            <a:endParaRPr lang="et-EE" sz="4000" dirty="0">
+            <a:endParaRPr lang="et-EE" sz="3200" dirty="0">
               <a:latin typeface="Times New Roman" panose="02020603050405020304" pitchFamily="18" charset="0"/>
               <a:cs typeface="Times New Roman" panose="02020603050405020304" pitchFamily="18" charset="0"/>
             </a:endParaRPr>
@@ -5071,13 +5073,15 @@
         </p:nvSpPr>
         <p:spPr>
           <a:xfrm>
-            <a:off x="2338610" y="19033496"/>
-            <a:ext cx="12321287" cy="11246348"/>
+            <a:off x="2338610" y="14912164"/>
+            <a:ext cx="12321287" cy="7575151"/>
           </a:xfrm>
           <a:prstGeom prst="rect">
             <a:avLst/>
           </a:prstGeom>
-          <a:noFill/>
+          <a:solidFill>
+            <a:schemeClr val="bg2"/>
+          </a:solidFill>
         </p:spPr>
         <p:txBody>
           <a:bodyPr wrap="square" rtlCol="0">
@@ -5091,13 +5095,13 @@
               </a:lnSpc>
             </a:pPr>
             <a:r>
-              <a:rPr lang="en-US" sz="4800" b="1" dirty="0">
+              <a:rPr lang="en-US" sz="4000" b="1" dirty="0">
                 <a:latin typeface="Times New Roman" panose="02020603050405020304" pitchFamily="18" charset="0"/>
                 <a:cs typeface="Times New Roman" panose="02020603050405020304" pitchFamily="18" charset="0"/>
               </a:rPr>
               <a:t>Data</a:t>
             </a:r>
-            <a:endParaRPr lang="et-EE" sz="4400" b="1" dirty="0">
+            <a:endParaRPr lang="et-EE" sz="3600" b="1" dirty="0">
               <a:latin typeface="Times New Roman" panose="02020603050405020304" pitchFamily="18" charset="0"/>
               <a:cs typeface="Times New Roman" panose="02020603050405020304" pitchFamily="18" charset="0"/>
             </a:endParaRPr>
@@ -5109,70 +5113,70 @@
               </a:lnSpc>
             </a:pPr>
             <a:r>
-              <a:rPr lang="en-US" sz="4000" dirty="0">
+              <a:rPr lang="en-US" sz="3200" dirty="0">
                 <a:latin typeface="Times New Roman" panose="02020603050405020304" pitchFamily="18" charset="0"/>
                 <a:cs typeface="Times New Roman" panose="02020603050405020304" pitchFamily="18" charset="0"/>
               </a:rPr>
               <a:t>For data preparation, we had to drop quite a few columns as they were not needed. For example, there</a:t>
             </a:r>
             <a:r>
-              <a:rPr lang="et-EE" sz="4000" dirty="0">
+              <a:rPr lang="et-EE" sz="3200" dirty="0">
                 <a:latin typeface="Times New Roman" panose="02020603050405020304" pitchFamily="18" charset="0"/>
                 <a:cs typeface="Times New Roman" panose="02020603050405020304" pitchFamily="18" charset="0"/>
               </a:rPr>
               <a:t> </a:t>
             </a:r>
             <a:r>
-              <a:rPr lang="en-US" sz="4000" dirty="0">
+              <a:rPr lang="en-US" sz="3200" dirty="0">
                 <a:latin typeface="Times New Roman" panose="02020603050405020304" pitchFamily="18" charset="0"/>
                 <a:cs typeface="Times New Roman" panose="02020603050405020304" pitchFamily="18" charset="0"/>
               </a:rPr>
               <a:t>were different bookmakers</a:t>
             </a:r>
             <a:r>
-              <a:rPr lang="et-EE" sz="4000" dirty="0">
+              <a:rPr lang="et-EE" sz="3200" dirty="0">
                 <a:latin typeface="Times New Roman" panose="02020603050405020304" pitchFamily="18" charset="0"/>
                 <a:cs typeface="Times New Roman" panose="02020603050405020304" pitchFamily="18" charset="0"/>
               </a:rPr>
               <a:t>, </a:t>
             </a:r>
             <a:r>
-              <a:rPr lang="et-EE" sz="4000" dirty="0" err="1">
+              <a:rPr lang="et-EE" sz="3200" dirty="0" err="1">
                 <a:latin typeface="Times New Roman" panose="02020603050405020304" pitchFamily="18" charset="0"/>
                 <a:cs typeface="Times New Roman" panose="02020603050405020304" pitchFamily="18" charset="0"/>
               </a:rPr>
               <a:t>who</a:t>
             </a:r>
             <a:r>
-              <a:rPr lang="en-US" sz="4000" dirty="0">
+              <a:rPr lang="en-US" sz="3200" dirty="0">
                 <a:latin typeface="Times New Roman" panose="02020603050405020304" pitchFamily="18" charset="0"/>
                 <a:cs typeface="Times New Roman" panose="02020603050405020304" pitchFamily="18" charset="0"/>
               </a:rPr>
               <a:t> gave their coefficient </a:t>
             </a:r>
             <a:r>
-              <a:rPr lang="et-EE" sz="4000" dirty="0">
+              <a:rPr lang="et-EE" sz="3200" dirty="0">
                 <a:latin typeface="Times New Roman" panose="02020603050405020304" pitchFamily="18" charset="0"/>
                 <a:cs typeface="Times New Roman" panose="02020603050405020304" pitchFamily="18" charset="0"/>
               </a:rPr>
               <a:t>on </a:t>
             </a:r>
             <a:r>
-              <a:rPr lang="en-US" sz="4000" dirty="0">
+              <a:rPr lang="en-US" sz="3200" dirty="0">
                 <a:latin typeface="Times New Roman" panose="02020603050405020304" pitchFamily="18" charset="0"/>
                 <a:cs typeface="Times New Roman" panose="02020603050405020304" pitchFamily="18" charset="0"/>
               </a:rPr>
               <a:t>who would win. We only left one bookmaker as</a:t>
             </a:r>
             <a:r>
-              <a:rPr lang="et-EE" sz="4000" dirty="0">
+              <a:rPr lang="et-EE" sz="3200" dirty="0">
                 <a:latin typeface="Times New Roman" panose="02020603050405020304" pitchFamily="18" charset="0"/>
                 <a:cs typeface="Times New Roman" panose="02020603050405020304" pitchFamily="18" charset="0"/>
               </a:rPr>
               <a:t> </a:t>
             </a:r>
             <a:r>
-              <a:rPr lang="en-US" sz="4000" dirty="0">
+              <a:rPr lang="en-US" sz="3200" dirty="0">
                 <a:latin typeface="Times New Roman" panose="02020603050405020304" pitchFamily="18" charset="0"/>
                 <a:cs typeface="Times New Roman" panose="02020603050405020304" pitchFamily="18" charset="0"/>
               </a:rPr>
@@ -5195,13 +5199,15 @@
         </p:nvSpPr>
         <p:spPr>
           <a:xfrm>
-            <a:off x="20470761" y="31502555"/>
-            <a:ext cx="7465842" cy="8291693"/>
+            <a:off x="20470761" y="31248032"/>
+            <a:ext cx="7465842" cy="5913157"/>
           </a:xfrm>
           <a:prstGeom prst="rect">
             <a:avLst/>
           </a:prstGeom>
-          <a:noFill/>
+          <a:solidFill>
+            <a:schemeClr val="bg2"/>
+          </a:solidFill>
         </p:spPr>
         <p:txBody>
           <a:bodyPr wrap="square" rtlCol="0">
@@ -5215,77 +5221,77 @@
               </a:lnSpc>
             </a:pPr>
             <a:r>
-              <a:rPr lang="en-US" sz="4000" dirty="0">
+              <a:rPr lang="en-US" sz="3200" dirty="0">
                 <a:latin typeface="Times New Roman" panose="02020603050405020304" pitchFamily="18" charset="0"/>
                 <a:cs typeface="Times New Roman" panose="02020603050405020304" pitchFamily="18" charset="0"/>
               </a:rPr>
               <a:t>On left</a:t>
             </a:r>
             <a:r>
-              <a:rPr lang="et-EE" sz="4000" dirty="0">
+              <a:rPr lang="et-EE" sz="3200" dirty="0">
                 <a:latin typeface="Times New Roman" panose="02020603050405020304" pitchFamily="18" charset="0"/>
                 <a:cs typeface="Times New Roman" panose="02020603050405020304" pitchFamily="18" charset="0"/>
               </a:rPr>
               <a:t> </a:t>
             </a:r>
             <a:r>
-              <a:rPr lang="en-US" sz="4000" dirty="0">
+              <a:rPr lang="en-US" sz="3200" dirty="0">
                 <a:latin typeface="Times New Roman" panose="02020603050405020304" pitchFamily="18" charset="0"/>
                 <a:cs typeface="Times New Roman" panose="02020603050405020304" pitchFamily="18" charset="0"/>
               </a:rPr>
               <a:t>graph, we have our prediction model versus the actual data for England Premier League 2018-19. For prediction model we used 5 seasons worth of data (2015 to 2020). We also put every team play against each</a:t>
             </a:r>
             <a:r>
-              <a:rPr lang="et-EE" sz="4000" dirty="0">
+              <a:rPr lang="et-EE" sz="3200" dirty="0">
                 <a:latin typeface="Times New Roman" panose="02020603050405020304" pitchFamily="18" charset="0"/>
                 <a:cs typeface="Times New Roman" panose="02020603050405020304" pitchFamily="18" charset="0"/>
               </a:rPr>
               <a:t> </a:t>
             </a:r>
             <a:r>
-              <a:rPr lang="en-US" sz="4000" dirty="0">
+              <a:rPr lang="en-US" sz="3200" dirty="0">
                 <a:latin typeface="Times New Roman" panose="02020603050405020304" pitchFamily="18" charset="0"/>
                 <a:cs typeface="Times New Roman" panose="02020603050405020304" pitchFamily="18" charset="0"/>
               </a:rPr>
               <a:t>other so every</a:t>
             </a:r>
             <a:r>
-              <a:rPr lang="et-EE" sz="4000" dirty="0">
+              <a:rPr lang="et-EE" sz="3200" dirty="0">
                 <a:latin typeface="Times New Roman" panose="02020603050405020304" pitchFamily="18" charset="0"/>
                 <a:cs typeface="Times New Roman" panose="02020603050405020304" pitchFamily="18" charset="0"/>
               </a:rPr>
               <a:t> </a:t>
             </a:r>
             <a:r>
-              <a:rPr lang="en-US" sz="4000" dirty="0">
+              <a:rPr lang="en-US" sz="3200" dirty="0">
                 <a:latin typeface="Times New Roman" panose="02020603050405020304" pitchFamily="18" charset="0"/>
                 <a:cs typeface="Times New Roman" panose="02020603050405020304" pitchFamily="18" charset="0"/>
               </a:rPr>
               <a:t>combination</a:t>
             </a:r>
             <a:r>
-              <a:rPr lang="et-EE" sz="4000" dirty="0">
+              <a:rPr lang="et-EE" sz="3200" dirty="0">
                 <a:latin typeface="Times New Roman" panose="02020603050405020304" pitchFamily="18" charset="0"/>
                 <a:cs typeface="Times New Roman" panose="02020603050405020304" pitchFamily="18" charset="0"/>
               </a:rPr>
               <a:t> </a:t>
             </a:r>
             <a:r>
-              <a:rPr lang="en-US" sz="4000" dirty="0">
+              <a:rPr lang="en-US" sz="3200" dirty="0">
                 <a:latin typeface="Times New Roman" panose="02020603050405020304" pitchFamily="18" charset="0"/>
                 <a:cs typeface="Times New Roman" panose="02020603050405020304" pitchFamily="18" charset="0"/>
               </a:rPr>
               <a:t>while in reality</a:t>
             </a:r>
             <a:r>
-              <a:rPr lang="et-EE" sz="4000" dirty="0">
+              <a:rPr lang="et-EE" sz="3200" dirty="0">
                 <a:latin typeface="Times New Roman" panose="02020603050405020304" pitchFamily="18" charset="0"/>
                 <a:cs typeface="Times New Roman" panose="02020603050405020304" pitchFamily="18" charset="0"/>
               </a:rPr>
               <a:t>,</a:t>
             </a:r>
             <a:r>
-              <a:rPr lang="en-US" sz="4000" dirty="0">
+              <a:rPr lang="en-US" sz="3200" dirty="0">
                 <a:latin typeface="Times New Roman" panose="02020603050405020304" pitchFamily="18" charset="0"/>
                 <a:cs typeface="Times New Roman" panose="02020603050405020304" pitchFamily="18" charset="0"/>
               </a:rPr>

--- a/poster.pptx
+++ b/poster.pptx
@@ -6,6 +6,7 @@
   </p:sldMasterIdLst>
   <p:sldIdLst>
     <p:sldId id="256" r:id="rId2"/>
+    <p:sldId id="257" r:id="rId3"/>
   </p:sldIdLst>
   <p:sldSz cx="30275213" cy="42803763"/>
   <p:notesSz cx="6858000" cy="9144000"/>
@@ -126,7 +127,7 @@
 <file path=ppt/charts/chart1.xml><?xml version="1.0" encoding="utf-8"?>
 <c:chartSpace xmlns:c="http://schemas.openxmlformats.org/drawingml/2006/chart" xmlns:a="http://schemas.openxmlformats.org/drawingml/2006/main" xmlns:r="http://schemas.openxmlformats.org/officeDocument/2006/relationships" xmlns:c16r2="http://schemas.microsoft.com/office/drawing/2015/06/chart">
   <c:date1904 val="0"/>
-  <c:lang val="en-US"/>
+  <c:lang val="et-EE"/>
   <c:roundedCorners val="0"/>
   <mc:AlternateContent xmlns:mc="http://schemas.openxmlformats.org/markup-compatibility/2006">
     <mc:Choice xmlns:c14="http://schemas.microsoft.com/office/drawing/2007/8/2/chart" Requires="c14">
@@ -196,6 +197,7 @@
           </a:p>
         </c:rich>
       </c:tx>
+      <c:layout/>
       <c:overlay val="0"/>
       <c:spPr>
         <a:noFill/>
@@ -221,7 +223,7 @@
               <a:cs typeface="+mn-cs"/>
             </a:defRPr>
           </a:pPr>
-          <a:endParaRPr lang="en-US"/>
+          <a:endParaRPr lang="et-EE"/>
         </a:p>
       </c:txPr>
     </c:title>
@@ -287,7 +289,7 @@
                     <a:cs typeface="+mn-cs"/>
                   </a:defRPr>
                 </a:pPr>
-                <a:endParaRPr lang="en-US"/>
+                <a:endParaRPr lang="et-EE"/>
               </a:p>
             </c:txPr>
             <c:dLblPos val="inEnd"/>
@@ -300,6 +302,7 @@
             <c:showLeaderLines val="0"/>
             <c:extLst>
               <c:ext xmlns:c15="http://schemas.microsoft.com/office/drawing/2012/chart" uri="{CE6537A1-D6FC-4f65-9D91-7224C49458BB}">
+                <c15:layout/>
                 <c15:showLeaderLines val="1"/>
                 <c15:leaderLines>
                   <c:spPr>
@@ -515,7 +518,7 @@
                     <a:cs typeface="+mn-cs"/>
                   </a:defRPr>
                 </a:pPr>
-                <a:endParaRPr lang="en-US"/>
+                <a:endParaRPr lang="et-EE"/>
               </a:p>
             </c:txPr>
             <c:dLblPos val="inEnd"/>
@@ -528,6 +531,7 @@
             <c:showLeaderLines val="0"/>
             <c:extLst>
               <c:ext xmlns:c15="http://schemas.microsoft.com/office/drawing/2012/chart" uri="{CE6537A1-D6FC-4f65-9D91-7224C49458BB}">
+                <c15:layout/>
                 <c15:showLeaderLines val="1"/>
                 <c15:leaderLines>
                   <c:spPr>
@@ -742,7 +746,7 @@
                 <a:cs typeface="+mn-cs"/>
               </a:defRPr>
             </a:pPr>
-            <a:endParaRPr lang="en-US"/>
+            <a:endParaRPr lang="et-EE"/>
           </a:p>
         </c:txPr>
         <c:crossAx val="690268768"/>
@@ -803,6 +807,7 @@
     </c:plotArea>
     <c:legend>
       <c:legendPos val="b"/>
+      <c:layout/>
       <c:overlay val="0"/>
       <c:spPr>
         <a:solidFill>
@@ -833,12 +838,13 @@
               <a:cs typeface="+mn-cs"/>
             </a:defRPr>
           </a:pPr>
-          <a:endParaRPr lang="en-US"/>
+          <a:endParaRPr lang="et-EE"/>
         </a:p>
       </c:txPr>
     </c:legend>
     <c:plotVisOnly val="1"/>
     <c:dispBlanksAs val="gap"/>
+    <c:showDLblsOverMax val="0"/>
     <c:extLst>
       <c:ext xmlns:c16r3="http://schemas.microsoft.com/office/drawing/2017/03/chart" uri="{56B9EC1D-385E-4148-901F-78D8002777C0}">
         <c16r3:dataDisplayOptions16>
@@ -846,7 +852,6 @@
         </c16r3:dataDisplayOptions16>
       </c:ext>
     </c:extLst>
-    <c:showDLblsOverMax val="0"/>
   </c:chart>
   <c:spPr>
     <a:gradFill flip="none" rotWithShape="1">
@@ -886,7 +891,7 @@
       <a:pPr>
         <a:defRPr/>
       </a:pPr>
-      <a:endParaRPr lang="en-US"/>
+      <a:endParaRPr lang="et-EE"/>
     </a:p>
   </c:txPr>
   <c:externalData r:id="rId3">
@@ -1652,7 +1657,7 @@
           <a:p>
             <a:fld id="{FF02F886-A6EC-4A2D-B279-21243BFE44BC}" type="datetimeFigureOut">
               <a:rPr lang="en-US" smtClean="0"/>
-              <a:t>14-Dec-19</a:t>
+              <a:t>12/14/2019</a:t>
             </a:fld>
             <a:endParaRPr lang="en-US"/>
           </a:p>
@@ -1850,7 +1855,7 @@
           <a:p>
             <a:fld id="{FF02F886-A6EC-4A2D-B279-21243BFE44BC}" type="datetimeFigureOut">
               <a:rPr lang="en-US" smtClean="0"/>
-              <a:t>14-Dec-19</a:t>
+              <a:t>12/14/2019</a:t>
             </a:fld>
             <a:endParaRPr lang="en-US"/>
           </a:p>
@@ -2058,7 +2063,7 @@
           <a:p>
             <a:fld id="{FF02F886-A6EC-4A2D-B279-21243BFE44BC}" type="datetimeFigureOut">
               <a:rPr lang="en-US" smtClean="0"/>
-              <a:t>14-Dec-19</a:t>
+              <a:t>12/14/2019</a:t>
             </a:fld>
             <a:endParaRPr lang="en-US"/>
           </a:p>
@@ -2256,7 +2261,7 @@
           <a:p>
             <a:fld id="{FF02F886-A6EC-4A2D-B279-21243BFE44BC}" type="datetimeFigureOut">
               <a:rPr lang="en-US" smtClean="0"/>
-              <a:t>14-Dec-19</a:t>
+              <a:t>12/14/2019</a:t>
             </a:fld>
             <a:endParaRPr lang="en-US"/>
           </a:p>
@@ -2531,7 +2536,7 @@
           <a:p>
             <a:fld id="{FF02F886-A6EC-4A2D-B279-21243BFE44BC}" type="datetimeFigureOut">
               <a:rPr lang="en-US" smtClean="0"/>
-              <a:t>14-Dec-19</a:t>
+              <a:t>12/14/2019</a:t>
             </a:fld>
             <a:endParaRPr lang="en-US"/>
           </a:p>
@@ -2796,7 +2801,7 @@
           <a:p>
             <a:fld id="{FF02F886-A6EC-4A2D-B279-21243BFE44BC}" type="datetimeFigureOut">
               <a:rPr lang="en-US" smtClean="0"/>
-              <a:t>14-Dec-19</a:t>
+              <a:t>12/14/2019</a:t>
             </a:fld>
             <a:endParaRPr lang="en-US"/>
           </a:p>
@@ -3208,7 +3213,7 @@
           <a:p>
             <a:fld id="{FF02F886-A6EC-4A2D-B279-21243BFE44BC}" type="datetimeFigureOut">
               <a:rPr lang="en-US" smtClean="0"/>
-              <a:t>14-Dec-19</a:t>
+              <a:t>12/14/2019</a:t>
             </a:fld>
             <a:endParaRPr lang="en-US"/>
           </a:p>
@@ -3349,7 +3354,7 @@
           <a:p>
             <a:fld id="{FF02F886-A6EC-4A2D-B279-21243BFE44BC}" type="datetimeFigureOut">
               <a:rPr lang="en-US" smtClean="0"/>
-              <a:t>14-Dec-19</a:t>
+              <a:t>12/14/2019</a:t>
             </a:fld>
             <a:endParaRPr lang="en-US"/>
           </a:p>
@@ -3462,7 +3467,7 @@
           <a:p>
             <a:fld id="{FF02F886-A6EC-4A2D-B279-21243BFE44BC}" type="datetimeFigureOut">
               <a:rPr lang="en-US" smtClean="0"/>
-              <a:t>14-Dec-19</a:t>
+              <a:t>12/14/2019</a:t>
             </a:fld>
             <a:endParaRPr lang="en-US"/>
           </a:p>
@@ -3773,7 +3778,7 @@
           <a:p>
             <a:fld id="{FF02F886-A6EC-4A2D-B279-21243BFE44BC}" type="datetimeFigureOut">
               <a:rPr lang="en-US" smtClean="0"/>
-              <a:t>14-Dec-19</a:t>
+              <a:t>12/14/2019</a:t>
             </a:fld>
             <a:endParaRPr lang="en-US"/>
           </a:p>
@@ -4061,7 +4066,7 @@
           <a:p>
             <a:fld id="{FF02F886-A6EC-4A2D-B279-21243BFE44BC}" type="datetimeFigureOut">
               <a:rPr lang="en-US" smtClean="0"/>
-              <a:t>14-Dec-19</a:t>
+              <a:t>12/14/2019</a:t>
             </a:fld>
             <a:endParaRPr lang="en-US"/>
           </a:p>
@@ -4302,7 +4307,7 @@
           <a:p>
             <a:fld id="{FF02F886-A6EC-4A2D-B279-21243BFE44BC}" type="datetimeFigureOut">
               <a:rPr lang="en-US" smtClean="0"/>
-              <a:t>14-Dec-19</a:t>
+              <a:t>12/14/2019</a:t>
             </a:fld>
             <a:endParaRPr lang="en-US"/>
           </a:p>
@@ -5310,6 +5315,752 @@
   <p:clrMapOvr>
     <a:masterClrMapping/>
   </p:clrMapOvr>
+  <p:timing>
+    <p:tnLst>
+      <p:par>
+        <p:cTn id="1" dur="indefinite" restart="never" nodeType="tmRoot"/>
+      </p:par>
+    </p:tnLst>
+  </p:timing>
+</p:sld>
+</file>
+
+<file path=ppt/slides/slide2.xml><?xml version="1.0" encoding="utf-8"?>
+<p:sld xmlns:a="http://schemas.openxmlformats.org/drawingml/2006/main" xmlns:r="http://schemas.openxmlformats.org/officeDocument/2006/relationships" xmlns:p="http://schemas.openxmlformats.org/presentationml/2006/main">
+  <p:cSld>
+    <p:spTree>
+      <p:nvGrpSpPr>
+        <p:cNvPr id="1" name=""/>
+        <p:cNvGrpSpPr/>
+        <p:nvPr/>
+      </p:nvGrpSpPr>
+      <p:grpSpPr>
+        <a:xfrm>
+          <a:off x="0" y="0"/>
+          <a:ext cx="0" cy="0"/>
+          <a:chOff x="0" y="0"/>
+          <a:chExt cx="0" cy="0"/>
+        </a:xfrm>
+      </p:grpSpPr>
+      <p:sp>
+        <p:nvSpPr>
+          <p:cNvPr id="4" name="Rectangle 3">
+            <a:extLst>
+              <a:ext uri="{FF2B5EF4-FFF2-40B4-BE49-F238E27FC236}">
+                <a16:creationId xmlns:a16="http://schemas.microsoft.com/office/drawing/2014/main" id="{8D3C9F64-FC9C-41B6-8A32-99198496BDA3}"/>
+              </a:ext>
+            </a:extLst>
+          </p:cNvPr>
+          <p:cNvSpPr/>
+          <p:nvPr/>
+        </p:nvSpPr>
+        <p:spPr>
+          <a:xfrm>
+            <a:off x="1409700" y="1295400"/>
+            <a:ext cx="27432000" cy="4567518"/>
+          </a:xfrm>
+          <a:prstGeom prst="rect">
+            <a:avLst/>
+          </a:prstGeom>
+        </p:spPr>
+        <p:style>
+          <a:lnRef idx="3">
+            <a:schemeClr val="lt1"/>
+          </a:lnRef>
+          <a:fillRef idx="1">
+            <a:schemeClr val="accent1"/>
+          </a:fillRef>
+          <a:effectRef idx="1">
+            <a:schemeClr val="accent1"/>
+          </a:effectRef>
+          <a:fontRef idx="minor">
+            <a:schemeClr val="lt1"/>
+          </a:fontRef>
+        </p:style>
+        <p:txBody>
+          <a:bodyPr rtlCol="0" anchor="ctr"/>
+          <a:lstStyle/>
+          <a:p>
+            <a:pPr algn="ctr"/>
+            <a:endParaRPr lang="en-US" dirty="0"/>
+          </a:p>
+        </p:txBody>
+      </p:sp>
+      <p:sp>
+        <p:nvSpPr>
+          <p:cNvPr id="6" name="Rectangle 5">
+            <a:extLst>
+              <a:ext uri="{FF2B5EF4-FFF2-40B4-BE49-F238E27FC236}">
+                <a16:creationId xmlns:a16="http://schemas.microsoft.com/office/drawing/2014/main" id="{43E34CD8-B7BA-4F69-9DE3-B49C9308F8D8}"/>
+              </a:ext>
+            </a:extLst>
+          </p:cNvPr>
+          <p:cNvSpPr/>
+          <p:nvPr/>
+        </p:nvSpPr>
+        <p:spPr>
+          <a:xfrm>
+            <a:off x="1409700" y="6831106"/>
+            <a:ext cx="27432000" cy="34677258"/>
+          </a:xfrm>
+          <a:prstGeom prst="rect">
+            <a:avLst/>
+          </a:prstGeom>
+        </p:spPr>
+        <p:style>
+          <a:lnRef idx="2">
+            <a:schemeClr val="accent5">
+              <a:shade val="50000"/>
+            </a:schemeClr>
+          </a:lnRef>
+          <a:fillRef idx="1">
+            <a:schemeClr val="accent5"/>
+          </a:fillRef>
+          <a:effectRef idx="0">
+            <a:schemeClr val="accent5"/>
+          </a:effectRef>
+          <a:fontRef idx="minor">
+            <a:schemeClr val="lt1"/>
+          </a:fontRef>
+        </p:style>
+        <p:txBody>
+          <a:bodyPr rtlCol="0" anchor="ctr"/>
+          <a:lstStyle/>
+          <a:p>
+            <a:pPr algn="ctr"/>
+            <a:endParaRPr lang="en-US" dirty="0"/>
+          </a:p>
+        </p:txBody>
+      </p:sp>
+      <p:sp>
+        <p:nvSpPr>
+          <p:cNvPr id="7" name="TextBox 6">
+            <a:extLst>
+              <a:ext uri="{FF2B5EF4-FFF2-40B4-BE49-F238E27FC236}">
+                <a16:creationId xmlns:a16="http://schemas.microsoft.com/office/drawing/2014/main" id="{B59E07CA-E569-4C19-B300-D1D9341F1D26}"/>
+              </a:ext>
+            </a:extLst>
+          </p:cNvPr>
+          <p:cNvSpPr txBox="1"/>
+          <p:nvPr/>
+        </p:nvSpPr>
+        <p:spPr>
+          <a:xfrm>
+            <a:off x="3223512" y="1785879"/>
+            <a:ext cx="23828188" cy="3785652"/>
+          </a:xfrm>
+          <a:prstGeom prst="rect">
+            <a:avLst/>
+          </a:prstGeom>
+          <a:noFill/>
+        </p:spPr>
+        <p:txBody>
+          <a:bodyPr wrap="square" rtlCol="0">
+            <a:spAutoFit/>
+          </a:bodyPr>
+          <a:lstStyle/>
+          <a:p>
+            <a:pPr algn="ctr">
+              <a:lnSpc>
+                <a:spcPct val="150000"/>
+              </a:lnSpc>
+            </a:pPr>
+            <a:r>
+              <a:rPr lang="et-EE" sz="8800" b="1" dirty="0" smtClean="0">
+                <a:solidFill>
+                  <a:schemeClr val="bg1"/>
+                </a:solidFill>
+                <a:latin typeface="Berlin Sans FB Demi" panose="020E0802020502020306" pitchFamily="34" charset="0"/>
+                <a:cs typeface="Nachlieli CLM" panose="02000603000000000000" pitchFamily="50" charset="-79"/>
+              </a:rPr>
+              <a:t>FOOTBALL BETS</a:t>
+            </a:r>
+            <a:endParaRPr lang="et-EE" sz="8800" b="1" dirty="0">
+              <a:solidFill>
+                <a:schemeClr val="bg1"/>
+              </a:solidFill>
+              <a:latin typeface="Berlin Sans FB Demi" panose="020E0802020502020306" pitchFamily="34" charset="0"/>
+              <a:cs typeface="Nachlieli CLM" panose="02000603000000000000" pitchFamily="50" charset="-79"/>
+            </a:endParaRPr>
+          </a:p>
+          <a:p>
+            <a:pPr algn="ctr">
+              <a:lnSpc>
+                <a:spcPct val="150000"/>
+              </a:lnSpc>
+            </a:pPr>
+            <a:r>
+              <a:rPr lang="et-EE" sz="7200" dirty="0">
+                <a:solidFill>
+                  <a:schemeClr val="bg1"/>
+                </a:solidFill>
+                <a:latin typeface="Berlin Sans FB Demi" panose="020E0802020502020306" pitchFamily="34" charset="0"/>
+                <a:cs typeface="Nachlieli CLM" panose="02000603000000000000" pitchFamily="50" charset="-79"/>
+              </a:rPr>
+              <a:t>Artjom </a:t>
+            </a:r>
+            <a:r>
+              <a:rPr lang="et-EE" sz="7200" dirty="0" smtClean="0">
+                <a:solidFill>
+                  <a:schemeClr val="bg1"/>
+                </a:solidFill>
+                <a:latin typeface="Berlin Sans FB Demi" panose="020E0802020502020306" pitchFamily="34" charset="0"/>
+                <a:cs typeface="Nachlieli CLM" panose="02000603000000000000" pitchFamily="50" charset="-79"/>
+              </a:rPr>
+              <a:t>Valdas</a:t>
+            </a:r>
+            <a:r>
+              <a:rPr lang="ru-RU" sz="7200" dirty="0" smtClean="0">
+                <a:solidFill>
+                  <a:schemeClr val="bg1"/>
+                </a:solidFill>
+                <a:latin typeface="Berlin Sans FB Demi" panose="020E0802020502020306" pitchFamily="34" charset="0"/>
+                <a:cs typeface="Nachlieli CLM" panose="02000603000000000000" pitchFamily="50" charset="-79"/>
+              </a:rPr>
+              <a:t> </a:t>
+            </a:r>
+            <a:r>
+              <a:rPr lang="et-EE" sz="7200" dirty="0">
+                <a:solidFill>
+                  <a:schemeClr val="bg1"/>
+                </a:solidFill>
+                <a:latin typeface="Berlin Sans FB Demi" panose="020E0802020502020306" pitchFamily="34" charset="0"/>
+                <a:cs typeface="Nachlieli CLM" panose="02000603000000000000" pitchFamily="50" charset="-79"/>
+              </a:rPr>
+              <a:t>&amp;</a:t>
+            </a:r>
+            <a:r>
+              <a:rPr lang="et-EE" sz="7200" dirty="0" smtClean="0">
+                <a:solidFill>
+                  <a:schemeClr val="bg1"/>
+                </a:solidFill>
+                <a:latin typeface="Berlin Sans FB Demi" panose="020E0802020502020306" pitchFamily="34" charset="0"/>
+                <a:cs typeface="Nachlieli CLM" panose="02000603000000000000" pitchFamily="50" charset="-79"/>
+              </a:rPr>
+              <a:t> </a:t>
+            </a:r>
+            <a:r>
+              <a:rPr lang="et-EE" sz="7200" dirty="0">
+                <a:solidFill>
+                  <a:schemeClr val="bg1"/>
+                </a:solidFill>
+                <a:latin typeface="Berlin Sans FB Demi" panose="020E0802020502020306" pitchFamily="34" charset="0"/>
+                <a:cs typeface="Nachlieli CLM" panose="02000603000000000000" pitchFamily="50" charset="-79"/>
+              </a:rPr>
+              <a:t>Eduard Rudi</a:t>
+            </a:r>
+            <a:endParaRPr lang="en-US" sz="7200" dirty="0">
+              <a:solidFill>
+                <a:schemeClr val="bg1"/>
+              </a:solidFill>
+              <a:latin typeface="Berlin Sans FB Demi" panose="020E0802020502020306" pitchFamily="34" charset="0"/>
+              <a:cs typeface="Nachlieli CLM" panose="02000603000000000000" pitchFamily="50" charset="-79"/>
+            </a:endParaRPr>
+          </a:p>
+        </p:txBody>
+      </p:sp>
+      <p:sp>
+        <p:nvSpPr>
+          <p:cNvPr id="11" name="TextBox 10">
+            <a:extLst>
+              <a:ext uri="{FF2B5EF4-FFF2-40B4-BE49-F238E27FC236}">
+                <a16:creationId xmlns:a16="http://schemas.microsoft.com/office/drawing/2014/main" id="{1D38D50B-D57E-4B0C-8F30-958227B785F5}"/>
+              </a:ext>
+            </a:extLst>
+          </p:cNvPr>
+          <p:cNvSpPr txBox="1"/>
+          <p:nvPr/>
+        </p:nvSpPr>
+        <p:spPr>
+          <a:xfrm>
+            <a:off x="1512700" y="6948882"/>
+            <a:ext cx="12321287" cy="2800767"/>
+          </a:xfrm>
+          <a:prstGeom prst="rect">
+            <a:avLst/>
+          </a:prstGeom>
+          <a:solidFill>
+            <a:schemeClr val="bg2"/>
+          </a:solidFill>
+        </p:spPr>
+        <p:txBody>
+          <a:bodyPr wrap="square" rtlCol="0">
+            <a:spAutoFit/>
+          </a:bodyPr>
+          <a:lstStyle/>
+          <a:p>
+            <a:pPr algn="ctr">
+              <a:lnSpc>
+                <a:spcPct val="150000"/>
+              </a:lnSpc>
+            </a:pPr>
+            <a:r>
+              <a:rPr lang="en-US" sz="3200" dirty="0" smtClean="0">
+                <a:latin typeface="Berlin Sans FB Demi" panose="020E0802020502020306" pitchFamily="34" charset="0"/>
+                <a:cs typeface="Times New Roman" panose="02020603050405020304" pitchFamily="18" charset="0"/>
+              </a:rPr>
+              <a:t>Introduction</a:t>
+            </a:r>
+          </a:p>
+          <a:p>
+            <a:pPr algn="just"/>
+            <a:r>
+              <a:rPr lang="en-US" sz="3200" dirty="0" smtClean="0">
+                <a:latin typeface="Berlin Sans FB" panose="020E0602020502020306" pitchFamily="34" charset="0"/>
+                <a:cs typeface="Times New Roman" panose="02020603050405020304" pitchFamily="18" charset="0"/>
+              </a:rPr>
+              <a:t>Today</a:t>
+            </a:r>
+            <a:r>
+              <a:rPr lang="en-US" sz="3200" dirty="0">
+                <a:latin typeface="Berlin Sans FB" panose="020E0602020502020306" pitchFamily="34" charset="0"/>
+                <a:cs typeface="Times New Roman" panose="02020603050405020304" pitchFamily="18" charset="0"/>
+              </a:rPr>
+              <a:t>, almost everyone has faced sports betting. Some people believe that if you constantly analyze, for example, football teams, you can make money on it.</a:t>
+            </a:r>
+            <a:r>
+              <a:rPr lang="ru-RU" sz="3200" dirty="0" smtClean="0">
+                <a:latin typeface="Berlin Sans FB" panose="020E0602020502020306" pitchFamily="34" charset="0"/>
+                <a:cs typeface="Times New Roman" panose="02020603050405020304" pitchFamily="18" charset="0"/>
+              </a:rPr>
+              <a:t> </a:t>
+            </a:r>
+            <a:r>
+              <a:rPr lang="en-US" sz="3200" dirty="0">
+                <a:latin typeface="Berlin Sans FB" panose="020E0602020502020306" pitchFamily="34" charset="0"/>
+                <a:cs typeface="Times New Roman" panose="02020603050405020304" pitchFamily="18" charset="0"/>
+              </a:rPr>
+              <a:t>With this project, we wanted to know if this is actually so.</a:t>
+            </a:r>
+            <a:endParaRPr lang="et-EE" sz="3200" dirty="0">
+              <a:latin typeface="Berlin Sans FB" panose="020E0602020502020306" pitchFamily="34" charset="0"/>
+              <a:cs typeface="Times New Roman" panose="02020603050405020304" pitchFamily="18" charset="0"/>
+            </a:endParaRPr>
+          </a:p>
+        </p:txBody>
+      </p:sp>
+      <p:sp>
+        <p:nvSpPr>
+          <p:cNvPr id="12" name="TextBox 11">
+            <a:extLst>
+              <a:ext uri="{FF2B5EF4-FFF2-40B4-BE49-F238E27FC236}">
+                <a16:creationId xmlns:a16="http://schemas.microsoft.com/office/drawing/2014/main" id="{6872865B-D551-45D6-AAF0-8560E8302F85}"/>
+              </a:ext>
+            </a:extLst>
+          </p:cNvPr>
+          <p:cNvSpPr txBox="1"/>
+          <p:nvPr/>
+        </p:nvSpPr>
+        <p:spPr>
+          <a:xfrm>
+            <a:off x="16487573" y="6948882"/>
+            <a:ext cx="12321287" cy="2800767"/>
+          </a:xfrm>
+          <a:prstGeom prst="rect">
+            <a:avLst/>
+          </a:prstGeom>
+          <a:solidFill>
+            <a:schemeClr val="bg2"/>
+          </a:solidFill>
+        </p:spPr>
+        <p:txBody>
+          <a:bodyPr wrap="square" rtlCol="0">
+            <a:spAutoFit/>
+          </a:bodyPr>
+          <a:lstStyle/>
+          <a:p>
+            <a:pPr algn="ctr">
+              <a:lnSpc>
+                <a:spcPct val="150000"/>
+              </a:lnSpc>
+            </a:pPr>
+            <a:r>
+              <a:rPr lang="en-US" sz="3200" dirty="0" smtClean="0">
+                <a:latin typeface="Berlin Sans FB Demi" panose="020E0802020502020306" pitchFamily="34" charset="0"/>
+                <a:cs typeface="Times New Roman" panose="02020603050405020304" pitchFamily="18" charset="0"/>
+              </a:rPr>
+              <a:t>Goals</a:t>
+            </a:r>
+            <a:endParaRPr lang="et-EE" sz="3200" dirty="0" smtClean="0">
+              <a:latin typeface="Berlin Sans FB Demi" panose="020E0802020502020306" pitchFamily="34" charset="0"/>
+              <a:cs typeface="Times New Roman" panose="02020603050405020304" pitchFamily="18" charset="0"/>
+            </a:endParaRPr>
+          </a:p>
+          <a:p>
+            <a:pPr marL="457200" indent="-457200" algn="just">
+              <a:buClr>
+                <a:schemeClr val="accent6"/>
+              </a:buClr>
+              <a:buFont typeface="Wingdings" panose="05000000000000000000" pitchFamily="2" charset="2"/>
+              <a:buChar char="ü"/>
+            </a:pPr>
+            <a:r>
+              <a:rPr lang="en-US" sz="3200" dirty="0" smtClean="0">
+                <a:latin typeface="Berlin Sans FB" panose="020E0602020502020306" pitchFamily="34" charset="0"/>
+                <a:cs typeface="Times New Roman" panose="02020603050405020304" pitchFamily="18" charset="0"/>
+              </a:rPr>
+              <a:t>Data preprocessing</a:t>
+            </a:r>
+          </a:p>
+          <a:p>
+            <a:pPr marL="457200" indent="-457200" algn="just">
+              <a:buClr>
+                <a:schemeClr val="accent6"/>
+              </a:buClr>
+              <a:buFont typeface="Wingdings" panose="05000000000000000000" pitchFamily="2" charset="2"/>
+              <a:buChar char="ü"/>
+            </a:pPr>
+            <a:r>
+              <a:rPr lang="en-US" sz="3200" dirty="0" smtClean="0">
+                <a:latin typeface="Berlin Sans FB" panose="020E0602020502020306" pitchFamily="34" charset="0"/>
+                <a:cs typeface="Times New Roman" panose="02020603050405020304" pitchFamily="18" charset="0"/>
+              </a:rPr>
+              <a:t>Make data human readable</a:t>
+            </a:r>
+          </a:p>
+          <a:p>
+            <a:pPr marL="457200" indent="-457200" algn="just">
+              <a:buClr>
+                <a:schemeClr val="accent6"/>
+              </a:buClr>
+              <a:buFont typeface="Wingdings" panose="05000000000000000000" pitchFamily="2" charset="2"/>
+              <a:buChar char="ü"/>
+            </a:pPr>
+            <a:r>
+              <a:rPr lang="en-US" sz="3200" dirty="0" smtClean="0">
+                <a:latin typeface="Berlin Sans FB" panose="020E0602020502020306" pitchFamily="34" charset="0"/>
+                <a:cs typeface="Times New Roman" panose="02020603050405020304" pitchFamily="18" charset="0"/>
+              </a:rPr>
+              <a:t>Try </a:t>
+            </a:r>
+            <a:r>
+              <a:rPr lang="en-US" sz="3200" dirty="0">
+                <a:latin typeface="Berlin Sans FB" panose="020E0602020502020306" pitchFamily="34" charset="0"/>
+                <a:cs typeface="Times New Roman" panose="02020603050405020304" pitchFamily="18" charset="0"/>
+              </a:rPr>
+              <a:t>to find what the outcome of the match depends </a:t>
+            </a:r>
+            <a:r>
+              <a:rPr lang="en-US" sz="3200" dirty="0" smtClean="0">
+                <a:latin typeface="Berlin Sans FB" panose="020E0602020502020306" pitchFamily="34" charset="0"/>
+                <a:cs typeface="Times New Roman" panose="02020603050405020304" pitchFamily="18" charset="0"/>
+              </a:rPr>
+              <a:t>on</a:t>
+            </a:r>
+            <a:endParaRPr lang="ru-RU" sz="3200" dirty="0" smtClean="0">
+              <a:latin typeface="Berlin Sans FB" panose="020E0602020502020306" pitchFamily="34" charset="0"/>
+              <a:cs typeface="Times New Roman" panose="02020603050405020304" pitchFamily="18" charset="0"/>
+            </a:endParaRPr>
+          </a:p>
+          <a:p>
+            <a:pPr marL="457200" indent="-457200" algn="just">
+              <a:buClr>
+                <a:schemeClr val="accent6"/>
+              </a:buClr>
+              <a:buFont typeface="Wingdings" panose="05000000000000000000" pitchFamily="2" charset="2"/>
+              <a:buChar char="ü"/>
+            </a:pPr>
+            <a:r>
+              <a:rPr lang="en-US" sz="3200" dirty="0" smtClean="0">
+                <a:latin typeface="Berlin Sans FB" panose="020E0602020502020306" pitchFamily="34" charset="0"/>
+                <a:cs typeface="Times New Roman" panose="02020603050405020304" pitchFamily="18" charset="0"/>
+              </a:rPr>
+              <a:t>Create </a:t>
+            </a:r>
+            <a:r>
+              <a:rPr lang="en-US" sz="3200" dirty="0">
+                <a:latin typeface="Berlin Sans FB" panose="020E0602020502020306" pitchFamily="34" charset="0"/>
+                <a:cs typeface="Times New Roman" panose="02020603050405020304" pitchFamily="18" charset="0"/>
+              </a:rPr>
+              <a:t>a model that will predict future </a:t>
+            </a:r>
+            <a:r>
+              <a:rPr lang="en-US" sz="3200" dirty="0" smtClean="0">
+                <a:latin typeface="Berlin Sans FB" panose="020E0602020502020306" pitchFamily="34" charset="0"/>
+                <a:cs typeface="Times New Roman" panose="02020603050405020304" pitchFamily="18" charset="0"/>
+              </a:rPr>
+              <a:t>matches</a:t>
+            </a:r>
+            <a:endParaRPr lang="ru-RU" sz="3200" dirty="0" smtClean="0">
+              <a:latin typeface="Berlin Sans FB" panose="020E0602020502020306" pitchFamily="34" charset="0"/>
+              <a:cs typeface="Times New Roman" panose="02020603050405020304" pitchFamily="18" charset="0"/>
+            </a:endParaRPr>
+          </a:p>
+        </p:txBody>
+      </p:sp>
+      <p:sp>
+        <p:nvSpPr>
+          <p:cNvPr id="3" name="TextBox 2"/>
+          <p:cNvSpPr txBox="1"/>
+          <p:nvPr/>
+        </p:nvSpPr>
+        <p:spPr>
+          <a:xfrm>
+            <a:off x="4445025" y="9867425"/>
+            <a:ext cx="21385161" cy="1323439"/>
+          </a:xfrm>
+          <a:prstGeom prst="rect">
+            <a:avLst/>
+          </a:prstGeom>
+          <a:noFill/>
+        </p:spPr>
+        <p:txBody>
+          <a:bodyPr wrap="square" rtlCol="0">
+            <a:spAutoFit/>
+          </a:bodyPr>
+          <a:lstStyle/>
+          <a:p>
+            <a:pPr algn="ctr"/>
+            <a:r>
+              <a:rPr lang="en-US" sz="8000" dirty="0" smtClean="0">
+                <a:latin typeface="Berlin Sans FB Demi" panose="020E0802020502020306" pitchFamily="34" charset="0"/>
+              </a:rPr>
+              <a:t>What did we finally get…</a:t>
+            </a:r>
+            <a:endParaRPr lang="et-EE" sz="8000" dirty="0">
+              <a:latin typeface="Berlin Sans FB Demi" panose="020E0802020502020306" pitchFamily="34" charset="0"/>
+            </a:endParaRPr>
+          </a:p>
+        </p:txBody>
+      </p:sp>
+      <p:pic>
+        <p:nvPicPr>
+          <p:cNvPr id="8" name="Pilt 7"/>
+          <p:cNvPicPr>
+            <a:picLocks noChangeAspect="1"/>
+          </p:cNvPicPr>
+          <p:nvPr/>
+        </p:nvPicPr>
+        <p:blipFill>
+          <a:blip r:embed="rId2"/>
+          <a:stretch>
+            <a:fillRect/>
+          </a:stretch>
+        </p:blipFill>
+        <p:spPr>
+          <a:xfrm>
+            <a:off x="17342978" y="12159052"/>
+            <a:ext cx="10610475" cy="6932547"/>
+          </a:xfrm>
+          <a:prstGeom prst="rect">
+            <a:avLst/>
+          </a:prstGeom>
+        </p:spPr>
+      </p:pic>
+      <p:pic>
+        <p:nvPicPr>
+          <p:cNvPr id="9" name="Pilt 8"/>
+          <p:cNvPicPr>
+            <a:picLocks noChangeAspect="1"/>
+          </p:cNvPicPr>
+          <p:nvPr/>
+        </p:nvPicPr>
+        <p:blipFill>
+          <a:blip r:embed="rId3"/>
+          <a:stretch>
+            <a:fillRect/>
+          </a:stretch>
+        </p:blipFill>
+        <p:spPr>
+          <a:xfrm>
+            <a:off x="2368105" y="12164909"/>
+            <a:ext cx="10610475" cy="6932547"/>
+          </a:xfrm>
+          <a:prstGeom prst="rect">
+            <a:avLst/>
+          </a:prstGeom>
+        </p:spPr>
+      </p:pic>
+      <p:cxnSp>
+        <p:nvCxnSpPr>
+          <p:cNvPr id="22" name="Kõverkonnektor 21"/>
+          <p:cNvCxnSpPr>
+            <a:stCxn id="3" idx="2"/>
+            <a:endCxn id="8" idx="0"/>
+          </p:cNvCxnSpPr>
+          <p:nvPr/>
+        </p:nvCxnSpPr>
+        <p:spPr>
+          <a:xfrm rot="16200000" flipH="1">
+            <a:off x="18408817" y="7919653"/>
+            <a:ext cx="968188" cy="7510610"/>
+          </a:xfrm>
+          <a:prstGeom prst="curvedConnector3">
+            <a:avLst/>
+          </a:prstGeom>
+          <a:ln w="82550">
+            <a:solidFill>
+              <a:schemeClr val="tx1"/>
+            </a:solidFill>
+            <a:tailEnd type="triangle"/>
+          </a:ln>
+        </p:spPr>
+        <p:style>
+          <a:lnRef idx="1">
+            <a:schemeClr val="accent1"/>
+          </a:lnRef>
+          <a:fillRef idx="0">
+            <a:schemeClr val="accent1"/>
+          </a:fillRef>
+          <a:effectRef idx="0">
+            <a:schemeClr val="accent1"/>
+          </a:effectRef>
+          <a:fontRef idx="minor">
+            <a:schemeClr val="tx1"/>
+          </a:fontRef>
+        </p:style>
+      </p:cxnSp>
+      <p:cxnSp>
+        <p:nvCxnSpPr>
+          <p:cNvPr id="24" name="Kõverkonnektor 23"/>
+          <p:cNvCxnSpPr>
+            <a:stCxn id="3" idx="2"/>
+            <a:endCxn id="9" idx="0"/>
+          </p:cNvCxnSpPr>
+          <p:nvPr/>
+        </p:nvCxnSpPr>
+        <p:spPr>
+          <a:xfrm rot="5400000">
+            <a:off x="10918453" y="7945755"/>
+            <a:ext cx="974045" cy="7464263"/>
+          </a:xfrm>
+          <a:prstGeom prst="curvedConnector3">
+            <a:avLst/>
+          </a:prstGeom>
+          <a:ln w="82550">
+            <a:solidFill>
+              <a:schemeClr val="tx1"/>
+            </a:solidFill>
+            <a:tailEnd type="triangle"/>
+          </a:ln>
+        </p:spPr>
+        <p:style>
+          <a:lnRef idx="1">
+            <a:schemeClr val="accent1"/>
+          </a:lnRef>
+          <a:fillRef idx="0">
+            <a:schemeClr val="accent1"/>
+          </a:fillRef>
+          <a:effectRef idx="0">
+            <a:schemeClr val="accent1"/>
+          </a:effectRef>
+          <a:fontRef idx="minor">
+            <a:schemeClr val="tx1"/>
+          </a:fontRef>
+        </p:style>
+      </p:cxnSp>
+      <p:sp>
+        <p:nvSpPr>
+          <p:cNvPr id="33" name="Joonviiktekst 2 32"/>
+          <p:cNvSpPr/>
+          <p:nvPr/>
+        </p:nvSpPr>
+        <p:spPr>
+          <a:xfrm>
+            <a:off x="19855544" y="19729662"/>
+            <a:ext cx="8556170" cy="2669584"/>
+          </a:xfrm>
+          <a:prstGeom prst="borderCallout2">
+            <a:avLst>
+              <a:gd name="adj1" fmla="val 18750"/>
+              <a:gd name="adj2" fmla="val -2052"/>
+              <a:gd name="adj3" fmla="val 18750"/>
+              <a:gd name="adj4" fmla="val -16667"/>
+              <a:gd name="adj5" fmla="val -9526"/>
+              <a:gd name="adj6" fmla="val -22041"/>
+            </a:avLst>
+          </a:prstGeom>
+          <a:solidFill>
+            <a:schemeClr val="bg2"/>
+          </a:solidFill>
+          <a:ln>
+            <a:gradFill>
+              <a:gsLst>
+                <a:gs pos="0">
+                  <a:schemeClr val="accent1">
+                    <a:lumMod val="5000"/>
+                    <a:lumOff val="95000"/>
+                  </a:schemeClr>
+                </a:gs>
+                <a:gs pos="74000">
+                  <a:schemeClr val="accent1">
+                    <a:lumMod val="45000"/>
+                    <a:lumOff val="55000"/>
+                  </a:schemeClr>
+                </a:gs>
+                <a:gs pos="83000">
+                  <a:schemeClr val="accent1">
+                    <a:lumMod val="45000"/>
+                    <a:lumOff val="55000"/>
+                  </a:schemeClr>
+                </a:gs>
+                <a:gs pos="100000">
+                  <a:schemeClr val="accent1">
+                    <a:lumMod val="30000"/>
+                    <a:lumOff val="70000"/>
+                  </a:schemeClr>
+                </a:gs>
+              </a:gsLst>
+              <a:lin ang="5400000" scaled="1"/>
+            </a:gradFill>
+          </a:ln>
+        </p:spPr>
+        <p:style>
+          <a:lnRef idx="2">
+            <a:schemeClr val="accent1">
+              <a:shade val="50000"/>
+            </a:schemeClr>
+          </a:lnRef>
+          <a:fillRef idx="1">
+            <a:schemeClr val="accent1"/>
+          </a:fillRef>
+          <a:effectRef idx="0">
+            <a:schemeClr val="accent1"/>
+          </a:effectRef>
+          <a:fontRef idx="minor">
+            <a:schemeClr val="lt1"/>
+          </a:fontRef>
+        </p:style>
+        <p:txBody>
+          <a:bodyPr rtlCol="0" anchor="ctr"/>
+          <a:lstStyle/>
+          <a:p>
+            <a:pPr algn="ctr"/>
+            <a:r>
+              <a:rPr lang="en-US" sz="2800" dirty="0">
+                <a:solidFill>
+                  <a:schemeClr val="tx1"/>
+                </a:solidFill>
+                <a:latin typeface="Berlin Sans FB" panose="020E0602020502020306" pitchFamily="34" charset="0"/>
+              </a:rPr>
+              <a:t>This is perhaps the only bet that has the highest percentage of accuracy. This means that if Man City or Liverpool plays in the English Premier League, then with the highest probability these teams will score a goal.</a:t>
+            </a:r>
+            <a:endParaRPr lang="et-EE" sz="2800" dirty="0">
+              <a:solidFill>
+                <a:schemeClr val="tx1"/>
+              </a:solidFill>
+              <a:latin typeface="Berlin Sans FB" panose="020E0602020502020306" pitchFamily="34" charset="0"/>
+            </a:endParaRPr>
+          </a:p>
+        </p:txBody>
+      </p:sp>
+    </p:spTree>
+    <p:extLst>
+      <p:ext uri="{BB962C8B-B14F-4D97-AF65-F5344CB8AC3E}">
+        <p14:creationId xmlns:p14="http://schemas.microsoft.com/office/powerpoint/2010/main" val="2708067375"/>
+      </p:ext>
+    </p:extLst>
+  </p:cSld>
+  <p:clrMapOvr>
+    <a:masterClrMapping/>
+  </p:clrMapOvr>
+  <p:timing>
+    <p:tnLst>
+      <p:par>
+        <p:cTn id="1" dur="indefinite" restart="never" nodeType="tmRoot"/>
+      </p:par>
+    </p:tnLst>
+  </p:timing>
 </p:sld>
 </file>
 

--- a/poster.pptx
+++ b/poster.pptx
@@ -127,7 +127,7 @@
 <file path=ppt/charts/chart1.xml><?xml version="1.0" encoding="utf-8"?>
 <c:chartSpace xmlns:c="http://schemas.openxmlformats.org/drawingml/2006/chart" xmlns:a="http://schemas.openxmlformats.org/drawingml/2006/main" xmlns:r="http://schemas.openxmlformats.org/officeDocument/2006/relationships" xmlns:c16r2="http://schemas.microsoft.com/office/drawing/2015/06/chart">
   <c:date1904 val="0"/>
-  <c:lang val="et-EE"/>
+  <c:lang val="en-US"/>
   <c:roundedCorners val="0"/>
   <mc:AlternateContent xmlns:mc="http://schemas.openxmlformats.org/markup-compatibility/2006">
     <mc:Choice xmlns:c14="http://schemas.microsoft.com/office/drawing/2007/8/2/chart" Requires="c14">
@@ -158,46 +158,12 @@
               </a:defRPr>
             </a:pPr>
             <a:r>
-              <a:rPr lang="et-EE" sz="5400" dirty="0" err="1"/>
-              <a:t>Prediction</a:t>
-            </a:r>
-            <a:r>
-              <a:rPr lang="et-EE" sz="5400" dirty="0"/>
-              <a:t> </a:t>
-            </a:r>
-            <a:r>
-              <a:rPr lang="et-EE" sz="5400" dirty="0" err="1"/>
-              <a:t>model</a:t>
-            </a:r>
-            <a:r>
-              <a:rPr lang="et-EE" sz="5400" dirty="0"/>
-              <a:t> vs </a:t>
-            </a:r>
-            <a:r>
-              <a:rPr lang="et-EE" sz="5400" dirty="0" err="1"/>
-              <a:t>actual</a:t>
-            </a:r>
-            <a:r>
-              <a:rPr lang="et-EE" sz="5400" dirty="0"/>
-              <a:t> </a:t>
-            </a:r>
-            <a:r>
-              <a:rPr lang="et-EE" sz="5400" dirty="0" err="1"/>
-              <a:t>team</a:t>
-            </a:r>
-            <a:r>
-              <a:rPr lang="et-EE" sz="5400" dirty="0"/>
-              <a:t> </a:t>
-            </a:r>
-            <a:r>
-              <a:rPr lang="et-EE" sz="5400" dirty="0" err="1"/>
-              <a:t>wins</a:t>
-            </a:r>
-            <a:endParaRPr lang="en-US" sz="5400" dirty="0"/>
+              <a:rPr lang="en-US" sz="6000" dirty="0"/>
+              <a:t>Prediction model vs actual team wins</a:t>
+            </a:r>
           </a:p>
         </c:rich>
       </c:tx>
-      <c:layout/>
       <c:overlay val="0"/>
       <c:spPr>
         <a:noFill/>
@@ -223,7 +189,7 @@
               <a:cs typeface="+mn-cs"/>
             </a:defRPr>
           </a:pPr>
-          <a:endParaRPr lang="et-EE"/>
+          <a:endParaRPr lang="en-US"/>
         </a:p>
       </c:txPr>
     </c:title>
@@ -239,7 +205,7 @@
           <c:order val="0"/>
           <c:tx>
             <c:strRef>
-              <c:f>Sheet1!$B$34</c:f>
+              <c:f>Sheet1!$B$63</c:f>
               <c:strCache>
                 <c:ptCount val="1"/>
                 <c:pt idx="0">
@@ -280,7 +246,7 @@
               <a:lstStyle/>
               <a:p>
                 <a:pPr>
-                  <a:defRPr sz="3000" b="1" i="0" u="none" strike="noStrike" kern="1200" baseline="0">
+                  <a:defRPr sz="2800" b="1" i="0" u="none" strike="noStrike" kern="1200" baseline="0">
                     <a:solidFill>
                       <a:schemeClr val="lt1"/>
                     </a:solidFill>
@@ -289,7 +255,7 @@
                     <a:cs typeface="+mn-cs"/>
                   </a:defRPr>
                 </a:pPr>
-                <a:endParaRPr lang="et-EE"/>
+                <a:endParaRPr lang="en-US"/>
               </a:p>
             </c:txPr>
             <c:dLblPos val="inEnd"/>
@@ -302,7 +268,6 @@
             <c:showLeaderLines val="0"/>
             <c:extLst>
               <c:ext xmlns:c15="http://schemas.microsoft.com/office/drawing/2012/chart" uri="{CE6537A1-D6FC-4f65-9D91-7224C49458BB}">
-                <c15:layout/>
                 <c15:showLeaderLines val="1"/>
                 <c15:leaderLines>
                   <c:spPr>
@@ -322,144 +287,144 @@
           </c:dLbls>
           <c:cat>
             <c:strRef>
-              <c:f>Sheet1!$A$35:$A$54</c:f>
+              <c:f>Sheet1!$A$64:$A$83</c:f>
               <c:strCache>
                 <c:ptCount val="20"/>
                 <c:pt idx="0">
+                  <c:v>Liverpool</c:v>
+                </c:pt>
+                <c:pt idx="1">
                   <c:v>Man City</c:v>
-                </c:pt>
-                <c:pt idx="1">
-                  <c:v>Liverpool</c:v>
                 </c:pt>
                 <c:pt idx="2">
                   <c:v>Chelsea</c:v>
                 </c:pt>
                 <c:pt idx="3">
-                  <c:v>Tottenham</c:v>
+                  <c:v>Arsenal</c:v>
                 </c:pt>
                 <c:pt idx="4">
-                  <c:v>Arsenal</c:v>
+                  <c:v>Leicester</c:v>
                 </c:pt>
                 <c:pt idx="5">
                   <c:v>Man United</c:v>
                 </c:pt>
                 <c:pt idx="6">
+                  <c:v>Tottenham</c:v>
+                </c:pt>
+                <c:pt idx="7">
                   <c:v>Wolves</c:v>
                 </c:pt>
-                <c:pt idx="7">
+                <c:pt idx="8">
+                  <c:v>Everton</c:v>
+                </c:pt>
+                <c:pt idx="9">
+                  <c:v>Bournemouth</c:v>
+                </c:pt>
+                <c:pt idx="10">
                   <c:v>Brighton</c:v>
-                </c:pt>
-                <c:pt idx="8">
-                  <c:v>Leicester</c:v>
-                </c:pt>
-                <c:pt idx="9">
-                  <c:v>West Ham</c:v>
-                </c:pt>
-                <c:pt idx="10">
-                  <c:v>Burnley</c:v>
                 </c:pt>
                 <c:pt idx="11">
                   <c:v>Watford</c:v>
                 </c:pt>
                 <c:pt idx="12">
-                  <c:v>Bournemouth</c:v>
+                  <c:v>Burnley</c:v>
                 </c:pt>
                 <c:pt idx="13">
-                  <c:v>Everton</c:v>
+                  <c:v>Aston Villa</c:v>
                 </c:pt>
                 <c:pt idx="14">
+                  <c:v>Crystal Palace</c:v>
+                </c:pt>
+                <c:pt idx="15">
+                  <c:v>Southampton</c:v>
+                </c:pt>
+                <c:pt idx="16">
                   <c:v>Newcastle</c:v>
                 </c:pt>
-                <c:pt idx="15">
-                  <c:v>Cardiff</c:v>
-                </c:pt>
-                <c:pt idx="16">
-                  <c:v>Crystal Palace</c:v>
-                </c:pt>
                 <c:pt idx="17">
-                  <c:v>Southampton</c:v>
+                  <c:v>West Ham</c:v>
                 </c:pt>
                 <c:pt idx="18">
-                  <c:v>Fulham</c:v>
+                  <c:v>Norwich</c:v>
                 </c:pt>
                 <c:pt idx="19">
-                  <c:v>Huddersfield</c:v>
+                  <c:v>Sheffield United</c:v>
                 </c:pt>
               </c:strCache>
             </c:strRef>
           </c:cat>
           <c:val>
             <c:numRef>
-              <c:f>Sheet1!$B$35:$B$54</c:f>
+              <c:f>Sheet1!$B$64:$B$83</c:f>
               <c:numCache>
                 <c:formatCode>General</c:formatCode>
                 <c:ptCount val="20"/>
                 <c:pt idx="0">
-                  <c:v>36</c:v>
+                  <c:v>15</c:v>
                 </c:pt>
                 <c:pt idx="1">
-                  <c:v>35</c:v>
+                  <c:v>15</c:v>
                 </c:pt>
                 <c:pt idx="2">
-                  <c:v>27</c:v>
+                  <c:v>12</c:v>
                 </c:pt>
                 <c:pt idx="3">
-                  <c:v>23</c:v>
+                  <c:v>12</c:v>
                 </c:pt>
                 <c:pt idx="4">
-                  <c:v>20</c:v>
+                  <c:v>11</c:v>
                 </c:pt>
                 <c:pt idx="5">
-                  <c:v>19</c:v>
+                  <c:v>10</c:v>
                 </c:pt>
                 <c:pt idx="6">
-                  <c:v>18</c:v>
+                  <c:v>10</c:v>
                 </c:pt>
                 <c:pt idx="7">
-                  <c:v>18</c:v>
+                  <c:v>8</c:v>
                 </c:pt>
                 <c:pt idx="8">
-                  <c:v>18</c:v>
+                  <c:v>7</c:v>
                 </c:pt>
                 <c:pt idx="9">
-                  <c:v>18</c:v>
+                  <c:v>6</c:v>
                 </c:pt>
                 <c:pt idx="10">
-                  <c:v>17</c:v>
+                  <c:v>6</c:v>
                 </c:pt>
                 <c:pt idx="11">
-                  <c:v>17</c:v>
+                  <c:v>6</c:v>
                 </c:pt>
                 <c:pt idx="12">
-                  <c:v>17</c:v>
+                  <c:v>5</c:v>
                 </c:pt>
                 <c:pt idx="13">
-                  <c:v>17</c:v>
+                  <c:v>5</c:v>
                 </c:pt>
                 <c:pt idx="14">
-                  <c:v>17</c:v>
+                  <c:v>5</c:v>
                 </c:pt>
                 <c:pt idx="15">
-                  <c:v>16</c:v>
+                  <c:v>5</c:v>
                 </c:pt>
                 <c:pt idx="16">
-                  <c:v>16</c:v>
+                  <c:v>5</c:v>
                 </c:pt>
                 <c:pt idx="17">
-                  <c:v>15</c:v>
+                  <c:v>5</c:v>
                 </c:pt>
                 <c:pt idx="18">
-                  <c:v>15</c:v>
+                  <c:v>4</c:v>
                 </c:pt>
                 <c:pt idx="19">
-                  <c:v>1</c:v>
+                  <c:v>0</c:v>
                 </c:pt>
               </c:numCache>
             </c:numRef>
           </c:val>
           <c:extLst>
             <c:ext xmlns:c16="http://schemas.microsoft.com/office/drawing/2014/chart" uri="{C3380CC4-5D6E-409C-BE32-E72D297353CC}">
-              <c16:uniqueId val="{00000000-990F-405E-94F5-005AADE62E42}"/>
+              <c16:uniqueId val="{00000000-41D8-4022-B467-12AAE69B2AC3}"/>
             </c:ext>
           </c:extLst>
         </c:ser>
@@ -468,11 +433,11 @@
           <c:order val="1"/>
           <c:tx>
             <c:strRef>
-              <c:f>Sheet1!$C$34</c:f>
+              <c:f>Sheet1!$C$63</c:f>
               <c:strCache>
                 <c:ptCount val="1"/>
                 <c:pt idx="0">
-                  <c:v>18-19 Season team wins</c:v>
+                  <c:v>19-20 Season team wins</c:v>
                 </c:pt>
               </c:strCache>
             </c:strRef>
@@ -509,7 +474,7 @@
               <a:lstStyle/>
               <a:p>
                 <a:pPr>
-                  <a:defRPr sz="3000" b="1" i="0" u="none" strike="noStrike" kern="1200" baseline="0">
+                  <a:defRPr sz="2800" b="1" i="0" u="none" strike="noStrike" kern="1200" baseline="0">
                     <a:solidFill>
                       <a:schemeClr val="lt1"/>
                     </a:solidFill>
@@ -518,7 +483,7 @@
                     <a:cs typeface="+mn-cs"/>
                   </a:defRPr>
                 </a:pPr>
-                <a:endParaRPr lang="et-EE"/>
+                <a:endParaRPr lang="en-US"/>
               </a:p>
             </c:txPr>
             <c:dLblPos val="inEnd"/>
@@ -531,7 +496,6 @@
             <c:showLeaderLines val="0"/>
             <c:extLst>
               <c:ext xmlns:c15="http://schemas.microsoft.com/office/drawing/2012/chart" uri="{CE6537A1-D6FC-4f65-9D91-7224C49458BB}">
-                <c15:layout/>
                 <c15:showLeaderLines val="1"/>
                 <c15:leaderLines>
                   <c:spPr>
@@ -551,144 +515,144 @@
           </c:dLbls>
           <c:cat>
             <c:strRef>
-              <c:f>Sheet1!$A$35:$A$54</c:f>
+              <c:f>Sheet1!$A$64:$A$83</c:f>
               <c:strCache>
                 <c:ptCount val="20"/>
                 <c:pt idx="0">
+                  <c:v>Liverpool</c:v>
+                </c:pt>
+                <c:pt idx="1">
                   <c:v>Man City</c:v>
-                </c:pt>
-                <c:pt idx="1">
-                  <c:v>Liverpool</c:v>
                 </c:pt>
                 <c:pt idx="2">
                   <c:v>Chelsea</c:v>
                 </c:pt>
                 <c:pt idx="3">
-                  <c:v>Tottenham</c:v>
+                  <c:v>Arsenal</c:v>
                 </c:pt>
                 <c:pt idx="4">
-                  <c:v>Arsenal</c:v>
+                  <c:v>Leicester</c:v>
                 </c:pt>
                 <c:pt idx="5">
                   <c:v>Man United</c:v>
                 </c:pt>
                 <c:pt idx="6">
+                  <c:v>Tottenham</c:v>
+                </c:pt>
+                <c:pt idx="7">
                   <c:v>Wolves</c:v>
                 </c:pt>
-                <c:pt idx="7">
+                <c:pt idx="8">
+                  <c:v>Everton</c:v>
+                </c:pt>
+                <c:pt idx="9">
+                  <c:v>Bournemouth</c:v>
+                </c:pt>
+                <c:pt idx="10">
                   <c:v>Brighton</c:v>
-                </c:pt>
-                <c:pt idx="8">
-                  <c:v>Leicester</c:v>
-                </c:pt>
-                <c:pt idx="9">
-                  <c:v>West Ham</c:v>
-                </c:pt>
-                <c:pt idx="10">
-                  <c:v>Burnley</c:v>
                 </c:pt>
                 <c:pt idx="11">
                   <c:v>Watford</c:v>
                 </c:pt>
                 <c:pt idx="12">
-                  <c:v>Bournemouth</c:v>
+                  <c:v>Burnley</c:v>
                 </c:pt>
                 <c:pt idx="13">
-                  <c:v>Everton</c:v>
+                  <c:v>Aston Villa</c:v>
                 </c:pt>
                 <c:pt idx="14">
+                  <c:v>Crystal Palace</c:v>
+                </c:pt>
+                <c:pt idx="15">
+                  <c:v>Southampton</c:v>
+                </c:pt>
+                <c:pt idx="16">
                   <c:v>Newcastle</c:v>
                 </c:pt>
-                <c:pt idx="15">
-                  <c:v>Cardiff</c:v>
-                </c:pt>
-                <c:pt idx="16">
-                  <c:v>Crystal Palace</c:v>
-                </c:pt>
                 <c:pt idx="17">
-                  <c:v>Southampton</c:v>
+                  <c:v>West Ham</c:v>
                 </c:pt>
                 <c:pt idx="18">
-                  <c:v>Fulham</c:v>
+                  <c:v>Norwich</c:v>
                 </c:pt>
                 <c:pt idx="19">
-                  <c:v>Huddersfield</c:v>
+                  <c:v>Sheffield United</c:v>
                 </c:pt>
               </c:strCache>
             </c:strRef>
           </c:cat>
           <c:val>
             <c:numRef>
-              <c:f>Sheet1!$C$35:$C$54</c:f>
+              <c:f>Sheet1!$C$64:$C$83</c:f>
               <c:numCache>
                 <c:formatCode>General</c:formatCode>
                 <c:ptCount val="20"/>
                 <c:pt idx="0">
-                  <c:v>32</c:v>
+                  <c:v>15</c:v>
                 </c:pt>
                 <c:pt idx="1">
-                  <c:v>30</c:v>
+                  <c:v>10</c:v>
                 </c:pt>
                 <c:pt idx="2">
-                  <c:v>21</c:v>
+                  <c:v>9</c:v>
                 </c:pt>
                 <c:pt idx="3">
-                  <c:v>23</c:v>
+                  <c:v>5</c:v>
                 </c:pt>
                 <c:pt idx="4">
-                  <c:v>21</c:v>
+                  <c:v>12</c:v>
                 </c:pt>
                 <c:pt idx="5">
-                  <c:v>19</c:v>
+                  <c:v>6</c:v>
                 </c:pt>
                 <c:pt idx="6">
-                  <c:v>16</c:v>
+                  <c:v>6</c:v>
                 </c:pt>
                 <c:pt idx="7">
-                  <c:v>9</c:v>
+                  <c:v>5</c:v>
                 </c:pt>
                 <c:pt idx="8">
-                  <c:v>15</c:v>
+                  <c:v>5</c:v>
                 </c:pt>
                 <c:pt idx="9">
-                  <c:v>15</c:v>
+                  <c:v>4</c:v>
                 </c:pt>
                 <c:pt idx="10">
-                  <c:v>11</c:v>
+                  <c:v>5</c:v>
                 </c:pt>
                 <c:pt idx="11">
-                  <c:v>14</c:v>
+                  <c:v>1</c:v>
                 </c:pt>
                 <c:pt idx="12">
-                  <c:v>13</c:v>
+                  <c:v>5</c:v>
                 </c:pt>
                 <c:pt idx="13">
-                  <c:v>15</c:v>
+                  <c:v>4</c:v>
                 </c:pt>
                 <c:pt idx="14">
-                  <c:v>12</c:v>
+                  <c:v>6</c:v>
                 </c:pt>
                 <c:pt idx="15">
-                  <c:v>10</c:v>
+                  <c:v>4</c:v>
                 </c:pt>
                 <c:pt idx="16">
-                  <c:v>14</c:v>
+                  <c:v>6</c:v>
                 </c:pt>
                 <c:pt idx="17">
-                  <c:v>9</c:v>
+                  <c:v>4</c:v>
                 </c:pt>
                 <c:pt idx="18">
-                  <c:v>7</c:v>
+                  <c:v>3</c:v>
                 </c:pt>
                 <c:pt idx="19">
-                  <c:v>3</c:v>
+                  <c:v>5</c:v>
                 </c:pt>
               </c:numCache>
             </c:numRef>
           </c:val>
           <c:extLst>
             <c:ext xmlns:c16="http://schemas.microsoft.com/office/drawing/2014/chart" uri="{C3380CC4-5D6E-409C-BE32-E72D297353CC}">
-              <c16:uniqueId val="{00000001-990F-405E-94F5-005AADE62E42}"/>
+              <c16:uniqueId val="{00000001-41D8-4022-B467-12AAE69B2AC3}"/>
             </c:ext>
           </c:extLst>
         </c:ser>
@@ -702,11 +666,11 @@
           <c:showBubbleSize val="0"/>
         </c:dLbls>
         <c:gapWidth val="65"/>
-        <c:axId val="690267456"/>
-        <c:axId val="690268768"/>
+        <c:axId val="454559080"/>
+        <c:axId val="454564000"/>
       </c:barChart>
       <c:catAx>
-        <c:axId val="690267456"/>
+        <c:axId val="454559080"/>
         <c:scaling>
           <c:orientation val="minMax"/>
         </c:scaling>
@@ -734,7 +698,7 @@
           <a:lstStyle/>
           <a:p>
             <a:pPr>
-              <a:defRPr sz="3600" b="0" i="0" u="none" strike="noStrike" kern="1200" cap="all" baseline="0">
+              <a:defRPr sz="2800" b="0" i="0" u="none" strike="noStrike" kern="1200" cap="all" baseline="0">
                 <a:solidFill>
                   <a:schemeClr val="dk1">
                     <a:lumMod val="75000"/>
@@ -746,10 +710,10 @@
                 <a:cs typeface="+mn-cs"/>
               </a:defRPr>
             </a:pPr>
-            <a:endParaRPr lang="et-EE"/>
+            <a:endParaRPr lang="en-US"/>
           </a:p>
         </c:txPr>
-        <c:crossAx val="690268768"/>
+        <c:crossAx val="454564000"/>
         <c:crosses val="autoZero"/>
         <c:auto val="1"/>
         <c:lblAlgn val="ctr"/>
@@ -757,7 +721,7 @@
         <c:noMultiLvlLbl val="0"/>
       </c:catAx>
       <c:valAx>
-        <c:axId val="690268768"/>
+        <c:axId val="454564000"/>
         <c:scaling>
           <c:orientation val="minMax"/>
         </c:scaling>
@@ -793,7 +757,7 @@
         <c:majorTickMark val="none"/>
         <c:minorTickMark val="none"/>
         <c:tickLblPos val="nextTo"/>
-        <c:crossAx val="690267456"/>
+        <c:crossAx val="454559080"/>
         <c:crosses val="autoZero"/>
         <c:crossBetween val="between"/>
       </c:valAx>
@@ -807,7 +771,6 @@
     </c:plotArea>
     <c:legend>
       <c:legendPos val="b"/>
-      <c:layout/>
       <c:overlay val="0"/>
       <c:spPr>
         <a:solidFill>
@@ -826,7 +789,7 @@
         <a:lstStyle/>
         <a:p>
           <a:pPr>
-            <a:defRPr sz="3600" b="0" i="0" u="none" strike="noStrike" kern="1200" baseline="0">
+            <a:defRPr sz="2400" b="0" i="0" u="none" strike="noStrike" kern="1200" baseline="0">
               <a:solidFill>
                 <a:schemeClr val="dk1">
                   <a:lumMod val="75000"/>
@@ -838,13 +801,12 @@
               <a:cs typeface="+mn-cs"/>
             </a:defRPr>
           </a:pPr>
-          <a:endParaRPr lang="et-EE"/>
+          <a:endParaRPr lang="en-US"/>
         </a:p>
       </c:txPr>
     </c:legend>
     <c:plotVisOnly val="1"/>
     <c:dispBlanksAs val="gap"/>
-    <c:showDLblsOverMax val="0"/>
     <c:extLst>
       <c:ext xmlns:c16r3="http://schemas.microsoft.com/office/drawing/2017/03/chart" uri="{56B9EC1D-385E-4148-901F-78D8002777C0}">
         <c16r3:dataDisplayOptions16>
@@ -852,6 +814,7 @@
         </c16r3:dataDisplayOptions16>
       </c:ext>
     </c:extLst>
+    <c:showDLblsOverMax val="0"/>
   </c:chart>
   <c:spPr>
     <a:gradFill flip="none" rotWithShape="1">
@@ -891,7 +854,2534 @@
       <a:pPr>
         <a:defRPr/>
       </a:pPr>
-      <a:endParaRPr lang="et-EE"/>
+      <a:endParaRPr lang="en-US"/>
+    </a:p>
+  </c:txPr>
+  <c:externalData r:id="rId3">
+    <c:autoUpdate val="0"/>
+  </c:externalData>
+</c:chartSpace>
+</file>
+
+<file path=ppt/charts/chart2.xml><?xml version="1.0" encoding="utf-8"?>
+<c:chartSpace xmlns:c="http://schemas.openxmlformats.org/drawingml/2006/chart" xmlns:a="http://schemas.openxmlformats.org/drawingml/2006/main" xmlns:r="http://schemas.openxmlformats.org/officeDocument/2006/relationships" xmlns:c16r2="http://schemas.microsoft.com/office/drawing/2015/06/chart">
+  <c:date1904 val="0"/>
+  <c:lang val="en-US"/>
+  <c:roundedCorners val="0"/>
+  <mc:AlternateContent xmlns:mc="http://schemas.openxmlformats.org/markup-compatibility/2006">
+    <mc:Choice xmlns:c14="http://schemas.microsoft.com/office/drawing/2007/8/2/chart" Requires="c14">
+      <c14:style val="102"/>
+    </mc:Choice>
+    <mc:Fallback>
+      <c:style val="2"/>
+    </mc:Fallback>
+  </mc:AlternateContent>
+  <c:chart>
+    <c:title>
+      <c:tx>
+        <c:rich>
+          <a:bodyPr rot="0" spcFirstLastPara="1" vertOverflow="ellipsis" vert="horz" wrap="square" anchor="ctr" anchorCtr="1"/>
+          <a:lstStyle/>
+          <a:p>
+            <a:pPr>
+              <a:defRPr sz="3200" b="1" i="0" u="none" strike="noStrike" kern="1200" spc="0" baseline="0">
+                <a:solidFill>
+                  <a:schemeClr val="tx1">
+                    <a:lumMod val="65000"/>
+                    <a:lumOff val="35000"/>
+                  </a:schemeClr>
+                </a:solidFill>
+                <a:latin typeface="+mn-lt"/>
+                <a:ea typeface="+mn-ea"/>
+                <a:cs typeface="+mn-cs"/>
+              </a:defRPr>
+            </a:pPr>
+            <a:r>
+              <a:rPr lang="et-EE" sz="3200" b="1"/>
+              <a:t>Season</a:t>
+            </a:r>
+            <a:r>
+              <a:rPr lang="et-EE" sz="3200" b="1" baseline="0"/>
+              <a:t> 2018-2019</a:t>
+            </a:r>
+          </a:p>
+          <a:p>
+            <a:pPr>
+              <a:defRPr sz="3200" b="1"/>
+            </a:pPr>
+            <a:r>
+              <a:rPr lang="et-EE" sz="3200" b="1" baseline="0"/>
+              <a:t>Total games count was 38</a:t>
+            </a:r>
+          </a:p>
+        </c:rich>
+      </c:tx>
+      <c:overlay val="0"/>
+      <c:spPr>
+        <a:noFill/>
+        <a:ln>
+          <a:noFill/>
+        </a:ln>
+        <a:effectLst/>
+      </c:spPr>
+      <c:txPr>
+        <a:bodyPr rot="0" spcFirstLastPara="1" vertOverflow="ellipsis" vert="horz" wrap="square" anchor="ctr" anchorCtr="1"/>
+        <a:lstStyle/>
+        <a:p>
+          <a:pPr>
+            <a:defRPr sz="3200" b="1" i="0" u="none" strike="noStrike" kern="1200" spc="0" baseline="0">
+              <a:solidFill>
+                <a:schemeClr val="tx1">
+                  <a:lumMod val="65000"/>
+                  <a:lumOff val="35000"/>
+                </a:schemeClr>
+              </a:solidFill>
+              <a:latin typeface="+mn-lt"/>
+              <a:ea typeface="+mn-ea"/>
+              <a:cs typeface="+mn-cs"/>
+            </a:defRPr>
+          </a:pPr>
+          <a:endParaRPr lang="en-US"/>
+        </a:p>
+      </c:txPr>
+    </c:title>
+    <c:autoTitleDeleted val="0"/>
+    <c:plotArea>
+      <c:layout/>
+      <c:barChart>
+        <c:barDir val="col"/>
+        <c:grouping val="stacked"/>
+        <c:varyColors val="0"/>
+        <c:ser>
+          <c:idx val="0"/>
+          <c:order val="0"/>
+          <c:tx>
+            <c:strRef>
+              <c:f>Leht1!$B$53</c:f>
+              <c:strCache>
+                <c:ptCount val="1"/>
+                <c:pt idx="0">
+                  <c:v>Games where team scored goals</c:v>
+                </c:pt>
+              </c:strCache>
+            </c:strRef>
+          </c:tx>
+          <c:spPr>
+            <a:solidFill>
+              <a:schemeClr val="accent1"/>
+            </a:solidFill>
+            <a:ln>
+              <a:noFill/>
+            </a:ln>
+            <a:effectLst/>
+          </c:spPr>
+          <c:invertIfNegative val="0"/>
+          <c:dLbls>
+            <c:spPr>
+              <a:noFill/>
+              <a:ln>
+                <a:noFill/>
+              </a:ln>
+              <a:effectLst/>
+            </c:spPr>
+            <c:txPr>
+              <a:bodyPr rot="0" spcFirstLastPara="1" vertOverflow="ellipsis" vert="horz" wrap="square" lIns="38100" tIns="19050" rIns="38100" bIns="19050" anchor="ctr" anchorCtr="1">
+                <a:spAutoFit/>
+              </a:bodyPr>
+              <a:lstStyle/>
+              <a:p>
+                <a:pPr>
+                  <a:defRPr sz="3600" b="0" i="0" u="none" strike="noStrike" kern="1200" baseline="0">
+                    <a:solidFill>
+                      <a:schemeClr val="tx1">
+                        <a:lumMod val="75000"/>
+                        <a:lumOff val="25000"/>
+                      </a:schemeClr>
+                    </a:solidFill>
+                    <a:latin typeface="+mn-lt"/>
+                    <a:ea typeface="+mn-ea"/>
+                    <a:cs typeface="+mn-cs"/>
+                  </a:defRPr>
+                </a:pPr>
+                <a:endParaRPr lang="en-US"/>
+              </a:p>
+            </c:txPr>
+            <c:showLegendKey val="0"/>
+            <c:showVal val="1"/>
+            <c:showCatName val="0"/>
+            <c:showSerName val="0"/>
+            <c:showPercent val="0"/>
+            <c:showBubbleSize val="0"/>
+            <c:showLeaderLines val="0"/>
+            <c:extLst>
+              <c:ext xmlns:c15="http://schemas.microsoft.com/office/drawing/2012/chart" uri="{CE6537A1-D6FC-4f65-9D91-7224C49458BB}">
+                <c15:showLeaderLines val="1"/>
+                <c15:leaderLines>
+                  <c:spPr>
+                    <a:ln w="9525" cap="flat" cmpd="sng" algn="ctr">
+                      <a:solidFill>
+                        <a:schemeClr val="tx1">
+                          <a:lumMod val="35000"/>
+                          <a:lumOff val="65000"/>
+                        </a:schemeClr>
+                      </a:solidFill>
+                      <a:round/>
+                    </a:ln>
+                    <a:effectLst/>
+                  </c:spPr>
+                </c15:leaderLines>
+              </c:ext>
+            </c:extLst>
+          </c:dLbls>
+          <c:cat>
+            <c:strRef>
+              <c:f>Leht1!$C$52:$G$52</c:f>
+              <c:strCache>
+                <c:ptCount val="5"/>
+                <c:pt idx="0">
+                  <c:v>Man City</c:v>
+                </c:pt>
+                <c:pt idx="1">
+                  <c:v>Liverpool</c:v>
+                </c:pt>
+                <c:pt idx="2">
+                  <c:v>Chelsea</c:v>
+                </c:pt>
+                <c:pt idx="3">
+                  <c:v>Tottenham</c:v>
+                </c:pt>
+                <c:pt idx="4">
+                  <c:v>Man United</c:v>
+                </c:pt>
+              </c:strCache>
+            </c:strRef>
+          </c:cat>
+          <c:val>
+            <c:numRef>
+              <c:f>Leht1!$C$53:$G$53</c:f>
+              <c:numCache>
+                <c:formatCode>General</c:formatCode>
+                <c:ptCount val="5"/>
+                <c:pt idx="0">
+                  <c:v>36</c:v>
+                </c:pt>
+                <c:pt idx="1">
+                  <c:v>35</c:v>
+                </c:pt>
+                <c:pt idx="2">
+                  <c:v>28</c:v>
+                </c:pt>
+                <c:pt idx="3">
+                  <c:v>32</c:v>
+                </c:pt>
+                <c:pt idx="4">
+                  <c:v>31</c:v>
+                </c:pt>
+              </c:numCache>
+            </c:numRef>
+          </c:val>
+          <c:extLst>
+            <c:ext xmlns:c16="http://schemas.microsoft.com/office/drawing/2014/chart" uri="{C3380CC4-5D6E-409C-BE32-E72D297353CC}">
+              <c16:uniqueId val="{00000000-080F-4590-8032-BB0C48BF9DC0}"/>
+            </c:ext>
+          </c:extLst>
+        </c:ser>
+        <c:ser>
+          <c:idx val="1"/>
+          <c:order val="1"/>
+          <c:tx>
+            <c:strRef>
+              <c:f>Leht1!$B$54</c:f>
+              <c:strCache>
+                <c:ptCount val="1"/>
+                <c:pt idx="0">
+                  <c:v>Games where team did not score goals</c:v>
+                </c:pt>
+              </c:strCache>
+            </c:strRef>
+          </c:tx>
+          <c:spPr>
+            <a:solidFill>
+              <a:schemeClr val="accent2"/>
+            </a:solidFill>
+            <a:ln>
+              <a:noFill/>
+            </a:ln>
+            <a:effectLst/>
+          </c:spPr>
+          <c:invertIfNegative val="0"/>
+          <c:dLbls>
+            <c:spPr>
+              <a:noFill/>
+              <a:ln>
+                <a:noFill/>
+              </a:ln>
+              <a:effectLst/>
+            </c:spPr>
+            <c:txPr>
+              <a:bodyPr rot="0" spcFirstLastPara="1" vertOverflow="ellipsis" vert="horz" wrap="square" lIns="38100" tIns="19050" rIns="38100" bIns="19050" anchor="ctr" anchorCtr="1">
+                <a:spAutoFit/>
+              </a:bodyPr>
+              <a:lstStyle/>
+              <a:p>
+                <a:pPr>
+                  <a:defRPr sz="3200" b="0" i="0" u="none" strike="noStrike" kern="1200" baseline="0">
+                    <a:solidFill>
+                      <a:schemeClr val="tx1">
+                        <a:lumMod val="75000"/>
+                        <a:lumOff val="25000"/>
+                      </a:schemeClr>
+                    </a:solidFill>
+                    <a:latin typeface="+mn-lt"/>
+                    <a:ea typeface="+mn-ea"/>
+                    <a:cs typeface="+mn-cs"/>
+                  </a:defRPr>
+                </a:pPr>
+                <a:endParaRPr lang="en-US"/>
+              </a:p>
+            </c:txPr>
+            <c:showLegendKey val="0"/>
+            <c:showVal val="1"/>
+            <c:showCatName val="0"/>
+            <c:showSerName val="0"/>
+            <c:showPercent val="0"/>
+            <c:showBubbleSize val="0"/>
+            <c:showLeaderLines val="0"/>
+            <c:extLst>
+              <c:ext xmlns:c15="http://schemas.microsoft.com/office/drawing/2012/chart" uri="{CE6537A1-D6FC-4f65-9D91-7224C49458BB}">
+                <c15:showLeaderLines val="1"/>
+                <c15:leaderLines>
+                  <c:spPr>
+                    <a:ln w="9525" cap="flat" cmpd="sng" algn="ctr">
+                      <a:solidFill>
+                        <a:schemeClr val="tx1">
+                          <a:lumMod val="35000"/>
+                          <a:lumOff val="65000"/>
+                        </a:schemeClr>
+                      </a:solidFill>
+                      <a:round/>
+                    </a:ln>
+                    <a:effectLst/>
+                  </c:spPr>
+                </c15:leaderLines>
+              </c:ext>
+            </c:extLst>
+          </c:dLbls>
+          <c:cat>
+            <c:strRef>
+              <c:f>Leht1!$C$52:$G$52</c:f>
+              <c:strCache>
+                <c:ptCount val="5"/>
+                <c:pt idx="0">
+                  <c:v>Man City</c:v>
+                </c:pt>
+                <c:pt idx="1">
+                  <c:v>Liverpool</c:v>
+                </c:pt>
+                <c:pt idx="2">
+                  <c:v>Chelsea</c:v>
+                </c:pt>
+                <c:pt idx="3">
+                  <c:v>Tottenham</c:v>
+                </c:pt>
+                <c:pt idx="4">
+                  <c:v>Man United</c:v>
+                </c:pt>
+              </c:strCache>
+            </c:strRef>
+          </c:cat>
+          <c:val>
+            <c:numRef>
+              <c:f>Leht1!$C$54:$G$54</c:f>
+              <c:numCache>
+                <c:formatCode>General</c:formatCode>
+                <c:ptCount val="5"/>
+                <c:pt idx="0">
+                  <c:v>2</c:v>
+                </c:pt>
+                <c:pt idx="1">
+                  <c:v>3</c:v>
+                </c:pt>
+                <c:pt idx="2">
+                  <c:v>10</c:v>
+                </c:pt>
+                <c:pt idx="3">
+                  <c:v>6</c:v>
+                </c:pt>
+                <c:pt idx="4">
+                  <c:v>7</c:v>
+                </c:pt>
+              </c:numCache>
+            </c:numRef>
+          </c:val>
+          <c:extLst>
+            <c:ext xmlns:c16="http://schemas.microsoft.com/office/drawing/2014/chart" uri="{C3380CC4-5D6E-409C-BE32-E72D297353CC}">
+              <c16:uniqueId val="{00000001-080F-4590-8032-BB0C48BF9DC0}"/>
+            </c:ext>
+          </c:extLst>
+        </c:ser>
+        <c:dLbls>
+          <c:showLegendKey val="0"/>
+          <c:showVal val="0"/>
+          <c:showCatName val="0"/>
+          <c:showSerName val="0"/>
+          <c:showPercent val="0"/>
+          <c:showBubbleSize val="0"/>
+        </c:dLbls>
+        <c:gapWidth val="150"/>
+        <c:overlap val="100"/>
+        <c:axId val="454401688"/>
+        <c:axId val="454407592"/>
+      </c:barChart>
+      <c:catAx>
+        <c:axId val="454401688"/>
+        <c:scaling>
+          <c:orientation val="minMax"/>
+        </c:scaling>
+        <c:delete val="0"/>
+        <c:axPos val="b"/>
+        <c:numFmt formatCode="General" sourceLinked="1"/>
+        <c:majorTickMark val="none"/>
+        <c:minorTickMark val="none"/>
+        <c:tickLblPos val="nextTo"/>
+        <c:spPr>
+          <a:noFill/>
+          <a:ln w="9525" cap="flat" cmpd="sng" algn="ctr">
+            <a:solidFill>
+              <a:schemeClr val="tx1">
+                <a:lumMod val="15000"/>
+                <a:lumOff val="85000"/>
+              </a:schemeClr>
+            </a:solidFill>
+            <a:round/>
+          </a:ln>
+          <a:effectLst/>
+        </c:spPr>
+        <c:txPr>
+          <a:bodyPr rot="-60000000" spcFirstLastPara="1" vertOverflow="ellipsis" vert="horz" wrap="square" anchor="ctr" anchorCtr="1"/>
+          <a:lstStyle/>
+          <a:p>
+            <a:pPr>
+              <a:defRPr sz="2800" b="0" i="0" u="none" strike="noStrike" kern="1200" baseline="0">
+                <a:solidFill>
+                  <a:schemeClr val="tx1">
+                    <a:lumMod val="65000"/>
+                    <a:lumOff val="35000"/>
+                  </a:schemeClr>
+                </a:solidFill>
+                <a:latin typeface="+mn-lt"/>
+                <a:ea typeface="+mn-ea"/>
+                <a:cs typeface="+mn-cs"/>
+              </a:defRPr>
+            </a:pPr>
+            <a:endParaRPr lang="en-US"/>
+          </a:p>
+        </c:txPr>
+        <c:crossAx val="454407592"/>
+        <c:crosses val="autoZero"/>
+        <c:auto val="1"/>
+        <c:lblAlgn val="ctr"/>
+        <c:lblOffset val="100"/>
+        <c:noMultiLvlLbl val="0"/>
+      </c:catAx>
+      <c:valAx>
+        <c:axId val="454407592"/>
+        <c:scaling>
+          <c:orientation val="minMax"/>
+        </c:scaling>
+        <c:delete val="0"/>
+        <c:axPos val="l"/>
+        <c:majorGridlines>
+          <c:spPr>
+            <a:ln w="9525" cap="flat" cmpd="sng" algn="ctr">
+              <a:solidFill>
+                <a:schemeClr val="tx1">
+                  <a:lumMod val="15000"/>
+                  <a:lumOff val="85000"/>
+                </a:schemeClr>
+              </a:solidFill>
+              <a:round/>
+            </a:ln>
+            <a:effectLst/>
+          </c:spPr>
+        </c:majorGridlines>
+        <c:numFmt formatCode="General" sourceLinked="1"/>
+        <c:majorTickMark val="none"/>
+        <c:minorTickMark val="none"/>
+        <c:tickLblPos val="nextTo"/>
+        <c:spPr>
+          <a:noFill/>
+          <a:ln>
+            <a:noFill/>
+          </a:ln>
+          <a:effectLst/>
+        </c:spPr>
+        <c:txPr>
+          <a:bodyPr rot="-60000000" spcFirstLastPara="1" vertOverflow="ellipsis" vert="horz" wrap="square" anchor="ctr" anchorCtr="1"/>
+          <a:lstStyle/>
+          <a:p>
+            <a:pPr>
+              <a:defRPr sz="1200" b="0" i="0" u="none" strike="noStrike" kern="1200" baseline="0">
+                <a:solidFill>
+                  <a:schemeClr val="tx1">
+                    <a:lumMod val="65000"/>
+                    <a:lumOff val="35000"/>
+                  </a:schemeClr>
+                </a:solidFill>
+                <a:latin typeface="+mn-lt"/>
+                <a:ea typeface="+mn-ea"/>
+                <a:cs typeface="+mn-cs"/>
+              </a:defRPr>
+            </a:pPr>
+            <a:endParaRPr lang="en-US"/>
+          </a:p>
+        </c:txPr>
+        <c:crossAx val="454401688"/>
+        <c:crosses val="autoZero"/>
+        <c:crossBetween val="between"/>
+      </c:valAx>
+      <c:spPr>
+        <a:noFill/>
+        <a:ln>
+          <a:noFill/>
+        </a:ln>
+        <a:effectLst/>
+      </c:spPr>
+    </c:plotArea>
+    <c:legend>
+      <c:legendPos val="b"/>
+      <c:overlay val="0"/>
+      <c:spPr>
+        <a:noFill/>
+        <a:ln>
+          <a:noFill/>
+        </a:ln>
+        <a:effectLst/>
+      </c:spPr>
+      <c:txPr>
+        <a:bodyPr rot="0" spcFirstLastPara="1" vertOverflow="ellipsis" vert="horz" wrap="square" anchor="ctr" anchorCtr="1"/>
+        <a:lstStyle/>
+        <a:p>
+          <a:pPr>
+            <a:defRPr sz="2400" b="0" i="0" u="none" strike="noStrike" kern="1200" baseline="0">
+              <a:solidFill>
+                <a:schemeClr val="tx1">
+                  <a:lumMod val="65000"/>
+                  <a:lumOff val="35000"/>
+                </a:schemeClr>
+              </a:solidFill>
+              <a:latin typeface="+mn-lt"/>
+              <a:ea typeface="+mn-ea"/>
+              <a:cs typeface="+mn-cs"/>
+            </a:defRPr>
+          </a:pPr>
+          <a:endParaRPr lang="en-US"/>
+        </a:p>
+      </c:txPr>
+    </c:legend>
+    <c:plotVisOnly val="1"/>
+    <c:dispBlanksAs val="gap"/>
+    <c:showDLblsOverMax val="0"/>
+  </c:chart>
+  <c:spPr>
+    <a:solidFill>
+      <a:schemeClr val="bg1"/>
+    </a:solidFill>
+    <a:ln>
+      <a:noFill/>
+    </a:ln>
+    <a:effectLst/>
+  </c:spPr>
+  <c:txPr>
+    <a:bodyPr/>
+    <a:lstStyle/>
+    <a:p>
+      <a:pPr>
+        <a:defRPr/>
+      </a:pPr>
+      <a:endParaRPr lang="en-US"/>
+    </a:p>
+  </c:txPr>
+  <c:externalData r:id="rId3">
+    <c:autoUpdate val="0"/>
+  </c:externalData>
+</c:chartSpace>
+</file>
+
+<file path=ppt/charts/chart3.xml><?xml version="1.0" encoding="utf-8"?>
+<c:chartSpace xmlns:c="http://schemas.openxmlformats.org/drawingml/2006/chart" xmlns:a="http://schemas.openxmlformats.org/drawingml/2006/main" xmlns:r="http://schemas.openxmlformats.org/officeDocument/2006/relationships" xmlns:c16r2="http://schemas.microsoft.com/office/drawing/2015/06/chart">
+  <c:date1904 val="0"/>
+  <c:lang val="en-US"/>
+  <c:roundedCorners val="0"/>
+  <mc:AlternateContent xmlns:mc="http://schemas.openxmlformats.org/markup-compatibility/2006">
+    <mc:Choice xmlns:c14="http://schemas.microsoft.com/office/drawing/2007/8/2/chart" Requires="c14">
+      <c14:style val="102"/>
+    </mc:Choice>
+    <mc:Fallback>
+      <c:style val="2"/>
+    </mc:Fallback>
+  </mc:AlternateContent>
+  <c:chart>
+    <c:title>
+      <c:tx>
+        <c:rich>
+          <a:bodyPr rot="0" spcFirstLastPara="1" vertOverflow="ellipsis" vert="horz" wrap="square" anchor="ctr" anchorCtr="1"/>
+          <a:lstStyle/>
+          <a:p>
+            <a:pPr>
+              <a:defRPr sz="3200" b="0" i="0" u="none" strike="noStrike" kern="1200" spc="0" baseline="0">
+                <a:solidFill>
+                  <a:schemeClr val="tx1"/>
+                </a:solidFill>
+                <a:latin typeface="+mn-lt"/>
+                <a:ea typeface="+mn-ea"/>
+                <a:cs typeface="+mn-cs"/>
+              </a:defRPr>
+            </a:pPr>
+            <a:r>
+              <a:rPr lang="et-EE" sz="3200"/>
+              <a:t>Season 2018-2019</a:t>
+            </a:r>
+          </a:p>
+        </c:rich>
+      </c:tx>
+      <c:overlay val="0"/>
+      <c:spPr>
+        <a:noFill/>
+        <a:ln>
+          <a:noFill/>
+        </a:ln>
+        <a:effectLst/>
+      </c:spPr>
+      <c:txPr>
+        <a:bodyPr rot="0" spcFirstLastPara="1" vertOverflow="ellipsis" vert="horz" wrap="square" anchor="ctr" anchorCtr="1"/>
+        <a:lstStyle/>
+        <a:p>
+          <a:pPr>
+            <a:defRPr sz="3200" b="0" i="0" u="none" strike="noStrike" kern="1200" spc="0" baseline="0">
+              <a:solidFill>
+                <a:schemeClr val="tx1"/>
+              </a:solidFill>
+              <a:latin typeface="+mn-lt"/>
+              <a:ea typeface="+mn-ea"/>
+              <a:cs typeface="+mn-cs"/>
+            </a:defRPr>
+          </a:pPr>
+          <a:endParaRPr lang="en-US"/>
+        </a:p>
+      </c:txPr>
+    </c:title>
+    <c:autoTitleDeleted val="0"/>
+    <c:plotArea>
+      <c:layout/>
+      <c:barChart>
+        <c:barDir val="col"/>
+        <c:grouping val="clustered"/>
+        <c:varyColors val="0"/>
+        <c:ser>
+          <c:idx val="0"/>
+          <c:order val="0"/>
+          <c:tx>
+            <c:strRef>
+              <c:f>Leht1!$B$3</c:f>
+              <c:strCache>
+                <c:ptCount val="1"/>
+                <c:pt idx="0">
+                  <c:v>Home win</c:v>
+                </c:pt>
+              </c:strCache>
+            </c:strRef>
+          </c:tx>
+          <c:spPr>
+            <a:solidFill>
+              <a:srgbClr val="920000"/>
+            </a:solidFill>
+            <a:ln w="28575" cap="flat" cmpd="sng" algn="ctr">
+              <a:solidFill>
+                <a:srgbClr val="920000"/>
+              </a:solidFill>
+              <a:prstDash val="solid"/>
+              <a:miter lim="800000"/>
+            </a:ln>
+            <a:effectLst/>
+            <a:sp3d contourW="28575">
+              <a:contourClr>
+                <a:srgbClr val="C00000"/>
+              </a:contourClr>
+            </a:sp3d>
+          </c:spPr>
+          <c:invertIfNegative val="0"/>
+          <c:cat>
+            <c:strRef>
+              <c:f>Leht1!$C$2:$G$2</c:f>
+              <c:strCache>
+                <c:ptCount val="5"/>
+                <c:pt idx="0">
+                  <c:v>Man City</c:v>
+                </c:pt>
+                <c:pt idx="1">
+                  <c:v>Liverpool</c:v>
+                </c:pt>
+                <c:pt idx="2">
+                  <c:v>Chelsea</c:v>
+                </c:pt>
+                <c:pt idx="3">
+                  <c:v>Tottenham</c:v>
+                </c:pt>
+                <c:pt idx="4">
+                  <c:v>Man United</c:v>
+                </c:pt>
+              </c:strCache>
+            </c:strRef>
+          </c:cat>
+          <c:val>
+            <c:numRef>
+              <c:f>Leht1!$C$3:$G$3</c:f>
+              <c:numCache>
+                <c:formatCode>General</c:formatCode>
+                <c:ptCount val="5"/>
+                <c:pt idx="0">
+                  <c:v>18</c:v>
+                </c:pt>
+                <c:pt idx="1">
+                  <c:v>17</c:v>
+                </c:pt>
+                <c:pt idx="2">
+                  <c:v>12</c:v>
+                </c:pt>
+                <c:pt idx="3">
+                  <c:v>12</c:v>
+                </c:pt>
+                <c:pt idx="4">
+                  <c:v>10</c:v>
+                </c:pt>
+              </c:numCache>
+            </c:numRef>
+          </c:val>
+          <c:extLst>
+            <c:ext xmlns:c16="http://schemas.microsoft.com/office/drawing/2014/chart" uri="{C3380CC4-5D6E-409C-BE32-E72D297353CC}">
+              <c16:uniqueId val="{00000000-9A8E-4977-82EB-AFC5FFCF6965}"/>
+            </c:ext>
+          </c:extLst>
+        </c:ser>
+        <c:ser>
+          <c:idx val="1"/>
+          <c:order val="1"/>
+          <c:tx>
+            <c:strRef>
+              <c:f>Leht1!$B$4</c:f>
+              <c:strCache>
+                <c:ptCount val="1"/>
+                <c:pt idx="0">
+                  <c:v>Away win</c:v>
+                </c:pt>
+              </c:strCache>
+            </c:strRef>
+          </c:tx>
+          <c:spPr>
+            <a:solidFill>
+              <a:srgbClr val="FE5454"/>
+            </a:solidFill>
+            <a:ln w="28575">
+              <a:solidFill>
+                <a:srgbClr val="FE5454"/>
+              </a:solidFill>
+            </a:ln>
+            <a:effectLst/>
+            <a:sp3d contourW="28575">
+              <a:contourClr>
+                <a:srgbClr val="C00000"/>
+              </a:contourClr>
+            </a:sp3d>
+          </c:spPr>
+          <c:invertIfNegative val="0"/>
+          <c:cat>
+            <c:strRef>
+              <c:f>Leht1!$C$2:$G$2</c:f>
+              <c:strCache>
+                <c:ptCount val="5"/>
+                <c:pt idx="0">
+                  <c:v>Man City</c:v>
+                </c:pt>
+                <c:pt idx="1">
+                  <c:v>Liverpool</c:v>
+                </c:pt>
+                <c:pt idx="2">
+                  <c:v>Chelsea</c:v>
+                </c:pt>
+                <c:pt idx="3">
+                  <c:v>Tottenham</c:v>
+                </c:pt>
+                <c:pt idx="4">
+                  <c:v>Man United</c:v>
+                </c:pt>
+              </c:strCache>
+            </c:strRef>
+          </c:cat>
+          <c:val>
+            <c:numRef>
+              <c:f>Leht1!$C$4:$G$4</c:f>
+              <c:numCache>
+                <c:formatCode>General</c:formatCode>
+                <c:ptCount val="5"/>
+                <c:pt idx="0">
+                  <c:v>14</c:v>
+                </c:pt>
+                <c:pt idx="1">
+                  <c:v>13</c:v>
+                </c:pt>
+                <c:pt idx="2">
+                  <c:v>9</c:v>
+                </c:pt>
+                <c:pt idx="3">
+                  <c:v>11</c:v>
+                </c:pt>
+                <c:pt idx="4">
+                  <c:v>9</c:v>
+                </c:pt>
+              </c:numCache>
+            </c:numRef>
+          </c:val>
+          <c:extLst>
+            <c:ext xmlns:c16="http://schemas.microsoft.com/office/drawing/2014/chart" uri="{C3380CC4-5D6E-409C-BE32-E72D297353CC}">
+              <c16:uniqueId val="{00000001-9A8E-4977-82EB-AFC5FFCF6965}"/>
+            </c:ext>
+          </c:extLst>
+        </c:ser>
+        <c:ser>
+          <c:idx val="3"/>
+          <c:order val="3"/>
+          <c:tx>
+            <c:strRef>
+              <c:f>Leht1!$B$6</c:f>
+              <c:strCache>
+                <c:ptCount val="1"/>
+                <c:pt idx="0">
+                  <c:v>Home lose</c:v>
+                </c:pt>
+              </c:strCache>
+            </c:strRef>
+          </c:tx>
+          <c:spPr>
+            <a:solidFill>
+              <a:schemeClr val="accent6">
+                <a:lumMod val="50000"/>
+              </a:schemeClr>
+            </a:solidFill>
+            <a:ln w="28575">
+              <a:solidFill>
+                <a:schemeClr val="accent1">
+                  <a:lumMod val="50000"/>
+                </a:schemeClr>
+              </a:solidFill>
+            </a:ln>
+            <a:effectLst/>
+            <a:sp3d contourW="28575">
+              <a:contourClr>
+                <a:schemeClr val="accent1">
+                  <a:lumMod val="50000"/>
+                </a:schemeClr>
+              </a:contourClr>
+            </a:sp3d>
+          </c:spPr>
+          <c:invertIfNegative val="0"/>
+          <c:cat>
+            <c:strRef>
+              <c:f>Leht1!$C$2:$G$2</c:f>
+              <c:strCache>
+                <c:ptCount val="5"/>
+                <c:pt idx="0">
+                  <c:v>Man City</c:v>
+                </c:pt>
+                <c:pt idx="1">
+                  <c:v>Liverpool</c:v>
+                </c:pt>
+                <c:pt idx="2">
+                  <c:v>Chelsea</c:v>
+                </c:pt>
+                <c:pt idx="3">
+                  <c:v>Tottenham</c:v>
+                </c:pt>
+                <c:pt idx="4">
+                  <c:v>Man United</c:v>
+                </c:pt>
+              </c:strCache>
+            </c:strRef>
+          </c:cat>
+          <c:val>
+            <c:numRef>
+              <c:f>Leht1!$C$6:$G$6</c:f>
+              <c:numCache>
+                <c:formatCode>General</c:formatCode>
+                <c:ptCount val="5"/>
+                <c:pt idx="0">
+                  <c:v>1</c:v>
+                </c:pt>
+                <c:pt idx="1">
+                  <c:v>0</c:v>
+                </c:pt>
+                <c:pt idx="2">
+                  <c:v>1</c:v>
+                </c:pt>
+                <c:pt idx="3">
+                  <c:v>5</c:v>
+                </c:pt>
+                <c:pt idx="4">
+                  <c:v>3</c:v>
+                </c:pt>
+              </c:numCache>
+            </c:numRef>
+          </c:val>
+          <c:extLst>
+            <c:ext xmlns:c16="http://schemas.microsoft.com/office/drawing/2014/chart" uri="{C3380CC4-5D6E-409C-BE32-E72D297353CC}">
+              <c16:uniqueId val="{00000002-9A8E-4977-82EB-AFC5FFCF6965}"/>
+            </c:ext>
+          </c:extLst>
+        </c:ser>
+        <c:ser>
+          <c:idx val="4"/>
+          <c:order val="4"/>
+          <c:tx>
+            <c:strRef>
+              <c:f>Leht1!$B$7</c:f>
+              <c:strCache>
+                <c:ptCount val="1"/>
+                <c:pt idx="0">
+                  <c:v>Away lose</c:v>
+                </c:pt>
+              </c:strCache>
+            </c:strRef>
+          </c:tx>
+          <c:spPr>
+            <a:solidFill>
+              <a:schemeClr val="accent6">
+                <a:lumMod val="60000"/>
+                <a:lumOff val="40000"/>
+              </a:schemeClr>
+            </a:solidFill>
+            <a:ln w="28575">
+              <a:solidFill>
+                <a:schemeClr val="tx1"/>
+              </a:solidFill>
+            </a:ln>
+            <a:effectLst/>
+            <a:sp3d contourW="28575">
+              <a:contourClr>
+                <a:schemeClr val="tx1"/>
+              </a:contourClr>
+            </a:sp3d>
+          </c:spPr>
+          <c:invertIfNegative val="0"/>
+          <c:cat>
+            <c:strRef>
+              <c:f>Leht1!$C$2:$G$2</c:f>
+              <c:strCache>
+                <c:ptCount val="5"/>
+                <c:pt idx="0">
+                  <c:v>Man City</c:v>
+                </c:pt>
+                <c:pt idx="1">
+                  <c:v>Liverpool</c:v>
+                </c:pt>
+                <c:pt idx="2">
+                  <c:v>Chelsea</c:v>
+                </c:pt>
+                <c:pt idx="3">
+                  <c:v>Tottenham</c:v>
+                </c:pt>
+                <c:pt idx="4">
+                  <c:v>Man United</c:v>
+                </c:pt>
+              </c:strCache>
+            </c:strRef>
+          </c:cat>
+          <c:val>
+            <c:numRef>
+              <c:f>Leht1!$C$7:$G$7</c:f>
+              <c:numCache>
+                <c:formatCode>General</c:formatCode>
+                <c:ptCount val="5"/>
+                <c:pt idx="0">
+                  <c:v>3</c:v>
+                </c:pt>
+                <c:pt idx="1">
+                  <c:v>1</c:v>
+                </c:pt>
+                <c:pt idx="2">
+                  <c:v>7</c:v>
+                </c:pt>
+                <c:pt idx="3">
+                  <c:v>8</c:v>
+                </c:pt>
+                <c:pt idx="4">
+                  <c:v>7</c:v>
+                </c:pt>
+              </c:numCache>
+            </c:numRef>
+          </c:val>
+          <c:extLst>
+            <c:ext xmlns:c16="http://schemas.microsoft.com/office/drawing/2014/chart" uri="{C3380CC4-5D6E-409C-BE32-E72D297353CC}">
+              <c16:uniqueId val="{00000003-9A8E-4977-82EB-AFC5FFCF6965}"/>
+            </c:ext>
+          </c:extLst>
+        </c:ser>
+        <c:ser>
+          <c:idx val="6"/>
+          <c:order val="6"/>
+          <c:tx>
+            <c:strRef>
+              <c:f>Leht1!$B$9</c:f>
+              <c:strCache>
+                <c:ptCount val="1"/>
+                <c:pt idx="0">
+                  <c:v>Home draw</c:v>
+                </c:pt>
+              </c:strCache>
+            </c:strRef>
+          </c:tx>
+          <c:spPr>
+            <a:solidFill>
+              <a:schemeClr val="tx1"/>
+            </a:solidFill>
+            <a:ln w="28575">
+              <a:solidFill>
+                <a:schemeClr val="tx1"/>
+              </a:solidFill>
+            </a:ln>
+            <a:effectLst/>
+            <a:sp3d contourW="28575">
+              <a:contourClr>
+                <a:schemeClr val="tx1"/>
+              </a:contourClr>
+            </a:sp3d>
+          </c:spPr>
+          <c:invertIfNegative val="0"/>
+          <c:cat>
+            <c:strRef>
+              <c:f>Leht1!$C$2:$G$2</c:f>
+              <c:strCache>
+                <c:ptCount val="5"/>
+                <c:pt idx="0">
+                  <c:v>Man City</c:v>
+                </c:pt>
+                <c:pt idx="1">
+                  <c:v>Liverpool</c:v>
+                </c:pt>
+                <c:pt idx="2">
+                  <c:v>Chelsea</c:v>
+                </c:pt>
+                <c:pt idx="3">
+                  <c:v>Tottenham</c:v>
+                </c:pt>
+                <c:pt idx="4">
+                  <c:v>Man United</c:v>
+                </c:pt>
+              </c:strCache>
+            </c:strRef>
+          </c:cat>
+          <c:val>
+            <c:numRef>
+              <c:f>Leht1!$C$9:$G$9</c:f>
+              <c:numCache>
+                <c:formatCode>General</c:formatCode>
+                <c:ptCount val="5"/>
+                <c:pt idx="0">
+                  <c:v>0</c:v>
+                </c:pt>
+                <c:pt idx="1">
+                  <c:v>2</c:v>
+                </c:pt>
+                <c:pt idx="2">
+                  <c:v>6</c:v>
+                </c:pt>
+                <c:pt idx="3">
+                  <c:v>2</c:v>
+                </c:pt>
+                <c:pt idx="4">
+                  <c:v>6</c:v>
+                </c:pt>
+              </c:numCache>
+            </c:numRef>
+          </c:val>
+          <c:extLst>
+            <c:ext xmlns:c16="http://schemas.microsoft.com/office/drawing/2014/chart" uri="{C3380CC4-5D6E-409C-BE32-E72D297353CC}">
+              <c16:uniqueId val="{00000004-9A8E-4977-82EB-AFC5FFCF6965}"/>
+            </c:ext>
+          </c:extLst>
+        </c:ser>
+        <c:ser>
+          <c:idx val="7"/>
+          <c:order val="7"/>
+          <c:tx>
+            <c:strRef>
+              <c:f>Leht1!$B$10</c:f>
+              <c:strCache>
+                <c:ptCount val="1"/>
+                <c:pt idx="0">
+                  <c:v>Away draw</c:v>
+                </c:pt>
+              </c:strCache>
+            </c:strRef>
+          </c:tx>
+          <c:spPr>
+            <a:solidFill>
+              <a:schemeClr val="bg1"/>
+            </a:solidFill>
+            <a:ln w="28575">
+              <a:solidFill>
+                <a:schemeClr val="tx1"/>
+              </a:solidFill>
+            </a:ln>
+            <a:effectLst/>
+            <a:sp3d contourW="28575">
+              <a:contourClr>
+                <a:schemeClr val="tx1"/>
+              </a:contourClr>
+            </a:sp3d>
+          </c:spPr>
+          <c:invertIfNegative val="0"/>
+          <c:cat>
+            <c:strRef>
+              <c:f>Leht1!$C$2:$G$2</c:f>
+              <c:strCache>
+                <c:ptCount val="5"/>
+                <c:pt idx="0">
+                  <c:v>Man City</c:v>
+                </c:pt>
+                <c:pt idx="1">
+                  <c:v>Liverpool</c:v>
+                </c:pt>
+                <c:pt idx="2">
+                  <c:v>Chelsea</c:v>
+                </c:pt>
+                <c:pt idx="3">
+                  <c:v>Tottenham</c:v>
+                </c:pt>
+                <c:pt idx="4">
+                  <c:v>Man United</c:v>
+                </c:pt>
+              </c:strCache>
+            </c:strRef>
+          </c:cat>
+          <c:val>
+            <c:numRef>
+              <c:f>Leht1!$C$10:$G$10</c:f>
+              <c:numCache>
+                <c:formatCode>General</c:formatCode>
+                <c:ptCount val="5"/>
+                <c:pt idx="0">
+                  <c:v>2</c:v>
+                </c:pt>
+                <c:pt idx="1">
+                  <c:v>5</c:v>
+                </c:pt>
+                <c:pt idx="2">
+                  <c:v>3</c:v>
+                </c:pt>
+                <c:pt idx="3">
+                  <c:v>0</c:v>
+                </c:pt>
+                <c:pt idx="4">
+                  <c:v>3</c:v>
+                </c:pt>
+              </c:numCache>
+            </c:numRef>
+          </c:val>
+          <c:extLst>
+            <c:ext xmlns:c16="http://schemas.microsoft.com/office/drawing/2014/chart" uri="{C3380CC4-5D6E-409C-BE32-E72D297353CC}">
+              <c16:uniqueId val="{00000005-9A8E-4977-82EB-AFC5FFCF6965}"/>
+            </c:ext>
+          </c:extLst>
+        </c:ser>
+        <c:ser>
+          <c:idx val="9"/>
+          <c:order val="9"/>
+          <c:tx>
+            <c:strRef>
+              <c:f>Leht1!$B$12</c:f>
+              <c:strCache>
+                <c:ptCount val="1"/>
+                <c:pt idx="0">
+                  <c:v>Home goals</c:v>
+                </c:pt>
+              </c:strCache>
+            </c:strRef>
+          </c:tx>
+          <c:spPr>
+            <a:solidFill>
+              <a:schemeClr val="accent1">
+                <a:lumMod val="50000"/>
+              </a:schemeClr>
+            </a:solidFill>
+            <a:ln w="28575">
+              <a:solidFill>
+                <a:schemeClr val="accent1">
+                  <a:lumMod val="50000"/>
+                </a:schemeClr>
+              </a:solidFill>
+            </a:ln>
+            <a:effectLst/>
+            <a:sp3d contourW="28575">
+              <a:contourClr>
+                <a:schemeClr val="accent1">
+                  <a:lumMod val="50000"/>
+                </a:schemeClr>
+              </a:contourClr>
+            </a:sp3d>
+          </c:spPr>
+          <c:invertIfNegative val="0"/>
+          <c:cat>
+            <c:strRef>
+              <c:f>Leht1!$C$2:$G$2</c:f>
+              <c:strCache>
+                <c:ptCount val="5"/>
+                <c:pt idx="0">
+                  <c:v>Man City</c:v>
+                </c:pt>
+                <c:pt idx="1">
+                  <c:v>Liverpool</c:v>
+                </c:pt>
+                <c:pt idx="2">
+                  <c:v>Chelsea</c:v>
+                </c:pt>
+                <c:pt idx="3">
+                  <c:v>Tottenham</c:v>
+                </c:pt>
+                <c:pt idx="4">
+                  <c:v>Man United</c:v>
+                </c:pt>
+              </c:strCache>
+            </c:strRef>
+          </c:cat>
+          <c:val>
+            <c:numRef>
+              <c:f>Leht1!$C$12:$G$12</c:f>
+              <c:numCache>
+                <c:formatCode>General</c:formatCode>
+                <c:ptCount val="5"/>
+                <c:pt idx="0">
+                  <c:v>57</c:v>
+                </c:pt>
+                <c:pt idx="1">
+                  <c:v>55</c:v>
+                </c:pt>
+                <c:pt idx="2">
+                  <c:v>39</c:v>
+                </c:pt>
+                <c:pt idx="3">
+                  <c:v>34</c:v>
+                </c:pt>
+                <c:pt idx="4">
+                  <c:v>33</c:v>
+                </c:pt>
+              </c:numCache>
+            </c:numRef>
+          </c:val>
+          <c:extLst>
+            <c:ext xmlns:c16="http://schemas.microsoft.com/office/drawing/2014/chart" uri="{C3380CC4-5D6E-409C-BE32-E72D297353CC}">
+              <c16:uniqueId val="{00000006-9A8E-4977-82EB-AFC5FFCF6965}"/>
+            </c:ext>
+          </c:extLst>
+        </c:ser>
+        <c:ser>
+          <c:idx val="10"/>
+          <c:order val="10"/>
+          <c:tx>
+            <c:strRef>
+              <c:f>Leht1!$B$13</c:f>
+              <c:strCache>
+                <c:ptCount val="1"/>
+                <c:pt idx="0">
+                  <c:v>Away goals</c:v>
+                </c:pt>
+              </c:strCache>
+            </c:strRef>
+          </c:tx>
+          <c:spPr>
+            <a:solidFill>
+              <a:schemeClr val="accent1">
+                <a:lumMod val="40000"/>
+                <a:lumOff val="60000"/>
+              </a:schemeClr>
+            </a:solidFill>
+            <a:ln w="28575">
+              <a:solidFill>
+                <a:schemeClr val="accent1">
+                  <a:lumMod val="40000"/>
+                  <a:lumOff val="60000"/>
+                </a:schemeClr>
+              </a:solidFill>
+            </a:ln>
+            <a:effectLst/>
+            <a:sp3d contourW="28575">
+              <a:contourClr>
+                <a:srgbClr val="C00000"/>
+              </a:contourClr>
+            </a:sp3d>
+          </c:spPr>
+          <c:invertIfNegative val="0"/>
+          <c:cat>
+            <c:strRef>
+              <c:f>Leht1!$C$2:$G$2</c:f>
+              <c:strCache>
+                <c:ptCount val="5"/>
+                <c:pt idx="0">
+                  <c:v>Man City</c:v>
+                </c:pt>
+                <c:pt idx="1">
+                  <c:v>Liverpool</c:v>
+                </c:pt>
+                <c:pt idx="2">
+                  <c:v>Chelsea</c:v>
+                </c:pt>
+                <c:pt idx="3">
+                  <c:v>Tottenham</c:v>
+                </c:pt>
+                <c:pt idx="4">
+                  <c:v>Man United</c:v>
+                </c:pt>
+              </c:strCache>
+            </c:strRef>
+          </c:cat>
+          <c:val>
+            <c:numRef>
+              <c:f>Leht1!$C$13:$G$13</c:f>
+              <c:numCache>
+                <c:formatCode>General</c:formatCode>
+                <c:ptCount val="5"/>
+                <c:pt idx="0">
+                  <c:v>38</c:v>
+                </c:pt>
+                <c:pt idx="1">
+                  <c:v>34</c:v>
+                </c:pt>
+                <c:pt idx="2">
+                  <c:v>24</c:v>
+                </c:pt>
+                <c:pt idx="3">
+                  <c:v>33</c:v>
+                </c:pt>
+                <c:pt idx="4">
+                  <c:v>32</c:v>
+                </c:pt>
+              </c:numCache>
+            </c:numRef>
+          </c:val>
+          <c:extLst>
+            <c:ext xmlns:c16="http://schemas.microsoft.com/office/drawing/2014/chart" uri="{C3380CC4-5D6E-409C-BE32-E72D297353CC}">
+              <c16:uniqueId val="{00000007-9A8E-4977-82EB-AFC5FFCF6965}"/>
+            </c:ext>
+          </c:extLst>
+        </c:ser>
+        <c:dLbls>
+          <c:showLegendKey val="0"/>
+          <c:showVal val="0"/>
+          <c:showCatName val="0"/>
+          <c:showSerName val="0"/>
+          <c:showPercent val="0"/>
+          <c:showBubbleSize val="0"/>
+        </c:dLbls>
+        <c:gapWidth val="150"/>
+        <c:axId val="655869504"/>
+        <c:axId val="655870160"/>
+        <c:extLst>
+          <c:ext xmlns:c15="http://schemas.microsoft.com/office/drawing/2012/chart" uri="{02D57815-91ED-43cb-92C2-25804820EDAC}">
+            <c15:filteredBarSeries>
+              <c15:ser>
+                <c:idx val="2"/>
+                <c:order val="2"/>
+                <c:tx>
+                  <c:strRef>
+                    <c:extLst>
+                      <c:ext uri="{02D57815-91ED-43cb-92C2-25804820EDAC}">
+                        <c15:formulaRef>
+                          <c15:sqref>Leht1!$B$5</c15:sqref>
+                        </c15:formulaRef>
+                      </c:ext>
+                    </c:extLst>
+                    <c:strCache>
+                      <c:ptCount val="1"/>
+                    </c:strCache>
+                  </c:strRef>
+                </c:tx>
+                <c:spPr>
+                  <a:solidFill>
+                    <a:schemeClr val="accent3"/>
+                  </a:solidFill>
+                  <a:ln>
+                    <a:noFill/>
+                  </a:ln>
+                  <a:effectLst/>
+                </c:spPr>
+                <c:invertIfNegative val="0"/>
+                <c:cat>
+                  <c:strRef>
+                    <c:extLst>
+                      <c:ext uri="{02D57815-91ED-43cb-92C2-25804820EDAC}">
+                        <c15:formulaRef>
+                          <c15:sqref>Leht1!$C$2:$G$2</c15:sqref>
+                        </c15:formulaRef>
+                      </c:ext>
+                    </c:extLst>
+                    <c:strCache>
+                      <c:ptCount val="5"/>
+                      <c:pt idx="0">
+                        <c:v>Man City</c:v>
+                      </c:pt>
+                      <c:pt idx="1">
+                        <c:v>Liverpool</c:v>
+                      </c:pt>
+                      <c:pt idx="2">
+                        <c:v>Chelsea</c:v>
+                      </c:pt>
+                      <c:pt idx="3">
+                        <c:v>Tottenham</c:v>
+                      </c:pt>
+                      <c:pt idx="4">
+                        <c:v>Man United</c:v>
+                      </c:pt>
+                    </c:strCache>
+                  </c:strRef>
+                </c:cat>
+                <c:val>
+                  <c:numRef>
+                    <c:extLst>
+                      <c:ext uri="{02D57815-91ED-43cb-92C2-25804820EDAC}">
+                        <c15:formulaRef>
+                          <c15:sqref>Leht1!$C$5:$G$5</c15:sqref>
+                        </c15:formulaRef>
+                      </c:ext>
+                    </c:extLst>
+                    <c:numCache>
+                      <c:formatCode>General</c:formatCode>
+                      <c:ptCount val="5"/>
+                      <c:pt idx="0">
+                        <c:v>0</c:v>
+                      </c:pt>
+                      <c:pt idx="1">
+                        <c:v>0</c:v>
+                      </c:pt>
+                      <c:pt idx="2">
+                        <c:v>0</c:v>
+                      </c:pt>
+                      <c:pt idx="3">
+                        <c:v>0</c:v>
+                      </c:pt>
+                      <c:pt idx="4">
+                        <c:v>0</c:v>
+                      </c:pt>
+                    </c:numCache>
+                  </c:numRef>
+                </c:val>
+                <c:extLst>
+                  <c:ext xmlns:c16="http://schemas.microsoft.com/office/drawing/2014/chart" uri="{C3380CC4-5D6E-409C-BE32-E72D297353CC}">
+                    <c16:uniqueId val="{0000000C-9A8E-4977-82EB-AFC5FFCF6965}"/>
+                  </c:ext>
+                </c:extLst>
+              </c15:ser>
+            </c15:filteredBarSeries>
+            <c15:filteredBarSeries>
+              <c15:ser>
+                <c:idx val="5"/>
+                <c:order val="5"/>
+                <c:tx>
+                  <c:strRef>
+                    <c:extLst xmlns:c15="http://schemas.microsoft.com/office/drawing/2012/chart">
+                      <c:ext xmlns:c15="http://schemas.microsoft.com/office/drawing/2012/chart" uri="{02D57815-91ED-43cb-92C2-25804820EDAC}">
+                        <c15:formulaRef>
+                          <c15:sqref>Leht1!$B$8</c15:sqref>
+                        </c15:formulaRef>
+                      </c:ext>
+                    </c:extLst>
+                    <c:strCache>
+                      <c:ptCount val="1"/>
+                    </c:strCache>
+                  </c:strRef>
+                </c:tx>
+                <c:spPr>
+                  <a:solidFill>
+                    <a:schemeClr val="accent6"/>
+                  </a:solidFill>
+                  <a:ln>
+                    <a:noFill/>
+                  </a:ln>
+                  <a:effectLst/>
+                </c:spPr>
+                <c:invertIfNegative val="0"/>
+                <c:cat>
+                  <c:strRef>
+                    <c:extLst xmlns:c15="http://schemas.microsoft.com/office/drawing/2012/chart">
+                      <c:ext xmlns:c15="http://schemas.microsoft.com/office/drawing/2012/chart" uri="{02D57815-91ED-43cb-92C2-25804820EDAC}">
+                        <c15:formulaRef>
+                          <c15:sqref>Leht1!$C$2:$G$2</c15:sqref>
+                        </c15:formulaRef>
+                      </c:ext>
+                    </c:extLst>
+                    <c:strCache>
+                      <c:ptCount val="5"/>
+                      <c:pt idx="0">
+                        <c:v>Man City</c:v>
+                      </c:pt>
+                      <c:pt idx="1">
+                        <c:v>Liverpool</c:v>
+                      </c:pt>
+                      <c:pt idx="2">
+                        <c:v>Chelsea</c:v>
+                      </c:pt>
+                      <c:pt idx="3">
+                        <c:v>Tottenham</c:v>
+                      </c:pt>
+                      <c:pt idx="4">
+                        <c:v>Man United</c:v>
+                      </c:pt>
+                    </c:strCache>
+                  </c:strRef>
+                </c:cat>
+                <c:val>
+                  <c:numRef>
+                    <c:extLst xmlns:c15="http://schemas.microsoft.com/office/drawing/2012/chart">
+                      <c:ext xmlns:c15="http://schemas.microsoft.com/office/drawing/2012/chart" uri="{02D57815-91ED-43cb-92C2-25804820EDAC}">
+                        <c15:formulaRef>
+                          <c15:sqref>Leht1!$C$8:$G$8</c15:sqref>
+                        </c15:formulaRef>
+                      </c:ext>
+                    </c:extLst>
+                    <c:numCache>
+                      <c:formatCode>General</c:formatCode>
+                      <c:ptCount val="5"/>
+                      <c:pt idx="0">
+                        <c:v>0</c:v>
+                      </c:pt>
+                      <c:pt idx="1">
+                        <c:v>0</c:v>
+                      </c:pt>
+                      <c:pt idx="2">
+                        <c:v>0</c:v>
+                      </c:pt>
+                      <c:pt idx="3">
+                        <c:v>0</c:v>
+                      </c:pt>
+                      <c:pt idx="4">
+                        <c:v>0</c:v>
+                      </c:pt>
+                    </c:numCache>
+                  </c:numRef>
+                </c:val>
+                <c:extLst xmlns:c15="http://schemas.microsoft.com/office/drawing/2012/chart">
+                  <c:ext xmlns:c16="http://schemas.microsoft.com/office/drawing/2014/chart" uri="{C3380CC4-5D6E-409C-BE32-E72D297353CC}">
+                    <c16:uniqueId val="{0000000D-9A8E-4977-82EB-AFC5FFCF6965}"/>
+                  </c:ext>
+                </c:extLst>
+              </c15:ser>
+            </c15:filteredBarSeries>
+            <c15:filteredBarSeries>
+              <c15:ser>
+                <c:idx val="8"/>
+                <c:order val="8"/>
+                <c:tx>
+                  <c:strRef>
+                    <c:extLst xmlns:c15="http://schemas.microsoft.com/office/drawing/2012/chart">
+                      <c:ext xmlns:c15="http://schemas.microsoft.com/office/drawing/2012/chart" uri="{02D57815-91ED-43cb-92C2-25804820EDAC}">
+                        <c15:formulaRef>
+                          <c15:sqref>Leht1!$B$11</c15:sqref>
+                        </c15:formulaRef>
+                      </c:ext>
+                    </c:extLst>
+                    <c:strCache>
+                      <c:ptCount val="1"/>
+                    </c:strCache>
+                  </c:strRef>
+                </c:tx>
+                <c:spPr>
+                  <a:solidFill>
+                    <a:schemeClr val="accent3">
+                      <a:lumMod val="60000"/>
+                    </a:schemeClr>
+                  </a:solidFill>
+                  <a:ln>
+                    <a:noFill/>
+                  </a:ln>
+                  <a:effectLst/>
+                </c:spPr>
+                <c:invertIfNegative val="0"/>
+                <c:cat>
+                  <c:strRef>
+                    <c:extLst xmlns:c15="http://schemas.microsoft.com/office/drawing/2012/chart">
+                      <c:ext xmlns:c15="http://schemas.microsoft.com/office/drawing/2012/chart" uri="{02D57815-91ED-43cb-92C2-25804820EDAC}">
+                        <c15:formulaRef>
+                          <c15:sqref>Leht1!$C$2:$G$2</c15:sqref>
+                        </c15:formulaRef>
+                      </c:ext>
+                    </c:extLst>
+                    <c:strCache>
+                      <c:ptCount val="5"/>
+                      <c:pt idx="0">
+                        <c:v>Man City</c:v>
+                      </c:pt>
+                      <c:pt idx="1">
+                        <c:v>Liverpool</c:v>
+                      </c:pt>
+                      <c:pt idx="2">
+                        <c:v>Chelsea</c:v>
+                      </c:pt>
+                      <c:pt idx="3">
+                        <c:v>Tottenham</c:v>
+                      </c:pt>
+                      <c:pt idx="4">
+                        <c:v>Man United</c:v>
+                      </c:pt>
+                    </c:strCache>
+                  </c:strRef>
+                </c:cat>
+                <c:val>
+                  <c:numRef>
+                    <c:extLst xmlns:c15="http://schemas.microsoft.com/office/drawing/2012/chart">
+                      <c:ext xmlns:c15="http://schemas.microsoft.com/office/drawing/2012/chart" uri="{02D57815-91ED-43cb-92C2-25804820EDAC}">
+                        <c15:formulaRef>
+                          <c15:sqref>Leht1!$C$11:$G$11</c15:sqref>
+                        </c15:formulaRef>
+                      </c:ext>
+                    </c:extLst>
+                    <c:numCache>
+                      <c:formatCode>General</c:formatCode>
+                      <c:ptCount val="5"/>
+                      <c:pt idx="0">
+                        <c:v>0</c:v>
+                      </c:pt>
+                      <c:pt idx="1">
+                        <c:v>0</c:v>
+                      </c:pt>
+                      <c:pt idx="2">
+                        <c:v>0</c:v>
+                      </c:pt>
+                      <c:pt idx="3">
+                        <c:v>0</c:v>
+                      </c:pt>
+                      <c:pt idx="4">
+                        <c:v>0</c:v>
+                      </c:pt>
+                    </c:numCache>
+                  </c:numRef>
+                </c:val>
+                <c:extLst xmlns:c15="http://schemas.microsoft.com/office/drawing/2012/chart">
+                  <c:ext xmlns:c16="http://schemas.microsoft.com/office/drawing/2014/chart" uri="{C3380CC4-5D6E-409C-BE32-E72D297353CC}">
+                    <c16:uniqueId val="{0000000E-9A8E-4977-82EB-AFC5FFCF6965}"/>
+                  </c:ext>
+                </c:extLst>
+              </c15:ser>
+            </c15:filteredBarSeries>
+            <c15:filteredBarSeries>
+              <c15:ser>
+                <c:idx val="11"/>
+                <c:order val="11"/>
+                <c:tx>
+                  <c:strRef>
+                    <c:extLst xmlns:c15="http://schemas.microsoft.com/office/drawing/2012/chart">
+                      <c:ext xmlns:c15="http://schemas.microsoft.com/office/drawing/2012/chart" uri="{02D57815-91ED-43cb-92C2-25804820EDAC}">
+                        <c15:formulaRef>
+                          <c15:sqref>Leht1!$B$14</c15:sqref>
+                        </c15:formulaRef>
+                      </c:ext>
+                    </c:extLst>
+                    <c:strCache>
+                      <c:ptCount val="1"/>
+                    </c:strCache>
+                  </c:strRef>
+                </c:tx>
+                <c:spPr>
+                  <a:solidFill>
+                    <a:schemeClr val="accent6">
+                      <a:lumMod val="60000"/>
+                    </a:schemeClr>
+                  </a:solidFill>
+                  <a:ln>
+                    <a:noFill/>
+                  </a:ln>
+                  <a:effectLst/>
+                </c:spPr>
+                <c:invertIfNegative val="0"/>
+                <c:cat>
+                  <c:strRef>
+                    <c:extLst xmlns:c15="http://schemas.microsoft.com/office/drawing/2012/chart">
+                      <c:ext xmlns:c15="http://schemas.microsoft.com/office/drawing/2012/chart" uri="{02D57815-91ED-43cb-92C2-25804820EDAC}">
+                        <c15:formulaRef>
+                          <c15:sqref>Leht1!$C$2:$G$2</c15:sqref>
+                        </c15:formulaRef>
+                      </c:ext>
+                    </c:extLst>
+                    <c:strCache>
+                      <c:ptCount val="5"/>
+                      <c:pt idx="0">
+                        <c:v>Man City</c:v>
+                      </c:pt>
+                      <c:pt idx="1">
+                        <c:v>Liverpool</c:v>
+                      </c:pt>
+                      <c:pt idx="2">
+                        <c:v>Chelsea</c:v>
+                      </c:pt>
+                      <c:pt idx="3">
+                        <c:v>Tottenham</c:v>
+                      </c:pt>
+                      <c:pt idx="4">
+                        <c:v>Man United</c:v>
+                      </c:pt>
+                    </c:strCache>
+                  </c:strRef>
+                </c:cat>
+                <c:val>
+                  <c:numRef>
+                    <c:extLst xmlns:c15="http://schemas.microsoft.com/office/drawing/2012/chart">
+                      <c:ext xmlns:c15="http://schemas.microsoft.com/office/drawing/2012/chart" uri="{02D57815-91ED-43cb-92C2-25804820EDAC}">
+                        <c15:formulaRef>
+                          <c15:sqref>Leht1!$C$14:$G$14</c15:sqref>
+                        </c15:formulaRef>
+                      </c:ext>
+                    </c:extLst>
+                    <c:numCache>
+                      <c:formatCode>General</c:formatCode>
+                      <c:ptCount val="5"/>
+                      <c:pt idx="0">
+                        <c:v>0</c:v>
+                      </c:pt>
+                      <c:pt idx="1">
+                        <c:v>0</c:v>
+                      </c:pt>
+                      <c:pt idx="2">
+                        <c:v>0</c:v>
+                      </c:pt>
+                      <c:pt idx="3">
+                        <c:v>0</c:v>
+                      </c:pt>
+                      <c:pt idx="4">
+                        <c:v>0</c:v>
+                      </c:pt>
+                    </c:numCache>
+                  </c:numRef>
+                </c:val>
+                <c:extLst xmlns:c15="http://schemas.microsoft.com/office/drawing/2012/chart">
+                  <c:ext xmlns:c16="http://schemas.microsoft.com/office/drawing/2014/chart" uri="{C3380CC4-5D6E-409C-BE32-E72D297353CC}">
+                    <c16:uniqueId val="{0000000F-9A8E-4977-82EB-AFC5FFCF6965}"/>
+                  </c:ext>
+                </c:extLst>
+              </c15:ser>
+            </c15:filteredBarSeries>
+            <c15:filteredBarSeries>
+              <c15:ser>
+                <c:idx val="14"/>
+                <c:order val="14"/>
+                <c:tx>
+                  <c:strRef>
+                    <c:extLst xmlns:c15="http://schemas.microsoft.com/office/drawing/2012/chart">
+                      <c:ext xmlns:c15="http://schemas.microsoft.com/office/drawing/2012/chart" uri="{02D57815-91ED-43cb-92C2-25804820EDAC}">
+                        <c15:formulaRef>
+                          <c15:sqref>Leht1!$B$17</c15:sqref>
+                        </c15:formulaRef>
+                      </c:ext>
+                    </c:extLst>
+                    <c:strCache>
+                      <c:ptCount val="1"/>
+                    </c:strCache>
+                  </c:strRef>
+                </c:tx>
+                <c:spPr>
+                  <a:solidFill>
+                    <a:schemeClr val="accent3">
+                      <a:lumMod val="80000"/>
+                      <a:lumOff val="20000"/>
+                    </a:schemeClr>
+                  </a:solidFill>
+                  <a:ln>
+                    <a:noFill/>
+                  </a:ln>
+                  <a:effectLst/>
+                </c:spPr>
+                <c:invertIfNegative val="0"/>
+                <c:cat>
+                  <c:strRef>
+                    <c:extLst xmlns:c15="http://schemas.microsoft.com/office/drawing/2012/chart">
+                      <c:ext xmlns:c15="http://schemas.microsoft.com/office/drawing/2012/chart" uri="{02D57815-91ED-43cb-92C2-25804820EDAC}">
+                        <c15:formulaRef>
+                          <c15:sqref>Leht1!$C$2:$G$2</c15:sqref>
+                        </c15:formulaRef>
+                      </c:ext>
+                    </c:extLst>
+                    <c:strCache>
+                      <c:ptCount val="5"/>
+                      <c:pt idx="0">
+                        <c:v>Man City</c:v>
+                      </c:pt>
+                      <c:pt idx="1">
+                        <c:v>Liverpool</c:v>
+                      </c:pt>
+                      <c:pt idx="2">
+                        <c:v>Chelsea</c:v>
+                      </c:pt>
+                      <c:pt idx="3">
+                        <c:v>Tottenham</c:v>
+                      </c:pt>
+                      <c:pt idx="4">
+                        <c:v>Man United</c:v>
+                      </c:pt>
+                    </c:strCache>
+                  </c:strRef>
+                </c:cat>
+                <c:val>
+                  <c:numRef>
+                    <c:extLst xmlns:c15="http://schemas.microsoft.com/office/drawing/2012/chart">
+                      <c:ext xmlns:c15="http://schemas.microsoft.com/office/drawing/2012/chart" uri="{02D57815-91ED-43cb-92C2-25804820EDAC}">
+                        <c15:formulaRef>
+                          <c15:sqref>Leht1!$C$17:$G$17</c15:sqref>
+                        </c15:formulaRef>
+                      </c:ext>
+                    </c:extLst>
+                    <c:numCache>
+                      <c:formatCode>General</c:formatCode>
+                      <c:ptCount val="5"/>
+                      <c:pt idx="0">
+                        <c:v>0</c:v>
+                      </c:pt>
+                      <c:pt idx="1">
+                        <c:v>0</c:v>
+                      </c:pt>
+                      <c:pt idx="2">
+                        <c:v>0</c:v>
+                      </c:pt>
+                      <c:pt idx="3">
+                        <c:v>0</c:v>
+                      </c:pt>
+                      <c:pt idx="4">
+                        <c:v>0</c:v>
+                      </c:pt>
+                    </c:numCache>
+                  </c:numRef>
+                </c:val>
+                <c:extLst xmlns:c15="http://schemas.microsoft.com/office/drawing/2012/chart">
+                  <c:ext xmlns:c16="http://schemas.microsoft.com/office/drawing/2014/chart" uri="{C3380CC4-5D6E-409C-BE32-E72D297353CC}">
+                    <c16:uniqueId val="{00000010-9A8E-4977-82EB-AFC5FFCF6965}"/>
+                  </c:ext>
+                </c:extLst>
+              </c15:ser>
+            </c15:filteredBarSeries>
+          </c:ext>
+        </c:extLst>
+      </c:barChart>
+      <c:lineChart>
+        <c:grouping val="standard"/>
+        <c:varyColors val="0"/>
+        <c:ser>
+          <c:idx val="12"/>
+          <c:order val="12"/>
+          <c:tx>
+            <c:strRef>
+              <c:f>Leht1!$B$15</c:f>
+              <c:strCache>
+                <c:ptCount val="1"/>
+                <c:pt idx="0">
+                  <c:v>Home yellow cards</c:v>
+                </c:pt>
+              </c:strCache>
+            </c:strRef>
+          </c:tx>
+          <c:spPr>
+            <a:ln w="38100" cap="rnd">
+              <a:solidFill>
+                <a:srgbClr val="FFC000"/>
+              </a:solidFill>
+              <a:prstDash val="sysDash"/>
+              <a:round/>
+            </a:ln>
+            <a:effectLst/>
+          </c:spPr>
+          <c:marker>
+            <c:symbol val="none"/>
+          </c:marker>
+          <c:cat>
+            <c:strRef>
+              <c:f>Leht1!$C$2:$G$2</c:f>
+              <c:strCache>
+                <c:ptCount val="5"/>
+                <c:pt idx="0">
+                  <c:v>Man City</c:v>
+                </c:pt>
+                <c:pt idx="1">
+                  <c:v>Liverpool</c:v>
+                </c:pt>
+                <c:pt idx="2">
+                  <c:v>Chelsea</c:v>
+                </c:pt>
+                <c:pt idx="3">
+                  <c:v>Tottenham</c:v>
+                </c:pt>
+                <c:pt idx="4">
+                  <c:v>Man United</c:v>
+                </c:pt>
+              </c:strCache>
+            </c:strRef>
+          </c:cat>
+          <c:val>
+            <c:numRef>
+              <c:f>Leht1!$C$15:$G$15</c:f>
+              <c:numCache>
+                <c:formatCode>General</c:formatCode>
+                <c:ptCount val="5"/>
+                <c:pt idx="0">
+                  <c:v>17</c:v>
+                </c:pt>
+                <c:pt idx="1">
+                  <c:v>13</c:v>
+                </c:pt>
+                <c:pt idx="2">
+                  <c:v>20</c:v>
+                </c:pt>
+                <c:pt idx="3">
+                  <c:v>20</c:v>
+                </c:pt>
+                <c:pt idx="4">
+                  <c:v>32</c:v>
+                </c:pt>
+              </c:numCache>
+            </c:numRef>
+          </c:val>
+          <c:smooth val="0"/>
+          <c:extLst>
+            <c:ext xmlns:c16="http://schemas.microsoft.com/office/drawing/2014/chart" uri="{C3380CC4-5D6E-409C-BE32-E72D297353CC}">
+              <c16:uniqueId val="{00000008-9A8E-4977-82EB-AFC5FFCF6965}"/>
+            </c:ext>
+          </c:extLst>
+        </c:ser>
+        <c:ser>
+          <c:idx val="13"/>
+          <c:order val="13"/>
+          <c:tx>
+            <c:strRef>
+              <c:f>Leht1!$B$16</c:f>
+              <c:strCache>
+                <c:ptCount val="1"/>
+                <c:pt idx="0">
+                  <c:v>Away yellow cards</c:v>
+                </c:pt>
+              </c:strCache>
+            </c:strRef>
+          </c:tx>
+          <c:spPr>
+            <a:ln w="38100" cap="rnd">
+              <a:solidFill>
+                <a:srgbClr val="FFC000"/>
+              </a:solidFill>
+              <a:round/>
+            </a:ln>
+            <a:effectLst/>
+          </c:spPr>
+          <c:marker>
+            <c:symbol val="none"/>
+          </c:marker>
+          <c:cat>
+            <c:strRef>
+              <c:f>Leht1!$C$2:$G$2</c:f>
+              <c:strCache>
+                <c:ptCount val="5"/>
+                <c:pt idx="0">
+                  <c:v>Man City</c:v>
+                </c:pt>
+                <c:pt idx="1">
+                  <c:v>Liverpool</c:v>
+                </c:pt>
+                <c:pt idx="2">
+                  <c:v>Chelsea</c:v>
+                </c:pt>
+                <c:pt idx="3">
+                  <c:v>Tottenham</c:v>
+                </c:pt>
+                <c:pt idx="4">
+                  <c:v>Man United</c:v>
+                </c:pt>
+              </c:strCache>
+            </c:strRef>
+          </c:cat>
+          <c:val>
+            <c:numRef>
+              <c:f>Leht1!$C$16:$G$16</c:f>
+              <c:numCache>
+                <c:formatCode>General</c:formatCode>
+                <c:ptCount val="5"/>
+                <c:pt idx="0">
+                  <c:v>27</c:v>
+                </c:pt>
+                <c:pt idx="1">
+                  <c:v>24</c:v>
+                </c:pt>
+                <c:pt idx="2">
+                  <c:v>29</c:v>
+                </c:pt>
+                <c:pt idx="3">
+                  <c:v>36</c:v>
+                </c:pt>
+                <c:pt idx="4">
+                  <c:v>41</c:v>
+                </c:pt>
+              </c:numCache>
+            </c:numRef>
+          </c:val>
+          <c:smooth val="0"/>
+          <c:extLst>
+            <c:ext xmlns:c16="http://schemas.microsoft.com/office/drawing/2014/chart" uri="{C3380CC4-5D6E-409C-BE32-E72D297353CC}">
+              <c16:uniqueId val="{00000009-9A8E-4977-82EB-AFC5FFCF6965}"/>
+            </c:ext>
+          </c:extLst>
+        </c:ser>
+        <c:ser>
+          <c:idx val="15"/>
+          <c:order val="15"/>
+          <c:tx>
+            <c:strRef>
+              <c:f>Leht1!$B$18</c:f>
+              <c:strCache>
+                <c:ptCount val="1"/>
+                <c:pt idx="0">
+                  <c:v>Home red cards</c:v>
+                </c:pt>
+              </c:strCache>
+            </c:strRef>
+          </c:tx>
+          <c:spPr>
+            <a:ln w="38100" cap="rnd">
+              <a:solidFill>
+                <a:srgbClr val="C00000"/>
+              </a:solidFill>
+              <a:prstDash val="sysDash"/>
+              <a:round/>
+            </a:ln>
+            <a:effectLst/>
+          </c:spPr>
+          <c:marker>
+            <c:symbol val="none"/>
+          </c:marker>
+          <c:cat>
+            <c:strRef>
+              <c:f>Leht1!$C$2:$G$2</c:f>
+              <c:strCache>
+                <c:ptCount val="5"/>
+                <c:pt idx="0">
+                  <c:v>Man City</c:v>
+                </c:pt>
+                <c:pt idx="1">
+                  <c:v>Liverpool</c:v>
+                </c:pt>
+                <c:pt idx="2">
+                  <c:v>Chelsea</c:v>
+                </c:pt>
+                <c:pt idx="3">
+                  <c:v>Tottenham</c:v>
+                </c:pt>
+                <c:pt idx="4">
+                  <c:v>Man United</c:v>
+                </c:pt>
+              </c:strCache>
+            </c:strRef>
+          </c:cat>
+          <c:val>
+            <c:numRef>
+              <c:f>Leht1!$C$18:$G$18</c:f>
+              <c:numCache>
+                <c:formatCode>General</c:formatCode>
+                <c:ptCount val="5"/>
+                <c:pt idx="0">
+                  <c:v>0</c:v>
+                </c:pt>
+                <c:pt idx="1">
+                  <c:v>1</c:v>
+                </c:pt>
+                <c:pt idx="2">
+                  <c:v>0</c:v>
+                </c:pt>
+                <c:pt idx="3">
+                  <c:v>0</c:v>
+                </c:pt>
+                <c:pt idx="4">
+                  <c:v>1</c:v>
+                </c:pt>
+              </c:numCache>
+            </c:numRef>
+          </c:val>
+          <c:smooth val="0"/>
+          <c:extLst>
+            <c:ext xmlns:c16="http://schemas.microsoft.com/office/drawing/2014/chart" uri="{C3380CC4-5D6E-409C-BE32-E72D297353CC}">
+              <c16:uniqueId val="{0000000A-9A8E-4977-82EB-AFC5FFCF6965}"/>
+            </c:ext>
+          </c:extLst>
+        </c:ser>
+        <c:ser>
+          <c:idx val="16"/>
+          <c:order val="16"/>
+          <c:tx>
+            <c:strRef>
+              <c:f>Leht1!$B$19</c:f>
+              <c:strCache>
+                <c:ptCount val="1"/>
+                <c:pt idx="0">
+                  <c:v>Away red cards</c:v>
+                </c:pt>
+              </c:strCache>
+            </c:strRef>
+          </c:tx>
+          <c:spPr>
+            <a:ln w="38100" cap="rnd">
+              <a:solidFill>
+                <a:srgbClr val="C00000"/>
+              </a:solidFill>
+              <a:prstDash val="solid"/>
+              <a:round/>
+            </a:ln>
+            <a:effectLst/>
+          </c:spPr>
+          <c:marker>
+            <c:symbol val="none"/>
+          </c:marker>
+          <c:cat>
+            <c:strRef>
+              <c:f>Leht1!$C$2:$G$2</c:f>
+              <c:strCache>
+                <c:ptCount val="5"/>
+                <c:pt idx="0">
+                  <c:v>Man City</c:v>
+                </c:pt>
+                <c:pt idx="1">
+                  <c:v>Liverpool</c:v>
+                </c:pt>
+                <c:pt idx="2">
+                  <c:v>Chelsea</c:v>
+                </c:pt>
+                <c:pt idx="3">
+                  <c:v>Tottenham</c:v>
+                </c:pt>
+                <c:pt idx="4">
+                  <c:v>Man United</c:v>
+                </c:pt>
+              </c:strCache>
+            </c:strRef>
+          </c:cat>
+          <c:val>
+            <c:numRef>
+              <c:f>Leht1!$C$19:$G$19</c:f>
+              <c:numCache>
+                <c:formatCode>General</c:formatCode>
+                <c:ptCount val="5"/>
+                <c:pt idx="0">
+                  <c:v>1</c:v>
+                </c:pt>
+                <c:pt idx="1">
+                  <c:v>1</c:v>
+                </c:pt>
+                <c:pt idx="2">
+                  <c:v>0</c:v>
+                </c:pt>
+                <c:pt idx="3">
+                  <c:v>3</c:v>
+                </c:pt>
+                <c:pt idx="4">
+                  <c:v>3</c:v>
+                </c:pt>
+              </c:numCache>
+            </c:numRef>
+          </c:val>
+          <c:smooth val="0"/>
+          <c:extLst>
+            <c:ext xmlns:c16="http://schemas.microsoft.com/office/drawing/2014/chart" uri="{C3380CC4-5D6E-409C-BE32-E72D297353CC}">
+              <c16:uniqueId val="{0000000B-9A8E-4977-82EB-AFC5FFCF6965}"/>
+            </c:ext>
+          </c:extLst>
+        </c:ser>
+        <c:dLbls>
+          <c:showLegendKey val="0"/>
+          <c:showVal val="0"/>
+          <c:showCatName val="0"/>
+          <c:showSerName val="0"/>
+          <c:showPercent val="0"/>
+          <c:showBubbleSize val="0"/>
+        </c:dLbls>
+        <c:marker val="1"/>
+        <c:smooth val="0"/>
+        <c:axId val="584572856"/>
+        <c:axId val="584571544"/>
+      </c:lineChart>
+      <c:catAx>
+        <c:axId val="655869504"/>
+        <c:scaling>
+          <c:orientation val="minMax"/>
+        </c:scaling>
+        <c:delete val="0"/>
+        <c:axPos val="b"/>
+        <c:numFmt formatCode="General" sourceLinked="1"/>
+        <c:majorTickMark val="none"/>
+        <c:minorTickMark val="none"/>
+        <c:tickLblPos val="nextTo"/>
+        <c:spPr>
+          <a:noFill/>
+          <a:ln w="9525" cap="flat" cmpd="sng" algn="ctr">
+            <a:solidFill>
+              <a:schemeClr val="tx1">
+                <a:lumMod val="15000"/>
+                <a:lumOff val="85000"/>
+              </a:schemeClr>
+            </a:solidFill>
+            <a:round/>
+          </a:ln>
+          <a:effectLst/>
+        </c:spPr>
+        <c:txPr>
+          <a:bodyPr rot="-60000000" spcFirstLastPara="1" vertOverflow="ellipsis" vert="horz" wrap="square" anchor="ctr" anchorCtr="1"/>
+          <a:lstStyle/>
+          <a:p>
+            <a:pPr>
+              <a:defRPr sz="2000" b="0" i="0" u="none" strike="noStrike" kern="1200" baseline="0">
+                <a:solidFill>
+                  <a:schemeClr val="tx1"/>
+                </a:solidFill>
+                <a:latin typeface="+mn-lt"/>
+                <a:ea typeface="+mn-ea"/>
+                <a:cs typeface="+mn-cs"/>
+              </a:defRPr>
+            </a:pPr>
+            <a:endParaRPr lang="en-US"/>
+          </a:p>
+        </c:txPr>
+        <c:crossAx val="655870160"/>
+        <c:crosses val="autoZero"/>
+        <c:auto val="1"/>
+        <c:lblAlgn val="ctr"/>
+        <c:lblOffset val="100"/>
+        <c:noMultiLvlLbl val="0"/>
+      </c:catAx>
+      <c:valAx>
+        <c:axId val="655870160"/>
+        <c:scaling>
+          <c:orientation val="minMax"/>
+        </c:scaling>
+        <c:delete val="0"/>
+        <c:axPos val="l"/>
+        <c:majorGridlines>
+          <c:spPr>
+            <a:ln w="9525" cap="flat" cmpd="sng" algn="ctr">
+              <a:solidFill>
+                <a:schemeClr val="tx1">
+                  <a:lumMod val="15000"/>
+                  <a:lumOff val="85000"/>
+                </a:schemeClr>
+              </a:solidFill>
+              <a:round/>
+            </a:ln>
+            <a:effectLst/>
+          </c:spPr>
+        </c:majorGridlines>
+        <c:title>
+          <c:tx>
+            <c:rich>
+              <a:bodyPr rot="-5400000" spcFirstLastPara="1" vertOverflow="ellipsis" vert="horz" wrap="square" anchor="ctr" anchorCtr="1"/>
+              <a:lstStyle/>
+              <a:p>
+                <a:pPr>
+                  <a:defRPr sz="2000" b="0" i="0" u="none" strike="noStrike" kern="1200" baseline="0">
+                    <a:solidFill>
+                      <a:schemeClr val="tx1"/>
+                    </a:solidFill>
+                    <a:latin typeface="+mn-lt"/>
+                    <a:ea typeface="+mn-ea"/>
+                    <a:cs typeface="+mn-cs"/>
+                  </a:defRPr>
+                </a:pPr>
+                <a:r>
+                  <a:rPr lang="et-EE"/>
+                  <a:t>Number of games</a:t>
+                </a:r>
+              </a:p>
+            </c:rich>
+          </c:tx>
+          <c:overlay val="0"/>
+          <c:spPr>
+            <a:noFill/>
+            <a:ln>
+              <a:noFill/>
+            </a:ln>
+            <a:effectLst/>
+          </c:spPr>
+          <c:txPr>
+            <a:bodyPr rot="-5400000" spcFirstLastPara="1" vertOverflow="ellipsis" vert="horz" wrap="square" anchor="ctr" anchorCtr="1"/>
+            <a:lstStyle/>
+            <a:p>
+              <a:pPr>
+                <a:defRPr sz="2000" b="0" i="0" u="none" strike="noStrike" kern="1200" baseline="0">
+                  <a:solidFill>
+                    <a:schemeClr val="tx1"/>
+                  </a:solidFill>
+                  <a:latin typeface="+mn-lt"/>
+                  <a:ea typeface="+mn-ea"/>
+                  <a:cs typeface="+mn-cs"/>
+                </a:defRPr>
+              </a:pPr>
+              <a:endParaRPr lang="en-US"/>
+            </a:p>
+          </c:txPr>
+        </c:title>
+        <c:numFmt formatCode="General" sourceLinked="1"/>
+        <c:majorTickMark val="none"/>
+        <c:minorTickMark val="none"/>
+        <c:tickLblPos val="nextTo"/>
+        <c:spPr>
+          <a:noFill/>
+          <a:ln>
+            <a:noFill/>
+          </a:ln>
+          <a:effectLst/>
+        </c:spPr>
+        <c:txPr>
+          <a:bodyPr rot="-60000000" spcFirstLastPara="1" vertOverflow="ellipsis" vert="horz" wrap="square" anchor="ctr" anchorCtr="1"/>
+          <a:lstStyle/>
+          <a:p>
+            <a:pPr>
+              <a:defRPr sz="2000" b="0" i="0" u="none" strike="noStrike" kern="1200" baseline="0">
+                <a:solidFill>
+                  <a:schemeClr val="tx1"/>
+                </a:solidFill>
+                <a:latin typeface="+mn-lt"/>
+                <a:ea typeface="+mn-ea"/>
+                <a:cs typeface="+mn-cs"/>
+              </a:defRPr>
+            </a:pPr>
+            <a:endParaRPr lang="en-US"/>
+          </a:p>
+        </c:txPr>
+        <c:crossAx val="655869504"/>
+        <c:crosses val="autoZero"/>
+        <c:crossBetween val="between"/>
+      </c:valAx>
+      <c:valAx>
+        <c:axId val="584571544"/>
+        <c:scaling>
+          <c:orientation val="minMax"/>
+          <c:min val="-10"/>
+        </c:scaling>
+        <c:delete val="0"/>
+        <c:axPos val="r"/>
+        <c:title>
+          <c:tx>
+            <c:rich>
+              <a:bodyPr rot="-5400000" spcFirstLastPara="1" vertOverflow="ellipsis" vert="horz" wrap="square" anchor="ctr" anchorCtr="1"/>
+              <a:lstStyle/>
+              <a:p>
+                <a:pPr>
+                  <a:defRPr sz="2000" b="0" i="0" u="none" strike="noStrike" kern="1200" baseline="0">
+                    <a:solidFill>
+                      <a:schemeClr val="tx1"/>
+                    </a:solidFill>
+                    <a:latin typeface="+mn-lt"/>
+                    <a:ea typeface="+mn-ea"/>
+                    <a:cs typeface="+mn-cs"/>
+                  </a:defRPr>
+                </a:pPr>
+                <a:r>
+                  <a:rPr lang="et-EE"/>
+                  <a:t>Number of cards</a:t>
+                </a:r>
+                <a:endParaRPr lang="en-US"/>
+              </a:p>
+            </c:rich>
+          </c:tx>
+          <c:overlay val="0"/>
+          <c:spPr>
+            <a:noFill/>
+            <a:ln>
+              <a:noFill/>
+            </a:ln>
+            <a:effectLst/>
+          </c:spPr>
+          <c:txPr>
+            <a:bodyPr rot="-5400000" spcFirstLastPara="1" vertOverflow="ellipsis" vert="horz" wrap="square" anchor="ctr" anchorCtr="1"/>
+            <a:lstStyle/>
+            <a:p>
+              <a:pPr>
+                <a:defRPr sz="2000" b="0" i="0" u="none" strike="noStrike" kern="1200" baseline="0">
+                  <a:solidFill>
+                    <a:schemeClr val="tx1"/>
+                  </a:solidFill>
+                  <a:latin typeface="+mn-lt"/>
+                  <a:ea typeface="+mn-ea"/>
+                  <a:cs typeface="+mn-cs"/>
+                </a:defRPr>
+              </a:pPr>
+              <a:endParaRPr lang="en-US"/>
+            </a:p>
+          </c:txPr>
+        </c:title>
+        <c:numFmt formatCode="General" sourceLinked="1"/>
+        <c:majorTickMark val="out"/>
+        <c:minorTickMark val="none"/>
+        <c:tickLblPos val="nextTo"/>
+        <c:spPr>
+          <a:noFill/>
+          <a:ln>
+            <a:noFill/>
+          </a:ln>
+          <a:effectLst/>
+        </c:spPr>
+        <c:txPr>
+          <a:bodyPr rot="-60000000" spcFirstLastPara="1" vertOverflow="ellipsis" vert="horz" wrap="square" anchor="ctr" anchorCtr="1"/>
+          <a:lstStyle/>
+          <a:p>
+            <a:pPr>
+              <a:defRPr sz="2000" b="0" i="0" u="none" strike="noStrike" kern="1200" baseline="0">
+                <a:solidFill>
+                  <a:schemeClr val="tx1"/>
+                </a:solidFill>
+                <a:latin typeface="+mn-lt"/>
+                <a:ea typeface="+mn-ea"/>
+                <a:cs typeface="+mn-cs"/>
+              </a:defRPr>
+            </a:pPr>
+            <a:endParaRPr lang="en-US"/>
+          </a:p>
+        </c:txPr>
+        <c:crossAx val="584572856"/>
+        <c:crosses val="max"/>
+        <c:crossBetween val="between"/>
+      </c:valAx>
+      <c:catAx>
+        <c:axId val="584572856"/>
+        <c:scaling>
+          <c:orientation val="minMax"/>
+        </c:scaling>
+        <c:delete val="1"/>
+        <c:axPos val="b"/>
+        <c:numFmt formatCode="General" sourceLinked="1"/>
+        <c:majorTickMark val="out"/>
+        <c:minorTickMark val="none"/>
+        <c:tickLblPos val="nextTo"/>
+        <c:crossAx val="584571544"/>
+        <c:crosses val="autoZero"/>
+        <c:auto val="1"/>
+        <c:lblAlgn val="ctr"/>
+        <c:lblOffset val="100"/>
+        <c:noMultiLvlLbl val="0"/>
+      </c:catAx>
+      <c:dTable>
+        <c:showHorzBorder val="1"/>
+        <c:showVertBorder val="1"/>
+        <c:showOutline val="1"/>
+        <c:showKeys val="1"/>
+        <c:spPr>
+          <a:noFill/>
+          <a:ln w="9525" cap="flat" cmpd="sng" algn="ctr">
+            <a:solidFill>
+              <a:schemeClr val="tx1">
+                <a:lumMod val="15000"/>
+                <a:lumOff val="85000"/>
+              </a:schemeClr>
+            </a:solidFill>
+            <a:round/>
+          </a:ln>
+          <a:effectLst/>
+        </c:spPr>
+        <c:txPr>
+          <a:bodyPr rot="0" spcFirstLastPara="1" vertOverflow="ellipsis" vert="horz" wrap="square" anchor="ctr" anchorCtr="1"/>
+          <a:lstStyle/>
+          <a:p>
+            <a:pPr rtl="0">
+              <a:defRPr sz="2400" b="0" i="0" u="none" strike="noStrike" kern="1200" baseline="0">
+                <a:solidFill>
+                  <a:schemeClr val="tx1"/>
+                </a:solidFill>
+                <a:latin typeface="+mn-lt"/>
+                <a:ea typeface="+mn-ea"/>
+                <a:cs typeface="+mn-cs"/>
+              </a:defRPr>
+            </a:pPr>
+            <a:endParaRPr lang="en-US"/>
+          </a:p>
+        </c:txPr>
+      </c:dTable>
+      <c:spPr>
+        <a:noFill/>
+        <a:ln>
+          <a:noFill/>
+        </a:ln>
+        <a:effectLst/>
+      </c:spPr>
+    </c:plotArea>
+    <c:plotVisOnly val="1"/>
+    <c:dispBlanksAs val="gap"/>
+    <c:showDLblsOverMax val="0"/>
+  </c:chart>
+  <c:spPr>
+    <a:solidFill>
+      <a:schemeClr val="bg1"/>
+    </a:solidFill>
+    <a:ln w="9525" cap="flat" cmpd="sng" algn="ctr">
+      <a:gradFill flip="none" rotWithShape="1">
+        <a:gsLst>
+          <a:gs pos="80000">
+            <a:srgbClr val="B7D3ED"/>
+          </a:gs>
+          <a:gs pos="71687">
+            <a:srgbClr val="B8D4ED"/>
+          </a:gs>
+          <a:gs pos="69375">
+            <a:srgbClr val="BAD5EE"/>
+          </a:gs>
+          <a:gs pos="64750">
+            <a:srgbClr val="BED7EF"/>
+          </a:gs>
+          <a:gs pos="55500">
+            <a:srgbClr val="C6DCF1"/>
+          </a:gs>
+          <a:gs pos="37000">
+            <a:srgbClr val="D6E6F5"/>
+          </a:gs>
+          <a:gs pos="0">
+            <a:schemeClr val="accent1">
+              <a:lumMod val="5000"/>
+              <a:lumOff val="95000"/>
+            </a:schemeClr>
+          </a:gs>
+          <a:gs pos="74000">
+            <a:schemeClr val="accent1">
+              <a:lumMod val="45000"/>
+              <a:lumOff val="55000"/>
+            </a:schemeClr>
+          </a:gs>
+          <a:gs pos="83000">
+            <a:schemeClr val="accent1">
+              <a:lumMod val="45000"/>
+              <a:lumOff val="55000"/>
+            </a:schemeClr>
+          </a:gs>
+          <a:gs pos="100000">
+            <a:schemeClr val="accent1">
+              <a:lumMod val="30000"/>
+              <a:lumOff val="70000"/>
+            </a:schemeClr>
+          </a:gs>
+        </a:gsLst>
+        <a:path path="circle">
+          <a:fillToRect l="100000" t="100000"/>
+        </a:path>
+        <a:tileRect r="-100000" b="-100000"/>
+      </a:gradFill>
+      <a:round/>
+    </a:ln>
+    <a:effectLst/>
+  </c:spPr>
+  <c:txPr>
+    <a:bodyPr/>
+    <a:lstStyle/>
+    <a:p>
+      <a:pPr>
+        <a:defRPr sz="2000">
+          <a:solidFill>
+            <a:schemeClr val="tx1"/>
+          </a:solidFill>
+        </a:defRPr>
+      </a:pPr>
+      <a:endParaRPr lang="en-US"/>
     </a:p>
   </c:txPr>
   <c:externalData r:id="rId3">
@@ -901,6 +3391,86 @@
 </file>
 
 <file path=ppt/charts/colors1.xml><?xml version="1.0" encoding="utf-8"?>
+<cs:colorStyle xmlns:cs="http://schemas.microsoft.com/office/drawing/2012/chartStyle" xmlns:a="http://schemas.openxmlformats.org/drawingml/2006/main" meth="cycle" id="10">
+  <a:schemeClr val="accent1"/>
+  <a:schemeClr val="accent2"/>
+  <a:schemeClr val="accent3"/>
+  <a:schemeClr val="accent4"/>
+  <a:schemeClr val="accent5"/>
+  <a:schemeClr val="accent6"/>
+  <cs:variation/>
+  <cs:variation>
+    <a:lumMod val="60000"/>
+  </cs:variation>
+  <cs:variation>
+    <a:lumMod val="80000"/>
+    <a:lumOff val="20000"/>
+  </cs:variation>
+  <cs:variation>
+    <a:lumMod val="80000"/>
+  </cs:variation>
+  <cs:variation>
+    <a:lumMod val="60000"/>
+    <a:lumOff val="40000"/>
+  </cs:variation>
+  <cs:variation>
+    <a:lumMod val="50000"/>
+  </cs:variation>
+  <cs:variation>
+    <a:lumMod val="70000"/>
+    <a:lumOff val="30000"/>
+  </cs:variation>
+  <cs:variation>
+    <a:lumMod val="70000"/>
+  </cs:variation>
+  <cs:variation>
+    <a:lumMod val="50000"/>
+    <a:lumOff val="50000"/>
+  </cs:variation>
+</cs:colorStyle>
+</file>
+
+<file path=ppt/charts/colors2.xml><?xml version="1.0" encoding="utf-8"?>
+<cs:colorStyle xmlns:cs="http://schemas.microsoft.com/office/drawing/2012/chartStyle" xmlns:a="http://schemas.openxmlformats.org/drawingml/2006/main" meth="cycle" id="10">
+  <a:schemeClr val="accent1"/>
+  <a:schemeClr val="accent2"/>
+  <a:schemeClr val="accent3"/>
+  <a:schemeClr val="accent4"/>
+  <a:schemeClr val="accent5"/>
+  <a:schemeClr val="accent6"/>
+  <cs:variation/>
+  <cs:variation>
+    <a:lumMod val="60000"/>
+  </cs:variation>
+  <cs:variation>
+    <a:lumMod val="80000"/>
+    <a:lumOff val="20000"/>
+  </cs:variation>
+  <cs:variation>
+    <a:lumMod val="80000"/>
+  </cs:variation>
+  <cs:variation>
+    <a:lumMod val="60000"/>
+    <a:lumOff val="40000"/>
+  </cs:variation>
+  <cs:variation>
+    <a:lumMod val="50000"/>
+  </cs:variation>
+  <cs:variation>
+    <a:lumMod val="70000"/>
+    <a:lumOff val="30000"/>
+  </cs:variation>
+  <cs:variation>
+    <a:lumMod val="70000"/>
+  </cs:variation>
+  <cs:variation>
+    <a:lumMod val="50000"/>
+    <a:lumOff val="50000"/>
+  </cs:variation>
+</cs:colorStyle>
+</file>
+
+<file path=ppt/charts/colors3.xml><?xml version="1.0" encoding="utf-8"?>
 <cs:colorStyle xmlns:cs="http://schemas.microsoft.com/office/drawing/2012/chartStyle" xmlns:a="http://schemas.openxmlformats.org/drawingml/2006/main" meth="cycle" id="10">
   <a:schemeClr val="accent1"/>
   <a:schemeClr val="accent2"/>
@@ -1510,6 +4080,1014 @@
 </cs:chartStyle>
 </file>
 
+<file path=ppt/charts/style2.xml><?xml version="1.0" encoding="utf-8"?>
+<cs:chartStyle xmlns:cs="http://schemas.microsoft.com/office/drawing/2012/chartStyle" xmlns:a="http://schemas.openxmlformats.org/drawingml/2006/main" id="297">
+  <cs:axisTitle>
+    <cs:lnRef idx="0"/>
+    <cs:fillRef idx="0"/>
+    <cs:effectRef idx="0"/>
+    <cs:fontRef idx="minor">
+      <a:schemeClr val="tx1">
+        <a:lumMod val="65000"/>
+        <a:lumOff val="35000"/>
+      </a:schemeClr>
+    </cs:fontRef>
+    <cs:defRPr sz="1000" kern="1200"/>
+  </cs:axisTitle>
+  <cs:categoryAxis>
+    <cs:lnRef idx="0"/>
+    <cs:fillRef idx="0"/>
+    <cs:effectRef idx="0"/>
+    <cs:fontRef idx="minor">
+      <a:schemeClr val="tx1">
+        <a:lumMod val="65000"/>
+        <a:lumOff val="35000"/>
+      </a:schemeClr>
+    </cs:fontRef>
+    <cs:spPr>
+      <a:ln w="9525" cap="flat" cmpd="sng" algn="ctr">
+        <a:solidFill>
+          <a:schemeClr val="tx1">
+            <a:lumMod val="15000"/>
+            <a:lumOff val="85000"/>
+          </a:schemeClr>
+        </a:solidFill>
+        <a:round/>
+      </a:ln>
+    </cs:spPr>
+    <cs:defRPr sz="900" kern="1200"/>
+  </cs:categoryAxis>
+  <cs:chartArea mods="allowNoFillOverride allowNoLineOverride">
+    <cs:lnRef idx="0"/>
+    <cs:fillRef idx="0"/>
+    <cs:effectRef idx="0"/>
+    <cs:fontRef idx="minor">
+      <a:schemeClr val="tx1"/>
+    </cs:fontRef>
+    <cs:spPr>
+      <a:solidFill>
+        <a:schemeClr val="bg1"/>
+      </a:solidFill>
+      <a:ln w="9525" cap="flat" cmpd="sng" algn="ctr">
+        <a:solidFill>
+          <a:schemeClr val="tx1">
+            <a:lumMod val="15000"/>
+            <a:lumOff val="85000"/>
+          </a:schemeClr>
+        </a:solidFill>
+        <a:round/>
+      </a:ln>
+    </cs:spPr>
+    <cs:defRPr sz="1000" kern="1200"/>
+  </cs:chartArea>
+  <cs:dataLabel>
+    <cs:lnRef idx="0"/>
+    <cs:fillRef idx="0"/>
+    <cs:effectRef idx="0"/>
+    <cs:fontRef idx="minor">
+      <a:schemeClr val="tx1">
+        <a:lumMod val="75000"/>
+        <a:lumOff val="25000"/>
+      </a:schemeClr>
+    </cs:fontRef>
+    <cs:defRPr sz="900" kern="1200"/>
+  </cs:dataLabel>
+  <cs:dataLabelCallout>
+    <cs:lnRef idx="0"/>
+    <cs:fillRef idx="0"/>
+    <cs:effectRef idx="0"/>
+    <cs:fontRef idx="minor">
+      <a:schemeClr val="dk1">
+        <a:lumMod val="65000"/>
+        <a:lumOff val="35000"/>
+      </a:schemeClr>
+    </cs:fontRef>
+    <cs:spPr>
+      <a:solidFill>
+        <a:schemeClr val="lt1"/>
+      </a:solidFill>
+      <a:ln>
+        <a:solidFill>
+          <a:schemeClr val="dk1">
+            <a:lumMod val="25000"/>
+            <a:lumOff val="75000"/>
+          </a:schemeClr>
+        </a:solidFill>
+      </a:ln>
+    </cs:spPr>
+    <cs:defRPr sz="900" kern="1200"/>
+    <cs:bodyPr rot="0" spcFirstLastPara="1" vertOverflow="clip" horzOverflow="clip" vert="horz" wrap="square" lIns="36576" tIns="18288" rIns="36576" bIns="18288" anchor="ctr" anchorCtr="1">
+      <a:spAutoFit/>
+    </cs:bodyPr>
+  </cs:dataLabelCallout>
+  <cs:dataPoint>
+    <cs:lnRef idx="0"/>
+    <cs:fillRef idx="1">
+      <cs:styleClr val="auto"/>
+    </cs:fillRef>
+    <cs:effectRef idx="0"/>
+    <cs:fontRef idx="minor">
+      <a:schemeClr val="tx1"/>
+    </cs:fontRef>
+  </cs:dataPoint>
+  <cs:dataPoint3D>
+    <cs:lnRef idx="0"/>
+    <cs:fillRef idx="1">
+      <cs:styleClr val="auto"/>
+    </cs:fillRef>
+    <cs:effectRef idx="0"/>
+    <cs:fontRef idx="minor">
+      <a:schemeClr val="tx1"/>
+    </cs:fontRef>
+  </cs:dataPoint3D>
+  <cs:dataPointLine>
+    <cs:lnRef idx="0">
+      <cs:styleClr val="auto"/>
+    </cs:lnRef>
+    <cs:fillRef idx="1"/>
+    <cs:effectRef idx="0"/>
+    <cs:fontRef idx="minor">
+      <a:schemeClr val="tx1"/>
+    </cs:fontRef>
+    <cs:spPr>
+      <a:ln w="28575" cap="rnd">
+        <a:solidFill>
+          <a:schemeClr val="phClr"/>
+        </a:solidFill>
+        <a:round/>
+      </a:ln>
+    </cs:spPr>
+  </cs:dataPointLine>
+  <cs:dataPointMarker>
+    <cs:lnRef idx="0">
+      <cs:styleClr val="auto"/>
+    </cs:lnRef>
+    <cs:fillRef idx="1">
+      <cs:styleClr val="auto"/>
+    </cs:fillRef>
+    <cs:effectRef idx="0"/>
+    <cs:fontRef idx="minor">
+      <a:schemeClr val="tx1"/>
+    </cs:fontRef>
+    <cs:spPr>
+      <a:ln w="9525">
+        <a:solidFill>
+          <a:schemeClr val="phClr"/>
+        </a:solidFill>
+      </a:ln>
+    </cs:spPr>
+  </cs:dataPointMarker>
+  <cs:dataPointMarkerLayout symbol="circle" size="5"/>
+  <cs:dataPointWireframe>
+    <cs:lnRef idx="0">
+      <cs:styleClr val="auto"/>
+    </cs:lnRef>
+    <cs:fillRef idx="1"/>
+    <cs:effectRef idx="0"/>
+    <cs:fontRef idx="minor">
+      <a:schemeClr val="tx1"/>
+    </cs:fontRef>
+    <cs:spPr>
+      <a:ln w="9525" cap="rnd">
+        <a:solidFill>
+          <a:schemeClr val="phClr"/>
+        </a:solidFill>
+        <a:round/>
+      </a:ln>
+    </cs:spPr>
+  </cs:dataPointWireframe>
+  <cs:dataTable>
+    <cs:lnRef idx="0"/>
+    <cs:fillRef idx="0"/>
+    <cs:effectRef idx="0"/>
+    <cs:fontRef idx="minor">
+      <a:schemeClr val="tx1">
+        <a:lumMod val="65000"/>
+        <a:lumOff val="35000"/>
+      </a:schemeClr>
+    </cs:fontRef>
+    <cs:spPr>
+      <a:noFill/>
+      <a:ln w="9525" cap="flat" cmpd="sng" algn="ctr">
+        <a:solidFill>
+          <a:schemeClr val="tx1">
+            <a:lumMod val="15000"/>
+            <a:lumOff val="85000"/>
+          </a:schemeClr>
+        </a:solidFill>
+        <a:round/>
+      </a:ln>
+    </cs:spPr>
+    <cs:defRPr sz="900" kern="1200"/>
+  </cs:dataTable>
+  <cs:downBar>
+    <cs:lnRef idx="0"/>
+    <cs:fillRef idx="0"/>
+    <cs:effectRef idx="0"/>
+    <cs:fontRef idx="minor">
+      <a:schemeClr val="tx1"/>
+    </cs:fontRef>
+    <cs:spPr>
+      <a:solidFill>
+        <a:schemeClr val="dk1">
+          <a:lumMod val="75000"/>
+          <a:lumOff val="25000"/>
+        </a:schemeClr>
+      </a:solidFill>
+      <a:ln w="9525" cap="flat" cmpd="sng" algn="ctr">
+        <a:solidFill>
+          <a:schemeClr val="tx1">
+            <a:lumMod val="65000"/>
+            <a:lumOff val="35000"/>
+          </a:schemeClr>
+        </a:solidFill>
+        <a:round/>
+      </a:ln>
+    </cs:spPr>
+  </cs:downBar>
+  <cs:dropLine>
+    <cs:lnRef idx="0"/>
+    <cs:fillRef idx="0"/>
+    <cs:effectRef idx="0"/>
+    <cs:fontRef idx="minor">
+      <a:schemeClr val="tx1"/>
+    </cs:fontRef>
+    <cs:spPr>
+      <a:ln w="9525" cap="flat" cmpd="sng" algn="ctr">
+        <a:solidFill>
+          <a:schemeClr val="tx1">
+            <a:lumMod val="35000"/>
+            <a:lumOff val="65000"/>
+          </a:schemeClr>
+        </a:solidFill>
+        <a:round/>
+      </a:ln>
+    </cs:spPr>
+  </cs:dropLine>
+  <cs:errorBar>
+    <cs:lnRef idx="0"/>
+    <cs:fillRef idx="0"/>
+    <cs:effectRef idx="0"/>
+    <cs:fontRef idx="minor">
+      <a:schemeClr val="tx1"/>
+    </cs:fontRef>
+    <cs:spPr>
+      <a:ln w="9525" cap="flat" cmpd="sng" algn="ctr">
+        <a:solidFill>
+          <a:schemeClr val="tx1">
+            <a:lumMod val="65000"/>
+            <a:lumOff val="35000"/>
+          </a:schemeClr>
+        </a:solidFill>
+        <a:round/>
+      </a:ln>
+    </cs:spPr>
+  </cs:errorBar>
+  <cs:floor>
+    <cs:lnRef idx="0"/>
+    <cs:fillRef idx="0"/>
+    <cs:effectRef idx="0"/>
+    <cs:fontRef idx="minor">
+      <a:schemeClr val="tx1"/>
+    </cs:fontRef>
+    <cs:spPr>
+      <a:noFill/>
+      <a:ln>
+        <a:noFill/>
+      </a:ln>
+    </cs:spPr>
+  </cs:floor>
+  <cs:gridlineMajor>
+    <cs:lnRef idx="0"/>
+    <cs:fillRef idx="0"/>
+    <cs:effectRef idx="0"/>
+    <cs:fontRef idx="minor">
+      <a:schemeClr val="tx1"/>
+    </cs:fontRef>
+    <cs:spPr>
+      <a:ln w="9525" cap="flat" cmpd="sng" algn="ctr">
+        <a:solidFill>
+          <a:schemeClr val="tx1">
+            <a:lumMod val="15000"/>
+            <a:lumOff val="85000"/>
+          </a:schemeClr>
+        </a:solidFill>
+        <a:round/>
+      </a:ln>
+    </cs:spPr>
+  </cs:gridlineMajor>
+  <cs:gridlineMinor>
+    <cs:lnRef idx="0"/>
+    <cs:fillRef idx="0"/>
+    <cs:effectRef idx="0"/>
+    <cs:fontRef idx="minor">
+      <a:schemeClr val="tx1"/>
+    </cs:fontRef>
+    <cs:spPr>
+      <a:ln w="9525" cap="flat" cmpd="sng" algn="ctr">
+        <a:solidFill>
+          <a:schemeClr val="tx1">
+            <a:lumMod val="5000"/>
+            <a:lumOff val="95000"/>
+          </a:schemeClr>
+        </a:solidFill>
+        <a:round/>
+      </a:ln>
+    </cs:spPr>
+  </cs:gridlineMinor>
+  <cs:hiLoLine>
+    <cs:lnRef idx="0"/>
+    <cs:fillRef idx="0"/>
+    <cs:effectRef idx="0"/>
+    <cs:fontRef idx="minor">
+      <a:schemeClr val="tx1"/>
+    </cs:fontRef>
+    <cs:spPr>
+      <a:ln w="9525" cap="flat" cmpd="sng" algn="ctr">
+        <a:solidFill>
+          <a:schemeClr val="tx1">
+            <a:lumMod val="50000"/>
+            <a:lumOff val="50000"/>
+          </a:schemeClr>
+        </a:solidFill>
+        <a:round/>
+      </a:ln>
+    </cs:spPr>
+  </cs:hiLoLine>
+  <cs:leaderLine>
+    <cs:lnRef idx="0"/>
+    <cs:fillRef idx="0"/>
+    <cs:effectRef idx="0"/>
+    <cs:fontRef idx="minor">
+      <a:schemeClr val="tx1"/>
+    </cs:fontRef>
+    <cs:spPr>
+      <a:ln w="9525" cap="flat" cmpd="sng" algn="ctr">
+        <a:solidFill>
+          <a:schemeClr val="tx1">
+            <a:lumMod val="35000"/>
+            <a:lumOff val="65000"/>
+          </a:schemeClr>
+        </a:solidFill>
+        <a:round/>
+      </a:ln>
+    </cs:spPr>
+  </cs:leaderLine>
+  <cs:legend>
+    <cs:lnRef idx="0"/>
+    <cs:fillRef idx="0"/>
+    <cs:effectRef idx="0"/>
+    <cs:fontRef idx="minor">
+      <a:schemeClr val="tx1">
+        <a:lumMod val="65000"/>
+        <a:lumOff val="35000"/>
+      </a:schemeClr>
+    </cs:fontRef>
+    <cs:defRPr sz="900" kern="1200"/>
+  </cs:legend>
+  <cs:plotArea mods="allowNoFillOverride allowNoLineOverride">
+    <cs:lnRef idx="0"/>
+    <cs:fillRef idx="0"/>
+    <cs:effectRef idx="0"/>
+    <cs:fontRef idx="minor">
+      <a:schemeClr val="tx1"/>
+    </cs:fontRef>
+  </cs:plotArea>
+  <cs:plotArea3D mods="allowNoFillOverride allowNoLineOverride">
+    <cs:lnRef idx="0"/>
+    <cs:fillRef idx="0"/>
+    <cs:effectRef idx="0"/>
+    <cs:fontRef idx="minor">
+      <a:schemeClr val="tx1"/>
+    </cs:fontRef>
+  </cs:plotArea3D>
+  <cs:seriesAxis>
+    <cs:lnRef idx="0"/>
+    <cs:fillRef idx="0"/>
+    <cs:effectRef idx="0"/>
+    <cs:fontRef idx="minor">
+      <a:schemeClr val="tx1">
+        <a:lumMod val="65000"/>
+        <a:lumOff val="35000"/>
+      </a:schemeClr>
+    </cs:fontRef>
+    <cs:defRPr sz="900" kern="1200"/>
+  </cs:seriesAxis>
+  <cs:seriesLine>
+    <cs:lnRef idx="0"/>
+    <cs:fillRef idx="0"/>
+    <cs:effectRef idx="0"/>
+    <cs:fontRef idx="minor">
+      <a:schemeClr val="tx1"/>
+    </cs:fontRef>
+    <cs:spPr>
+      <a:ln w="9525" cap="flat" cmpd="sng" algn="ctr">
+        <a:solidFill>
+          <a:schemeClr val="tx1">
+            <a:lumMod val="35000"/>
+            <a:lumOff val="65000"/>
+          </a:schemeClr>
+        </a:solidFill>
+        <a:round/>
+      </a:ln>
+    </cs:spPr>
+  </cs:seriesLine>
+  <cs:title>
+    <cs:lnRef idx="0"/>
+    <cs:fillRef idx="0"/>
+    <cs:effectRef idx="0"/>
+    <cs:fontRef idx="minor">
+      <a:schemeClr val="tx1">
+        <a:lumMod val="65000"/>
+        <a:lumOff val="35000"/>
+      </a:schemeClr>
+    </cs:fontRef>
+    <cs:defRPr sz="1400" b="0" kern="1200" spc="0" baseline="0"/>
+  </cs:title>
+  <cs:trendline>
+    <cs:lnRef idx="0">
+      <cs:styleClr val="auto"/>
+    </cs:lnRef>
+    <cs:fillRef idx="0"/>
+    <cs:effectRef idx="0"/>
+    <cs:fontRef idx="minor">
+      <a:schemeClr val="tx1"/>
+    </cs:fontRef>
+    <cs:spPr>
+      <a:ln w="19050" cap="rnd">
+        <a:solidFill>
+          <a:schemeClr val="phClr"/>
+        </a:solidFill>
+        <a:prstDash val="sysDot"/>
+      </a:ln>
+    </cs:spPr>
+  </cs:trendline>
+  <cs:trendlineLabel>
+    <cs:lnRef idx="0"/>
+    <cs:fillRef idx="0"/>
+    <cs:effectRef idx="0"/>
+    <cs:fontRef idx="minor">
+      <a:schemeClr val="tx1">
+        <a:lumMod val="65000"/>
+        <a:lumOff val="35000"/>
+      </a:schemeClr>
+    </cs:fontRef>
+    <cs:defRPr sz="900" kern="1200"/>
+  </cs:trendlineLabel>
+  <cs:upBar>
+    <cs:lnRef idx="0"/>
+    <cs:fillRef idx="0"/>
+    <cs:effectRef idx="0"/>
+    <cs:fontRef idx="minor">
+      <a:schemeClr val="tx1"/>
+    </cs:fontRef>
+    <cs:spPr>
+      <a:solidFill>
+        <a:schemeClr val="lt1"/>
+      </a:solidFill>
+      <a:ln w="9525" cap="flat" cmpd="sng" algn="ctr">
+        <a:solidFill>
+          <a:schemeClr val="tx1">
+            <a:lumMod val="65000"/>
+            <a:lumOff val="35000"/>
+          </a:schemeClr>
+        </a:solidFill>
+        <a:round/>
+      </a:ln>
+    </cs:spPr>
+  </cs:upBar>
+  <cs:valueAxis>
+    <cs:lnRef idx="0"/>
+    <cs:fillRef idx="0"/>
+    <cs:effectRef idx="0"/>
+    <cs:fontRef idx="minor">
+      <a:schemeClr val="tx1">
+        <a:lumMod val="65000"/>
+        <a:lumOff val="35000"/>
+      </a:schemeClr>
+    </cs:fontRef>
+    <cs:defRPr sz="900" kern="1200"/>
+  </cs:valueAxis>
+  <cs:wall>
+    <cs:lnRef idx="0"/>
+    <cs:fillRef idx="0"/>
+    <cs:effectRef idx="0"/>
+    <cs:fontRef idx="minor">
+      <a:schemeClr val="tx1"/>
+    </cs:fontRef>
+    <cs:spPr>
+      <a:noFill/>
+      <a:ln>
+        <a:noFill/>
+      </a:ln>
+    </cs:spPr>
+  </cs:wall>
+</cs:chartStyle>
+</file>
+
+<file path=ppt/charts/style3.xml><?xml version="1.0" encoding="utf-8"?>
+<cs:chartStyle xmlns:cs="http://schemas.microsoft.com/office/drawing/2012/chartStyle" xmlns:a="http://schemas.openxmlformats.org/drawingml/2006/main" id="201">
+  <cs:axisTitle>
+    <cs:lnRef idx="0"/>
+    <cs:fillRef idx="0"/>
+    <cs:effectRef idx="0"/>
+    <cs:fontRef idx="minor">
+      <a:schemeClr val="tx1">
+        <a:lumMod val="65000"/>
+        <a:lumOff val="35000"/>
+      </a:schemeClr>
+    </cs:fontRef>
+    <cs:defRPr sz="1000" kern="1200"/>
+  </cs:axisTitle>
+  <cs:categoryAxis>
+    <cs:lnRef idx="0"/>
+    <cs:fillRef idx="0"/>
+    <cs:effectRef idx="0"/>
+    <cs:fontRef idx="minor">
+      <a:schemeClr val="tx1">
+        <a:lumMod val="65000"/>
+        <a:lumOff val="35000"/>
+      </a:schemeClr>
+    </cs:fontRef>
+    <cs:spPr>
+      <a:ln w="9525" cap="flat" cmpd="sng" algn="ctr">
+        <a:solidFill>
+          <a:schemeClr val="tx1">
+            <a:lumMod val="15000"/>
+            <a:lumOff val="85000"/>
+          </a:schemeClr>
+        </a:solidFill>
+        <a:round/>
+      </a:ln>
+    </cs:spPr>
+    <cs:defRPr sz="900" kern="1200"/>
+  </cs:categoryAxis>
+  <cs:chartArea mods="allowNoFillOverride allowNoLineOverride">
+    <cs:lnRef idx="0"/>
+    <cs:fillRef idx="0"/>
+    <cs:effectRef idx="0"/>
+    <cs:fontRef idx="minor">
+      <a:schemeClr val="tx1"/>
+    </cs:fontRef>
+    <cs:spPr>
+      <a:solidFill>
+        <a:schemeClr val="bg1"/>
+      </a:solidFill>
+      <a:ln w="9525" cap="flat" cmpd="sng" algn="ctr">
+        <a:solidFill>
+          <a:schemeClr val="tx1">
+            <a:lumMod val="15000"/>
+            <a:lumOff val="85000"/>
+          </a:schemeClr>
+        </a:solidFill>
+        <a:round/>
+      </a:ln>
+    </cs:spPr>
+    <cs:defRPr sz="1000" kern="1200"/>
+  </cs:chartArea>
+  <cs:dataLabel>
+    <cs:lnRef idx="0"/>
+    <cs:fillRef idx="0"/>
+    <cs:effectRef idx="0"/>
+    <cs:fontRef idx="minor">
+      <a:schemeClr val="tx1">
+        <a:lumMod val="75000"/>
+        <a:lumOff val="25000"/>
+      </a:schemeClr>
+    </cs:fontRef>
+    <cs:defRPr sz="900" kern="1200"/>
+  </cs:dataLabel>
+  <cs:dataLabelCallout>
+    <cs:lnRef idx="0"/>
+    <cs:fillRef idx="0"/>
+    <cs:effectRef idx="0"/>
+    <cs:fontRef idx="minor">
+      <a:schemeClr val="dk1">
+        <a:lumMod val="65000"/>
+        <a:lumOff val="35000"/>
+      </a:schemeClr>
+    </cs:fontRef>
+    <cs:spPr>
+      <a:solidFill>
+        <a:schemeClr val="lt1"/>
+      </a:solidFill>
+      <a:ln>
+        <a:solidFill>
+          <a:schemeClr val="dk1">
+            <a:lumMod val="25000"/>
+            <a:lumOff val="75000"/>
+          </a:schemeClr>
+        </a:solidFill>
+      </a:ln>
+    </cs:spPr>
+    <cs:defRPr sz="900" kern="1200"/>
+    <cs:bodyPr rot="0" spcFirstLastPara="1" vertOverflow="clip" horzOverflow="clip" vert="horz" wrap="square" lIns="36576" tIns="18288" rIns="36576" bIns="18288" anchor="ctr" anchorCtr="1">
+      <a:spAutoFit/>
+    </cs:bodyPr>
+  </cs:dataLabelCallout>
+  <cs:dataPoint>
+    <cs:lnRef idx="0"/>
+    <cs:fillRef idx="1">
+      <cs:styleClr val="auto"/>
+    </cs:fillRef>
+    <cs:effectRef idx="0"/>
+    <cs:fontRef idx="minor">
+      <a:schemeClr val="tx1"/>
+    </cs:fontRef>
+  </cs:dataPoint>
+  <cs:dataPoint3D>
+    <cs:lnRef idx="0"/>
+    <cs:fillRef idx="1">
+      <cs:styleClr val="auto"/>
+    </cs:fillRef>
+    <cs:effectRef idx="0"/>
+    <cs:fontRef idx="minor">
+      <a:schemeClr val="tx1"/>
+    </cs:fontRef>
+  </cs:dataPoint3D>
+  <cs:dataPointLine>
+    <cs:lnRef idx="0">
+      <cs:styleClr val="auto"/>
+    </cs:lnRef>
+    <cs:fillRef idx="1"/>
+    <cs:effectRef idx="0"/>
+    <cs:fontRef idx="minor">
+      <a:schemeClr val="tx1"/>
+    </cs:fontRef>
+    <cs:spPr>
+      <a:ln w="28575" cap="rnd">
+        <a:solidFill>
+          <a:schemeClr val="phClr"/>
+        </a:solidFill>
+        <a:round/>
+      </a:ln>
+    </cs:spPr>
+  </cs:dataPointLine>
+  <cs:dataPointMarker>
+    <cs:lnRef idx="0">
+      <cs:styleClr val="auto"/>
+    </cs:lnRef>
+    <cs:fillRef idx="1">
+      <cs:styleClr val="auto"/>
+    </cs:fillRef>
+    <cs:effectRef idx="0"/>
+    <cs:fontRef idx="minor">
+      <a:schemeClr val="tx1"/>
+    </cs:fontRef>
+    <cs:spPr>
+      <a:ln w="9525">
+        <a:solidFill>
+          <a:schemeClr val="phClr"/>
+        </a:solidFill>
+      </a:ln>
+    </cs:spPr>
+  </cs:dataPointMarker>
+  <cs:dataPointMarkerLayout symbol="circle" size="5"/>
+  <cs:dataPointWireframe>
+    <cs:lnRef idx="0">
+      <cs:styleClr val="auto"/>
+    </cs:lnRef>
+    <cs:fillRef idx="1"/>
+    <cs:effectRef idx="0"/>
+    <cs:fontRef idx="minor">
+      <a:schemeClr val="tx1"/>
+    </cs:fontRef>
+    <cs:spPr>
+      <a:ln w="9525" cap="rnd">
+        <a:solidFill>
+          <a:schemeClr val="phClr"/>
+        </a:solidFill>
+        <a:round/>
+      </a:ln>
+    </cs:spPr>
+  </cs:dataPointWireframe>
+  <cs:dataTable>
+    <cs:lnRef idx="0"/>
+    <cs:fillRef idx="0"/>
+    <cs:effectRef idx="0"/>
+    <cs:fontRef idx="minor">
+      <a:schemeClr val="tx1">
+        <a:lumMod val="65000"/>
+        <a:lumOff val="35000"/>
+      </a:schemeClr>
+    </cs:fontRef>
+    <cs:spPr>
+      <a:noFill/>
+      <a:ln w="9525" cap="flat" cmpd="sng" algn="ctr">
+        <a:solidFill>
+          <a:schemeClr val="tx1">
+            <a:lumMod val="15000"/>
+            <a:lumOff val="85000"/>
+          </a:schemeClr>
+        </a:solidFill>
+        <a:round/>
+      </a:ln>
+    </cs:spPr>
+    <cs:defRPr sz="900" kern="1200"/>
+  </cs:dataTable>
+  <cs:downBar>
+    <cs:lnRef idx="0"/>
+    <cs:fillRef idx="0"/>
+    <cs:effectRef idx="0"/>
+    <cs:fontRef idx="minor">
+      <a:schemeClr val="dk1"/>
+    </cs:fontRef>
+    <cs:spPr>
+      <a:solidFill>
+        <a:schemeClr val="dk1">
+          <a:lumMod val="65000"/>
+          <a:lumOff val="35000"/>
+        </a:schemeClr>
+      </a:solidFill>
+      <a:ln w="9525">
+        <a:solidFill>
+          <a:schemeClr val="tx1">
+            <a:lumMod val="65000"/>
+            <a:lumOff val="35000"/>
+          </a:schemeClr>
+        </a:solidFill>
+      </a:ln>
+    </cs:spPr>
+  </cs:downBar>
+  <cs:dropLine>
+    <cs:lnRef idx="0"/>
+    <cs:fillRef idx="0"/>
+    <cs:effectRef idx="0"/>
+    <cs:fontRef idx="minor">
+      <a:schemeClr val="tx1"/>
+    </cs:fontRef>
+    <cs:spPr>
+      <a:ln w="9525" cap="flat" cmpd="sng" algn="ctr">
+        <a:solidFill>
+          <a:schemeClr val="tx1">
+            <a:lumMod val="35000"/>
+            <a:lumOff val="65000"/>
+          </a:schemeClr>
+        </a:solidFill>
+        <a:round/>
+      </a:ln>
+    </cs:spPr>
+  </cs:dropLine>
+  <cs:errorBar>
+    <cs:lnRef idx="0"/>
+    <cs:fillRef idx="0"/>
+    <cs:effectRef idx="0"/>
+    <cs:fontRef idx="minor">
+      <a:schemeClr val="tx1"/>
+    </cs:fontRef>
+    <cs:spPr>
+      <a:ln w="9525" cap="flat" cmpd="sng" algn="ctr">
+        <a:solidFill>
+          <a:schemeClr val="tx1">
+            <a:lumMod val="65000"/>
+            <a:lumOff val="35000"/>
+          </a:schemeClr>
+        </a:solidFill>
+        <a:round/>
+      </a:ln>
+    </cs:spPr>
+  </cs:errorBar>
+  <cs:floor>
+    <cs:lnRef idx="0"/>
+    <cs:fillRef idx="0"/>
+    <cs:effectRef idx="0"/>
+    <cs:fontRef idx="minor">
+      <a:schemeClr val="tx1"/>
+    </cs:fontRef>
+    <cs:spPr>
+      <a:noFill/>
+      <a:ln>
+        <a:noFill/>
+      </a:ln>
+    </cs:spPr>
+  </cs:floor>
+  <cs:gridlineMajor>
+    <cs:lnRef idx="0"/>
+    <cs:fillRef idx="0"/>
+    <cs:effectRef idx="0"/>
+    <cs:fontRef idx="minor">
+      <a:schemeClr val="tx1"/>
+    </cs:fontRef>
+    <cs:spPr>
+      <a:ln w="9525" cap="flat" cmpd="sng" algn="ctr">
+        <a:solidFill>
+          <a:schemeClr val="tx1">
+            <a:lumMod val="15000"/>
+            <a:lumOff val="85000"/>
+          </a:schemeClr>
+        </a:solidFill>
+        <a:round/>
+      </a:ln>
+    </cs:spPr>
+  </cs:gridlineMajor>
+  <cs:gridlineMinor>
+    <cs:lnRef idx="0"/>
+    <cs:fillRef idx="0"/>
+    <cs:effectRef idx="0"/>
+    <cs:fontRef idx="minor">
+      <a:schemeClr val="tx1"/>
+    </cs:fontRef>
+    <cs:spPr>
+      <a:ln w="9525" cap="flat" cmpd="sng" algn="ctr">
+        <a:solidFill>
+          <a:schemeClr val="tx1">
+            <a:lumMod val="5000"/>
+            <a:lumOff val="95000"/>
+          </a:schemeClr>
+        </a:solidFill>
+        <a:round/>
+      </a:ln>
+    </cs:spPr>
+  </cs:gridlineMinor>
+  <cs:hiLoLine>
+    <cs:lnRef idx="0"/>
+    <cs:fillRef idx="0"/>
+    <cs:effectRef idx="0"/>
+    <cs:fontRef idx="minor">
+      <a:schemeClr val="tx1"/>
+    </cs:fontRef>
+    <cs:spPr>
+      <a:ln w="9525" cap="flat" cmpd="sng" algn="ctr">
+        <a:solidFill>
+          <a:schemeClr val="tx1">
+            <a:lumMod val="75000"/>
+            <a:lumOff val="25000"/>
+          </a:schemeClr>
+        </a:solidFill>
+        <a:round/>
+      </a:ln>
+    </cs:spPr>
+  </cs:hiLoLine>
+  <cs:leaderLine>
+    <cs:lnRef idx="0"/>
+    <cs:fillRef idx="0"/>
+    <cs:effectRef idx="0"/>
+    <cs:fontRef idx="minor">
+      <a:schemeClr val="tx1"/>
+    </cs:fontRef>
+    <cs:spPr>
+      <a:ln w="9525" cap="flat" cmpd="sng" algn="ctr">
+        <a:solidFill>
+          <a:schemeClr val="tx1">
+            <a:lumMod val="35000"/>
+            <a:lumOff val="65000"/>
+          </a:schemeClr>
+        </a:solidFill>
+        <a:round/>
+      </a:ln>
+    </cs:spPr>
+  </cs:leaderLine>
+  <cs:legend>
+    <cs:lnRef idx="0"/>
+    <cs:fillRef idx="0"/>
+    <cs:effectRef idx="0"/>
+    <cs:fontRef idx="minor">
+      <a:schemeClr val="tx1">
+        <a:lumMod val="65000"/>
+        <a:lumOff val="35000"/>
+      </a:schemeClr>
+    </cs:fontRef>
+    <cs:defRPr sz="900" kern="1200"/>
+  </cs:legend>
+  <cs:plotArea mods="allowNoFillOverride allowNoLineOverride">
+    <cs:lnRef idx="0"/>
+    <cs:fillRef idx="0"/>
+    <cs:effectRef idx="0"/>
+    <cs:fontRef idx="minor">
+      <a:schemeClr val="tx1"/>
+    </cs:fontRef>
+  </cs:plotArea>
+  <cs:plotArea3D mods="allowNoFillOverride allowNoLineOverride">
+    <cs:lnRef idx="0"/>
+    <cs:fillRef idx="0"/>
+    <cs:effectRef idx="0"/>
+    <cs:fontRef idx="minor">
+      <a:schemeClr val="tx1"/>
+    </cs:fontRef>
+  </cs:plotArea3D>
+  <cs:seriesAxis>
+    <cs:lnRef idx="0"/>
+    <cs:fillRef idx="0"/>
+    <cs:effectRef idx="0"/>
+    <cs:fontRef idx="minor">
+      <a:schemeClr val="tx1">
+        <a:lumMod val="65000"/>
+        <a:lumOff val="35000"/>
+      </a:schemeClr>
+    </cs:fontRef>
+    <cs:defRPr sz="900" kern="1200"/>
+  </cs:seriesAxis>
+  <cs:seriesLine>
+    <cs:lnRef idx="0"/>
+    <cs:fillRef idx="0"/>
+    <cs:effectRef idx="0"/>
+    <cs:fontRef idx="minor">
+      <a:schemeClr val="tx1"/>
+    </cs:fontRef>
+    <cs:spPr>
+      <a:ln w="9525" cap="flat" cmpd="sng" algn="ctr">
+        <a:solidFill>
+          <a:schemeClr val="tx1">
+            <a:lumMod val="35000"/>
+            <a:lumOff val="65000"/>
+          </a:schemeClr>
+        </a:solidFill>
+        <a:round/>
+      </a:ln>
+    </cs:spPr>
+  </cs:seriesLine>
+  <cs:title>
+    <cs:lnRef idx="0"/>
+    <cs:fillRef idx="0"/>
+    <cs:effectRef idx="0"/>
+    <cs:fontRef idx="minor">
+      <a:schemeClr val="tx1">
+        <a:lumMod val="65000"/>
+        <a:lumOff val="35000"/>
+      </a:schemeClr>
+    </cs:fontRef>
+    <cs:defRPr sz="1400" b="0" kern="1200" spc="0" baseline="0"/>
+  </cs:title>
+  <cs:trendline>
+    <cs:lnRef idx="0">
+      <cs:styleClr val="auto"/>
+    </cs:lnRef>
+    <cs:fillRef idx="0"/>
+    <cs:effectRef idx="0"/>
+    <cs:fontRef idx="minor">
+      <a:schemeClr val="tx1"/>
+    </cs:fontRef>
+    <cs:spPr>
+      <a:ln w="19050" cap="rnd">
+        <a:solidFill>
+          <a:schemeClr val="phClr"/>
+        </a:solidFill>
+        <a:prstDash val="sysDot"/>
+      </a:ln>
+    </cs:spPr>
+  </cs:trendline>
+  <cs:trendlineLabel>
+    <cs:lnRef idx="0"/>
+    <cs:fillRef idx="0"/>
+    <cs:effectRef idx="0"/>
+    <cs:fontRef idx="minor">
+      <a:schemeClr val="tx1">
+        <a:lumMod val="65000"/>
+        <a:lumOff val="35000"/>
+      </a:schemeClr>
+    </cs:fontRef>
+    <cs:defRPr sz="900" kern="1200"/>
+  </cs:trendlineLabel>
+  <cs:upBar>
+    <cs:lnRef idx="0"/>
+    <cs:fillRef idx="0"/>
+    <cs:effectRef idx="0"/>
+    <cs:fontRef idx="minor">
+      <a:schemeClr val="dk1"/>
+    </cs:fontRef>
+    <cs:spPr>
+      <a:solidFill>
+        <a:schemeClr val="lt1"/>
+      </a:solidFill>
+      <a:ln w="9525">
+        <a:solidFill>
+          <a:schemeClr val="tx1">
+            <a:lumMod val="15000"/>
+            <a:lumOff val="85000"/>
+          </a:schemeClr>
+        </a:solidFill>
+      </a:ln>
+    </cs:spPr>
+  </cs:upBar>
+  <cs:valueAxis>
+    <cs:lnRef idx="0"/>
+    <cs:fillRef idx="0"/>
+    <cs:effectRef idx="0"/>
+    <cs:fontRef idx="minor">
+      <a:schemeClr val="tx1">
+        <a:lumMod val="65000"/>
+        <a:lumOff val="35000"/>
+      </a:schemeClr>
+    </cs:fontRef>
+    <cs:defRPr sz="900" kern="1200"/>
+  </cs:valueAxis>
+  <cs:wall>
+    <cs:lnRef idx="0"/>
+    <cs:fillRef idx="0"/>
+    <cs:effectRef idx="0"/>
+    <cs:fontRef idx="minor">
+      <a:schemeClr val="tx1"/>
+    </cs:fontRef>
+    <cs:spPr>
+      <a:noFill/>
+      <a:ln>
+        <a:noFill/>
+      </a:ln>
+    </cs:spPr>
+  </cs:wall>
+</cs:chartStyle>
+</file>
+
 <file path=ppt/slideLayouts/slideLayout1.xml><?xml version="1.0" encoding="utf-8"?>
 <p:sldLayout xmlns:a="http://schemas.openxmlformats.org/drawingml/2006/main" xmlns:r="http://schemas.openxmlformats.org/officeDocument/2006/relationships" xmlns:p="http://schemas.openxmlformats.org/presentationml/2006/main" type="title" preserve="1">
   <p:cSld name="Title Slide">
@@ -1657,7 +5235,7 @@
           <a:p>
             <a:fld id="{FF02F886-A6EC-4A2D-B279-21243BFE44BC}" type="datetimeFigureOut">
               <a:rPr lang="en-US" smtClean="0"/>
-              <a:t>12/14/2019</a:t>
+              <a:t>15-Dec-19</a:t>
             </a:fld>
             <a:endParaRPr lang="en-US"/>
           </a:p>
@@ -1855,7 +5433,7 @@
           <a:p>
             <a:fld id="{FF02F886-A6EC-4A2D-B279-21243BFE44BC}" type="datetimeFigureOut">
               <a:rPr lang="en-US" smtClean="0"/>
-              <a:t>12/14/2019</a:t>
+              <a:t>15-Dec-19</a:t>
             </a:fld>
             <a:endParaRPr lang="en-US"/>
           </a:p>
@@ -2063,7 +5641,7 @@
           <a:p>
             <a:fld id="{FF02F886-A6EC-4A2D-B279-21243BFE44BC}" type="datetimeFigureOut">
               <a:rPr lang="en-US" smtClean="0"/>
-              <a:t>12/14/2019</a:t>
+              <a:t>15-Dec-19</a:t>
             </a:fld>
             <a:endParaRPr lang="en-US"/>
           </a:p>
@@ -2261,7 +5839,7 @@
           <a:p>
             <a:fld id="{FF02F886-A6EC-4A2D-B279-21243BFE44BC}" type="datetimeFigureOut">
               <a:rPr lang="en-US" smtClean="0"/>
-              <a:t>12/14/2019</a:t>
+              <a:t>15-Dec-19</a:t>
             </a:fld>
             <a:endParaRPr lang="en-US"/>
           </a:p>
@@ -2536,7 +6114,7 @@
           <a:p>
             <a:fld id="{FF02F886-A6EC-4A2D-B279-21243BFE44BC}" type="datetimeFigureOut">
               <a:rPr lang="en-US" smtClean="0"/>
-              <a:t>12/14/2019</a:t>
+              <a:t>15-Dec-19</a:t>
             </a:fld>
             <a:endParaRPr lang="en-US"/>
           </a:p>
@@ -2801,7 +6379,7 @@
           <a:p>
             <a:fld id="{FF02F886-A6EC-4A2D-B279-21243BFE44BC}" type="datetimeFigureOut">
               <a:rPr lang="en-US" smtClean="0"/>
-              <a:t>12/14/2019</a:t>
+              <a:t>15-Dec-19</a:t>
             </a:fld>
             <a:endParaRPr lang="en-US"/>
           </a:p>
@@ -3213,7 +6791,7 @@
           <a:p>
             <a:fld id="{FF02F886-A6EC-4A2D-B279-21243BFE44BC}" type="datetimeFigureOut">
               <a:rPr lang="en-US" smtClean="0"/>
-              <a:t>12/14/2019</a:t>
+              <a:t>15-Dec-19</a:t>
             </a:fld>
             <a:endParaRPr lang="en-US"/>
           </a:p>
@@ -3354,7 +6932,7 @@
           <a:p>
             <a:fld id="{FF02F886-A6EC-4A2D-B279-21243BFE44BC}" type="datetimeFigureOut">
               <a:rPr lang="en-US" smtClean="0"/>
-              <a:t>12/14/2019</a:t>
+              <a:t>15-Dec-19</a:t>
             </a:fld>
             <a:endParaRPr lang="en-US"/>
           </a:p>
@@ -3467,7 +7045,7 @@
           <a:p>
             <a:fld id="{FF02F886-A6EC-4A2D-B279-21243BFE44BC}" type="datetimeFigureOut">
               <a:rPr lang="en-US" smtClean="0"/>
-              <a:t>12/14/2019</a:t>
+              <a:t>15-Dec-19</a:t>
             </a:fld>
             <a:endParaRPr lang="en-US"/>
           </a:p>
@@ -3778,7 +7356,7 @@
           <a:p>
             <a:fld id="{FF02F886-A6EC-4A2D-B279-21243BFE44BC}" type="datetimeFigureOut">
               <a:rPr lang="en-US" smtClean="0"/>
-              <a:t>12/14/2019</a:t>
+              <a:t>15-Dec-19</a:t>
             </a:fld>
             <a:endParaRPr lang="en-US"/>
           </a:p>
@@ -4066,7 +7644,7 @@
           <a:p>
             <a:fld id="{FF02F886-A6EC-4A2D-B279-21243BFE44BC}" type="datetimeFigureOut">
               <a:rPr lang="en-US" smtClean="0"/>
-              <a:t>12/14/2019</a:t>
+              <a:t>15-Dec-19</a:t>
             </a:fld>
             <a:endParaRPr lang="en-US"/>
           </a:p>
@@ -4307,7 +7885,7 @@
           <a:p>
             <a:fld id="{FF02F886-A6EC-4A2D-B279-21243BFE44BC}" type="datetimeFigureOut">
               <a:rPr lang="en-US" smtClean="0"/>
-              <a:t>12/14/2019</a:t>
+              <a:t>15-Dec-19</a:t>
             </a:fld>
             <a:endParaRPr lang="en-US"/>
           </a:p>
@@ -4911,36 +8489,6 @@
           </a:p>
         </p:txBody>
       </p:sp>
-      <p:graphicFrame>
-        <p:nvGraphicFramePr>
-          <p:cNvPr id="10" name="Chart 9">
-            <a:extLst>
-              <a:ext uri="{FF2B5EF4-FFF2-40B4-BE49-F238E27FC236}">
-                <a16:creationId xmlns:a16="http://schemas.microsoft.com/office/drawing/2014/main" id="{55F99B27-C4A8-46C8-B7BC-314DADF214F1}"/>
-              </a:ext>
-            </a:extLst>
-          </p:cNvPr>
-          <p:cNvGraphicFramePr>
-            <a:graphicFrameLocks/>
-          </p:cNvGraphicFramePr>
-          <p:nvPr>
-            <p:extLst>
-              <p:ext uri="{D42A27DB-BD31-4B8C-83A1-F6EECF244321}">
-                <p14:modId xmlns:p14="http://schemas.microsoft.com/office/powerpoint/2010/main" val="1539907620"/>
-              </p:ext>
-            </p:extLst>
-          </p:nvPr>
-        </p:nvGraphicFramePr>
-        <p:xfrm>
-          <a:off x="2338610" y="31248032"/>
-          <a:ext cx="17512719" cy="8678443"/>
-        </p:xfrm>
-        <a:graphic>
-          <a:graphicData uri="http://schemas.openxmlformats.org/drawingml/2006/chart">
-            <c:chart xmlns:c="http://schemas.openxmlformats.org/drawingml/2006/chart" xmlns:r="http://schemas.openxmlformats.org/officeDocument/2006/relationships" r:id="rId2"/>
-          </a:graphicData>
-        </a:graphic>
-      </p:graphicFrame>
       <p:sp>
         <p:nvSpPr>
           <p:cNvPr id="11" name="TextBox 10">
@@ -5305,6 +8853,36 @@
           </a:p>
         </p:txBody>
       </p:sp>
+      <p:graphicFrame>
+        <p:nvGraphicFramePr>
+          <p:cNvPr id="9" name="Chart 8">
+            <a:extLst>
+              <a:ext uri="{FF2B5EF4-FFF2-40B4-BE49-F238E27FC236}">
+                <a16:creationId xmlns:a16="http://schemas.microsoft.com/office/drawing/2014/main" id="{1807A904-B80A-49C9-B26D-575A85CDE0ED}"/>
+              </a:ext>
+            </a:extLst>
+          </p:cNvPr>
+          <p:cNvGraphicFramePr>
+            <a:graphicFrameLocks/>
+          </p:cNvGraphicFramePr>
+          <p:nvPr>
+            <p:extLst>
+              <p:ext uri="{D42A27DB-BD31-4B8C-83A1-F6EECF244321}">
+                <p14:modId xmlns:p14="http://schemas.microsoft.com/office/powerpoint/2010/main" val="3824344123"/>
+              </p:ext>
+            </p:extLst>
+          </p:nvPr>
+        </p:nvGraphicFramePr>
+        <p:xfrm>
+          <a:off x="2240729" y="31248032"/>
+          <a:ext cx="17324935" cy="9769852"/>
+        </p:xfrm>
+        <a:graphic>
+          <a:graphicData uri="http://schemas.openxmlformats.org/drawingml/2006/chart">
+            <c:chart xmlns:c="http://schemas.openxmlformats.org/drawingml/2006/chart" xmlns:r="http://schemas.openxmlformats.org/officeDocument/2006/relationships" r:id="rId2"/>
+          </a:graphicData>
+        </a:graphic>
+      </p:graphicFrame>
     </p:spTree>
     <p:extLst>
       <p:ext uri="{BB962C8B-B14F-4D97-AF65-F5344CB8AC3E}">
@@ -5315,13 +8893,6 @@
   <p:clrMapOvr>
     <a:masterClrMapping/>
   </p:clrMapOvr>
-  <p:timing>
-    <p:tnLst>
-      <p:par>
-        <p:cTn id="1" dur="indefinite" restart="never" nodeType="tmRoot"/>
-      </p:par>
-    </p:tnLst>
-  </p:timing>
 </p:sld>
 </file>
 
@@ -5466,7 +9037,7 @@
               </a:lnSpc>
             </a:pPr>
             <a:r>
-              <a:rPr lang="et-EE" sz="8800" b="1" dirty="0" smtClean="0">
+              <a:rPr lang="et-EE" sz="8800" b="1" dirty="0">
                 <a:solidFill>
                   <a:schemeClr val="bg1"/>
                 </a:solidFill>
@@ -5475,13 +9046,6 @@
               </a:rPr>
               <a:t>FOOTBALL BETS</a:t>
             </a:r>
-            <a:endParaRPr lang="et-EE" sz="8800" b="1" dirty="0">
-              <a:solidFill>
-                <a:schemeClr val="bg1"/>
-              </a:solidFill>
-              <a:latin typeface="Berlin Sans FB Demi" panose="020E0802020502020306" pitchFamily="34" charset="0"/>
-              <a:cs typeface="Nachlieli CLM" panose="02000603000000000000" pitchFamily="50" charset="-79"/>
-            </a:endParaRPr>
           </a:p>
           <a:p>
             <a:pPr algn="ctr">
@@ -5497,20 +9061,10 @@
                 <a:latin typeface="Berlin Sans FB Demi" panose="020E0802020502020306" pitchFamily="34" charset="0"/>
                 <a:cs typeface="Nachlieli CLM" panose="02000603000000000000" pitchFamily="50" charset="-79"/>
               </a:rPr>
-              <a:t>Artjom </a:t>
-            </a:r>
-            <a:r>
-              <a:rPr lang="et-EE" sz="7200" dirty="0" smtClean="0">
-                <a:solidFill>
-                  <a:schemeClr val="bg1"/>
-                </a:solidFill>
-                <a:latin typeface="Berlin Sans FB Demi" panose="020E0802020502020306" pitchFamily="34" charset="0"/>
-                <a:cs typeface="Nachlieli CLM" panose="02000603000000000000" pitchFamily="50" charset="-79"/>
-              </a:rPr>
-              <a:t>Valdas</a:t>
-            </a:r>
-            <a:r>
-              <a:rPr lang="ru-RU" sz="7200" dirty="0" smtClean="0">
+              <a:t>Artjom Valdas</a:t>
+            </a:r>
+            <a:r>
+              <a:rPr lang="ru-RU" sz="7200" dirty="0">
                 <a:solidFill>
                   <a:schemeClr val="bg1"/>
                 </a:solidFill>
@@ -5527,27 +9081,7 @@
                 <a:latin typeface="Berlin Sans FB Demi" panose="020E0802020502020306" pitchFamily="34" charset="0"/>
                 <a:cs typeface="Nachlieli CLM" panose="02000603000000000000" pitchFamily="50" charset="-79"/>
               </a:rPr>
-              <a:t>&amp;</a:t>
-            </a:r>
-            <a:r>
-              <a:rPr lang="et-EE" sz="7200" dirty="0" smtClean="0">
-                <a:solidFill>
-                  <a:schemeClr val="bg1"/>
-                </a:solidFill>
-                <a:latin typeface="Berlin Sans FB Demi" panose="020E0802020502020306" pitchFamily="34" charset="0"/>
-                <a:cs typeface="Nachlieli CLM" panose="02000603000000000000" pitchFamily="50" charset="-79"/>
-              </a:rPr>
-              <a:t> </a:t>
-            </a:r>
-            <a:r>
-              <a:rPr lang="et-EE" sz="7200" dirty="0">
-                <a:solidFill>
-                  <a:schemeClr val="bg1"/>
-                </a:solidFill>
-                <a:latin typeface="Berlin Sans FB Demi" panose="020E0802020502020306" pitchFamily="34" charset="0"/>
-                <a:cs typeface="Nachlieli CLM" panose="02000603000000000000" pitchFamily="50" charset="-79"/>
-              </a:rPr>
-              <a:t>Eduard Rudi</a:t>
+              <a:t>&amp; Eduard Rudi</a:t>
             </a:r>
             <a:endParaRPr lang="en-US" sz="7200" dirty="0">
               <a:solidFill>
@@ -5573,7 +9107,7 @@
         </p:nvSpPr>
         <p:spPr>
           <a:xfrm>
-            <a:off x="1512700" y="6948882"/>
+            <a:off x="2368104" y="7207466"/>
             <a:ext cx="12321287" cy="2800767"/>
           </a:xfrm>
           <a:prstGeom prst="rect">
@@ -5595,7 +9129,7 @@
               </a:lnSpc>
             </a:pPr>
             <a:r>
-              <a:rPr lang="en-US" sz="3200" dirty="0" smtClean="0">
+              <a:rPr lang="en-US" sz="3200" dirty="0">
                 <a:latin typeface="Berlin Sans FB Demi" panose="020E0802020502020306" pitchFamily="34" charset="0"/>
                 <a:cs typeface="Times New Roman" panose="02020603050405020304" pitchFamily="18" charset="0"/>
               </a:rPr>
@@ -5605,21 +9139,14 @@
           <a:p>
             <a:pPr algn="just"/>
             <a:r>
-              <a:rPr lang="en-US" sz="3200" dirty="0" smtClean="0">
-                <a:latin typeface="Berlin Sans FB" panose="020E0602020502020306" pitchFamily="34" charset="0"/>
-                <a:cs typeface="Times New Roman" panose="02020603050405020304" pitchFamily="18" charset="0"/>
-              </a:rPr>
-              <a:t>Today</a:t>
-            </a:r>
-            <a:r>
               <a:rPr lang="en-US" sz="3200" dirty="0">
                 <a:latin typeface="Berlin Sans FB" panose="020E0602020502020306" pitchFamily="34" charset="0"/>
                 <a:cs typeface="Times New Roman" panose="02020603050405020304" pitchFamily="18" charset="0"/>
               </a:rPr>
-              <a:t>, almost everyone has faced sports betting. Some people believe that if you constantly analyze, for example, football teams, you can make money on it.</a:t>
-            </a:r>
-            <a:r>
-              <a:rPr lang="ru-RU" sz="3200" dirty="0" smtClean="0">
+              <a:t>Today, almost everyone has faced sports betting. Some people believe that if you constantly analyze, for example, football teams, you can make money on it.</a:t>
+            </a:r>
+            <a:r>
+              <a:rPr lang="ru-RU" sz="3200" dirty="0">
                 <a:latin typeface="Berlin Sans FB" panose="020E0602020502020306" pitchFamily="34" charset="0"/>
                 <a:cs typeface="Times New Roman" panose="02020603050405020304" pitchFamily="18" charset="0"/>
               </a:rPr>
@@ -5653,7 +9180,7 @@
         </p:nvSpPr>
         <p:spPr>
           <a:xfrm>
-            <a:off x="16487573" y="6948882"/>
+            <a:off x="15930167" y="7207466"/>
             <a:ext cx="12321287" cy="2800767"/>
           </a:xfrm>
           <a:prstGeom prst="rect">
@@ -5675,13 +9202,13 @@
               </a:lnSpc>
             </a:pPr>
             <a:r>
-              <a:rPr lang="en-US" sz="3200" dirty="0" smtClean="0">
+              <a:rPr lang="en-US" sz="3200" dirty="0">
                 <a:latin typeface="Berlin Sans FB Demi" panose="020E0802020502020306" pitchFamily="34" charset="0"/>
                 <a:cs typeface="Times New Roman" panose="02020603050405020304" pitchFamily="18" charset="0"/>
               </a:rPr>
               <a:t>Goals</a:t>
             </a:r>
-            <a:endParaRPr lang="et-EE" sz="3200" dirty="0" smtClean="0">
+            <a:endParaRPr lang="et-EE" sz="3200" dirty="0">
               <a:latin typeface="Berlin Sans FB Demi" panose="020E0802020502020306" pitchFamily="34" charset="0"/>
               <a:cs typeface="Times New Roman" panose="02020603050405020304" pitchFamily="18" charset="0"/>
             </a:endParaRPr>
@@ -5695,7 +9222,7 @@
               <a:buChar char="ü"/>
             </a:pPr>
             <a:r>
-              <a:rPr lang="en-US" sz="3200" dirty="0" smtClean="0">
+              <a:rPr lang="en-US" sz="3200" dirty="0">
                 <a:latin typeface="Berlin Sans FB" panose="020E0602020502020306" pitchFamily="34" charset="0"/>
                 <a:cs typeface="Times New Roman" panose="02020603050405020304" pitchFamily="18" charset="0"/>
               </a:rPr>
@@ -5711,7 +9238,7 @@
               <a:buChar char="ü"/>
             </a:pPr>
             <a:r>
-              <a:rPr lang="en-US" sz="3200" dirty="0" smtClean="0">
+              <a:rPr lang="en-US" sz="3200" dirty="0">
                 <a:latin typeface="Berlin Sans FB" panose="020E0602020502020306" pitchFamily="34" charset="0"/>
                 <a:cs typeface="Times New Roman" panose="02020603050405020304" pitchFamily="18" charset="0"/>
               </a:rPr>
@@ -5727,27 +9254,13 @@
               <a:buChar char="ü"/>
             </a:pPr>
             <a:r>
-              <a:rPr lang="en-US" sz="3200" dirty="0" smtClean="0">
-                <a:latin typeface="Berlin Sans FB" panose="020E0602020502020306" pitchFamily="34" charset="0"/>
-                <a:cs typeface="Times New Roman" panose="02020603050405020304" pitchFamily="18" charset="0"/>
-              </a:rPr>
-              <a:t>Try </a:t>
-            </a:r>
-            <a:r>
               <a:rPr lang="en-US" sz="3200" dirty="0">
                 <a:latin typeface="Berlin Sans FB" panose="020E0602020502020306" pitchFamily="34" charset="0"/>
                 <a:cs typeface="Times New Roman" panose="02020603050405020304" pitchFamily="18" charset="0"/>
               </a:rPr>
-              <a:t>to find what the outcome of the match depends </a:t>
-            </a:r>
-            <a:r>
-              <a:rPr lang="en-US" sz="3200" dirty="0" smtClean="0">
-                <a:latin typeface="Berlin Sans FB" panose="020E0602020502020306" pitchFamily="34" charset="0"/>
-                <a:cs typeface="Times New Roman" panose="02020603050405020304" pitchFamily="18" charset="0"/>
-              </a:rPr>
-              <a:t>on</a:t>
-            </a:r>
-            <a:endParaRPr lang="ru-RU" sz="3200" dirty="0" smtClean="0">
+              <a:t>Try to find what the outcome of the match depends on</a:t>
+            </a:r>
+            <a:endParaRPr lang="ru-RU" sz="3200" dirty="0">
               <a:latin typeface="Berlin Sans FB" panose="020E0602020502020306" pitchFamily="34" charset="0"/>
               <a:cs typeface="Times New Roman" panose="02020603050405020304" pitchFamily="18" charset="0"/>
             </a:endParaRPr>
@@ -5761,27 +9274,13 @@
               <a:buChar char="ü"/>
             </a:pPr>
             <a:r>
-              <a:rPr lang="en-US" sz="3200" dirty="0" smtClean="0">
-                <a:latin typeface="Berlin Sans FB" panose="020E0602020502020306" pitchFamily="34" charset="0"/>
-                <a:cs typeface="Times New Roman" panose="02020603050405020304" pitchFamily="18" charset="0"/>
-              </a:rPr>
-              <a:t>Create </a:t>
-            </a:r>
-            <a:r>
               <a:rPr lang="en-US" sz="3200" dirty="0">
                 <a:latin typeface="Berlin Sans FB" panose="020E0602020502020306" pitchFamily="34" charset="0"/>
                 <a:cs typeface="Times New Roman" panose="02020603050405020304" pitchFamily="18" charset="0"/>
               </a:rPr>
-              <a:t>a model that will predict future </a:t>
-            </a:r>
-            <a:r>
-              <a:rPr lang="en-US" sz="3200" dirty="0" smtClean="0">
-                <a:latin typeface="Berlin Sans FB" panose="020E0602020502020306" pitchFamily="34" charset="0"/>
-                <a:cs typeface="Times New Roman" panose="02020603050405020304" pitchFamily="18" charset="0"/>
-              </a:rPr>
-              <a:t>matches</a:t>
-            </a:r>
-            <a:endParaRPr lang="ru-RU" sz="3200" dirty="0" smtClean="0">
+              <a:t>Create a model that will predict future matches</a:t>
+            </a:r>
+            <a:endParaRPr lang="ru-RU" sz="3200" dirty="0">
               <a:latin typeface="Berlin Sans FB" panose="020E0602020502020306" pitchFamily="34" charset="0"/>
               <a:cs typeface="Times New Roman" panose="02020603050405020304" pitchFamily="18" charset="0"/>
             </a:endParaRPr>
@@ -5796,7 +9295,7 @@
         </p:nvSpPr>
         <p:spPr>
           <a:xfrm>
-            <a:off x="4445025" y="9867425"/>
+            <a:off x="4445025" y="9841252"/>
             <a:ext cx="21385161" cy="1323439"/>
           </a:xfrm>
           <a:prstGeom prst="rect">
@@ -5812,7 +9311,7 @@
           <a:p>
             <a:pPr algn="ctr"/>
             <a:r>
-              <a:rPr lang="en-US" sz="8000" dirty="0" smtClean="0">
+              <a:rPr lang="en-US" sz="8000" dirty="0">
                 <a:latin typeface="Berlin Sans FB Demi" panose="020E0802020502020306" pitchFamily="34" charset="0"/>
               </a:rPr>
               <a:t>What did we finally get…</a:t>
@@ -5823,66 +9322,18 @@
           </a:p>
         </p:txBody>
       </p:sp>
-      <p:pic>
-        <p:nvPicPr>
-          <p:cNvPr id="8" name="Pilt 7"/>
-          <p:cNvPicPr>
-            <a:picLocks noChangeAspect="1"/>
-          </p:cNvPicPr>
-          <p:nvPr/>
-        </p:nvPicPr>
-        <p:blipFill>
-          <a:blip r:embed="rId2"/>
-          <a:stretch>
-            <a:fillRect/>
-          </a:stretch>
-        </p:blipFill>
-        <p:spPr>
-          <a:xfrm>
-            <a:off x="17342978" y="12159052"/>
-            <a:ext cx="10610475" cy="6932547"/>
-          </a:xfrm>
-          <a:prstGeom prst="rect">
-            <a:avLst/>
-          </a:prstGeom>
-        </p:spPr>
-      </p:pic>
-      <p:pic>
-        <p:nvPicPr>
-          <p:cNvPr id="9" name="Pilt 8"/>
-          <p:cNvPicPr>
-            <a:picLocks noChangeAspect="1"/>
-          </p:cNvPicPr>
-          <p:nvPr/>
-        </p:nvPicPr>
-        <p:blipFill>
-          <a:blip r:embed="rId3"/>
-          <a:stretch>
-            <a:fillRect/>
-          </a:stretch>
-        </p:blipFill>
-        <p:spPr>
-          <a:xfrm>
-            <a:off x="2368105" y="12164909"/>
-            <a:ext cx="10610475" cy="6932547"/>
-          </a:xfrm>
-          <a:prstGeom prst="rect">
-            <a:avLst/>
-          </a:prstGeom>
-        </p:spPr>
-      </p:pic>
       <p:cxnSp>
         <p:nvCxnSpPr>
           <p:cNvPr id="22" name="Kõverkonnektor 21"/>
           <p:cNvCxnSpPr>
+            <a:cxnSpLocks/>
             <a:stCxn id="3" idx="2"/>
-            <a:endCxn id="8" idx="0"/>
           </p:cNvCxnSpPr>
           <p:nvPr/>
         </p:nvCxnSpPr>
         <p:spPr>
           <a:xfrm rot="16200000" flipH="1">
-            <a:off x="18408817" y="7919653"/>
+            <a:off x="18408817" y="7893480"/>
             <a:ext cx="968188" cy="7510610"/>
           </a:xfrm>
           <a:prstGeom prst="curvedConnector3">
@@ -5914,14 +9365,14 @@
         <p:nvCxnSpPr>
           <p:cNvPr id="24" name="Kõverkonnektor 23"/>
           <p:cNvCxnSpPr>
+            <a:cxnSpLocks/>
             <a:stCxn id="3" idx="2"/>
-            <a:endCxn id="9" idx="0"/>
           </p:cNvCxnSpPr>
           <p:nvPr/>
         </p:nvCxnSpPr>
         <p:spPr>
           <a:xfrm rot="5400000">
-            <a:off x="10918453" y="7945755"/>
+            <a:off x="10918453" y="7919582"/>
             <a:ext cx="974045" cy="7464263"/>
           </a:xfrm>
           <a:prstGeom prst="curvedConnector3">
@@ -6044,6 +9495,66 @@
           </a:p>
         </p:txBody>
       </p:sp>
+      <p:graphicFrame>
+        <p:nvGraphicFramePr>
+          <p:cNvPr id="23" name="Diagramm 1">
+            <a:extLst>
+              <a:ext uri="{FF2B5EF4-FFF2-40B4-BE49-F238E27FC236}">
+                <a16:creationId xmlns:a16="http://schemas.microsoft.com/office/drawing/2014/main" id="{00000000-0008-0000-0200-000002000000}"/>
+              </a:ext>
+            </a:extLst>
+          </p:cNvPr>
+          <p:cNvGraphicFramePr>
+            <a:graphicFrameLocks noGrp="1"/>
+          </p:cNvGraphicFramePr>
+          <p:nvPr>
+            <p:extLst>
+              <p:ext uri="{D42A27DB-BD31-4B8C-83A1-F6EECF244321}">
+                <p14:modId xmlns:p14="http://schemas.microsoft.com/office/powerpoint/2010/main" val="432405510"/>
+              </p:ext>
+            </p:extLst>
+          </p:nvPr>
+        </p:nvGraphicFramePr>
+        <p:xfrm>
+          <a:off x="15585821" y="12159052"/>
+          <a:ext cx="12321287" cy="6932547"/>
+        </p:xfrm>
+        <a:graphic>
+          <a:graphicData uri="http://schemas.openxmlformats.org/drawingml/2006/chart">
+            <c:chart xmlns:c="http://schemas.openxmlformats.org/drawingml/2006/chart" xmlns:r="http://schemas.openxmlformats.org/officeDocument/2006/relationships" r:id="rId2"/>
+          </a:graphicData>
+        </a:graphic>
+      </p:graphicFrame>
+      <p:graphicFrame>
+        <p:nvGraphicFramePr>
+          <p:cNvPr id="25" name="Diagramm 1">
+            <a:extLst>
+              <a:ext uri="{FF2B5EF4-FFF2-40B4-BE49-F238E27FC236}">
+                <a16:creationId xmlns:a16="http://schemas.microsoft.com/office/drawing/2014/main" id="{00000000-0008-0000-0100-000002000000}"/>
+              </a:ext>
+            </a:extLst>
+          </p:cNvPr>
+          <p:cNvGraphicFramePr>
+            <a:graphicFrameLocks noGrp="1"/>
+          </p:cNvGraphicFramePr>
+          <p:nvPr>
+            <p:extLst>
+              <p:ext uri="{D42A27DB-BD31-4B8C-83A1-F6EECF244321}">
+                <p14:modId xmlns:p14="http://schemas.microsoft.com/office/powerpoint/2010/main" val="1501205082"/>
+              </p:ext>
+            </p:extLst>
+          </p:nvPr>
+        </p:nvGraphicFramePr>
+        <p:xfrm>
+          <a:off x="2368104" y="12159051"/>
+          <a:ext cx="12339515" cy="15626910"/>
+        </p:xfrm>
+        <a:graphic>
+          <a:graphicData uri="http://schemas.openxmlformats.org/drawingml/2006/chart">
+            <c:chart xmlns:c="http://schemas.openxmlformats.org/drawingml/2006/chart" xmlns:r="http://schemas.openxmlformats.org/officeDocument/2006/relationships" r:id="rId3"/>
+          </a:graphicData>
+        </a:graphic>
+      </p:graphicFrame>
     </p:spTree>
     <p:extLst>
       <p:ext uri="{BB962C8B-B14F-4D97-AF65-F5344CB8AC3E}">
@@ -6054,13 +9565,6 @@
   <p:clrMapOvr>
     <a:masterClrMapping/>
   </p:clrMapOvr>
-  <p:timing>
-    <p:tnLst>
-      <p:par>
-        <p:cTn id="1" dur="indefinite" restart="never" nodeType="tmRoot"/>
-      </p:par>
-    </p:tnLst>
-  </p:timing>
 </p:sld>
 </file>
 

--- a/poster.pptx
+++ b/poster.pptx
@@ -145,745 +145,6 @@
           <a:lstStyle/>
           <a:p>
             <a:pPr>
-              <a:defRPr sz="1800" b="1" i="0" u="none" strike="noStrike" kern="1200" baseline="0">
-                <a:solidFill>
-                  <a:schemeClr val="dk1">
-                    <a:lumMod val="75000"/>
-                    <a:lumOff val="25000"/>
-                  </a:schemeClr>
-                </a:solidFill>
-                <a:latin typeface="+mn-lt"/>
-                <a:ea typeface="+mn-ea"/>
-                <a:cs typeface="+mn-cs"/>
-              </a:defRPr>
-            </a:pPr>
-            <a:r>
-              <a:rPr lang="en-US" sz="6000" dirty="0"/>
-              <a:t>Prediction model vs actual team wins</a:t>
-            </a:r>
-          </a:p>
-        </c:rich>
-      </c:tx>
-      <c:overlay val="0"/>
-      <c:spPr>
-        <a:noFill/>
-        <a:ln>
-          <a:noFill/>
-        </a:ln>
-        <a:effectLst/>
-      </c:spPr>
-      <c:txPr>
-        <a:bodyPr rot="0" spcFirstLastPara="1" vertOverflow="ellipsis" vert="horz" wrap="square" anchor="ctr" anchorCtr="1"/>
-        <a:lstStyle/>
-        <a:p>
-          <a:pPr>
-            <a:defRPr sz="1800" b="1" i="0" u="none" strike="noStrike" kern="1200" baseline="0">
-              <a:solidFill>
-                <a:schemeClr val="dk1">
-                  <a:lumMod val="75000"/>
-                  <a:lumOff val="25000"/>
-                </a:schemeClr>
-              </a:solidFill>
-              <a:latin typeface="+mn-lt"/>
-              <a:ea typeface="+mn-ea"/>
-              <a:cs typeface="+mn-cs"/>
-            </a:defRPr>
-          </a:pPr>
-          <a:endParaRPr lang="en-US"/>
-        </a:p>
-      </c:txPr>
-    </c:title>
-    <c:autoTitleDeleted val="0"/>
-    <c:plotArea>
-      <c:layout/>
-      <c:barChart>
-        <c:barDir val="col"/>
-        <c:grouping val="clustered"/>
-        <c:varyColors val="0"/>
-        <c:ser>
-          <c:idx val="0"/>
-          <c:order val="0"/>
-          <c:tx>
-            <c:strRef>
-              <c:f>Sheet1!$B$63</c:f>
-              <c:strCache>
-                <c:ptCount val="1"/>
-                <c:pt idx="0">
-                  <c:v>Prediction data</c:v>
-                </c:pt>
-              </c:strCache>
-            </c:strRef>
-          </c:tx>
-          <c:spPr>
-            <a:solidFill>
-              <a:schemeClr val="accent1">
-                <a:alpha val="85000"/>
-              </a:schemeClr>
-            </a:solidFill>
-            <a:ln w="9525" cap="flat" cmpd="sng" algn="ctr">
-              <a:solidFill>
-                <a:schemeClr val="lt1">
-                  <a:alpha val="50000"/>
-                </a:schemeClr>
-              </a:solidFill>
-              <a:round/>
-            </a:ln>
-            <a:effectLst/>
-          </c:spPr>
-          <c:invertIfNegative val="0"/>
-          <c:dLbls>
-            <c:spPr>
-              <a:noFill/>
-              <a:ln>
-                <a:noFill/>
-              </a:ln>
-              <a:effectLst/>
-            </c:spPr>
-            <c:txPr>
-              <a:bodyPr rot="0" spcFirstLastPara="1" vertOverflow="ellipsis" vert="horz" wrap="square" lIns="38100" tIns="19050" rIns="38100" bIns="19050" anchor="ctr" anchorCtr="1">
-                <a:spAutoFit/>
-              </a:bodyPr>
-              <a:lstStyle/>
-              <a:p>
-                <a:pPr>
-                  <a:defRPr sz="2800" b="1" i="0" u="none" strike="noStrike" kern="1200" baseline="0">
-                    <a:solidFill>
-                      <a:schemeClr val="lt1"/>
-                    </a:solidFill>
-                    <a:latin typeface="+mn-lt"/>
-                    <a:ea typeface="+mn-ea"/>
-                    <a:cs typeface="+mn-cs"/>
-                  </a:defRPr>
-                </a:pPr>
-                <a:endParaRPr lang="en-US"/>
-              </a:p>
-            </c:txPr>
-            <c:dLblPos val="inEnd"/>
-            <c:showLegendKey val="0"/>
-            <c:showVal val="1"/>
-            <c:showCatName val="0"/>
-            <c:showSerName val="0"/>
-            <c:showPercent val="0"/>
-            <c:showBubbleSize val="0"/>
-            <c:showLeaderLines val="0"/>
-            <c:extLst>
-              <c:ext xmlns:c15="http://schemas.microsoft.com/office/drawing/2012/chart" uri="{CE6537A1-D6FC-4f65-9D91-7224C49458BB}">
-                <c15:showLeaderLines val="1"/>
-                <c15:leaderLines>
-                  <c:spPr>
-                    <a:ln w="9525">
-                      <a:solidFill>
-                        <a:schemeClr val="dk1">
-                          <a:lumMod val="50000"/>
-                          <a:lumOff val="50000"/>
-                        </a:schemeClr>
-                      </a:solidFill>
-                    </a:ln>
-                    <a:effectLst/>
-                  </c:spPr>
-                </c15:leaderLines>
-              </c:ext>
-            </c:extLst>
-          </c:dLbls>
-          <c:cat>
-            <c:strRef>
-              <c:f>Sheet1!$A$64:$A$83</c:f>
-              <c:strCache>
-                <c:ptCount val="20"/>
-                <c:pt idx="0">
-                  <c:v>Liverpool</c:v>
-                </c:pt>
-                <c:pt idx="1">
-                  <c:v>Man City</c:v>
-                </c:pt>
-                <c:pt idx="2">
-                  <c:v>Chelsea</c:v>
-                </c:pt>
-                <c:pt idx="3">
-                  <c:v>Arsenal</c:v>
-                </c:pt>
-                <c:pt idx="4">
-                  <c:v>Leicester</c:v>
-                </c:pt>
-                <c:pt idx="5">
-                  <c:v>Man United</c:v>
-                </c:pt>
-                <c:pt idx="6">
-                  <c:v>Tottenham</c:v>
-                </c:pt>
-                <c:pt idx="7">
-                  <c:v>Wolves</c:v>
-                </c:pt>
-                <c:pt idx="8">
-                  <c:v>Everton</c:v>
-                </c:pt>
-                <c:pt idx="9">
-                  <c:v>Bournemouth</c:v>
-                </c:pt>
-                <c:pt idx="10">
-                  <c:v>Brighton</c:v>
-                </c:pt>
-                <c:pt idx="11">
-                  <c:v>Watford</c:v>
-                </c:pt>
-                <c:pt idx="12">
-                  <c:v>Burnley</c:v>
-                </c:pt>
-                <c:pt idx="13">
-                  <c:v>Aston Villa</c:v>
-                </c:pt>
-                <c:pt idx="14">
-                  <c:v>Crystal Palace</c:v>
-                </c:pt>
-                <c:pt idx="15">
-                  <c:v>Southampton</c:v>
-                </c:pt>
-                <c:pt idx="16">
-                  <c:v>Newcastle</c:v>
-                </c:pt>
-                <c:pt idx="17">
-                  <c:v>West Ham</c:v>
-                </c:pt>
-                <c:pt idx="18">
-                  <c:v>Norwich</c:v>
-                </c:pt>
-                <c:pt idx="19">
-                  <c:v>Sheffield United</c:v>
-                </c:pt>
-              </c:strCache>
-            </c:strRef>
-          </c:cat>
-          <c:val>
-            <c:numRef>
-              <c:f>Sheet1!$B$64:$B$83</c:f>
-              <c:numCache>
-                <c:formatCode>General</c:formatCode>
-                <c:ptCount val="20"/>
-                <c:pt idx="0">
-                  <c:v>15</c:v>
-                </c:pt>
-                <c:pt idx="1">
-                  <c:v>15</c:v>
-                </c:pt>
-                <c:pt idx="2">
-                  <c:v>12</c:v>
-                </c:pt>
-                <c:pt idx="3">
-                  <c:v>12</c:v>
-                </c:pt>
-                <c:pt idx="4">
-                  <c:v>11</c:v>
-                </c:pt>
-                <c:pt idx="5">
-                  <c:v>10</c:v>
-                </c:pt>
-                <c:pt idx="6">
-                  <c:v>10</c:v>
-                </c:pt>
-                <c:pt idx="7">
-                  <c:v>8</c:v>
-                </c:pt>
-                <c:pt idx="8">
-                  <c:v>7</c:v>
-                </c:pt>
-                <c:pt idx="9">
-                  <c:v>6</c:v>
-                </c:pt>
-                <c:pt idx="10">
-                  <c:v>6</c:v>
-                </c:pt>
-                <c:pt idx="11">
-                  <c:v>6</c:v>
-                </c:pt>
-                <c:pt idx="12">
-                  <c:v>5</c:v>
-                </c:pt>
-                <c:pt idx="13">
-                  <c:v>5</c:v>
-                </c:pt>
-                <c:pt idx="14">
-                  <c:v>5</c:v>
-                </c:pt>
-                <c:pt idx="15">
-                  <c:v>5</c:v>
-                </c:pt>
-                <c:pt idx="16">
-                  <c:v>5</c:v>
-                </c:pt>
-                <c:pt idx="17">
-                  <c:v>5</c:v>
-                </c:pt>
-                <c:pt idx="18">
-                  <c:v>4</c:v>
-                </c:pt>
-                <c:pt idx="19">
-                  <c:v>0</c:v>
-                </c:pt>
-              </c:numCache>
-            </c:numRef>
-          </c:val>
-          <c:extLst>
-            <c:ext xmlns:c16="http://schemas.microsoft.com/office/drawing/2014/chart" uri="{C3380CC4-5D6E-409C-BE32-E72D297353CC}">
-              <c16:uniqueId val="{00000000-41D8-4022-B467-12AAE69B2AC3}"/>
-            </c:ext>
-          </c:extLst>
-        </c:ser>
-        <c:ser>
-          <c:idx val="1"/>
-          <c:order val="1"/>
-          <c:tx>
-            <c:strRef>
-              <c:f>Sheet1!$C$63</c:f>
-              <c:strCache>
-                <c:ptCount val="1"/>
-                <c:pt idx="0">
-                  <c:v>19-20 Season team wins</c:v>
-                </c:pt>
-              </c:strCache>
-            </c:strRef>
-          </c:tx>
-          <c:spPr>
-            <a:solidFill>
-              <a:schemeClr val="accent2">
-                <a:alpha val="85000"/>
-              </a:schemeClr>
-            </a:solidFill>
-            <a:ln w="9525" cap="flat" cmpd="sng" algn="ctr">
-              <a:solidFill>
-                <a:schemeClr val="lt1">
-                  <a:alpha val="50000"/>
-                </a:schemeClr>
-              </a:solidFill>
-              <a:round/>
-            </a:ln>
-            <a:effectLst/>
-          </c:spPr>
-          <c:invertIfNegative val="0"/>
-          <c:dLbls>
-            <c:spPr>
-              <a:noFill/>
-              <a:ln>
-                <a:noFill/>
-              </a:ln>
-              <a:effectLst/>
-            </c:spPr>
-            <c:txPr>
-              <a:bodyPr rot="0" spcFirstLastPara="1" vertOverflow="ellipsis" vert="horz" wrap="square" lIns="38100" tIns="19050" rIns="38100" bIns="19050" anchor="ctr" anchorCtr="1">
-                <a:spAutoFit/>
-              </a:bodyPr>
-              <a:lstStyle/>
-              <a:p>
-                <a:pPr>
-                  <a:defRPr sz="2800" b="1" i="0" u="none" strike="noStrike" kern="1200" baseline="0">
-                    <a:solidFill>
-                      <a:schemeClr val="lt1"/>
-                    </a:solidFill>
-                    <a:latin typeface="+mn-lt"/>
-                    <a:ea typeface="+mn-ea"/>
-                    <a:cs typeface="+mn-cs"/>
-                  </a:defRPr>
-                </a:pPr>
-                <a:endParaRPr lang="en-US"/>
-              </a:p>
-            </c:txPr>
-            <c:dLblPos val="inEnd"/>
-            <c:showLegendKey val="0"/>
-            <c:showVal val="1"/>
-            <c:showCatName val="0"/>
-            <c:showSerName val="0"/>
-            <c:showPercent val="0"/>
-            <c:showBubbleSize val="0"/>
-            <c:showLeaderLines val="0"/>
-            <c:extLst>
-              <c:ext xmlns:c15="http://schemas.microsoft.com/office/drawing/2012/chart" uri="{CE6537A1-D6FC-4f65-9D91-7224C49458BB}">
-                <c15:showLeaderLines val="1"/>
-                <c15:leaderLines>
-                  <c:spPr>
-                    <a:ln w="9525">
-                      <a:solidFill>
-                        <a:schemeClr val="dk1">
-                          <a:lumMod val="50000"/>
-                          <a:lumOff val="50000"/>
-                        </a:schemeClr>
-                      </a:solidFill>
-                    </a:ln>
-                    <a:effectLst/>
-                  </c:spPr>
-                </c15:leaderLines>
-              </c:ext>
-            </c:extLst>
-          </c:dLbls>
-          <c:cat>
-            <c:strRef>
-              <c:f>Sheet1!$A$64:$A$83</c:f>
-              <c:strCache>
-                <c:ptCount val="20"/>
-                <c:pt idx="0">
-                  <c:v>Liverpool</c:v>
-                </c:pt>
-                <c:pt idx="1">
-                  <c:v>Man City</c:v>
-                </c:pt>
-                <c:pt idx="2">
-                  <c:v>Chelsea</c:v>
-                </c:pt>
-                <c:pt idx="3">
-                  <c:v>Arsenal</c:v>
-                </c:pt>
-                <c:pt idx="4">
-                  <c:v>Leicester</c:v>
-                </c:pt>
-                <c:pt idx="5">
-                  <c:v>Man United</c:v>
-                </c:pt>
-                <c:pt idx="6">
-                  <c:v>Tottenham</c:v>
-                </c:pt>
-                <c:pt idx="7">
-                  <c:v>Wolves</c:v>
-                </c:pt>
-                <c:pt idx="8">
-                  <c:v>Everton</c:v>
-                </c:pt>
-                <c:pt idx="9">
-                  <c:v>Bournemouth</c:v>
-                </c:pt>
-                <c:pt idx="10">
-                  <c:v>Brighton</c:v>
-                </c:pt>
-                <c:pt idx="11">
-                  <c:v>Watford</c:v>
-                </c:pt>
-                <c:pt idx="12">
-                  <c:v>Burnley</c:v>
-                </c:pt>
-                <c:pt idx="13">
-                  <c:v>Aston Villa</c:v>
-                </c:pt>
-                <c:pt idx="14">
-                  <c:v>Crystal Palace</c:v>
-                </c:pt>
-                <c:pt idx="15">
-                  <c:v>Southampton</c:v>
-                </c:pt>
-                <c:pt idx="16">
-                  <c:v>Newcastle</c:v>
-                </c:pt>
-                <c:pt idx="17">
-                  <c:v>West Ham</c:v>
-                </c:pt>
-                <c:pt idx="18">
-                  <c:v>Norwich</c:v>
-                </c:pt>
-                <c:pt idx="19">
-                  <c:v>Sheffield United</c:v>
-                </c:pt>
-              </c:strCache>
-            </c:strRef>
-          </c:cat>
-          <c:val>
-            <c:numRef>
-              <c:f>Sheet1!$C$64:$C$83</c:f>
-              <c:numCache>
-                <c:formatCode>General</c:formatCode>
-                <c:ptCount val="20"/>
-                <c:pt idx="0">
-                  <c:v>15</c:v>
-                </c:pt>
-                <c:pt idx="1">
-                  <c:v>10</c:v>
-                </c:pt>
-                <c:pt idx="2">
-                  <c:v>9</c:v>
-                </c:pt>
-                <c:pt idx="3">
-                  <c:v>5</c:v>
-                </c:pt>
-                <c:pt idx="4">
-                  <c:v>12</c:v>
-                </c:pt>
-                <c:pt idx="5">
-                  <c:v>6</c:v>
-                </c:pt>
-                <c:pt idx="6">
-                  <c:v>6</c:v>
-                </c:pt>
-                <c:pt idx="7">
-                  <c:v>5</c:v>
-                </c:pt>
-                <c:pt idx="8">
-                  <c:v>5</c:v>
-                </c:pt>
-                <c:pt idx="9">
-                  <c:v>4</c:v>
-                </c:pt>
-                <c:pt idx="10">
-                  <c:v>5</c:v>
-                </c:pt>
-                <c:pt idx="11">
-                  <c:v>1</c:v>
-                </c:pt>
-                <c:pt idx="12">
-                  <c:v>5</c:v>
-                </c:pt>
-                <c:pt idx="13">
-                  <c:v>4</c:v>
-                </c:pt>
-                <c:pt idx="14">
-                  <c:v>6</c:v>
-                </c:pt>
-                <c:pt idx="15">
-                  <c:v>4</c:v>
-                </c:pt>
-                <c:pt idx="16">
-                  <c:v>6</c:v>
-                </c:pt>
-                <c:pt idx="17">
-                  <c:v>4</c:v>
-                </c:pt>
-                <c:pt idx="18">
-                  <c:v>3</c:v>
-                </c:pt>
-                <c:pt idx="19">
-                  <c:v>5</c:v>
-                </c:pt>
-              </c:numCache>
-            </c:numRef>
-          </c:val>
-          <c:extLst>
-            <c:ext xmlns:c16="http://schemas.microsoft.com/office/drawing/2014/chart" uri="{C3380CC4-5D6E-409C-BE32-E72D297353CC}">
-              <c16:uniqueId val="{00000001-41D8-4022-B467-12AAE69B2AC3}"/>
-            </c:ext>
-          </c:extLst>
-        </c:ser>
-        <c:dLbls>
-          <c:dLblPos val="inEnd"/>
-          <c:showLegendKey val="0"/>
-          <c:showVal val="1"/>
-          <c:showCatName val="0"/>
-          <c:showSerName val="0"/>
-          <c:showPercent val="0"/>
-          <c:showBubbleSize val="0"/>
-        </c:dLbls>
-        <c:gapWidth val="65"/>
-        <c:axId val="454559080"/>
-        <c:axId val="454564000"/>
-      </c:barChart>
-      <c:catAx>
-        <c:axId val="454559080"/>
-        <c:scaling>
-          <c:orientation val="minMax"/>
-        </c:scaling>
-        <c:delete val="0"/>
-        <c:axPos val="b"/>
-        <c:numFmt formatCode="General" sourceLinked="1"/>
-        <c:majorTickMark val="none"/>
-        <c:minorTickMark val="none"/>
-        <c:tickLblPos val="nextTo"/>
-        <c:spPr>
-          <a:noFill/>
-          <a:ln w="19050" cap="flat" cmpd="sng" algn="ctr">
-            <a:solidFill>
-              <a:schemeClr val="dk1">
-                <a:lumMod val="75000"/>
-                <a:lumOff val="25000"/>
-              </a:schemeClr>
-            </a:solidFill>
-            <a:round/>
-          </a:ln>
-          <a:effectLst/>
-        </c:spPr>
-        <c:txPr>
-          <a:bodyPr rot="-60000000" spcFirstLastPara="1" vertOverflow="ellipsis" vert="horz" wrap="square" anchor="ctr" anchorCtr="1"/>
-          <a:lstStyle/>
-          <a:p>
-            <a:pPr>
-              <a:defRPr sz="2800" b="0" i="0" u="none" strike="noStrike" kern="1200" cap="all" baseline="0">
-                <a:solidFill>
-                  <a:schemeClr val="dk1">
-                    <a:lumMod val="75000"/>
-                    <a:lumOff val="25000"/>
-                  </a:schemeClr>
-                </a:solidFill>
-                <a:latin typeface="+mn-lt"/>
-                <a:ea typeface="+mn-ea"/>
-                <a:cs typeface="+mn-cs"/>
-              </a:defRPr>
-            </a:pPr>
-            <a:endParaRPr lang="en-US"/>
-          </a:p>
-        </c:txPr>
-        <c:crossAx val="454564000"/>
-        <c:crosses val="autoZero"/>
-        <c:auto val="1"/>
-        <c:lblAlgn val="ctr"/>
-        <c:lblOffset val="100"/>
-        <c:noMultiLvlLbl val="0"/>
-      </c:catAx>
-      <c:valAx>
-        <c:axId val="454564000"/>
-        <c:scaling>
-          <c:orientation val="minMax"/>
-        </c:scaling>
-        <c:delete val="1"/>
-        <c:axPos val="l"/>
-        <c:majorGridlines>
-          <c:spPr>
-            <a:ln w="9525" cap="flat" cmpd="sng" algn="ctr">
-              <a:gradFill>
-                <a:gsLst>
-                  <a:gs pos="100000">
-                    <a:schemeClr val="dk1">
-                      <a:lumMod val="95000"/>
-                      <a:lumOff val="5000"/>
-                      <a:alpha val="42000"/>
-                    </a:schemeClr>
-                  </a:gs>
-                  <a:gs pos="0">
-                    <a:schemeClr val="lt1">
-                      <a:lumMod val="75000"/>
-                      <a:alpha val="36000"/>
-                    </a:schemeClr>
-                  </a:gs>
-                </a:gsLst>
-                <a:lin ang="5400000" scaled="0"/>
-              </a:gradFill>
-              <a:round/>
-            </a:ln>
-            <a:effectLst/>
-          </c:spPr>
-        </c:majorGridlines>
-        <c:numFmt formatCode="General" sourceLinked="1"/>
-        <c:majorTickMark val="none"/>
-        <c:minorTickMark val="none"/>
-        <c:tickLblPos val="nextTo"/>
-        <c:crossAx val="454559080"/>
-        <c:crosses val="autoZero"/>
-        <c:crossBetween val="between"/>
-      </c:valAx>
-      <c:spPr>
-        <a:noFill/>
-        <a:ln>
-          <a:noFill/>
-        </a:ln>
-        <a:effectLst/>
-      </c:spPr>
-    </c:plotArea>
-    <c:legend>
-      <c:legendPos val="b"/>
-      <c:overlay val="0"/>
-      <c:spPr>
-        <a:solidFill>
-          <a:schemeClr val="lt1">
-            <a:lumMod val="95000"/>
-            <a:alpha val="39000"/>
-          </a:schemeClr>
-        </a:solidFill>
-        <a:ln>
-          <a:noFill/>
-        </a:ln>
-        <a:effectLst/>
-      </c:spPr>
-      <c:txPr>
-        <a:bodyPr rot="0" spcFirstLastPara="1" vertOverflow="ellipsis" vert="horz" wrap="square" anchor="ctr" anchorCtr="1"/>
-        <a:lstStyle/>
-        <a:p>
-          <a:pPr>
-            <a:defRPr sz="2400" b="0" i="0" u="none" strike="noStrike" kern="1200" baseline="0">
-              <a:solidFill>
-                <a:schemeClr val="dk1">
-                  <a:lumMod val="75000"/>
-                  <a:lumOff val="25000"/>
-                </a:schemeClr>
-              </a:solidFill>
-              <a:latin typeface="+mn-lt"/>
-              <a:ea typeface="+mn-ea"/>
-              <a:cs typeface="+mn-cs"/>
-            </a:defRPr>
-          </a:pPr>
-          <a:endParaRPr lang="en-US"/>
-        </a:p>
-      </c:txPr>
-    </c:legend>
-    <c:plotVisOnly val="1"/>
-    <c:dispBlanksAs val="gap"/>
-    <c:extLst>
-      <c:ext xmlns:c16r3="http://schemas.microsoft.com/office/drawing/2017/03/chart" uri="{56B9EC1D-385E-4148-901F-78D8002777C0}">
-        <c16r3:dataDisplayOptions16>
-          <c16r3:dispNaAsBlank val="1"/>
-        </c16r3:dataDisplayOptions16>
-      </c:ext>
-    </c:extLst>
-    <c:showDLblsOverMax val="0"/>
-  </c:chart>
-  <c:spPr>
-    <a:gradFill flip="none" rotWithShape="1">
-      <a:gsLst>
-        <a:gs pos="0">
-          <a:schemeClr val="lt1"/>
-        </a:gs>
-        <a:gs pos="39000">
-          <a:schemeClr val="lt1"/>
-        </a:gs>
-        <a:gs pos="100000">
-          <a:schemeClr val="lt1">
-            <a:lumMod val="75000"/>
-          </a:schemeClr>
-        </a:gs>
-      </a:gsLst>
-      <a:path path="circle">
-        <a:fillToRect l="50000" t="-80000" r="50000" b="180000"/>
-      </a:path>
-      <a:tileRect/>
-    </a:gradFill>
-    <a:ln w="9525" cap="flat" cmpd="sng" algn="ctr">
-      <a:solidFill>
-        <a:schemeClr val="dk1">
-          <a:lumMod val="25000"/>
-          <a:lumOff val="75000"/>
-        </a:schemeClr>
-      </a:solidFill>
-      <a:round/>
-    </a:ln>
-    <a:effectLst/>
-  </c:spPr>
-  <c:txPr>
-    <a:bodyPr/>
-    <a:lstStyle/>
-    <a:p>
-      <a:pPr>
-        <a:defRPr/>
-      </a:pPr>
-      <a:endParaRPr lang="en-US"/>
-    </a:p>
-  </c:txPr>
-  <c:externalData r:id="rId3">
-    <c:autoUpdate val="0"/>
-  </c:externalData>
-</c:chartSpace>
-</file>
-
-<file path=ppt/charts/chart2.xml><?xml version="1.0" encoding="utf-8"?>
-<c:chartSpace xmlns:c="http://schemas.openxmlformats.org/drawingml/2006/chart" xmlns:a="http://schemas.openxmlformats.org/drawingml/2006/main" xmlns:r="http://schemas.openxmlformats.org/officeDocument/2006/relationships" xmlns:c16r2="http://schemas.microsoft.com/office/drawing/2015/06/chart">
-  <c:date1904 val="0"/>
-  <c:lang val="en-US"/>
-  <c:roundedCorners val="0"/>
-  <mc:AlternateContent xmlns:mc="http://schemas.openxmlformats.org/markup-compatibility/2006">
-    <mc:Choice xmlns:c14="http://schemas.microsoft.com/office/drawing/2007/8/2/chart" Requires="c14">
-      <c14:style val="102"/>
-    </mc:Choice>
-    <mc:Fallback>
-      <c:style val="2"/>
-    </mc:Fallback>
-  </mc:AlternateContent>
-  <c:chart>
-    <c:title>
-      <c:tx>
-        <c:rich>
-          <a:bodyPr rot="0" spcFirstLastPara="1" vertOverflow="ellipsis" vert="horz" wrap="square" anchor="ctr" anchorCtr="1"/>
-          <a:lstStyle/>
-          <a:p>
-            <a:pPr>
               <a:defRPr sz="3200" b="1" i="0" u="none" strike="noStrike" kern="1200" spc="0" baseline="0">
                 <a:solidFill>
                   <a:schemeClr val="tx1">
@@ -1408,7 +669,7 @@
 </c:chartSpace>
 </file>
 
-<file path=ppt/charts/chart3.xml><?xml version="1.0" encoding="utf-8"?>
+<file path=ppt/charts/chart2.xml><?xml version="1.0" encoding="utf-8"?>
 <c:chartSpace xmlns:c="http://schemas.openxmlformats.org/drawingml/2006/chart" xmlns:a="http://schemas.openxmlformats.org/drawingml/2006/main" xmlns:r="http://schemas.openxmlformats.org/officeDocument/2006/relationships" xmlns:c16r2="http://schemas.microsoft.com/office/drawing/2015/06/chart">
   <c:date1904 val="0"/>
   <c:lang val="en-US"/>
@@ -3286,7 +2547,7 @@
           <a:lstStyle/>
           <a:p>
             <a:pPr rtl="0">
-              <a:defRPr sz="2400" b="0" i="0" u="none" strike="noStrike" kern="1200" baseline="0">
+              <a:defRPr sz="2800" b="0" i="0" u="none" strike="noStrike" kern="1200" baseline="0">
                 <a:solidFill>
                   <a:schemeClr val="tx1"/>
                 </a:solidFill>
@@ -3390,6 +2651,754 @@
 </c:chartSpace>
 </file>
 
+<file path=ppt/charts/chart3.xml><?xml version="1.0" encoding="utf-8"?>
+<c:chartSpace xmlns:c="http://schemas.openxmlformats.org/drawingml/2006/chart" xmlns:a="http://schemas.openxmlformats.org/drawingml/2006/main" xmlns:r="http://schemas.openxmlformats.org/officeDocument/2006/relationships" xmlns:c16r2="http://schemas.microsoft.com/office/drawing/2015/06/chart">
+  <c:date1904 val="0"/>
+  <c:lang val="en-US"/>
+  <c:roundedCorners val="0"/>
+  <mc:AlternateContent xmlns:mc="http://schemas.openxmlformats.org/markup-compatibility/2006">
+    <mc:Choice xmlns:c14="http://schemas.microsoft.com/office/drawing/2007/8/2/chart" Requires="c14">
+      <c14:style val="102"/>
+    </mc:Choice>
+    <mc:Fallback>
+      <c:style val="2"/>
+    </mc:Fallback>
+  </mc:AlternateContent>
+  <c:chart>
+    <c:title>
+      <c:tx>
+        <c:rich>
+          <a:bodyPr rot="0" spcFirstLastPara="1" vertOverflow="ellipsis" vert="horz" wrap="square" anchor="ctr" anchorCtr="1"/>
+          <a:lstStyle/>
+          <a:p>
+            <a:pPr>
+              <a:defRPr sz="3600" b="1" i="0" u="none" strike="noStrike" kern="1200" baseline="0">
+                <a:solidFill>
+                  <a:schemeClr val="tx2"/>
+                </a:solidFill>
+                <a:latin typeface="Berlin Sans FB" panose="020E0602020502020306" pitchFamily="34" charset="0"/>
+                <a:ea typeface="+mn-ea"/>
+                <a:cs typeface="+mn-cs"/>
+              </a:defRPr>
+            </a:pPr>
+            <a:r>
+              <a:rPr lang="en-US" sz="3600" dirty="0">
+                <a:latin typeface="Berlin Sans FB" panose="020E0602020502020306" pitchFamily="34" charset="0"/>
+                <a:cs typeface="Times New Roman" panose="02020603050405020304" pitchFamily="18" charset="0"/>
+              </a:rPr>
+              <a:t>Prediction model vs actual team wins</a:t>
+            </a:r>
+          </a:p>
+        </c:rich>
+      </c:tx>
+      <c:overlay val="0"/>
+      <c:spPr>
+        <a:noFill/>
+        <a:ln>
+          <a:noFill/>
+        </a:ln>
+        <a:effectLst/>
+      </c:spPr>
+      <c:txPr>
+        <a:bodyPr rot="0" spcFirstLastPara="1" vertOverflow="ellipsis" vert="horz" wrap="square" anchor="ctr" anchorCtr="1"/>
+        <a:lstStyle/>
+        <a:p>
+          <a:pPr>
+            <a:defRPr sz="3600" b="1" i="0" u="none" strike="noStrike" kern="1200" baseline="0">
+              <a:solidFill>
+                <a:schemeClr val="tx2"/>
+              </a:solidFill>
+              <a:latin typeface="Berlin Sans FB" panose="020E0602020502020306" pitchFamily="34" charset="0"/>
+              <a:ea typeface="+mn-ea"/>
+              <a:cs typeface="+mn-cs"/>
+            </a:defRPr>
+          </a:pPr>
+          <a:endParaRPr lang="en-US"/>
+        </a:p>
+      </c:txPr>
+    </c:title>
+    <c:autoTitleDeleted val="0"/>
+    <c:plotArea>
+      <c:layout/>
+      <c:barChart>
+        <c:barDir val="col"/>
+        <c:grouping val="clustered"/>
+        <c:varyColors val="0"/>
+        <c:ser>
+          <c:idx val="0"/>
+          <c:order val="0"/>
+          <c:tx>
+            <c:strRef>
+              <c:f>Sheet1!$B$63</c:f>
+              <c:strCache>
+                <c:ptCount val="1"/>
+                <c:pt idx="0">
+                  <c:v>Prediction data</c:v>
+                </c:pt>
+              </c:strCache>
+            </c:strRef>
+          </c:tx>
+          <c:spPr>
+            <a:gradFill rotWithShape="1">
+              <a:gsLst>
+                <a:gs pos="0">
+                  <a:schemeClr val="accent2">
+                    <a:satMod val="103000"/>
+                    <a:lumMod val="102000"/>
+                    <a:tint val="94000"/>
+                  </a:schemeClr>
+                </a:gs>
+                <a:gs pos="50000">
+                  <a:schemeClr val="accent2">
+                    <a:satMod val="110000"/>
+                    <a:lumMod val="100000"/>
+                    <a:shade val="100000"/>
+                  </a:schemeClr>
+                </a:gs>
+                <a:gs pos="100000">
+                  <a:schemeClr val="accent2">
+                    <a:lumMod val="99000"/>
+                    <a:satMod val="120000"/>
+                    <a:shade val="78000"/>
+                  </a:schemeClr>
+                </a:gs>
+              </a:gsLst>
+              <a:lin ang="5400000" scaled="0"/>
+            </a:gradFill>
+            <a:ln>
+              <a:noFill/>
+            </a:ln>
+            <a:effectLst/>
+          </c:spPr>
+          <c:invertIfNegative val="0"/>
+          <c:dLbls>
+            <c:spPr>
+              <a:noFill/>
+              <a:ln>
+                <a:noFill/>
+              </a:ln>
+              <a:effectLst/>
+            </c:spPr>
+            <c:txPr>
+              <a:bodyPr rot="0" spcFirstLastPara="1" vertOverflow="ellipsis" vert="horz" wrap="square" lIns="38100" tIns="19050" rIns="38100" bIns="19050" anchor="ctr" anchorCtr="1">
+                <a:spAutoFit/>
+              </a:bodyPr>
+              <a:lstStyle/>
+              <a:p>
+                <a:pPr>
+                  <a:defRPr sz="2800" b="0" i="0" u="none" strike="noStrike" kern="1200" baseline="0">
+                    <a:solidFill>
+                      <a:schemeClr val="tx2"/>
+                    </a:solidFill>
+                    <a:latin typeface="+mn-lt"/>
+                    <a:ea typeface="+mn-ea"/>
+                    <a:cs typeface="+mn-cs"/>
+                  </a:defRPr>
+                </a:pPr>
+                <a:endParaRPr lang="en-US"/>
+              </a:p>
+            </c:txPr>
+            <c:dLblPos val="inEnd"/>
+            <c:showLegendKey val="0"/>
+            <c:showVal val="1"/>
+            <c:showCatName val="0"/>
+            <c:showSerName val="0"/>
+            <c:showPercent val="0"/>
+            <c:showBubbleSize val="0"/>
+            <c:showLeaderLines val="0"/>
+            <c:extLst>
+              <c:ext xmlns:c15="http://schemas.microsoft.com/office/drawing/2012/chart" uri="{CE6537A1-D6FC-4f65-9D91-7224C49458BB}">
+                <c15:showLeaderLines val="1"/>
+                <c15:leaderLines>
+                  <c:spPr>
+                    <a:ln w="9525">
+                      <a:solidFill>
+                        <a:schemeClr val="tx2">
+                          <a:lumMod val="35000"/>
+                          <a:lumOff val="65000"/>
+                        </a:schemeClr>
+                      </a:solidFill>
+                    </a:ln>
+                    <a:effectLst/>
+                  </c:spPr>
+                </c15:leaderLines>
+              </c:ext>
+            </c:extLst>
+          </c:dLbls>
+          <c:cat>
+            <c:strRef>
+              <c:f>Sheet1!$A$64:$A$83</c:f>
+              <c:strCache>
+                <c:ptCount val="20"/>
+                <c:pt idx="0">
+                  <c:v>Liverpool</c:v>
+                </c:pt>
+                <c:pt idx="1">
+                  <c:v>Man City</c:v>
+                </c:pt>
+                <c:pt idx="2">
+                  <c:v>Chelsea</c:v>
+                </c:pt>
+                <c:pt idx="3">
+                  <c:v>Arsenal</c:v>
+                </c:pt>
+                <c:pt idx="4">
+                  <c:v>Leicester</c:v>
+                </c:pt>
+                <c:pt idx="5">
+                  <c:v>Man United</c:v>
+                </c:pt>
+                <c:pt idx="6">
+                  <c:v>Tottenham</c:v>
+                </c:pt>
+                <c:pt idx="7">
+                  <c:v>Wolves</c:v>
+                </c:pt>
+                <c:pt idx="8">
+                  <c:v>Everton</c:v>
+                </c:pt>
+                <c:pt idx="9">
+                  <c:v>Bournemouth</c:v>
+                </c:pt>
+                <c:pt idx="10">
+                  <c:v>Brighton</c:v>
+                </c:pt>
+                <c:pt idx="11">
+                  <c:v>Watford</c:v>
+                </c:pt>
+                <c:pt idx="12">
+                  <c:v>Burnley</c:v>
+                </c:pt>
+                <c:pt idx="13">
+                  <c:v>Aston Villa</c:v>
+                </c:pt>
+                <c:pt idx="14">
+                  <c:v>Crystal Palace</c:v>
+                </c:pt>
+                <c:pt idx="15">
+                  <c:v>Southampton</c:v>
+                </c:pt>
+                <c:pt idx="16">
+                  <c:v>Newcastle</c:v>
+                </c:pt>
+                <c:pt idx="17">
+                  <c:v>West Ham</c:v>
+                </c:pt>
+                <c:pt idx="18">
+                  <c:v>Norwich</c:v>
+                </c:pt>
+                <c:pt idx="19">
+                  <c:v>Sheffield United</c:v>
+                </c:pt>
+              </c:strCache>
+            </c:strRef>
+          </c:cat>
+          <c:val>
+            <c:numRef>
+              <c:f>Sheet1!$B$64:$B$83</c:f>
+              <c:numCache>
+                <c:formatCode>General</c:formatCode>
+                <c:ptCount val="20"/>
+                <c:pt idx="0">
+                  <c:v>15</c:v>
+                </c:pt>
+                <c:pt idx="1">
+                  <c:v>15</c:v>
+                </c:pt>
+                <c:pt idx="2">
+                  <c:v>12</c:v>
+                </c:pt>
+                <c:pt idx="3">
+                  <c:v>12</c:v>
+                </c:pt>
+                <c:pt idx="4">
+                  <c:v>11</c:v>
+                </c:pt>
+                <c:pt idx="5">
+                  <c:v>10</c:v>
+                </c:pt>
+                <c:pt idx="6">
+                  <c:v>10</c:v>
+                </c:pt>
+                <c:pt idx="7">
+                  <c:v>8</c:v>
+                </c:pt>
+                <c:pt idx="8">
+                  <c:v>7</c:v>
+                </c:pt>
+                <c:pt idx="9">
+                  <c:v>6</c:v>
+                </c:pt>
+                <c:pt idx="10">
+                  <c:v>6</c:v>
+                </c:pt>
+                <c:pt idx="11">
+                  <c:v>6</c:v>
+                </c:pt>
+                <c:pt idx="12">
+                  <c:v>5</c:v>
+                </c:pt>
+                <c:pt idx="13">
+                  <c:v>5</c:v>
+                </c:pt>
+                <c:pt idx="14">
+                  <c:v>5</c:v>
+                </c:pt>
+                <c:pt idx="15">
+                  <c:v>5</c:v>
+                </c:pt>
+                <c:pt idx="16">
+                  <c:v>5</c:v>
+                </c:pt>
+                <c:pt idx="17">
+                  <c:v>5</c:v>
+                </c:pt>
+                <c:pt idx="18">
+                  <c:v>4</c:v>
+                </c:pt>
+                <c:pt idx="19">
+                  <c:v>0</c:v>
+                </c:pt>
+              </c:numCache>
+            </c:numRef>
+          </c:val>
+          <c:extLst>
+            <c:ext xmlns:c16="http://schemas.microsoft.com/office/drawing/2014/chart" uri="{C3380CC4-5D6E-409C-BE32-E72D297353CC}">
+              <c16:uniqueId val="{00000000-AEA6-446A-998C-BA258B70E178}"/>
+            </c:ext>
+          </c:extLst>
+        </c:ser>
+        <c:ser>
+          <c:idx val="1"/>
+          <c:order val="1"/>
+          <c:tx>
+            <c:strRef>
+              <c:f>Sheet1!$C$63</c:f>
+              <c:strCache>
+                <c:ptCount val="1"/>
+                <c:pt idx="0">
+                  <c:v>19-20 Season team wins</c:v>
+                </c:pt>
+              </c:strCache>
+            </c:strRef>
+          </c:tx>
+          <c:spPr>
+            <a:gradFill rotWithShape="1">
+              <a:gsLst>
+                <a:gs pos="0">
+                  <a:schemeClr val="accent4">
+                    <a:satMod val="103000"/>
+                    <a:lumMod val="102000"/>
+                    <a:tint val="94000"/>
+                  </a:schemeClr>
+                </a:gs>
+                <a:gs pos="50000">
+                  <a:schemeClr val="accent4">
+                    <a:satMod val="110000"/>
+                    <a:lumMod val="100000"/>
+                    <a:shade val="100000"/>
+                  </a:schemeClr>
+                </a:gs>
+                <a:gs pos="100000">
+                  <a:schemeClr val="accent4">
+                    <a:lumMod val="99000"/>
+                    <a:satMod val="120000"/>
+                    <a:shade val="78000"/>
+                  </a:schemeClr>
+                </a:gs>
+              </a:gsLst>
+              <a:lin ang="5400000" scaled="0"/>
+            </a:gradFill>
+            <a:ln>
+              <a:noFill/>
+            </a:ln>
+            <a:effectLst/>
+          </c:spPr>
+          <c:invertIfNegative val="0"/>
+          <c:dLbls>
+            <c:spPr>
+              <a:noFill/>
+              <a:ln>
+                <a:noFill/>
+              </a:ln>
+              <a:effectLst/>
+            </c:spPr>
+            <c:txPr>
+              <a:bodyPr rot="0" spcFirstLastPara="1" vertOverflow="ellipsis" vert="horz" wrap="square" lIns="38100" tIns="19050" rIns="38100" bIns="19050" anchor="ctr" anchorCtr="1">
+                <a:spAutoFit/>
+              </a:bodyPr>
+              <a:lstStyle/>
+              <a:p>
+                <a:pPr>
+                  <a:defRPr sz="2800" b="0" i="0" u="none" strike="noStrike" kern="1200" baseline="0">
+                    <a:solidFill>
+                      <a:schemeClr val="tx2"/>
+                    </a:solidFill>
+                    <a:latin typeface="+mn-lt"/>
+                    <a:ea typeface="+mn-ea"/>
+                    <a:cs typeface="+mn-cs"/>
+                  </a:defRPr>
+                </a:pPr>
+                <a:endParaRPr lang="en-US"/>
+              </a:p>
+            </c:txPr>
+            <c:dLblPos val="inEnd"/>
+            <c:showLegendKey val="0"/>
+            <c:showVal val="1"/>
+            <c:showCatName val="0"/>
+            <c:showSerName val="0"/>
+            <c:showPercent val="0"/>
+            <c:showBubbleSize val="0"/>
+            <c:showLeaderLines val="0"/>
+            <c:extLst>
+              <c:ext xmlns:c15="http://schemas.microsoft.com/office/drawing/2012/chart" uri="{CE6537A1-D6FC-4f65-9D91-7224C49458BB}">
+                <c15:showLeaderLines val="1"/>
+                <c15:leaderLines>
+                  <c:spPr>
+                    <a:ln w="9525">
+                      <a:solidFill>
+                        <a:schemeClr val="tx2">
+                          <a:lumMod val="35000"/>
+                          <a:lumOff val="65000"/>
+                        </a:schemeClr>
+                      </a:solidFill>
+                    </a:ln>
+                    <a:effectLst/>
+                  </c:spPr>
+                </c15:leaderLines>
+              </c:ext>
+            </c:extLst>
+          </c:dLbls>
+          <c:cat>
+            <c:strRef>
+              <c:f>Sheet1!$A$64:$A$83</c:f>
+              <c:strCache>
+                <c:ptCount val="20"/>
+                <c:pt idx="0">
+                  <c:v>Liverpool</c:v>
+                </c:pt>
+                <c:pt idx="1">
+                  <c:v>Man City</c:v>
+                </c:pt>
+                <c:pt idx="2">
+                  <c:v>Chelsea</c:v>
+                </c:pt>
+                <c:pt idx="3">
+                  <c:v>Arsenal</c:v>
+                </c:pt>
+                <c:pt idx="4">
+                  <c:v>Leicester</c:v>
+                </c:pt>
+                <c:pt idx="5">
+                  <c:v>Man United</c:v>
+                </c:pt>
+                <c:pt idx="6">
+                  <c:v>Tottenham</c:v>
+                </c:pt>
+                <c:pt idx="7">
+                  <c:v>Wolves</c:v>
+                </c:pt>
+                <c:pt idx="8">
+                  <c:v>Everton</c:v>
+                </c:pt>
+                <c:pt idx="9">
+                  <c:v>Bournemouth</c:v>
+                </c:pt>
+                <c:pt idx="10">
+                  <c:v>Brighton</c:v>
+                </c:pt>
+                <c:pt idx="11">
+                  <c:v>Watford</c:v>
+                </c:pt>
+                <c:pt idx="12">
+                  <c:v>Burnley</c:v>
+                </c:pt>
+                <c:pt idx="13">
+                  <c:v>Aston Villa</c:v>
+                </c:pt>
+                <c:pt idx="14">
+                  <c:v>Crystal Palace</c:v>
+                </c:pt>
+                <c:pt idx="15">
+                  <c:v>Southampton</c:v>
+                </c:pt>
+                <c:pt idx="16">
+                  <c:v>Newcastle</c:v>
+                </c:pt>
+                <c:pt idx="17">
+                  <c:v>West Ham</c:v>
+                </c:pt>
+                <c:pt idx="18">
+                  <c:v>Norwich</c:v>
+                </c:pt>
+                <c:pt idx="19">
+                  <c:v>Sheffield United</c:v>
+                </c:pt>
+              </c:strCache>
+            </c:strRef>
+          </c:cat>
+          <c:val>
+            <c:numRef>
+              <c:f>Sheet1!$C$64:$C$83</c:f>
+              <c:numCache>
+                <c:formatCode>General</c:formatCode>
+                <c:ptCount val="20"/>
+                <c:pt idx="0">
+                  <c:v>15</c:v>
+                </c:pt>
+                <c:pt idx="1">
+                  <c:v>10</c:v>
+                </c:pt>
+                <c:pt idx="2">
+                  <c:v>9</c:v>
+                </c:pt>
+                <c:pt idx="3">
+                  <c:v>5</c:v>
+                </c:pt>
+                <c:pt idx="4">
+                  <c:v>12</c:v>
+                </c:pt>
+                <c:pt idx="5">
+                  <c:v>6</c:v>
+                </c:pt>
+                <c:pt idx="6">
+                  <c:v>6</c:v>
+                </c:pt>
+                <c:pt idx="7">
+                  <c:v>5</c:v>
+                </c:pt>
+                <c:pt idx="8">
+                  <c:v>5</c:v>
+                </c:pt>
+                <c:pt idx="9">
+                  <c:v>4</c:v>
+                </c:pt>
+                <c:pt idx="10">
+                  <c:v>5</c:v>
+                </c:pt>
+                <c:pt idx="11">
+                  <c:v>1</c:v>
+                </c:pt>
+                <c:pt idx="12">
+                  <c:v>5</c:v>
+                </c:pt>
+                <c:pt idx="13">
+                  <c:v>4</c:v>
+                </c:pt>
+                <c:pt idx="14">
+                  <c:v>6</c:v>
+                </c:pt>
+                <c:pt idx="15">
+                  <c:v>4</c:v>
+                </c:pt>
+                <c:pt idx="16">
+                  <c:v>6</c:v>
+                </c:pt>
+                <c:pt idx="17">
+                  <c:v>4</c:v>
+                </c:pt>
+                <c:pt idx="18">
+                  <c:v>3</c:v>
+                </c:pt>
+                <c:pt idx="19">
+                  <c:v>5</c:v>
+                </c:pt>
+              </c:numCache>
+            </c:numRef>
+          </c:val>
+          <c:extLst>
+            <c:ext xmlns:c16="http://schemas.microsoft.com/office/drawing/2014/chart" uri="{C3380CC4-5D6E-409C-BE32-E72D297353CC}">
+              <c16:uniqueId val="{00000001-AEA6-446A-998C-BA258B70E178}"/>
+            </c:ext>
+          </c:extLst>
+        </c:ser>
+        <c:dLbls>
+          <c:dLblPos val="inEnd"/>
+          <c:showLegendKey val="0"/>
+          <c:showVal val="1"/>
+          <c:showCatName val="0"/>
+          <c:showSerName val="0"/>
+          <c:showPercent val="0"/>
+          <c:showBubbleSize val="0"/>
+        </c:dLbls>
+        <c:gapWidth val="100"/>
+        <c:overlap val="-24"/>
+        <c:axId val="454559080"/>
+        <c:axId val="454564000"/>
+      </c:barChart>
+      <c:catAx>
+        <c:axId val="454559080"/>
+        <c:scaling>
+          <c:orientation val="minMax"/>
+        </c:scaling>
+        <c:delete val="0"/>
+        <c:axPos val="b"/>
+        <c:numFmt formatCode="General" sourceLinked="1"/>
+        <c:majorTickMark val="none"/>
+        <c:minorTickMark val="none"/>
+        <c:tickLblPos val="nextTo"/>
+        <c:spPr>
+          <a:noFill/>
+          <a:ln w="9525" cap="flat" cmpd="sng" algn="ctr">
+            <a:solidFill>
+              <a:schemeClr val="tx2">
+                <a:lumMod val="15000"/>
+                <a:lumOff val="85000"/>
+              </a:schemeClr>
+            </a:solidFill>
+            <a:round/>
+          </a:ln>
+          <a:effectLst/>
+        </c:spPr>
+        <c:txPr>
+          <a:bodyPr rot="-60000000" spcFirstLastPara="1" vertOverflow="ellipsis" vert="horz" wrap="square" anchor="ctr" anchorCtr="1"/>
+          <a:lstStyle/>
+          <a:p>
+            <a:pPr>
+              <a:defRPr sz="3200" b="0" i="0" u="none" strike="noStrike" kern="1200" baseline="0">
+                <a:solidFill>
+                  <a:schemeClr val="tx2"/>
+                </a:solidFill>
+                <a:latin typeface="+mn-lt"/>
+                <a:ea typeface="+mn-ea"/>
+                <a:cs typeface="+mn-cs"/>
+              </a:defRPr>
+            </a:pPr>
+            <a:endParaRPr lang="en-US"/>
+          </a:p>
+        </c:txPr>
+        <c:crossAx val="454564000"/>
+        <c:crosses val="autoZero"/>
+        <c:auto val="1"/>
+        <c:lblAlgn val="ctr"/>
+        <c:lblOffset val="100"/>
+        <c:noMultiLvlLbl val="0"/>
+      </c:catAx>
+      <c:valAx>
+        <c:axId val="454564000"/>
+        <c:scaling>
+          <c:orientation val="minMax"/>
+        </c:scaling>
+        <c:delete val="0"/>
+        <c:axPos val="l"/>
+        <c:majorGridlines>
+          <c:spPr>
+            <a:ln w="9525" cap="flat" cmpd="sng" algn="ctr">
+              <a:solidFill>
+                <a:schemeClr val="tx2">
+                  <a:lumMod val="15000"/>
+                  <a:lumOff val="85000"/>
+                </a:schemeClr>
+              </a:solidFill>
+              <a:round/>
+            </a:ln>
+            <a:effectLst/>
+          </c:spPr>
+        </c:majorGridlines>
+        <c:numFmt formatCode="General" sourceLinked="1"/>
+        <c:majorTickMark val="none"/>
+        <c:minorTickMark val="none"/>
+        <c:tickLblPos val="nextTo"/>
+        <c:spPr>
+          <a:noFill/>
+          <a:ln>
+            <a:noFill/>
+          </a:ln>
+          <a:effectLst/>
+        </c:spPr>
+        <c:txPr>
+          <a:bodyPr rot="-60000000" spcFirstLastPara="1" vertOverflow="ellipsis" vert="horz" wrap="square" anchor="ctr" anchorCtr="1"/>
+          <a:lstStyle/>
+          <a:p>
+            <a:pPr>
+              <a:defRPr sz="1197" b="0" i="0" u="none" strike="noStrike" kern="1200" baseline="0">
+                <a:solidFill>
+                  <a:schemeClr val="tx2"/>
+                </a:solidFill>
+                <a:latin typeface="+mn-lt"/>
+                <a:ea typeface="+mn-ea"/>
+                <a:cs typeface="+mn-cs"/>
+              </a:defRPr>
+            </a:pPr>
+            <a:endParaRPr lang="en-US"/>
+          </a:p>
+        </c:txPr>
+        <c:crossAx val="454559080"/>
+        <c:crosses val="autoZero"/>
+        <c:crossBetween val="between"/>
+      </c:valAx>
+      <c:spPr>
+        <a:noFill/>
+        <a:ln>
+          <a:noFill/>
+        </a:ln>
+        <a:effectLst/>
+      </c:spPr>
+    </c:plotArea>
+    <c:legend>
+      <c:legendPos val="b"/>
+      <c:overlay val="0"/>
+      <c:spPr>
+        <a:noFill/>
+        <a:ln>
+          <a:noFill/>
+        </a:ln>
+        <a:effectLst/>
+      </c:spPr>
+      <c:txPr>
+        <a:bodyPr rot="0" spcFirstLastPara="1" vertOverflow="ellipsis" vert="horz" wrap="square" anchor="ctr" anchorCtr="1"/>
+        <a:lstStyle/>
+        <a:p>
+          <a:pPr>
+            <a:defRPr sz="2400" b="0" i="0" u="none" strike="noStrike" kern="1200" baseline="0">
+              <a:solidFill>
+                <a:schemeClr val="tx2"/>
+              </a:solidFill>
+              <a:latin typeface="+mn-lt"/>
+              <a:ea typeface="+mn-ea"/>
+              <a:cs typeface="+mn-cs"/>
+            </a:defRPr>
+          </a:pPr>
+          <a:endParaRPr lang="en-US"/>
+        </a:p>
+      </c:txPr>
+    </c:legend>
+    <c:plotVisOnly val="1"/>
+    <c:dispBlanksAs val="gap"/>
+    <c:extLst>
+      <c:ext xmlns:c16r3="http://schemas.microsoft.com/office/drawing/2017/03/chart" uri="{56B9EC1D-385E-4148-901F-78D8002777C0}">
+        <c16r3:dataDisplayOptions16>
+          <c16r3:dispNaAsBlank val="1"/>
+        </c16r3:dataDisplayOptions16>
+      </c:ext>
+    </c:extLst>
+    <c:showDLblsOverMax val="0"/>
+  </c:chart>
+  <c:spPr>
+    <a:solidFill>
+      <a:schemeClr val="bg1"/>
+    </a:solidFill>
+    <a:ln>
+      <a:noFill/>
+    </a:ln>
+    <a:effectLst/>
+  </c:spPr>
+  <c:txPr>
+    <a:bodyPr/>
+    <a:lstStyle/>
+    <a:p>
+      <a:pPr>
+        <a:defRPr/>
+      </a:pPr>
+      <a:endParaRPr lang="en-US"/>
+    </a:p>
+  </c:txPr>
+  <c:externalData r:id="rId3">
+    <c:autoUpdate val="0"/>
+  </c:externalData>
+</c:chartSpace>
+</file>
+
 <file path=ppt/charts/colors1.xml><?xml version="1.0" encoding="utf-8"?>
 <cs:colorStyle xmlns:cs="http://schemas.microsoft.com/office/drawing/2012/chartStyle" xmlns:a="http://schemas.openxmlformats.org/drawingml/2006/main" meth="cycle" id="10">
   <a:schemeClr val="accent1"/>
@@ -3471,12 +3480,9 @@
 </file>
 
 <file path=ppt/charts/colors3.xml><?xml version="1.0" encoding="utf-8"?>
-<cs:colorStyle xmlns:cs="http://schemas.microsoft.com/office/drawing/2012/chartStyle" xmlns:a="http://schemas.openxmlformats.org/drawingml/2006/main" meth="cycle" id="10">
-  <a:schemeClr val="accent1"/>
+<cs:colorStyle xmlns:cs="http://schemas.microsoft.com/office/drawing/2012/chartStyle" xmlns:a="http://schemas.openxmlformats.org/drawingml/2006/main" meth="cycle" id="12">
   <a:schemeClr val="accent2"/>
-  <a:schemeClr val="accent3"/>
   <a:schemeClr val="accent4"/>
-  <a:schemeClr val="accent5"/>
   <a:schemeClr val="accent6"/>
   <cs:variation/>
   <cs:variation>
@@ -3511,576 +3517,6 @@
 </file>
 
 <file path=ppt/charts/style1.xml><?xml version="1.0" encoding="utf-8"?>
-<cs:chartStyle xmlns:cs="http://schemas.microsoft.com/office/drawing/2012/chartStyle" xmlns:a="http://schemas.openxmlformats.org/drawingml/2006/main" id="205">
-  <cs:axisTitle>
-    <cs:lnRef idx="0"/>
-    <cs:fillRef idx="0"/>
-    <cs:effectRef idx="0"/>
-    <cs:fontRef idx="minor">
-      <a:schemeClr val="dk1">
-        <a:lumMod val="75000"/>
-        <a:lumOff val="25000"/>
-      </a:schemeClr>
-    </cs:fontRef>
-    <cs:defRPr sz="900" b="1" kern="1200"/>
-  </cs:axisTitle>
-  <cs:categoryAxis>
-    <cs:lnRef idx="0"/>
-    <cs:fillRef idx="0"/>
-    <cs:effectRef idx="0"/>
-    <cs:fontRef idx="minor">
-      <a:schemeClr val="dk1">
-        <a:lumMod val="75000"/>
-        <a:lumOff val="25000"/>
-      </a:schemeClr>
-    </cs:fontRef>
-    <cs:spPr>
-      <a:ln w="19050" cap="flat" cmpd="sng" algn="ctr">
-        <a:solidFill>
-          <a:schemeClr val="dk1">
-            <a:lumMod val="75000"/>
-            <a:lumOff val="25000"/>
-          </a:schemeClr>
-        </a:solidFill>
-        <a:round/>
-      </a:ln>
-    </cs:spPr>
-    <cs:defRPr sz="900" kern="1200" cap="all" baseline="0"/>
-  </cs:categoryAxis>
-  <cs:chartArea>
-    <cs:lnRef idx="0"/>
-    <cs:fillRef idx="0"/>
-    <cs:effectRef idx="0"/>
-    <cs:fontRef idx="minor">
-      <a:schemeClr val="dk1"/>
-    </cs:fontRef>
-    <cs:spPr>
-      <a:gradFill flip="none" rotWithShape="1">
-        <a:gsLst>
-          <a:gs pos="0">
-            <a:schemeClr val="lt1"/>
-          </a:gs>
-          <a:gs pos="39000">
-            <a:schemeClr val="lt1"/>
-          </a:gs>
-          <a:gs pos="100000">
-            <a:schemeClr val="lt1">
-              <a:lumMod val="75000"/>
-            </a:schemeClr>
-          </a:gs>
-        </a:gsLst>
-        <a:path path="circle">
-          <a:fillToRect l="50000" t="-80000" r="50000" b="180000"/>
-        </a:path>
-        <a:tileRect/>
-      </a:gradFill>
-      <a:ln w="9525" cap="flat" cmpd="sng" algn="ctr">
-        <a:solidFill>
-          <a:schemeClr val="dk1">
-            <a:lumMod val="25000"/>
-            <a:lumOff val="75000"/>
-          </a:schemeClr>
-        </a:solidFill>
-        <a:round/>
-      </a:ln>
-    </cs:spPr>
-    <cs:defRPr sz="900" kern="1200"/>
-  </cs:chartArea>
-  <cs:dataLabel>
-    <cs:lnRef idx="0"/>
-    <cs:fillRef idx="0"/>
-    <cs:effectRef idx="0"/>
-    <cs:fontRef idx="minor">
-      <a:schemeClr val="lt1"/>
-    </cs:fontRef>
-    <cs:defRPr sz="900" b="1" i="0" u="none" strike="noStrike" kern="1200" baseline="0"/>
-  </cs:dataLabel>
-  <cs:dataLabelCallout>
-    <cs:lnRef idx="0"/>
-    <cs:fillRef idx="0"/>
-    <cs:effectRef idx="0"/>
-    <cs:fontRef idx="minor">
-      <a:schemeClr val="lt1"/>
-    </cs:fontRef>
-    <cs:spPr>
-      <a:solidFill>
-        <a:schemeClr val="dk1">
-          <a:lumMod val="65000"/>
-          <a:lumOff val="35000"/>
-          <a:alpha val="75000"/>
-        </a:schemeClr>
-      </a:solidFill>
-    </cs:spPr>
-    <cs:defRPr sz="900" b="1" kern="1200"/>
-    <cs:bodyPr rot="0" spcFirstLastPara="1" vertOverflow="clip" horzOverflow="clip" vert="horz" wrap="square" lIns="36576" tIns="18288" rIns="36576" bIns="18288" anchor="ctr" anchorCtr="1">
-      <a:spAutoFit/>
-    </cs:bodyPr>
-  </cs:dataLabelCallout>
-  <cs:dataPoint>
-    <cs:lnRef idx="0"/>
-    <cs:fillRef idx="0">
-      <cs:styleClr val="auto"/>
-    </cs:fillRef>
-    <cs:effectRef idx="0"/>
-    <cs:fontRef idx="minor">
-      <a:schemeClr val="dk1"/>
-    </cs:fontRef>
-    <cs:spPr>
-      <a:solidFill>
-        <a:schemeClr val="phClr">
-          <a:alpha val="85000"/>
-        </a:schemeClr>
-      </a:solidFill>
-      <a:ln w="9525" cap="flat" cmpd="sng" algn="ctr">
-        <a:solidFill>
-          <a:schemeClr val="lt1">
-            <a:alpha val="50000"/>
-          </a:schemeClr>
-        </a:solidFill>
-        <a:round/>
-      </a:ln>
-    </cs:spPr>
-  </cs:dataPoint>
-  <cs:dataPoint3D>
-    <cs:lnRef idx="0"/>
-    <cs:fillRef idx="0">
-      <cs:styleClr val="auto"/>
-    </cs:fillRef>
-    <cs:effectRef idx="0"/>
-    <cs:fontRef idx="minor">
-      <a:schemeClr val="dk1"/>
-    </cs:fontRef>
-    <cs:spPr>
-      <a:solidFill>
-        <a:schemeClr val="phClr">
-          <a:alpha val="85000"/>
-        </a:schemeClr>
-      </a:solidFill>
-      <a:ln w="9525" cap="flat" cmpd="sng" algn="ctr">
-        <a:solidFill>
-          <a:schemeClr val="lt1">
-            <a:alpha val="50000"/>
-          </a:schemeClr>
-        </a:solidFill>
-        <a:round/>
-      </a:ln>
-    </cs:spPr>
-  </cs:dataPoint3D>
-  <cs:dataPointLine>
-    <cs:lnRef idx="0">
-      <cs:styleClr val="auto"/>
-    </cs:lnRef>
-    <cs:fillRef idx="0"/>
-    <cs:effectRef idx="0"/>
-    <cs:fontRef idx="minor">
-      <a:schemeClr val="dk1"/>
-    </cs:fontRef>
-    <cs:spPr>
-      <a:ln w="31750" cap="rnd">
-        <a:solidFill>
-          <a:schemeClr val="phClr">
-            <a:alpha val="85000"/>
-          </a:schemeClr>
-        </a:solidFill>
-        <a:round/>
-      </a:ln>
-    </cs:spPr>
-  </cs:dataPointLine>
-  <cs:dataPointMarker>
-    <cs:lnRef idx="0"/>
-    <cs:fillRef idx="0">
-      <cs:styleClr val="auto"/>
-    </cs:fillRef>
-    <cs:effectRef idx="0"/>
-    <cs:fontRef idx="minor">
-      <a:schemeClr val="dk1"/>
-    </cs:fontRef>
-    <cs:spPr>
-      <a:solidFill>
-        <a:schemeClr val="phClr">
-          <a:alpha val="85000"/>
-        </a:schemeClr>
-      </a:solidFill>
-    </cs:spPr>
-  </cs:dataPointMarker>
-  <cs:dataPointMarkerLayout symbol="circle" size="6"/>
-  <cs:dataPointWireframe>
-    <cs:lnRef idx="0">
-      <cs:styleClr val="auto"/>
-    </cs:lnRef>
-    <cs:fillRef idx="0"/>
-    <cs:effectRef idx="0"/>
-    <cs:fontRef idx="minor">
-      <a:schemeClr val="dk1"/>
-    </cs:fontRef>
-    <cs:spPr>
-      <a:ln w="9525" cap="rnd">
-        <a:solidFill>
-          <a:schemeClr val="phClr"/>
-        </a:solidFill>
-        <a:round/>
-      </a:ln>
-    </cs:spPr>
-  </cs:dataPointWireframe>
-  <cs:dataTable>
-    <cs:lnRef idx="0"/>
-    <cs:fillRef idx="0"/>
-    <cs:effectRef idx="0"/>
-    <cs:fontRef idx="minor">
-      <a:schemeClr val="dk1">
-        <a:lumMod val="75000"/>
-        <a:lumOff val="25000"/>
-      </a:schemeClr>
-    </cs:fontRef>
-    <cs:spPr>
-      <a:ln w="9525">
-        <a:solidFill>
-          <a:schemeClr val="dk1">
-            <a:lumMod val="35000"/>
-            <a:lumOff val="65000"/>
-          </a:schemeClr>
-        </a:solidFill>
-      </a:ln>
-    </cs:spPr>
-    <cs:defRPr sz="900" kern="1200"/>
-  </cs:dataTable>
-  <cs:downBar>
-    <cs:lnRef idx="0"/>
-    <cs:fillRef idx="0"/>
-    <cs:effectRef idx="0"/>
-    <cs:fontRef idx="minor">
-      <a:schemeClr val="dk1"/>
-    </cs:fontRef>
-    <cs:spPr>
-      <a:solidFill>
-        <a:schemeClr val="dk1">
-          <a:lumMod val="50000"/>
-          <a:lumOff val="50000"/>
-        </a:schemeClr>
-      </a:solidFill>
-      <a:ln w="9525">
-        <a:solidFill>
-          <a:schemeClr val="dk1">
-            <a:lumMod val="65000"/>
-            <a:lumOff val="35000"/>
-          </a:schemeClr>
-        </a:solidFill>
-      </a:ln>
-    </cs:spPr>
-  </cs:downBar>
-  <cs:dropLine>
-    <cs:lnRef idx="0"/>
-    <cs:fillRef idx="0"/>
-    <cs:effectRef idx="0"/>
-    <cs:fontRef idx="minor">
-      <a:schemeClr val="dk1"/>
-    </cs:fontRef>
-    <cs:spPr>
-      <a:ln w="9525">
-        <a:solidFill>
-          <a:schemeClr val="dk1">
-            <a:lumMod val="35000"/>
-            <a:lumOff val="65000"/>
-          </a:schemeClr>
-        </a:solidFill>
-        <a:prstDash val="dash"/>
-      </a:ln>
-    </cs:spPr>
-  </cs:dropLine>
-  <cs:errorBar>
-    <cs:lnRef idx="0"/>
-    <cs:fillRef idx="0"/>
-    <cs:effectRef idx="0"/>
-    <cs:fontRef idx="minor">
-      <a:schemeClr val="dk1"/>
-    </cs:fontRef>
-    <cs:spPr>
-      <a:ln w="9525">
-        <a:solidFill>
-          <a:schemeClr val="dk1">
-            <a:lumMod val="65000"/>
-            <a:lumOff val="35000"/>
-          </a:schemeClr>
-        </a:solidFill>
-        <a:round/>
-      </a:ln>
-    </cs:spPr>
-  </cs:errorBar>
-  <cs:floor>
-    <cs:lnRef idx="0"/>
-    <cs:fillRef idx="0"/>
-    <cs:effectRef idx="0"/>
-    <cs:fontRef idx="minor">
-      <a:schemeClr val="dk1"/>
-    </cs:fontRef>
-  </cs:floor>
-  <cs:gridlineMajor>
-    <cs:lnRef idx="0"/>
-    <cs:fillRef idx="0"/>
-    <cs:effectRef idx="0"/>
-    <cs:fontRef idx="minor">
-      <a:schemeClr val="dk1"/>
-    </cs:fontRef>
-    <cs:spPr>
-      <a:ln w="9525" cap="flat" cmpd="sng" algn="ctr">
-        <a:gradFill>
-          <a:gsLst>
-            <a:gs pos="100000">
-              <a:schemeClr val="dk1">
-                <a:lumMod val="95000"/>
-                <a:lumOff val="5000"/>
-                <a:alpha val="42000"/>
-              </a:schemeClr>
-            </a:gs>
-            <a:gs pos="0">
-              <a:schemeClr val="lt1">
-                <a:lumMod val="75000"/>
-                <a:alpha val="36000"/>
-              </a:schemeClr>
-            </a:gs>
-          </a:gsLst>
-          <a:lin ang="5400000" scaled="0"/>
-        </a:gradFill>
-        <a:round/>
-      </a:ln>
-    </cs:spPr>
-  </cs:gridlineMajor>
-  <cs:gridlineMinor>
-    <cs:lnRef idx="0"/>
-    <cs:fillRef idx="0"/>
-    <cs:effectRef idx="0"/>
-    <cs:fontRef idx="minor">
-      <a:schemeClr val="dk1"/>
-    </cs:fontRef>
-    <cs:spPr>
-      <a:ln>
-        <a:gradFill>
-          <a:gsLst>
-            <a:gs pos="100000">
-              <a:schemeClr val="dk1">
-                <a:lumMod val="95000"/>
-                <a:lumOff val="5000"/>
-                <a:alpha val="42000"/>
-              </a:schemeClr>
-            </a:gs>
-            <a:gs pos="0">
-              <a:schemeClr val="lt1">
-                <a:lumMod val="75000"/>
-                <a:alpha val="36000"/>
-              </a:schemeClr>
-            </a:gs>
-          </a:gsLst>
-          <a:lin ang="5400000" scaled="0"/>
-        </a:gradFill>
-      </a:ln>
-    </cs:spPr>
-  </cs:gridlineMinor>
-  <cs:hiLoLine>
-    <cs:lnRef idx="0"/>
-    <cs:fillRef idx="0"/>
-    <cs:effectRef idx="0"/>
-    <cs:fontRef idx="minor">
-      <a:schemeClr val="dk1"/>
-    </cs:fontRef>
-    <cs:spPr>
-      <a:ln w="9525">
-        <a:solidFill>
-          <a:schemeClr val="dk1">
-            <a:lumMod val="35000"/>
-            <a:lumOff val="65000"/>
-          </a:schemeClr>
-        </a:solidFill>
-        <a:prstDash val="dash"/>
-      </a:ln>
-    </cs:spPr>
-  </cs:hiLoLine>
-  <cs:leaderLine>
-    <cs:lnRef idx="0"/>
-    <cs:fillRef idx="0"/>
-    <cs:effectRef idx="0"/>
-    <cs:fontRef idx="minor">
-      <a:schemeClr val="dk1"/>
-    </cs:fontRef>
-    <cs:spPr>
-      <a:ln w="9525">
-        <a:solidFill>
-          <a:schemeClr val="dk1">
-            <a:lumMod val="50000"/>
-            <a:lumOff val="50000"/>
-          </a:schemeClr>
-        </a:solidFill>
-      </a:ln>
-    </cs:spPr>
-  </cs:leaderLine>
-  <cs:legend>
-    <cs:lnRef idx="0"/>
-    <cs:fillRef idx="0"/>
-    <cs:effectRef idx="0"/>
-    <cs:fontRef idx="minor">
-      <a:schemeClr val="dk1">
-        <a:lumMod val="75000"/>
-        <a:lumOff val="25000"/>
-      </a:schemeClr>
-    </cs:fontRef>
-    <cs:spPr>
-      <a:solidFill>
-        <a:schemeClr val="lt1">
-          <a:lumMod val="95000"/>
-          <a:alpha val="39000"/>
-        </a:schemeClr>
-      </a:solidFill>
-    </cs:spPr>
-    <cs:defRPr sz="900" kern="1200"/>
-  </cs:legend>
-  <cs:plotArea>
-    <cs:lnRef idx="0"/>
-    <cs:fillRef idx="0"/>
-    <cs:effectRef idx="0"/>
-    <cs:fontRef idx="minor">
-      <a:schemeClr val="dk1"/>
-    </cs:fontRef>
-  </cs:plotArea>
-  <cs:plotArea3D>
-    <cs:lnRef idx="0"/>
-    <cs:fillRef idx="0"/>
-    <cs:effectRef idx="0"/>
-    <cs:fontRef idx="minor">
-      <a:schemeClr val="dk1"/>
-    </cs:fontRef>
-  </cs:plotArea3D>
-  <cs:seriesAxis>
-    <cs:lnRef idx="0"/>
-    <cs:fillRef idx="0"/>
-    <cs:effectRef idx="0"/>
-    <cs:fontRef idx="minor">
-      <a:schemeClr val="dk1">
-        <a:lumMod val="75000"/>
-        <a:lumOff val="25000"/>
-      </a:schemeClr>
-    </cs:fontRef>
-    <cs:spPr>
-      <a:ln w="31750" cap="flat" cmpd="sng" algn="ctr">
-        <a:solidFill>
-          <a:schemeClr val="dk1">
-            <a:lumMod val="75000"/>
-            <a:lumOff val="25000"/>
-          </a:schemeClr>
-        </a:solidFill>
-        <a:round/>
-      </a:ln>
-    </cs:spPr>
-    <cs:defRPr sz="900" kern="1200"/>
-  </cs:seriesAxis>
-  <cs:seriesLine>
-    <cs:lnRef idx="0"/>
-    <cs:fillRef idx="0"/>
-    <cs:effectRef idx="0"/>
-    <cs:fontRef idx="minor">
-      <a:schemeClr val="dk1"/>
-    </cs:fontRef>
-    <cs:spPr>
-      <a:ln w="9525">
-        <a:solidFill>
-          <a:schemeClr val="dk1">
-            <a:lumMod val="50000"/>
-            <a:lumOff val="50000"/>
-          </a:schemeClr>
-        </a:solidFill>
-        <a:round/>
-      </a:ln>
-    </cs:spPr>
-  </cs:seriesLine>
-  <cs:title>
-    <cs:lnRef idx="0"/>
-    <cs:fillRef idx="0"/>
-    <cs:effectRef idx="0"/>
-    <cs:fontRef idx="minor">
-      <a:schemeClr val="dk1">
-        <a:lumMod val="75000"/>
-        <a:lumOff val="25000"/>
-      </a:schemeClr>
-    </cs:fontRef>
-    <cs:defRPr sz="1800" b="1" kern="1200" baseline="0"/>
-  </cs:title>
-  <cs:trendline>
-    <cs:lnRef idx="0">
-      <cs:styleClr val="auto"/>
-    </cs:lnRef>
-    <cs:fillRef idx="0"/>
-    <cs:effectRef idx="0"/>
-    <cs:fontRef idx="minor">
-      <a:schemeClr val="dk1"/>
-    </cs:fontRef>
-    <cs:spPr>
-      <a:ln w="19050" cap="rnd">
-        <a:solidFill>
-          <a:schemeClr val="phClr"/>
-        </a:solidFill>
-      </a:ln>
-    </cs:spPr>
-  </cs:trendline>
-  <cs:trendlineLabel>
-    <cs:lnRef idx="0"/>
-    <cs:fillRef idx="0"/>
-    <cs:effectRef idx="0"/>
-    <cs:fontRef idx="minor">
-      <a:schemeClr val="dk1">
-        <a:lumMod val="75000"/>
-        <a:lumOff val="25000"/>
-      </a:schemeClr>
-    </cs:fontRef>
-    <cs:defRPr sz="900" kern="1200"/>
-  </cs:trendlineLabel>
-  <cs:upBar>
-    <cs:lnRef idx="0"/>
-    <cs:fillRef idx="0"/>
-    <cs:effectRef idx="0"/>
-    <cs:fontRef idx="minor">
-      <a:schemeClr val="dk1"/>
-    </cs:fontRef>
-    <cs:spPr>
-      <a:solidFill>
-        <a:schemeClr val="lt1"/>
-      </a:solidFill>
-      <a:ln w="9525">
-        <a:solidFill>
-          <a:schemeClr val="dk1">
-            <a:lumMod val="65000"/>
-            <a:lumOff val="35000"/>
-          </a:schemeClr>
-        </a:solidFill>
-      </a:ln>
-    </cs:spPr>
-  </cs:upBar>
-  <cs:valueAxis>
-    <cs:lnRef idx="0"/>
-    <cs:fillRef idx="0"/>
-    <cs:effectRef idx="0"/>
-    <cs:fontRef idx="minor">
-      <a:schemeClr val="dk1">
-        <a:lumMod val="75000"/>
-        <a:lumOff val="25000"/>
-      </a:schemeClr>
-    </cs:fontRef>
-    <cs:spPr>
-      <a:ln>
-        <a:noFill/>
-      </a:ln>
-    </cs:spPr>
-    <cs:defRPr sz="900" kern="1200"/>
-  </cs:valueAxis>
-  <cs:wall>
-    <cs:lnRef idx="0"/>
-    <cs:fillRef idx="0"/>
-    <cs:effectRef idx="0"/>
-    <cs:fontRef idx="minor">
-      <a:schemeClr val="dk1"/>
-    </cs:fontRef>
-  </cs:wall>
-</cs:chartStyle>
-</file>
-
-<file path=ppt/charts/style2.xml><?xml version="1.0" encoding="utf-8"?>
 <cs:chartStyle xmlns:cs="http://schemas.microsoft.com/office/drawing/2012/chartStyle" xmlns:a="http://schemas.openxmlformats.org/drawingml/2006/main" id="297">
   <cs:axisTitle>
     <cs:lnRef idx="0"/>
@@ -4585,7 +4021,7 @@
 </cs:chartStyle>
 </file>
 
-<file path=ppt/charts/style3.xml><?xml version="1.0" encoding="utf-8"?>
+<file path=ppt/charts/style2.xml><?xml version="1.0" encoding="utf-8"?>
 <cs:chartStyle xmlns:cs="http://schemas.microsoft.com/office/drawing/2012/chartStyle" xmlns:a="http://schemas.openxmlformats.org/drawingml/2006/main" id="201">
   <cs:axisTitle>
     <cs:lnRef idx="0"/>
@@ -5088,6 +4524,475 @@
 </cs:chartStyle>
 </file>
 
+<file path=ppt/charts/style3.xml><?xml version="1.0" encoding="utf-8"?>
+<cs:chartStyle xmlns:cs="http://schemas.microsoft.com/office/drawing/2012/chartStyle" xmlns:a="http://schemas.openxmlformats.org/drawingml/2006/main" id="207">
+  <cs:axisTitle>
+    <cs:lnRef idx="0"/>
+    <cs:fillRef idx="0"/>
+    <cs:effectRef idx="0"/>
+    <cs:fontRef idx="minor">
+      <a:schemeClr val="tx2"/>
+    </cs:fontRef>
+    <cs:defRPr sz="1197" b="1" kern="1200"/>
+  </cs:axisTitle>
+  <cs:categoryAxis>
+    <cs:lnRef idx="0"/>
+    <cs:fillRef idx="0"/>
+    <cs:effectRef idx="0"/>
+    <cs:fontRef idx="minor">
+      <a:schemeClr val="tx2"/>
+    </cs:fontRef>
+    <cs:spPr>
+      <a:ln w="9525" cap="flat" cmpd="sng" algn="ctr">
+        <a:solidFill>
+          <a:schemeClr val="tx2">
+            <a:lumMod val="15000"/>
+            <a:lumOff val="85000"/>
+          </a:schemeClr>
+        </a:solidFill>
+        <a:round/>
+      </a:ln>
+    </cs:spPr>
+    <cs:defRPr sz="1197" kern="1200"/>
+  </cs:categoryAxis>
+  <cs:chartArea mods="allowNoFillOverride allowNoLineOverride">
+    <cs:lnRef idx="0"/>
+    <cs:fillRef idx="0"/>
+    <cs:effectRef idx="0"/>
+    <cs:fontRef idx="minor">
+      <a:schemeClr val="tx2"/>
+    </cs:fontRef>
+    <cs:spPr>
+      <a:solidFill>
+        <a:schemeClr val="bg1"/>
+      </a:solidFill>
+      <a:ln w="9525" cap="flat" cmpd="sng" algn="ctr">
+        <a:solidFill>
+          <a:schemeClr val="tx2">
+            <a:lumMod val="15000"/>
+            <a:lumOff val="85000"/>
+          </a:schemeClr>
+        </a:solidFill>
+        <a:round/>
+      </a:ln>
+    </cs:spPr>
+    <cs:defRPr sz="1197" kern="1200"/>
+  </cs:chartArea>
+  <cs:dataLabel>
+    <cs:lnRef idx="0"/>
+    <cs:fillRef idx="0"/>
+    <cs:effectRef idx="0"/>
+    <cs:fontRef idx="minor">
+      <a:schemeClr val="tx2"/>
+    </cs:fontRef>
+    <cs:defRPr sz="1197" kern="1200"/>
+  </cs:dataLabel>
+  <cs:dataLabelCallout>
+    <cs:lnRef idx="0"/>
+    <cs:fillRef idx="0"/>
+    <cs:effectRef idx="0"/>
+    <cs:fontRef idx="minor">
+      <a:schemeClr val="dk2">
+        <a:lumMod val="75000"/>
+      </a:schemeClr>
+    </cs:fontRef>
+    <cs:spPr>
+      <a:solidFill>
+        <a:schemeClr val="lt1"/>
+      </a:solidFill>
+      <a:ln>
+        <a:solidFill>
+          <a:schemeClr val="dk1">
+            <a:lumMod val="25000"/>
+            <a:lumOff val="75000"/>
+          </a:schemeClr>
+        </a:solidFill>
+      </a:ln>
+    </cs:spPr>
+    <cs:defRPr sz="1197" kern="1200"/>
+    <cs:bodyPr rot="0" spcFirstLastPara="1" vertOverflow="clip" horzOverflow="clip" vert="horz" wrap="square" lIns="36576" tIns="18288" rIns="36576" bIns="18288" anchor="ctr" anchorCtr="1">
+      <a:spAutoFit/>
+    </cs:bodyPr>
+  </cs:dataLabelCallout>
+  <cs:dataPoint>
+    <cs:lnRef idx="0"/>
+    <cs:fillRef idx="3">
+      <cs:styleClr val="auto"/>
+    </cs:fillRef>
+    <cs:effectRef idx="2"/>
+    <cs:fontRef idx="minor">
+      <a:schemeClr val="tx2"/>
+    </cs:fontRef>
+  </cs:dataPoint>
+  <cs:dataPoint3D>
+    <cs:lnRef idx="0"/>
+    <cs:fillRef idx="3">
+      <cs:styleClr val="auto"/>
+    </cs:fillRef>
+    <cs:effectRef idx="2"/>
+    <cs:fontRef idx="minor">
+      <a:schemeClr val="tx2"/>
+    </cs:fontRef>
+  </cs:dataPoint3D>
+  <cs:dataPointLine>
+    <cs:lnRef idx="0">
+      <cs:styleClr val="auto"/>
+    </cs:lnRef>
+    <cs:fillRef idx="3"/>
+    <cs:effectRef idx="2"/>
+    <cs:fontRef idx="minor">
+      <a:schemeClr val="tx2"/>
+    </cs:fontRef>
+    <cs:spPr>
+      <a:ln w="31750" cap="rnd">
+        <a:solidFill>
+          <a:schemeClr val="phClr"/>
+        </a:solidFill>
+        <a:round/>
+      </a:ln>
+    </cs:spPr>
+  </cs:dataPointLine>
+  <cs:dataPointMarker>
+    <cs:lnRef idx="0"/>
+    <cs:fillRef idx="3">
+      <cs:styleClr val="auto"/>
+    </cs:fillRef>
+    <cs:effectRef idx="2"/>
+    <cs:fontRef idx="minor">
+      <a:schemeClr val="tx2"/>
+    </cs:fontRef>
+    <cs:spPr>
+      <a:ln w="12700">
+        <a:solidFill>
+          <a:schemeClr val="lt2"/>
+        </a:solidFill>
+        <a:round/>
+      </a:ln>
+    </cs:spPr>
+  </cs:dataPointMarker>
+  <cs:dataPointMarkerLayout symbol="circle" size="6"/>
+  <cs:dataPointWireframe>
+    <cs:lnRef idx="0">
+      <cs:styleClr val="auto"/>
+    </cs:lnRef>
+    <cs:fillRef idx="3"/>
+    <cs:effectRef idx="2"/>
+    <cs:fontRef idx="minor">
+      <a:schemeClr val="tx2"/>
+    </cs:fontRef>
+    <cs:spPr>
+      <a:ln w="9525" cap="rnd">
+        <a:solidFill>
+          <a:schemeClr val="phClr"/>
+        </a:solidFill>
+        <a:round/>
+      </a:ln>
+    </cs:spPr>
+  </cs:dataPointWireframe>
+  <cs:dataTable>
+    <cs:lnRef idx="0"/>
+    <cs:fillRef idx="0"/>
+    <cs:effectRef idx="0"/>
+    <cs:fontRef idx="minor">
+      <a:schemeClr val="tx2"/>
+    </cs:fontRef>
+    <cs:spPr>
+      <a:ln w="9525">
+        <a:solidFill>
+          <a:schemeClr val="tx2">
+            <a:lumMod val="15000"/>
+            <a:lumOff val="85000"/>
+          </a:schemeClr>
+        </a:solidFill>
+      </a:ln>
+    </cs:spPr>
+    <cs:defRPr sz="1197" kern="1200"/>
+  </cs:dataTable>
+  <cs:downBar>
+    <cs:lnRef idx="0"/>
+    <cs:fillRef idx="0"/>
+    <cs:effectRef idx="0"/>
+    <cs:fontRef idx="minor">
+      <a:schemeClr val="dk1"/>
+    </cs:fontRef>
+    <cs:spPr>
+      <a:solidFill>
+        <a:schemeClr val="dk1">
+          <a:lumMod val="65000"/>
+          <a:lumOff val="35000"/>
+        </a:schemeClr>
+      </a:solidFill>
+      <a:ln w="9525">
+        <a:solidFill>
+          <a:schemeClr val="tx1">
+            <a:lumMod val="65000"/>
+            <a:lumOff val="35000"/>
+          </a:schemeClr>
+        </a:solidFill>
+      </a:ln>
+    </cs:spPr>
+  </cs:downBar>
+  <cs:dropLine>
+    <cs:lnRef idx="0"/>
+    <cs:fillRef idx="0"/>
+    <cs:effectRef idx="0"/>
+    <cs:fontRef idx="minor">
+      <a:schemeClr val="tx2"/>
+    </cs:fontRef>
+    <cs:spPr>
+      <a:ln w="9525">
+        <a:solidFill>
+          <a:schemeClr val="tx2">
+            <a:lumMod val="60000"/>
+            <a:lumOff val="40000"/>
+          </a:schemeClr>
+        </a:solidFill>
+        <a:prstDash val="dash"/>
+      </a:ln>
+    </cs:spPr>
+  </cs:dropLine>
+  <cs:errorBar>
+    <cs:lnRef idx="0"/>
+    <cs:fillRef idx="0"/>
+    <cs:effectRef idx="0"/>
+    <cs:fontRef idx="minor">
+      <a:schemeClr val="tx2"/>
+    </cs:fontRef>
+    <cs:spPr>
+      <a:ln w="9525">
+        <a:solidFill>
+          <a:schemeClr val="tx2">
+            <a:lumMod val="75000"/>
+            <a:lumOff val="25000"/>
+          </a:schemeClr>
+        </a:solidFill>
+        <a:round/>
+      </a:ln>
+    </cs:spPr>
+  </cs:errorBar>
+  <cs:floor>
+    <cs:lnRef idx="0"/>
+    <cs:fillRef idx="0"/>
+    <cs:effectRef idx="0"/>
+    <cs:fontRef idx="minor">
+      <a:schemeClr val="tx2"/>
+    </cs:fontRef>
+  </cs:floor>
+  <cs:gridlineMajor>
+    <cs:lnRef idx="0"/>
+    <cs:fillRef idx="0"/>
+    <cs:effectRef idx="0"/>
+    <cs:fontRef idx="minor">
+      <a:schemeClr val="tx2"/>
+    </cs:fontRef>
+    <cs:spPr>
+      <a:ln w="9525" cap="flat" cmpd="sng" algn="ctr">
+        <a:solidFill>
+          <a:schemeClr val="tx2">
+            <a:lumMod val="15000"/>
+            <a:lumOff val="85000"/>
+          </a:schemeClr>
+        </a:solidFill>
+        <a:round/>
+      </a:ln>
+    </cs:spPr>
+  </cs:gridlineMajor>
+  <cs:gridlineMinor>
+    <cs:lnRef idx="0"/>
+    <cs:fillRef idx="0"/>
+    <cs:effectRef idx="0"/>
+    <cs:fontRef idx="minor">
+      <a:schemeClr val="tx2"/>
+    </cs:fontRef>
+    <cs:spPr>
+      <a:ln>
+        <a:solidFill>
+          <a:schemeClr val="tx2">
+            <a:lumMod val="5000"/>
+            <a:lumOff val="95000"/>
+          </a:schemeClr>
+        </a:solidFill>
+      </a:ln>
+    </cs:spPr>
+  </cs:gridlineMinor>
+  <cs:hiLoLine>
+    <cs:lnRef idx="0"/>
+    <cs:fillRef idx="0"/>
+    <cs:effectRef idx="0"/>
+    <cs:fontRef idx="minor">
+      <a:schemeClr val="tx2"/>
+    </cs:fontRef>
+    <cs:spPr>
+      <a:ln w="9525">
+        <a:solidFill>
+          <a:schemeClr val="tx2">
+            <a:lumMod val="60000"/>
+            <a:lumOff val="40000"/>
+          </a:schemeClr>
+        </a:solidFill>
+        <a:prstDash val="dash"/>
+      </a:ln>
+    </cs:spPr>
+  </cs:hiLoLine>
+  <cs:leaderLine>
+    <cs:lnRef idx="0"/>
+    <cs:fillRef idx="0"/>
+    <cs:effectRef idx="0"/>
+    <cs:fontRef idx="minor">
+      <a:schemeClr val="tx2"/>
+    </cs:fontRef>
+    <cs:spPr>
+      <a:ln w="9525">
+        <a:solidFill>
+          <a:schemeClr val="tx2">
+            <a:lumMod val="35000"/>
+            <a:lumOff val="65000"/>
+          </a:schemeClr>
+        </a:solidFill>
+      </a:ln>
+    </cs:spPr>
+  </cs:leaderLine>
+  <cs:legend>
+    <cs:lnRef idx="0"/>
+    <cs:fillRef idx="0"/>
+    <cs:effectRef idx="0"/>
+    <cs:fontRef idx="minor">
+      <a:schemeClr val="tx2"/>
+    </cs:fontRef>
+    <cs:defRPr sz="1197" kern="1200"/>
+  </cs:legend>
+  <cs:plotArea>
+    <cs:lnRef idx="0"/>
+    <cs:fillRef idx="0"/>
+    <cs:effectRef idx="0"/>
+    <cs:fontRef idx="minor">
+      <a:schemeClr val="tx2"/>
+    </cs:fontRef>
+  </cs:plotArea>
+  <cs:plotArea3D>
+    <cs:lnRef idx="0"/>
+    <cs:fillRef idx="0"/>
+    <cs:effectRef idx="0"/>
+    <cs:fontRef idx="minor">
+      <a:schemeClr val="tx2"/>
+    </cs:fontRef>
+  </cs:plotArea3D>
+  <cs:seriesAxis>
+    <cs:lnRef idx="0"/>
+    <cs:fillRef idx="0"/>
+    <cs:effectRef idx="0"/>
+    <cs:fontRef idx="minor">
+      <a:schemeClr val="tx2"/>
+    </cs:fontRef>
+    <cs:spPr>
+      <a:ln w="9525" cap="flat" cmpd="sng" algn="ctr">
+        <a:solidFill>
+          <a:schemeClr val="tx2">
+            <a:lumMod val="15000"/>
+            <a:lumOff val="85000"/>
+          </a:schemeClr>
+        </a:solidFill>
+        <a:round/>
+      </a:ln>
+    </cs:spPr>
+    <cs:defRPr sz="1197" kern="1200"/>
+  </cs:seriesAxis>
+  <cs:seriesLine>
+    <cs:lnRef idx="0"/>
+    <cs:fillRef idx="0"/>
+    <cs:effectRef idx="0"/>
+    <cs:fontRef idx="minor">
+      <a:schemeClr val="tx2"/>
+    </cs:fontRef>
+    <cs:spPr>
+      <a:ln w="9525">
+        <a:solidFill>
+          <a:schemeClr val="tx2">
+            <a:lumMod val="60000"/>
+            <a:lumOff val="40000"/>
+          </a:schemeClr>
+        </a:solidFill>
+        <a:prstDash val="dash"/>
+      </a:ln>
+    </cs:spPr>
+  </cs:seriesLine>
+  <cs:title>
+    <cs:lnRef idx="0"/>
+    <cs:fillRef idx="0"/>
+    <cs:effectRef idx="0"/>
+    <cs:fontRef idx="minor">
+      <a:schemeClr val="tx2"/>
+    </cs:fontRef>
+    <cs:defRPr sz="2128" b="1" kern="1200"/>
+  </cs:title>
+  <cs:trendline>
+    <cs:lnRef idx="0">
+      <cs:styleClr val="auto"/>
+    </cs:lnRef>
+    <cs:fillRef idx="0"/>
+    <cs:effectRef idx="0"/>
+    <cs:fontRef idx="minor">
+      <a:schemeClr val="tx2"/>
+    </cs:fontRef>
+    <cs:spPr>
+      <a:ln w="19050" cap="rnd">
+        <a:solidFill>
+          <a:schemeClr val="phClr"/>
+        </a:solidFill>
+        <a:prstDash val="sysDash"/>
+      </a:ln>
+    </cs:spPr>
+  </cs:trendline>
+  <cs:trendlineLabel>
+    <cs:lnRef idx="0"/>
+    <cs:fillRef idx="0"/>
+    <cs:effectRef idx="0"/>
+    <cs:fontRef idx="minor">
+      <a:schemeClr val="tx2"/>
+    </cs:fontRef>
+    <cs:defRPr sz="1197" kern="1200"/>
+  </cs:trendlineLabel>
+  <cs:upBar>
+    <cs:lnRef idx="0"/>
+    <cs:fillRef idx="0"/>
+    <cs:effectRef idx="0"/>
+    <cs:fontRef idx="minor">
+      <a:schemeClr val="tx2"/>
+    </cs:fontRef>
+    <cs:spPr>
+      <a:solidFill>
+        <a:schemeClr val="lt1"/>
+      </a:solidFill>
+      <a:ln w="9525">
+        <a:solidFill>
+          <a:schemeClr val="tx1">
+            <a:lumMod val="15000"/>
+            <a:lumOff val="85000"/>
+          </a:schemeClr>
+        </a:solidFill>
+      </a:ln>
+    </cs:spPr>
+  </cs:upBar>
+  <cs:valueAxis>
+    <cs:lnRef idx="0"/>
+    <cs:fillRef idx="0"/>
+    <cs:effectRef idx="0"/>
+    <cs:fontRef idx="minor">
+      <a:schemeClr val="tx2"/>
+    </cs:fontRef>
+    <cs:defRPr sz="1197" kern="1200"/>
+  </cs:valueAxis>
+  <cs:wall>
+    <cs:lnRef idx="0"/>
+    <cs:fillRef idx="0"/>
+    <cs:effectRef idx="0"/>
+    <cs:fontRef idx="minor">
+      <a:schemeClr val="tx2"/>
+    </cs:fontRef>
+  </cs:wall>
+</cs:chartStyle>
+</file>
+
 <file path=ppt/slideLayouts/slideLayout1.xml><?xml version="1.0" encoding="utf-8"?>
 <p:sldLayout xmlns:a="http://schemas.openxmlformats.org/drawingml/2006/main" xmlns:r="http://schemas.openxmlformats.org/officeDocument/2006/relationships" xmlns:p="http://schemas.openxmlformats.org/presentationml/2006/main" type="title" preserve="1">
   <p:cSld name="Title Slide">
@@ -8853,36 +8758,6 @@
           </a:p>
         </p:txBody>
       </p:sp>
-      <p:graphicFrame>
-        <p:nvGraphicFramePr>
-          <p:cNvPr id="9" name="Chart 8">
-            <a:extLst>
-              <a:ext uri="{FF2B5EF4-FFF2-40B4-BE49-F238E27FC236}">
-                <a16:creationId xmlns:a16="http://schemas.microsoft.com/office/drawing/2014/main" id="{1807A904-B80A-49C9-B26D-575A85CDE0ED}"/>
-              </a:ext>
-            </a:extLst>
-          </p:cNvPr>
-          <p:cNvGraphicFramePr>
-            <a:graphicFrameLocks/>
-          </p:cNvGraphicFramePr>
-          <p:nvPr>
-            <p:extLst>
-              <p:ext uri="{D42A27DB-BD31-4B8C-83A1-F6EECF244321}">
-                <p14:modId xmlns:p14="http://schemas.microsoft.com/office/powerpoint/2010/main" val="3824344123"/>
-              </p:ext>
-            </p:extLst>
-          </p:nvPr>
-        </p:nvGraphicFramePr>
-        <p:xfrm>
-          <a:off x="2240729" y="31248032"/>
-          <a:ext cx="17324935" cy="9769852"/>
-        </p:xfrm>
-        <a:graphic>
-          <a:graphicData uri="http://schemas.openxmlformats.org/drawingml/2006/chart">
-            <c:chart xmlns:c="http://schemas.openxmlformats.org/drawingml/2006/chart" xmlns:r="http://schemas.openxmlformats.org/officeDocument/2006/relationships" r:id="rId2"/>
-          </a:graphicData>
-        </a:graphic>
-      </p:graphicFrame>
     </p:spTree>
     <p:extLst>
       <p:ext uri="{BB962C8B-B14F-4D97-AF65-F5344CB8AC3E}">
@@ -8971,7 +8846,7 @@
         </p:nvSpPr>
         <p:spPr>
           <a:xfrm>
-            <a:off x="1409700" y="6831106"/>
+            <a:off x="1409700" y="6353397"/>
             <a:ext cx="27432000" cy="34677258"/>
           </a:xfrm>
           <a:prstGeom prst="rect">
@@ -9108,15 +8983,26 @@
         <p:spPr>
           <a:xfrm>
             <a:off x="2368104" y="7207466"/>
-            <a:ext cx="12321287" cy="2800767"/>
+            <a:ext cx="12321287" cy="2985433"/>
           </a:xfrm>
           <a:prstGeom prst="rect">
             <a:avLst/>
           </a:prstGeom>
-          <a:solidFill>
-            <a:schemeClr val="bg2"/>
-          </a:solidFill>
         </p:spPr>
+        <p:style>
+          <a:lnRef idx="2">
+            <a:schemeClr val="dk1"/>
+          </a:lnRef>
+          <a:fillRef idx="1">
+            <a:schemeClr val="lt1"/>
+          </a:fillRef>
+          <a:effectRef idx="0">
+            <a:schemeClr val="dk1"/>
+          </a:effectRef>
+          <a:fontRef idx="minor">
+            <a:schemeClr val="dk1"/>
+          </a:fontRef>
+        </p:style>
         <p:txBody>
           <a:bodyPr wrap="square" rtlCol="0">
             <a:spAutoFit/>
@@ -9129,12 +9015,16 @@
               </a:lnSpc>
             </a:pPr>
             <a:r>
-              <a:rPr lang="en-US" sz="3200" dirty="0">
+              <a:rPr lang="en-US" sz="4000" dirty="0">
                 <a:latin typeface="Berlin Sans FB Demi" panose="020E0802020502020306" pitchFamily="34" charset="0"/>
                 <a:cs typeface="Times New Roman" panose="02020603050405020304" pitchFamily="18" charset="0"/>
               </a:rPr>
               <a:t>Introduction</a:t>
             </a:r>
+            <a:endParaRPr lang="en-US" sz="3200" dirty="0">
+              <a:latin typeface="Berlin Sans FB Demi" panose="020E0802020502020306" pitchFamily="34" charset="0"/>
+              <a:cs typeface="Times New Roman" panose="02020603050405020304" pitchFamily="18" charset="0"/>
+            </a:endParaRPr>
           </a:p>
           <a:p>
             <a:pPr algn="just"/>
@@ -9181,15 +9071,26 @@
         <p:spPr>
           <a:xfrm>
             <a:off x="15930167" y="7207466"/>
-            <a:ext cx="12321287" cy="2800767"/>
+            <a:ext cx="12321287" cy="2985433"/>
           </a:xfrm>
           <a:prstGeom prst="rect">
             <a:avLst/>
           </a:prstGeom>
-          <a:solidFill>
-            <a:schemeClr val="bg2"/>
-          </a:solidFill>
         </p:spPr>
+        <p:style>
+          <a:lnRef idx="2">
+            <a:schemeClr val="dk1"/>
+          </a:lnRef>
+          <a:fillRef idx="1">
+            <a:schemeClr val="lt1"/>
+          </a:fillRef>
+          <a:effectRef idx="0">
+            <a:schemeClr val="dk1"/>
+          </a:effectRef>
+          <a:fontRef idx="minor">
+            <a:schemeClr val="dk1"/>
+          </a:fontRef>
+        </p:style>
         <p:txBody>
           <a:bodyPr wrap="square" rtlCol="0">
             <a:spAutoFit/>
@@ -9202,7 +9103,7 @@
               </a:lnSpc>
             </a:pPr>
             <a:r>
-              <a:rPr lang="en-US" sz="3200" dirty="0">
+              <a:rPr lang="en-US" sz="4000" dirty="0">
                 <a:latin typeface="Berlin Sans FB Demi" panose="020E0802020502020306" pitchFamily="34" charset="0"/>
                 <a:cs typeface="Times New Roman" panose="02020603050405020304" pitchFamily="18" charset="0"/>
               </a:rPr>
@@ -9295,7 +9196,7 @@
         </p:nvSpPr>
         <p:spPr>
           <a:xfrm>
-            <a:off x="4445025" y="9841252"/>
+            <a:off x="4445025" y="9948640"/>
             <a:ext cx="21385161" cy="1323439"/>
           </a:xfrm>
           <a:prstGeom prst="rect">
@@ -9333,7 +9234,7 @@
         </p:nvCxnSpPr>
         <p:spPr>
           <a:xfrm rot="16200000" flipH="1">
-            <a:off x="18408817" y="7893480"/>
+            <a:off x="18408817" y="8000868"/>
             <a:ext cx="968188" cy="7510610"/>
           </a:xfrm>
           <a:prstGeom prst="curvedConnector3">
@@ -9372,7 +9273,7 @@
         </p:nvCxnSpPr>
         <p:spPr>
           <a:xfrm rot="5400000">
-            <a:off x="10918453" y="7919582"/>
+            <a:off x="10918453" y="8026970"/>
             <a:ext cx="974045" cy="7464263"/>
           </a:xfrm>
           <a:prstGeom prst="curvedConnector3">
@@ -9408,7 +9309,7 @@
         </p:nvSpPr>
         <p:spPr>
           <a:xfrm>
-            <a:off x="19855544" y="19729662"/>
+            <a:off x="19350938" y="19697706"/>
             <a:ext cx="8556170" cy="2669584"/>
           </a:xfrm>
           <a:prstGeom prst="borderCallout2">
@@ -9421,55 +9322,20 @@
               <a:gd name="adj6" fmla="val -22041"/>
             </a:avLst>
           </a:prstGeom>
-          <a:solidFill>
-            <a:schemeClr val="bg2"/>
-          </a:solidFill>
-          <a:ln>
-            <a:gradFill>
-              <a:gsLst>
-                <a:gs pos="0">
-                  <a:schemeClr val="accent1">
-                    <a:lumMod val="5000"/>
-                    <a:lumOff val="95000"/>
-                  </a:schemeClr>
-                </a:gs>
-                <a:gs pos="74000">
-                  <a:schemeClr val="accent1">
-                    <a:lumMod val="45000"/>
-                    <a:lumOff val="55000"/>
-                  </a:schemeClr>
-                </a:gs>
-                <a:gs pos="83000">
-                  <a:schemeClr val="accent1">
-                    <a:lumMod val="45000"/>
-                    <a:lumOff val="55000"/>
-                  </a:schemeClr>
-                </a:gs>
-                <a:gs pos="100000">
-                  <a:schemeClr val="accent1">
-                    <a:lumMod val="30000"/>
-                    <a:lumOff val="70000"/>
-                  </a:schemeClr>
-                </a:gs>
-              </a:gsLst>
-              <a:lin ang="5400000" scaled="1"/>
-            </a:gradFill>
-          </a:ln>
+          <a:ln/>
         </p:spPr>
         <p:style>
           <a:lnRef idx="2">
-            <a:schemeClr val="accent1">
-              <a:shade val="50000"/>
-            </a:schemeClr>
+            <a:schemeClr val="dk1"/>
           </a:lnRef>
           <a:fillRef idx="1">
-            <a:schemeClr val="accent1"/>
+            <a:schemeClr val="lt1"/>
           </a:fillRef>
           <a:effectRef idx="0">
-            <a:schemeClr val="accent1"/>
+            <a:schemeClr val="dk1"/>
           </a:effectRef>
           <a:fontRef idx="minor">
-            <a:schemeClr val="lt1"/>
+            <a:schemeClr val="dk1"/>
           </a:fontRef>
         </p:style>
         <p:txBody>
@@ -9478,7 +9344,7 @@
           <a:p>
             <a:pPr algn="ctr"/>
             <a:r>
-              <a:rPr lang="en-US" sz="2800" dirty="0">
+              <a:rPr lang="en-US" sz="3200" dirty="0">
                 <a:solidFill>
                   <a:schemeClr val="tx1"/>
                 </a:solidFill>
@@ -9486,7 +9352,7 @@
               </a:rPr>
               <a:t>This is perhaps the only bet that has the highest percentage of accuracy. This means that if Man City or Liverpool plays in the English Premier League, then with the highest probability these teams will score a goal.</a:t>
             </a:r>
-            <a:endParaRPr lang="et-EE" sz="2800" dirty="0">
+            <a:endParaRPr lang="et-EE" sz="3200" dirty="0">
               <a:solidFill>
                 <a:schemeClr val="tx1"/>
               </a:solidFill>
@@ -9510,13 +9376,13 @@
           <p:nvPr>
             <p:extLst>
               <p:ext uri="{D42A27DB-BD31-4B8C-83A1-F6EECF244321}">
-                <p14:modId xmlns:p14="http://schemas.microsoft.com/office/powerpoint/2010/main" val="432405510"/>
+                <p14:modId xmlns:p14="http://schemas.microsoft.com/office/powerpoint/2010/main" val="3975263493"/>
               </p:ext>
             </p:extLst>
           </p:nvPr>
         </p:nvGraphicFramePr>
         <p:xfrm>
-          <a:off x="15585821" y="12159052"/>
+          <a:off x="15585821" y="12341155"/>
           <a:ext cx="12321287" cy="6932547"/>
         </p:xfrm>
         <a:graphic>
@@ -9540,13 +9406,13 @@
           <p:nvPr>
             <p:extLst>
               <p:ext uri="{D42A27DB-BD31-4B8C-83A1-F6EECF244321}">
-                <p14:modId xmlns:p14="http://schemas.microsoft.com/office/powerpoint/2010/main" val="1501205082"/>
+                <p14:modId xmlns:p14="http://schemas.microsoft.com/office/powerpoint/2010/main" val="171009623"/>
               </p:ext>
             </p:extLst>
           </p:nvPr>
         </p:nvGraphicFramePr>
         <p:xfrm>
-          <a:off x="2368104" y="12159051"/>
+          <a:off x="2361992" y="12341155"/>
           <a:ext cx="12339515" cy="15626910"/>
         </p:xfrm>
         <a:graphic>
@@ -9555,6 +9421,150 @@
           </a:graphicData>
         </a:graphic>
       </p:graphicFrame>
+      <p:graphicFrame>
+        <p:nvGraphicFramePr>
+          <p:cNvPr id="26" name="Chart 25">
+            <a:extLst>
+              <a:ext uri="{FF2B5EF4-FFF2-40B4-BE49-F238E27FC236}">
+                <a16:creationId xmlns:a16="http://schemas.microsoft.com/office/drawing/2014/main" id="{7FA7E257-E7B2-43F7-AFC1-07A528DB7070}"/>
+              </a:ext>
+            </a:extLst>
+          </p:cNvPr>
+          <p:cNvGraphicFramePr>
+            <a:graphicFrameLocks/>
+          </p:cNvGraphicFramePr>
+          <p:nvPr>
+            <p:extLst>
+              <p:ext uri="{D42A27DB-BD31-4B8C-83A1-F6EECF244321}">
+                <p14:modId xmlns:p14="http://schemas.microsoft.com/office/powerpoint/2010/main" val="96761031"/>
+              </p:ext>
+            </p:extLst>
+          </p:nvPr>
+        </p:nvGraphicFramePr>
+        <p:xfrm>
+          <a:off x="2361992" y="28780321"/>
+          <a:ext cx="17324935" cy="9769852"/>
+        </p:xfrm>
+        <a:graphic>
+          <a:graphicData uri="http://schemas.openxmlformats.org/drawingml/2006/chart">
+            <c:chart xmlns:c="http://schemas.openxmlformats.org/drawingml/2006/chart" xmlns:r="http://schemas.openxmlformats.org/officeDocument/2006/relationships" r:id="rId4"/>
+          </a:graphicData>
+        </a:graphic>
+      </p:graphicFrame>
+      <p:sp>
+        <p:nvSpPr>
+          <p:cNvPr id="27" name="Joonviiktekst 2 32">
+            <a:extLst>
+              <a:ext uri="{FF2B5EF4-FFF2-40B4-BE49-F238E27FC236}">
+                <a16:creationId xmlns:a16="http://schemas.microsoft.com/office/drawing/2014/main" id="{9F522E98-DD21-442B-8727-99598732CC8D}"/>
+              </a:ext>
+            </a:extLst>
+          </p:cNvPr>
+          <p:cNvSpPr/>
+          <p:nvPr/>
+        </p:nvSpPr>
+        <p:spPr>
+          <a:xfrm>
+            <a:off x="6312309" y="38939300"/>
+            <a:ext cx="13374617" cy="1648261"/>
+          </a:xfrm>
+          <a:prstGeom prst="borderCallout2">
+            <a:avLst>
+              <a:gd name="adj1" fmla="val 18750"/>
+              <a:gd name="adj2" fmla="val -2052"/>
+              <a:gd name="adj3" fmla="val 18750"/>
+              <a:gd name="adj4" fmla="val -16667"/>
+              <a:gd name="adj5" fmla="val -9526"/>
+              <a:gd name="adj6" fmla="val -22041"/>
+            </a:avLst>
+          </a:prstGeom>
+          <a:ln/>
+        </p:spPr>
+        <p:style>
+          <a:lnRef idx="2">
+            <a:schemeClr val="dk1"/>
+          </a:lnRef>
+          <a:fillRef idx="1">
+            <a:schemeClr val="lt1"/>
+          </a:fillRef>
+          <a:effectRef idx="0">
+            <a:schemeClr val="dk1"/>
+          </a:effectRef>
+          <a:fontRef idx="minor">
+            <a:schemeClr val="dk1"/>
+          </a:fontRef>
+        </p:style>
+        <p:txBody>
+          <a:bodyPr rtlCol="0" anchor="ctr"/>
+          <a:lstStyle/>
+          <a:p>
+            <a:pPr algn="ctr"/>
+            <a:r>
+              <a:rPr lang="en-US" sz="3200" dirty="0">
+                <a:solidFill>
+                  <a:schemeClr val="tx1"/>
+                </a:solidFill>
+                <a:latin typeface="Berlin Sans FB" panose="020E0602020502020306" pitchFamily="34" charset="0"/>
+                <a:cs typeface="Times New Roman" panose="02020603050405020304" pitchFamily="18" charset="0"/>
+              </a:rPr>
+              <a:t>We used from 2015 to 19 England Premier data to train our model, that we used to try to predict current season match outcome.</a:t>
+            </a:r>
+          </a:p>
+        </p:txBody>
+      </p:sp>
+      <p:sp>
+        <p:nvSpPr>
+          <p:cNvPr id="20" name="TextBox 19">
+            <a:extLst>
+              <a:ext uri="{FF2B5EF4-FFF2-40B4-BE49-F238E27FC236}">
+                <a16:creationId xmlns:a16="http://schemas.microsoft.com/office/drawing/2014/main" id="{71E58410-5642-4589-AFC6-6A69E654D90D}"/>
+              </a:ext>
+            </a:extLst>
+          </p:cNvPr>
+          <p:cNvSpPr txBox="1"/>
+          <p:nvPr/>
+        </p:nvSpPr>
+        <p:spPr>
+          <a:xfrm>
+            <a:off x="15573707" y="22756417"/>
+            <a:ext cx="12333401" cy="4647426"/>
+          </a:xfrm>
+          <a:prstGeom prst="rect">
+            <a:avLst/>
+          </a:prstGeom>
+          <a:solidFill>
+            <a:schemeClr val="bg1"/>
+          </a:solidFill>
+        </p:spPr>
+        <p:txBody>
+          <a:bodyPr wrap="square" rtlCol="0">
+            <a:spAutoFit/>
+          </a:bodyPr>
+          <a:lstStyle/>
+          <a:p>
+            <a:pPr algn="ctr"/>
+            <a:r>
+              <a:rPr lang="en-US" sz="4000" b="1" dirty="0">
+                <a:latin typeface="Berlin Sans FB" panose="020E0602020502020306" pitchFamily="34" charset="0"/>
+              </a:rPr>
+              <a:t>Data</a:t>
+            </a:r>
+            <a:endParaRPr lang="en-US" sz="3200" dirty="0">
+              <a:latin typeface="Berlin Sans FB" panose="020E0602020502020306" pitchFamily="34" charset="0"/>
+            </a:endParaRPr>
+          </a:p>
+          <a:p>
+            <a:pPr algn="just"/>
+            <a:r>
+              <a:rPr lang="en-US" sz="3200" dirty="0">
+                <a:latin typeface="Berlin Sans FB" panose="020E0602020502020306" pitchFamily="34" charset="0"/>
+                <a:cs typeface="Times New Roman" panose="02020603050405020304" pitchFamily="18" charset="0"/>
+              </a:rPr>
+              <a:t>For data preparation, we dropped quite a few columns. For example, there were different bookmakers, who gave their coefficient on who would win. We only left one bookmaker as every bookmaker coefficient was very similar (difference in 0.1 decimal). The data itself was gotten from football-data.co.uk/ website. The gathered data from sources such as BBC, ESPN Soccer, Bundesliga.de, Gazzetta.it and Football.fr and the match coefficient taken for weekend games are collected Friday afternoons, and on Tuesday afternoons for midweek games.</a:t>
+            </a:r>
+          </a:p>
+        </p:txBody>
+      </p:sp>
     </p:spTree>
     <p:extLst>
       <p:ext uri="{BB962C8B-B14F-4D97-AF65-F5344CB8AC3E}">

--- a/poster.pptx
+++ b/poster.pptx
@@ -127,7 +127,7 @@
 <file path=ppt/charts/chart1.xml><?xml version="1.0" encoding="utf-8"?>
 <c:chartSpace xmlns:c="http://schemas.openxmlformats.org/drawingml/2006/chart" xmlns:a="http://schemas.openxmlformats.org/drawingml/2006/main" xmlns:r="http://schemas.openxmlformats.org/officeDocument/2006/relationships" xmlns:c16r2="http://schemas.microsoft.com/office/drawing/2015/06/chart">
   <c:date1904 val="0"/>
-  <c:lang val="en-US"/>
+  <c:lang val="et-EE"/>
   <c:roundedCorners val="0"/>
   <mc:AlternateContent xmlns:mc="http://schemas.openxmlformats.org/markup-compatibility/2006">
     <mc:Choice xmlns:c14="http://schemas.microsoft.com/office/drawing/2007/8/2/chart" Requires="c14">
@@ -177,6 +177,7 @@
           </a:p>
         </c:rich>
       </c:tx>
+      <c:layout/>
       <c:overlay val="0"/>
       <c:spPr>
         <a:noFill/>
@@ -202,7 +203,7 @@
               <a:cs typeface="+mn-cs"/>
             </a:defRPr>
           </a:pPr>
-          <a:endParaRPr lang="en-US"/>
+          <a:endParaRPr lang="et-EE"/>
         </a:p>
       </c:txPr>
     </c:title>
@@ -264,7 +265,7 @@
                     <a:cs typeface="+mn-cs"/>
                   </a:defRPr>
                 </a:pPr>
-                <a:endParaRPr lang="en-US"/>
+                <a:endParaRPr lang="et-EE"/>
               </a:p>
             </c:txPr>
             <c:showLegendKey val="0"/>
@@ -276,6 +277,7 @@
             <c:showLeaderLines val="0"/>
             <c:extLst>
               <c:ext xmlns:c15="http://schemas.microsoft.com/office/drawing/2012/chart" uri="{CE6537A1-D6FC-4f65-9D91-7224C49458BB}">
+                <c15:layout/>
                 <c15:showLeaderLines val="1"/>
                 <c15:leaderLines>
                   <c:spPr>
@@ -398,7 +400,7 @@
                     <a:cs typeface="+mn-cs"/>
                   </a:defRPr>
                 </a:pPr>
-                <a:endParaRPr lang="en-US"/>
+                <a:endParaRPr lang="et-EE"/>
               </a:p>
             </c:txPr>
             <c:showLegendKey val="0"/>
@@ -410,6 +412,7 @@
             <c:showLeaderLines val="0"/>
             <c:extLst>
               <c:ext xmlns:c15="http://schemas.microsoft.com/office/drawing/2012/chart" uri="{CE6537A1-D6FC-4f65-9D91-7224C49458BB}">
+                <c15:layout/>
                 <c15:showLeaderLines val="1"/>
                 <c15:leaderLines>
                   <c:spPr>
@@ -535,7 +538,7 @@
                 <a:cs typeface="+mn-cs"/>
               </a:defRPr>
             </a:pPr>
-            <a:endParaRPr lang="en-US"/>
+            <a:endParaRPr lang="et-EE"/>
           </a:p>
         </c:txPr>
         <c:crossAx val="454407592"/>
@@ -594,7 +597,7 @@
                 <a:cs typeface="+mn-cs"/>
               </a:defRPr>
             </a:pPr>
-            <a:endParaRPr lang="en-US"/>
+            <a:endParaRPr lang="et-EE"/>
           </a:p>
         </c:txPr>
         <c:crossAx val="454401688"/>
@@ -611,6 +614,7 @@
     </c:plotArea>
     <c:legend>
       <c:legendPos val="b"/>
+      <c:layout/>
       <c:overlay val="0"/>
       <c:spPr>
         <a:noFill/>
@@ -636,7 +640,7 @@
               <a:cs typeface="+mn-cs"/>
             </a:defRPr>
           </a:pPr>
-          <a:endParaRPr lang="en-US"/>
+          <a:endParaRPr lang="et-EE"/>
         </a:p>
       </c:txPr>
     </c:legend>
@@ -660,7 +664,7 @@
       <a:pPr>
         <a:defRPr/>
       </a:pPr>
-      <a:endParaRPr lang="en-US"/>
+      <a:endParaRPr lang="et-EE"/>
     </a:p>
   </c:txPr>
   <c:externalData r:id="rId3">
@@ -672,7 +676,7 @@
 <file path=ppt/charts/chart2.xml><?xml version="1.0" encoding="utf-8"?>
 <c:chartSpace xmlns:c="http://schemas.openxmlformats.org/drawingml/2006/chart" xmlns:a="http://schemas.openxmlformats.org/drawingml/2006/main" xmlns:r="http://schemas.openxmlformats.org/officeDocument/2006/relationships" xmlns:c16r2="http://schemas.microsoft.com/office/drawing/2015/06/chart">
   <c:date1904 val="0"/>
-  <c:lang val="en-US"/>
+  <c:lang val="et-EE"/>
   <c:roundedCorners val="0"/>
   <mc:AlternateContent xmlns:mc="http://schemas.openxmlformats.org/markup-compatibility/2006">
     <mc:Choice xmlns:c14="http://schemas.microsoft.com/office/drawing/2007/8/2/chart" Requires="c14">
@@ -706,6 +710,7 @@
           </a:p>
         </c:rich>
       </c:tx>
+      <c:layout/>
       <c:overlay val="0"/>
       <c:spPr>
         <a:noFill/>
@@ -728,7 +733,7 @@
               <a:cs typeface="+mn-cs"/>
             </a:defRPr>
           </a:pPr>
-          <a:endParaRPr lang="en-US"/>
+          <a:endParaRPr lang="et-EE"/>
         </a:p>
       </c:txPr>
     </c:title>
@@ -2304,7 +2309,7 @@
                 <a:cs typeface="+mn-cs"/>
               </a:defRPr>
             </a:pPr>
-            <a:endParaRPr lang="en-US"/>
+            <a:endParaRPr lang="et-EE"/>
           </a:p>
         </c:txPr>
         <c:crossAx val="655870160"/>
@@ -2358,6 +2363,7 @@
               </a:p>
             </c:rich>
           </c:tx>
+          <c:layout/>
           <c:overlay val="0"/>
           <c:spPr>
             <a:noFill/>
@@ -2380,7 +2386,7 @@
                   <a:cs typeface="+mn-cs"/>
                 </a:defRPr>
               </a:pPr>
-              <a:endParaRPr lang="en-US"/>
+              <a:endParaRPr lang="et-EE"/>
             </a:p>
           </c:txPr>
         </c:title>
@@ -2409,7 +2415,7 @@
                 <a:cs typeface="+mn-cs"/>
               </a:defRPr>
             </a:pPr>
-            <a:endParaRPr lang="en-US"/>
+            <a:endParaRPr lang="et-EE"/>
           </a:p>
         </c:txPr>
         <c:crossAx val="655869504"/>
@@ -2448,6 +2454,7 @@
               </a:p>
             </c:rich>
           </c:tx>
+          <c:layout/>
           <c:overlay val="0"/>
           <c:spPr>
             <a:noFill/>
@@ -2470,7 +2477,7 @@
                   <a:cs typeface="+mn-cs"/>
                 </a:defRPr>
               </a:pPr>
-              <a:endParaRPr lang="en-US"/>
+              <a:endParaRPr lang="et-EE"/>
             </a:p>
           </c:txPr>
         </c:title>
@@ -2499,7 +2506,7 @@
                 <a:cs typeface="+mn-cs"/>
               </a:defRPr>
             </a:pPr>
-            <a:endParaRPr lang="en-US"/>
+            <a:endParaRPr lang="et-EE"/>
           </a:p>
         </c:txPr>
         <c:crossAx val="584572856"/>
@@ -2556,7 +2563,7 @@
                 <a:cs typeface="+mn-cs"/>
               </a:defRPr>
             </a:pPr>
-            <a:endParaRPr lang="en-US"/>
+            <a:endParaRPr lang="et-EE"/>
           </a:p>
         </c:txPr>
       </c:dTable>
@@ -2642,7 +2649,7 @@
           </a:solidFill>
         </a:defRPr>
       </a:pPr>
-      <a:endParaRPr lang="en-US"/>
+      <a:endParaRPr lang="et-EE"/>
     </a:p>
   </c:txPr>
   <c:externalData r:id="rId3">
@@ -2654,7 +2661,7 @@
 <file path=ppt/charts/chart3.xml><?xml version="1.0" encoding="utf-8"?>
 <c:chartSpace xmlns:c="http://schemas.openxmlformats.org/drawingml/2006/chart" xmlns:a="http://schemas.openxmlformats.org/drawingml/2006/main" xmlns:r="http://schemas.openxmlformats.org/officeDocument/2006/relationships" xmlns:c16r2="http://schemas.microsoft.com/office/drawing/2015/06/chart">
   <c:date1904 val="0"/>
-  <c:lang val="en-US"/>
+  <c:lang val="et-EE"/>
   <c:roundedCorners val="0"/>
   <mc:AlternateContent xmlns:mc="http://schemas.openxmlformats.org/markup-compatibility/2006">
     <mc:Choice xmlns:c14="http://schemas.microsoft.com/office/drawing/2007/8/2/chart" Requires="c14">
@@ -2691,6 +2698,7 @@
           </a:p>
         </c:rich>
       </c:tx>
+      <c:layout/>
       <c:overlay val="0"/>
       <c:spPr>
         <a:noFill/>
@@ -2713,7 +2721,7 @@
               <a:cs typeface="+mn-cs"/>
             </a:defRPr>
           </a:pPr>
-          <a:endParaRPr lang="en-US"/>
+          <a:endParaRPr lang="et-EE"/>
         </a:p>
       </c:txPr>
     </c:title>
@@ -2795,7 +2803,7 @@
                     <a:cs typeface="+mn-cs"/>
                   </a:defRPr>
                 </a:pPr>
-                <a:endParaRPr lang="en-US"/>
+                <a:endParaRPr lang="et-EE"/>
               </a:p>
             </c:txPr>
             <c:dLblPos val="inEnd"/>
@@ -2808,6 +2816,7 @@
             <c:showLeaderLines val="0"/>
             <c:extLst>
               <c:ext xmlns:c15="http://schemas.microsoft.com/office/drawing/2012/chart" uri="{CE6537A1-D6FC-4f65-9D91-7224C49458BB}">
+                <c15:layout/>
                 <c15:showLeaderLines val="1"/>
                 <c15:leaderLines>
                   <c:spPr>
@@ -3039,7 +3048,7 @@
                     <a:cs typeface="+mn-cs"/>
                   </a:defRPr>
                 </a:pPr>
-                <a:endParaRPr lang="en-US"/>
+                <a:endParaRPr lang="et-EE"/>
               </a:p>
             </c:txPr>
             <c:dLblPos val="inEnd"/>
@@ -3052,6 +3061,7 @@
             <c:showLeaderLines val="0"/>
             <c:extLst>
               <c:ext xmlns:c15="http://schemas.microsoft.com/office/drawing/2012/chart" uri="{CE6537A1-D6FC-4f65-9D91-7224C49458BB}">
+                <c15:layout/>
                 <c15:showLeaderLines val="1"/>
                 <c15:leaderLines>
                   <c:spPr>
@@ -3264,7 +3274,7 @@
                 <a:cs typeface="+mn-cs"/>
               </a:defRPr>
             </a:pPr>
-            <a:endParaRPr lang="en-US"/>
+            <a:endParaRPr lang="et-EE"/>
           </a:p>
         </c:txPr>
         <c:crossAx val="454564000"/>
@@ -3320,7 +3330,7 @@
                 <a:cs typeface="+mn-cs"/>
               </a:defRPr>
             </a:pPr>
-            <a:endParaRPr lang="en-US"/>
+            <a:endParaRPr lang="et-EE"/>
           </a:p>
         </c:txPr>
         <c:crossAx val="454559080"/>
@@ -3337,6 +3347,7 @@
     </c:plotArea>
     <c:legend>
       <c:legendPos val="b"/>
+      <c:layout/>
       <c:overlay val="0"/>
       <c:spPr>
         <a:noFill/>
@@ -3359,12 +3370,13 @@
               <a:cs typeface="+mn-cs"/>
             </a:defRPr>
           </a:pPr>
-          <a:endParaRPr lang="en-US"/>
+          <a:endParaRPr lang="et-EE"/>
         </a:p>
       </c:txPr>
     </c:legend>
     <c:plotVisOnly val="1"/>
     <c:dispBlanksAs val="gap"/>
+    <c:showDLblsOverMax val="0"/>
     <c:extLst>
       <c:ext xmlns:c16r3="http://schemas.microsoft.com/office/drawing/2017/03/chart" uri="{56B9EC1D-385E-4148-901F-78D8002777C0}">
         <c16r3:dataDisplayOptions16>
@@ -3372,7 +3384,6 @@
         </c16r3:dataDisplayOptions16>
       </c:ext>
     </c:extLst>
-    <c:showDLblsOverMax val="0"/>
   </c:chart>
   <c:spPr>
     <a:solidFill>
@@ -3390,7 +3401,7 @@
       <a:pPr>
         <a:defRPr/>
       </a:pPr>
-      <a:endParaRPr lang="en-US"/>
+      <a:endParaRPr lang="et-EE"/>
     </a:p>
   </c:txPr>
   <c:externalData r:id="rId3">
@@ -5140,7 +5151,7 @@
           <a:p>
             <a:fld id="{FF02F886-A6EC-4A2D-B279-21243BFE44BC}" type="datetimeFigureOut">
               <a:rPr lang="en-US" smtClean="0"/>
-              <a:t>15-Dec-19</a:t>
+              <a:t>12/15/2019</a:t>
             </a:fld>
             <a:endParaRPr lang="en-US"/>
           </a:p>
@@ -5338,7 +5349,7 @@
           <a:p>
             <a:fld id="{FF02F886-A6EC-4A2D-B279-21243BFE44BC}" type="datetimeFigureOut">
               <a:rPr lang="en-US" smtClean="0"/>
-              <a:t>15-Dec-19</a:t>
+              <a:t>12/15/2019</a:t>
             </a:fld>
             <a:endParaRPr lang="en-US"/>
           </a:p>
@@ -5546,7 +5557,7 @@
           <a:p>
             <a:fld id="{FF02F886-A6EC-4A2D-B279-21243BFE44BC}" type="datetimeFigureOut">
               <a:rPr lang="en-US" smtClean="0"/>
-              <a:t>15-Dec-19</a:t>
+              <a:t>12/15/2019</a:t>
             </a:fld>
             <a:endParaRPr lang="en-US"/>
           </a:p>
@@ -5744,7 +5755,7 @@
           <a:p>
             <a:fld id="{FF02F886-A6EC-4A2D-B279-21243BFE44BC}" type="datetimeFigureOut">
               <a:rPr lang="en-US" smtClean="0"/>
-              <a:t>15-Dec-19</a:t>
+              <a:t>12/15/2019</a:t>
             </a:fld>
             <a:endParaRPr lang="en-US"/>
           </a:p>
@@ -6019,7 +6030,7 @@
           <a:p>
             <a:fld id="{FF02F886-A6EC-4A2D-B279-21243BFE44BC}" type="datetimeFigureOut">
               <a:rPr lang="en-US" smtClean="0"/>
-              <a:t>15-Dec-19</a:t>
+              <a:t>12/15/2019</a:t>
             </a:fld>
             <a:endParaRPr lang="en-US"/>
           </a:p>
@@ -6284,7 +6295,7 @@
           <a:p>
             <a:fld id="{FF02F886-A6EC-4A2D-B279-21243BFE44BC}" type="datetimeFigureOut">
               <a:rPr lang="en-US" smtClean="0"/>
-              <a:t>15-Dec-19</a:t>
+              <a:t>12/15/2019</a:t>
             </a:fld>
             <a:endParaRPr lang="en-US"/>
           </a:p>
@@ -6696,7 +6707,7 @@
           <a:p>
             <a:fld id="{FF02F886-A6EC-4A2D-B279-21243BFE44BC}" type="datetimeFigureOut">
               <a:rPr lang="en-US" smtClean="0"/>
-              <a:t>15-Dec-19</a:t>
+              <a:t>12/15/2019</a:t>
             </a:fld>
             <a:endParaRPr lang="en-US"/>
           </a:p>
@@ -6837,7 +6848,7 @@
           <a:p>
             <a:fld id="{FF02F886-A6EC-4A2D-B279-21243BFE44BC}" type="datetimeFigureOut">
               <a:rPr lang="en-US" smtClean="0"/>
-              <a:t>15-Dec-19</a:t>
+              <a:t>12/15/2019</a:t>
             </a:fld>
             <a:endParaRPr lang="en-US"/>
           </a:p>
@@ -6950,7 +6961,7 @@
           <a:p>
             <a:fld id="{FF02F886-A6EC-4A2D-B279-21243BFE44BC}" type="datetimeFigureOut">
               <a:rPr lang="en-US" smtClean="0"/>
-              <a:t>15-Dec-19</a:t>
+              <a:t>12/15/2019</a:t>
             </a:fld>
             <a:endParaRPr lang="en-US"/>
           </a:p>
@@ -7261,7 +7272,7 @@
           <a:p>
             <a:fld id="{FF02F886-A6EC-4A2D-B279-21243BFE44BC}" type="datetimeFigureOut">
               <a:rPr lang="en-US" smtClean="0"/>
-              <a:t>15-Dec-19</a:t>
+              <a:t>12/15/2019</a:t>
             </a:fld>
             <a:endParaRPr lang="en-US"/>
           </a:p>
@@ -7549,7 +7560,7 @@
           <a:p>
             <a:fld id="{FF02F886-A6EC-4A2D-B279-21243BFE44BC}" type="datetimeFigureOut">
               <a:rPr lang="en-US" smtClean="0"/>
-              <a:t>15-Dec-19</a:t>
+              <a:t>12/15/2019</a:t>
             </a:fld>
             <a:endParaRPr lang="en-US"/>
           </a:p>
@@ -7790,7 +7801,7 @@
           <a:p>
             <a:fld id="{FF02F886-A6EC-4A2D-B279-21243BFE44BC}" type="datetimeFigureOut">
               <a:rPr lang="en-US" smtClean="0"/>
-              <a:t>15-Dec-19</a:t>
+              <a:t>12/15/2019</a:t>
             </a:fld>
             <a:endParaRPr lang="en-US"/>
           </a:p>
@@ -8982,7 +8993,7 @@
         </p:nvSpPr>
         <p:spPr>
           <a:xfrm>
-            <a:off x="2368104" y="7207466"/>
+            <a:off x="2380220" y="6617949"/>
             <a:ext cx="12321287" cy="2985433"/>
           </a:xfrm>
           <a:prstGeom prst="rect">
@@ -9070,8 +9081,8 @@
         </p:nvSpPr>
         <p:spPr>
           <a:xfrm>
-            <a:off x="15930167" y="7207466"/>
-            <a:ext cx="12321287" cy="2985433"/>
+            <a:off x="15672027" y="6588754"/>
+            <a:ext cx="12235081" cy="2985433"/>
           </a:xfrm>
           <a:prstGeom prst="rect">
             <a:avLst/>
@@ -9196,8 +9207,8 @@
         </p:nvSpPr>
         <p:spPr>
           <a:xfrm>
-            <a:off x="4445025" y="9948640"/>
-            <a:ext cx="21385161" cy="1323439"/>
+            <a:off x="15865722" y="15434624"/>
+            <a:ext cx="12321288" cy="1323439"/>
           </a:xfrm>
           <a:prstGeom prst="rect">
             <a:avLst/>
@@ -9228,56 +9239,18 @@
           <p:cNvPr id="22" name="Kõverkonnektor 21"/>
           <p:cNvCxnSpPr>
             <a:cxnSpLocks/>
-            <a:stCxn id="3" idx="2"/>
           </p:cNvCxnSpPr>
           <p:nvPr/>
         </p:nvCxnSpPr>
         <p:spPr>
           <a:xfrm rot="16200000" flipH="1">
-            <a:off x="18408817" y="8000868"/>
-            <a:ext cx="968188" cy="7510610"/>
+            <a:off x="22162667" y="17278350"/>
+            <a:ext cx="1265698" cy="29495"/>
           </a:xfrm>
           <a:prstGeom prst="curvedConnector3">
-            <a:avLst/>
-          </a:prstGeom>
-          <a:ln w="82550">
-            <a:solidFill>
-              <a:schemeClr val="tx1"/>
-            </a:solidFill>
-            <a:tailEnd type="triangle"/>
-          </a:ln>
-        </p:spPr>
-        <p:style>
-          <a:lnRef idx="1">
-            <a:schemeClr val="accent1"/>
-          </a:lnRef>
-          <a:fillRef idx="0">
-            <a:schemeClr val="accent1"/>
-          </a:fillRef>
-          <a:effectRef idx="0">
-            <a:schemeClr val="accent1"/>
-          </a:effectRef>
-          <a:fontRef idx="minor">
-            <a:schemeClr val="tx1"/>
-          </a:fontRef>
-        </p:style>
-      </p:cxnSp>
-      <p:cxnSp>
-        <p:nvCxnSpPr>
-          <p:cNvPr id="24" name="Kõverkonnektor 23"/>
-          <p:cNvCxnSpPr>
-            <a:cxnSpLocks/>
-            <a:stCxn id="3" idx="2"/>
-          </p:cNvCxnSpPr>
-          <p:nvPr/>
-        </p:nvCxnSpPr>
-        <p:spPr>
-          <a:xfrm rot="5400000">
-            <a:off x="10918453" y="8026970"/>
-            <a:ext cx="974045" cy="7464263"/>
-          </a:xfrm>
-          <a:prstGeom prst="curvedConnector3">
-            <a:avLst/>
+            <a:avLst>
+              <a:gd name="adj1" fmla="val 38348"/>
+            </a:avLst>
           </a:prstGeom>
           <a:ln w="82550">
             <a:solidFill>
@@ -9309,8 +9282,8 @@
         </p:nvSpPr>
         <p:spPr>
           <a:xfrm>
-            <a:off x="19350938" y="19697706"/>
-            <a:ext cx="8556170" cy="2669584"/>
+            <a:off x="19561073" y="25328871"/>
+            <a:ext cx="8795656" cy="2669584"/>
           </a:xfrm>
           <a:prstGeom prst="borderCallout2">
             <a:avLst>
@@ -9376,13 +9349,13 @@
           <p:nvPr>
             <p:extLst>
               <p:ext uri="{D42A27DB-BD31-4B8C-83A1-F6EECF244321}">
-                <p14:modId xmlns:p14="http://schemas.microsoft.com/office/powerpoint/2010/main" val="3975263493"/>
+                <p14:modId xmlns:p14="http://schemas.microsoft.com/office/powerpoint/2010/main" val="883573826"/>
               </p:ext>
             </p:extLst>
           </p:nvPr>
         </p:nvGraphicFramePr>
         <p:xfrm>
-          <a:off x="15585821" y="12341155"/>
+          <a:off x="15865722" y="17966023"/>
           <a:ext cx="12321287" cy="6932547"/>
         </p:xfrm>
         <a:graphic>
@@ -9406,13 +9379,13 @@
           <p:nvPr>
             <p:extLst>
               <p:ext uri="{D42A27DB-BD31-4B8C-83A1-F6EECF244321}">
-                <p14:modId xmlns:p14="http://schemas.microsoft.com/office/powerpoint/2010/main" val="171009623"/>
+                <p14:modId xmlns:p14="http://schemas.microsoft.com/office/powerpoint/2010/main" val="204084706"/>
               </p:ext>
             </p:extLst>
           </p:nvPr>
         </p:nvGraphicFramePr>
         <p:xfrm>
-          <a:off x="2361992" y="12341155"/>
+          <a:off x="2361992" y="9992509"/>
           <a:ext cx="12339515" cy="15626910"/>
         </p:xfrm>
         <a:graphic>
@@ -9436,13 +9409,13 @@
           <p:nvPr>
             <p:extLst>
               <p:ext uri="{D42A27DB-BD31-4B8C-83A1-F6EECF244321}">
-                <p14:modId xmlns:p14="http://schemas.microsoft.com/office/powerpoint/2010/main" val="96761031"/>
+                <p14:modId xmlns:p14="http://schemas.microsoft.com/office/powerpoint/2010/main" val="4062435267"/>
               </p:ext>
             </p:extLst>
           </p:nvPr>
         </p:nvGraphicFramePr>
         <p:xfrm>
-          <a:off x="2361992" y="28780321"/>
+          <a:off x="1826324" y="27231820"/>
           <a:ext cx="17324935" cy="9769852"/>
         </p:xfrm>
         <a:graphic>
@@ -9465,7 +9438,7 @@
         </p:nvSpPr>
         <p:spPr>
           <a:xfrm>
-            <a:off x="6312309" y="38939300"/>
+            <a:off x="5569116" y="37622428"/>
             <a:ext cx="13374617" cy="1648261"/>
           </a:xfrm>
           <a:prstGeom prst="borderCallout2">
@@ -9526,7 +9499,7 @@
         </p:nvSpPr>
         <p:spPr>
           <a:xfrm>
-            <a:off x="15573707" y="22756417"/>
+            <a:off x="15690255" y="10065510"/>
             <a:ext cx="12333401" cy="4647426"/>
           </a:xfrm>
           <a:prstGeom prst="rect">
@@ -9556,15 +9529,498 @@
           <a:p>
             <a:pPr algn="just"/>
             <a:r>
+              <a:rPr lang="en-US" sz="3200" dirty="0" smtClean="0">
+                <a:latin typeface="Berlin Sans FB" panose="020E0602020502020306" pitchFamily="34" charset="0"/>
+                <a:cs typeface="Times New Roman" panose="02020603050405020304" pitchFamily="18" charset="0"/>
+              </a:rPr>
+              <a:t>The data itself was gotten from football-data.co.uk/ website</a:t>
+            </a:r>
+            <a:r>
               <a:rPr lang="en-US" sz="3200" dirty="0">
                 <a:latin typeface="Berlin Sans FB" panose="020E0602020502020306" pitchFamily="34" charset="0"/>
                 <a:cs typeface="Times New Roman" panose="02020603050405020304" pitchFamily="18" charset="0"/>
               </a:rPr>
-              <a:t>For data preparation, we dropped quite a few columns. For example, there were different bookmakers, who gave their coefficient on who would win. We only left one bookmaker as every bookmaker coefficient was very similar (difference in 0.1 decimal). The data itself was gotten from football-data.co.uk/ website. The gathered data from sources such as BBC, ESPN Soccer, Bundesliga.de, Gazzetta.it and Football.fr and the match coefficient taken for weekend games are collected Friday afternoons, and on Tuesday afternoons for midweek games.</a:t>
-            </a:r>
+              <a:t>. We decided to take the data for the last 5 </a:t>
+            </a:r>
+            <a:r>
+              <a:rPr lang="en-US" sz="3200" dirty="0" smtClean="0">
+                <a:latin typeface="Berlin Sans FB" panose="020E0602020502020306" pitchFamily="34" charset="0"/>
+              </a:rPr>
+              <a:t>English Premier League</a:t>
+            </a:r>
+            <a:r>
+              <a:rPr lang="et-EE" sz="3200" dirty="0" smtClean="0">
+                <a:latin typeface="Berlin Sans FB" panose="020E0602020502020306" pitchFamily="34" charset="0"/>
+                <a:cs typeface="Times New Roman" panose="02020603050405020304" pitchFamily="18" charset="0"/>
+              </a:rPr>
+              <a:t> </a:t>
+            </a:r>
+            <a:r>
+              <a:rPr lang="en-US" sz="3200" dirty="0" smtClean="0">
+                <a:latin typeface="Berlin Sans FB" panose="020E0602020502020306" pitchFamily="34" charset="0"/>
+                <a:cs typeface="Times New Roman" panose="02020603050405020304" pitchFamily="18" charset="0"/>
+              </a:rPr>
+              <a:t>seasons </a:t>
+            </a:r>
+            <a:r>
+              <a:rPr lang="en-US" sz="3200" dirty="0">
+                <a:latin typeface="Berlin Sans FB" panose="020E0602020502020306" pitchFamily="34" charset="0"/>
+                <a:cs typeface="Times New Roman" panose="02020603050405020304" pitchFamily="18" charset="0"/>
+              </a:rPr>
+              <a:t>including the </a:t>
+            </a:r>
+            <a:r>
+              <a:rPr lang="en-US" sz="3200" dirty="0" smtClean="0">
+                <a:latin typeface="Berlin Sans FB" panose="020E0602020502020306" pitchFamily="34" charset="0"/>
+                <a:cs typeface="Times New Roman" panose="02020603050405020304" pitchFamily="18" charset="0"/>
+              </a:rPr>
+              <a:t>current</a:t>
+            </a:r>
+            <a:r>
+              <a:rPr lang="ru-RU" sz="3200" dirty="0" smtClean="0">
+                <a:latin typeface="Berlin Sans FB" panose="020E0602020502020306" pitchFamily="34" charset="0"/>
+                <a:cs typeface="Times New Roman" panose="02020603050405020304" pitchFamily="18" charset="0"/>
+              </a:rPr>
+              <a:t>. </a:t>
+            </a:r>
+            <a:r>
+              <a:rPr lang="en-US" sz="3200" dirty="0">
+                <a:latin typeface="Berlin Sans FB" panose="020E0602020502020306" pitchFamily="34" charset="0"/>
+                <a:cs typeface="Times New Roman" panose="02020603050405020304" pitchFamily="18" charset="0"/>
+              </a:rPr>
+              <a:t>we had to drop quite a few columns as they were not needed. For example, there</a:t>
+            </a:r>
+            <a:r>
+              <a:rPr lang="et-EE" sz="3200" dirty="0">
+                <a:latin typeface="Berlin Sans FB" panose="020E0602020502020306" pitchFamily="34" charset="0"/>
+                <a:cs typeface="Times New Roman" panose="02020603050405020304" pitchFamily="18" charset="0"/>
+              </a:rPr>
+              <a:t> </a:t>
+            </a:r>
+            <a:r>
+              <a:rPr lang="en-US" sz="3200" dirty="0">
+                <a:latin typeface="Berlin Sans FB" panose="020E0602020502020306" pitchFamily="34" charset="0"/>
+                <a:cs typeface="Times New Roman" panose="02020603050405020304" pitchFamily="18" charset="0"/>
+              </a:rPr>
+              <a:t>were different bookmakers</a:t>
+            </a:r>
+            <a:r>
+              <a:rPr lang="et-EE" sz="3200" dirty="0">
+                <a:latin typeface="Berlin Sans FB" panose="020E0602020502020306" pitchFamily="34" charset="0"/>
+                <a:cs typeface="Times New Roman" panose="02020603050405020304" pitchFamily="18" charset="0"/>
+              </a:rPr>
+              <a:t>, </a:t>
+            </a:r>
+            <a:r>
+              <a:rPr lang="en-US" sz="3200" dirty="0" smtClean="0">
+                <a:latin typeface="Berlin Sans FB" panose="020E0602020502020306" pitchFamily="34" charset="0"/>
+                <a:cs typeface="Times New Roman" panose="02020603050405020304" pitchFamily="18" charset="0"/>
+              </a:rPr>
+              <a:t>who </a:t>
+            </a:r>
+            <a:r>
+              <a:rPr lang="en-US" sz="3200" dirty="0">
+                <a:latin typeface="Berlin Sans FB" panose="020E0602020502020306" pitchFamily="34" charset="0"/>
+                <a:cs typeface="Times New Roman" panose="02020603050405020304" pitchFamily="18" charset="0"/>
+              </a:rPr>
+              <a:t>gave their coefficient </a:t>
+            </a:r>
+            <a:r>
+              <a:rPr lang="et-EE" sz="3200" dirty="0">
+                <a:latin typeface="Berlin Sans FB" panose="020E0602020502020306" pitchFamily="34" charset="0"/>
+                <a:cs typeface="Times New Roman" panose="02020603050405020304" pitchFamily="18" charset="0"/>
+              </a:rPr>
+              <a:t>on </a:t>
+            </a:r>
+            <a:r>
+              <a:rPr lang="en-US" sz="3200" dirty="0">
+                <a:latin typeface="Berlin Sans FB" panose="020E0602020502020306" pitchFamily="34" charset="0"/>
+                <a:cs typeface="Times New Roman" panose="02020603050405020304" pitchFamily="18" charset="0"/>
+              </a:rPr>
+              <a:t>who would </a:t>
+            </a:r>
+            <a:r>
+              <a:rPr lang="en-US" sz="3200" dirty="0" smtClean="0">
+                <a:latin typeface="Berlin Sans FB" panose="020E0602020502020306" pitchFamily="34" charset="0"/>
+                <a:cs typeface="Times New Roman" panose="02020603050405020304" pitchFamily="18" charset="0"/>
+              </a:rPr>
+              <a:t>win</a:t>
+            </a:r>
+            <a:r>
+              <a:rPr lang="et-EE" sz="3200" dirty="0">
+                <a:latin typeface="Berlin Sans FB" panose="020E0602020502020306" pitchFamily="34" charset="0"/>
+                <a:cs typeface="Times New Roman" panose="02020603050405020304" pitchFamily="18" charset="0"/>
+              </a:rPr>
+              <a:t> </a:t>
+            </a:r>
+            <a:r>
+              <a:rPr lang="en-US" sz="3200" dirty="0">
+                <a:latin typeface="Berlin Sans FB" panose="020E0602020502020306" pitchFamily="34" charset="0"/>
+                <a:cs typeface="Times New Roman" panose="02020603050405020304" pitchFamily="18" charset="0"/>
+              </a:rPr>
+              <a:t>(difference in 0.1 decimal). Unfortunately, the data files did not have any information about the players, so only teams and coefficients were taken into account for prediction</a:t>
+            </a:r>
+            <a:endParaRPr lang="en-US" sz="3200" dirty="0">
+              <a:latin typeface="Berlin Sans FB" panose="020E0602020502020306" pitchFamily="34" charset="0"/>
+              <a:cs typeface="Times New Roman" panose="02020603050405020304" pitchFamily="18" charset="0"/>
+            </a:endParaRPr>
           </a:p>
         </p:txBody>
       </p:sp>
+      <p:sp>
+        <p:nvSpPr>
+          <p:cNvPr id="31" name="TextBox 30"/>
+          <p:cNvSpPr txBox="1"/>
+          <p:nvPr/>
+        </p:nvSpPr>
+        <p:spPr>
+          <a:xfrm>
+            <a:off x="19969316" y="28780321"/>
+            <a:ext cx="8387413" cy="4647426"/>
+          </a:xfrm>
+          <a:prstGeom prst="rect">
+            <a:avLst/>
+          </a:prstGeom>
+          <a:solidFill>
+            <a:schemeClr val="bg1"/>
+          </a:solidFill>
+        </p:spPr>
+        <p:txBody>
+          <a:bodyPr wrap="square" rtlCol="0">
+            <a:spAutoFit/>
+          </a:bodyPr>
+          <a:lstStyle/>
+          <a:p>
+            <a:pPr algn="ctr"/>
+            <a:r>
+              <a:rPr lang="en-US" sz="4000" b="1" dirty="0" smtClean="0">
+                <a:latin typeface="Berlin Sans FB" panose="020E0602020502020306" pitchFamily="34" charset="0"/>
+              </a:rPr>
+              <a:t>Fun facts</a:t>
+            </a:r>
+            <a:endParaRPr lang="et-EE" sz="4000" b="1" dirty="0" smtClean="0">
+              <a:latin typeface="Berlin Sans FB" panose="020E0602020502020306" pitchFamily="34" charset="0"/>
+            </a:endParaRPr>
+          </a:p>
+          <a:p>
+            <a:pPr marL="457200" indent="-457200" algn="just">
+              <a:buClr>
+                <a:schemeClr val="accent6"/>
+              </a:buClr>
+              <a:buFont typeface="Wingdings" panose="05000000000000000000" pitchFamily="2" charset="2"/>
+              <a:buChar char="ü"/>
+            </a:pPr>
+            <a:r>
+              <a:rPr lang="en-US" sz="3200" dirty="0" smtClean="0">
+                <a:latin typeface="Berlin Sans FB" panose="020E0602020502020306" pitchFamily="34" charset="0"/>
+              </a:rPr>
+              <a:t>In every fifth game, a weak team wins a strong</a:t>
+            </a:r>
+            <a:endParaRPr lang="et-EE" sz="3200" dirty="0" smtClean="0">
+              <a:latin typeface="Berlin Sans FB" panose="020E0602020502020306" pitchFamily="34" charset="0"/>
+            </a:endParaRPr>
+          </a:p>
+          <a:p>
+            <a:pPr marL="457200" indent="-457200" algn="just">
+              <a:buClr>
+                <a:schemeClr val="accent6"/>
+              </a:buClr>
+              <a:buFont typeface="Wingdings" panose="05000000000000000000" pitchFamily="2" charset="2"/>
+              <a:buChar char="ü"/>
+            </a:pPr>
+            <a:r>
+              <a:rPr lang="en-US" sz="3200" dirty="0" smtClean="0">
+                <a:latin typeface="Berlin Sans FB" panose="020E0602020502020306" pitchFamily="34" charset="0"/>
+              </a:rPr>
+              <a:t>45</a:t>
+            </a:r>
+            <a:r>
+              <a:rPr lang="en-US" sz="3200" dirty="0">
+                <a:latin typeface="Berlin Sans FB" panose="020E0602020502020306" pitchFamily="34" charset="0"/>
+              </a:rPr>
+              <a:t>% of games end in a draw or loss of strong </a:t>
+            </a:r>
+            <a:r>
+              <a:rPr lang="en-US" sz="3200" dirty="0" smtClean="0">
+                <a:latin typeface="Berlin Sans FB" panose="020E0602020502020306" pitchFamily="34" charset="0"/>
+              </a:rPr>
+              <a:t>team</a:t>
+            </a:r>
+            <a:endParaRPr lang="et-EE" sz="3200" dirty="0" smtClean="0">
+              <a:latin typeface="Berlin Sans FB" panose="020E0602020502020306" pitchFamily="34" charset="0"/>
+            </a:endParaRPr>
+          </a:p>
+          <a:p>
+            <a:pPr marL="457200" indent="-457200" algn="just">
+              <a:buClr>
+                <a:schemeClr val="accent6"/>
+              </a:buClr>
+              <a:buFont typeface="Wingdings" panose="05000000000000000000" pitchFamily="2" charset="2"/>
+              <a:buChar char="ü"/>
+            </a:pPr>
+            <a:r>
+              <a:rPr lang="en-US" sz="3200" dirty="0">
+                <a:latin typeface="Berlin Sans FB" panose="020E0602020502020306" pitchFamily="34" charset="0"/>
+              </a:rPr>
+              <a:t>The more training data, the worse the model </a:t>
+            </a:r>
+            <a:r>
+              <a:rPr lang="en-US" sz="3200" dirty="0" smtClean="0">
+                <a:latin typeface="Berlin Sans FB" panose="020E0602020502020306" pitchFamily="34" charset="0"/>
+              </a:rPr>
+              <a:t>predicts</a:t>
+            </a:r>
+            <a:endParaRPr lang="ru-RU" sz="3200" dirty="0" smtClean="0">
+              <a:latin typeface="Berlin Sans FB" panose="020E0602020502020306" pitchFamily="34" charset="0"/>
+            </a:endParaRPr>
+          </a:p>
+          <a:p>
+            <a:pPr marL="457200" indent="-457200" algn="just">
+              <a:buClr>
+                <a:schemeClr val="accent6"/>
+              </a:buClr>
+              <a:buFont typeface="Wingdings" panose="05000000000000000000" pitchFamily="2" charset="2"/>
+              <a:buChar char="ü"/>
+            </a:pPr>
+            <a:r>
+              <a:rPr lang="en-US" sz="3200" dirty="0">
+                <a:latin typeface="Berlin Sans FB" panose="020E0602020502020306" pitchFamily="34" charset="0"/>
+              </a:rPr>
+              <a:t>Most often, weak teams won strong </a:t>
+            </a:r>
+            <a:r>
+              <a:rPr lang="en-US" sz="3200" dirty="0" smtClean="0">
+                <a:latin typeface="Berlin Sans FB" panose="020E0602020502020306" pitchFamily="34" charset="0"/>
+              </a:rPr>
+              <a:t>when</a:t>
+            </a:r>
+            <a:r>
+              <a:rPr lang="ru-RU" sz="3200" dirty="0" smtClean="0">
+                <a:latin typeface="Berlin Sans FB" panose="020E0602020502020306" pitchFamily="34" charset="0"/>
+              </a:rPr>
+              <a:t> </a:t>
+            </a:r>
+            <a:r>
+              <a:rPr lang="en-US" sz="3200" dirty="0" smtClean="0">
+                <a:latin typeface="Berlin Sans FB" panose="020E0602020502020306" pitchFamily="34" charset="0"/>
+              </a:rPr>
+              <a:t>referee </a:t>
+            </a:r>
+            <a:r>
+              <a:rPr lang="en-US" sz="3200" dirty="0">
+                <a:latin typeface="Berlin Sans FB" panose="020E0602020502020306" pitchFamily="34" charset="0"/>
+              </a:rPr>
+              <a:t>Martin </a:t>
+            </a:r>
+            <a:r>
+              <a:rPr lang="en-US" sz="3200" dirty="0" err="1">
+                <a:latin typeface="Berlin Sans FB" panose="020E0602020502020306" pitchFamily="34" charset="0"/>
+              </a:rPr>
+              <a:t>Atkison</a:t>
+            </a:r>
+            <a:r>
+              <a:rPr lang="en-US" sz="3200" dirty="0">
+                <a:latin typeface="Berlin Sans FB" panose="020E0602020502020306" pitchFamily="34" charset="0"/>
+              </a:rPr>
+              <a:t> </a:t>
+            </a:r>
+            <a:r>
+              <a:rPr lang="et-EE" sz="3200" dirty="0" err="1" smtClean="0">
+                <a:latin typeface="Berlin Sans FB" panose="020E0602020502020306" pitchFamily="34" charset="0"/>
+              </a:rPr>
+              <a:t>wa</a:t>
+            </a:r>
+            <a:r>
+              <a:rPr lang="en-US" sz="3200" dirty="0" smtClean="0">
+                <a:latin typeface="Berlin Sans FB" panose="020E0602020502020306" pitchFamily="34" charset="0"/>
+              </a:rPr>
+              <a:t>s </a:t>
+            </a:r>
+            <a:r>
+              <a:rPr lang="en-US" sz="3200" dirty="0">
+                <a:latin typeface="Berlin Sans FB" panose="020E0602020502020306" pitchFamily="34" charset="0"/>
+              </a:rPr>
+              <a:t>on the field</a:t>
+            </a:r>
+          </a:p>
+        </p:txBody>
+      </p:sp>
+      <p:sp>
+        <p:nvSpPr>
+          <p:cNvPr id="35" name="TextBox 34"/>
+          <p:cNvSpPr txBox="1"/>
+          <p:nvPr/>
+        </p:nvSpPr>
+        <p:spPr>
+          <a:xfrm>
+            <a:off x="19969316" y="34541649"/>
+            <a:ext cx="8387413" cy="3170099"/>
+          </a:xfrm>
+          <a:prstGeom prst="rect">
+            <a:avLst/>
+          </a:prstGeom>
+          <a:solidFill>
+            <a:schemeClr val="bg1"/>
+          </a:solidFill>
+        </p:spPr>
+        <p:txBody>
+          <a:bodyPr wrap="square" rtlCol="0">
+            <a:spAutoFit/>
+          </a:bodyPr>
+          <a:lstStyle/>
+          <a:p>
+            <a:pPr algn="ctr"/>
+            <a:r>
+              <a:rPr lang="en-US" sz="4000" b="1" dirty="0" smtClean="0">
+                <a:latin typeface="Berlin Sans FB" panose="020E0602020502020306" pitchFamily="34" charset="0"/>
+              </a:rPr>
+              <a:t>Conclusion</a:t>
+            </a:r>
+            <a:endParaRPr lang="et-EE" sz="4000" b="1" dirty="0" smtClean="0">
+              <a:latin typeface="Berlin Sans FB" panose="020E0602020502020306" pitchFamily="34" charset="0"/>
+            </a:endParaRPr>
+          </a:p>
+          <a:p>
+            <a:pPr algn="just"/>
+            <a:r>
+              <a:rPr lang="en-US" sz="3200" dirty="0">
+                <a:latin typeface="Berlin Sans FB" panose="020E0602020502020306" pitchFamily="34" charset="0"/>
+              </a:rPr>
+              <a:t>In the end, we can say that making money through football betting is very risky. You can never be sure that a weak team with a coefficient of 11.0 can lose to a team with a coefficient of </a:t>
+            </a:r>
+            <a:r>
+              <a:rPr lang="en-US" sz="3200" dirty="0" smtClean="0">
+                <a:latin typeface="Berlin Sans FB" panose="020E0602020502020306" pitchFamily="34" charset="0"/>
+              </a:rPr>
+              <a:t>1.10</a:t>
+            </a:r>
+            <a:r>
+              <a:rPr lang="ru-RU" sz="3200" dirty="0" smtClean="0">
+                <a:latin typeface="Berlin Sans FB" panose="020E0602020502020306" pitchFamily="34" charset="0"/>
+              </a:rPr>
+              <a:t>. </a:t>
+            </a:r>
+            <a:endParaRPr lang="en-US" sz="3200" dirty="0">
+              <a:latin typeface="Berlin Sans FB" panose="020E0602020502020306" pitchFamily="34" charset="0"/>
+            </a:endParaRPr>
+          </a:p>
+        </p:txBody>
+      </p:sp>
+      <p:cxnSp>
+        <p:nvCxnSpPr>
+          <p:cNvPr id="46" name="Sirge noolkonnektor 45"/>
+          <p:cNvCxnSpPr>
+            <a:stCxn id="3" idx="1"/>
+          </p:cNvCxnSpPr>
+          <p:nvPr/>
+        </p:nvCxnSpPr>
+        <p:spPr>
+          <a:xfrm flipH="1" flipV="1">
+            <a:off x="14826414" y="16096343"/>
+            <a:ext cx="1039308" cy="1"/>
+          </a:xfrm>
+          <a:prstGeom prst="straightConnector1">
+            <a:avLst/>
+          </a:prstGeom>
+          <a:ln w="82550">
+            <a:solidFill>
+              <a:schemeClr val="tx1"/>
+            </a:solidFill>
+            <a:tailEnd type="triangle"/>
+          </a:ln>
+        </p:spPr>
+        <p:style>
+          <a:lnRef idx="1">
+            <a:schemeClr val="accent1"/>
+          </a:lnRef>
+          <a:fillRef idx="0">
+            <a:schemeClr val="accent1"/>
+          </a:fillRef>
+          <a:effectRef idx="0">
+            <a:schemeClr val="accent1"/>
+          </a:effectRef>
+          <a:fontRef idx="minor">
+            <a:schemeClr val="tx1"/>
+          </a:fontRef>
+        </p:style>
+      </p:cxnSp>
+      <p:cxnSp>
+        <p:nvCxnSpPr>
+          <p:cNvPr id="63" name="Nurkkonnektor 62"/>
+          <p:cNvCxnSpPr>
+            <a:stCxn id="3" idx="2"/>
+          </p:cNvCxnSpPr>
+          <p:nvPr/>
+        </p:nvCxnSpPr>
+        <p:spPr>
+          <a:xfrm rot="5400000">
+            <a:off x="13697370" y="18172015"/>
+            <a:ext cx="9742948" cy="6915045"/>
+          </a:xfrm>
+          <a:prstGeom prst="bentConnector3">
+            <a:avLst>
+              <a:gd name="adj1" fmla="val 349"/>
+            </a:avLst>
+          </a:prstGeom>
+          <a:ln w="82550">
+            <a:solidFill>
+              <a:schemeClr val="tx1"/>
+            </a:solidFill>
+          </a:ln>
+        </p:spPr>
+        <p:style>
+          <a:lnRef idx="1">
+            <a:schemeClr val="accent1"/>
+          </a:lnRef>
+          <a:fillRef idx="0">
+            <a:schemeClr val="accent1"/>
+          </a:fillRef>
+          <a:effectRef idx="0">
+            <a:schemeClr val="accent1"/>
+          </a:effectRef>
+          <a:fontRef idx="minor">
+            <a:schemeClr val="tx1"/>
+          </a:fontRef>
+        </p:style>
+      </p:cxnSp>
+      <p:cxnSp>
+        <p:nvCxnSpPr>
+          <p:cNvPr id="71" name="Nurkkonnektor 70"/>
+          <p:cNvCxnSpPr>
+            <a:endCxn id="26" idx="0"/>
+          </p:cNvCxnSpPr>
+          <p:nvPr/>
+        </p:nvCxnSpPr>
+        <p:spPr>
+          <a:xfrm rot="10800000" flipV="1">
+            <a:off x="10488792" y="26501012"/>
+            <a:ext cx="4648815" cy="730808"/>
+          </a:xfrm>
+          <a:prstGeom prst="bentConnector2">
+            <a:avLst/>
+          </a:prstGeom>
+          <a:ln w="82550">
+            <a:solidFill>
+              <a:schemeClr val="tx1"/>
+            </a:solidFill>
+            <a:tailEnd type="triangle"/>
+          </a:ln>
+        </p:spPr>
+        <p:style>
+          <a:lnRef idx="1">
+            <a:schemeClr val="accent1"/>
+          </a:lnRef>
+          <a:fillRef idx="0">
+            <a:schemeClr val="accent1"/>
+          </a:fillRef>
+          <a:effectRef idx="0">
+            <a:schemeClr val="accent1"/>
+          </a:effectRef>
+          <a:fontRef idx="minor">
+            <a:schemeClr val="tx1"/>
+          </a:fontRef>
+        </p:style>
+      </p:cxnSp>
     </p:spTree>
     <p:extLst>
       <p:ext uri="{BB962C8B-B14F-4D97-AF65-F5344CB8AC3E}">

--- a/poster.pptx
+++ b/poster.pptx
@@ -5,8 +5,7 @@
     <p:sldMasterId id="2147483684" r:id="rId1"/>
   </p:sldMasterIdLst>
   <p:sldIdLst>
-    <p:sldId id="256" r:id="rId2"/>
-    <p:sldId id="257" r:id="rId3"/>
+    <p:sldId id="257" r:id="rId2"/>
   </p:sldIdLst>
   <p:sldSz cx="30275213" cy="42803763"/>
   <p:notesSz cx="6858000" cy="9144000"/>
@@ -127,7 +126,7 @@
 <file path=ppt/charts/chart1.xml><?xml version="1.0" encoding="utf-8"?>
 <c:chartSpace xmlns:c="http://schemas.openxmlformats.org/drawingml/2006/chart" xmlns:a="http://schemas.openxmlformats.org/drawingml/2006/main" xmlns:r="http://schemas.openxmlformats.org/officeDocument/2006/relationships" xmlns:c16r2="http://schemas.microsoft.com/office/drawing/2015/06/chart">
   <c:date1904 val="0"/>
-  <c:lang val="et-EE"/>
+  <c:lang val="en-US"/>
   <c:roundedCorners val="0"/>
   <mc:AlternateContent xmlns:mc="http://schemas.openxmlformats.org/markup-compatibility/2006">
     <mc:Choice xmlns:c14="http://schemas.microsoft.com/office/drawing/2007/8/2/chart" Requires="c14">
@@ -177,7 +176,6 @@
           </a:p>
         </c:rich>
       </c:tx>
-      <c:layout/>
       <c:overlay val="0"/>
       <c:spPr>
         <a:noFill/>
@@ -203,7 +201,7 @@
               <a:cs typeface="+mn-cs"/>
             </a:defRPr>
           </a:pPr>
-          <a:endParaRPr lang="et-EE"/>
+          <a:endParaRPr lang="en-US"/>
         </a:p>
       </c:txPr>
     </c:title>
@@ -265,7 +263,7 @@
                     <a:cs typeface="+mn-cs"/>
                   </a:defRPr>
                 </a:pPr>
-                <a:endParaRPr lang="et-EE"/>
+                <a:endParaRPr lang="en-US"/>
               </a:p>
             </c:txPr>
             <c:showLegendKey val="0"/>
@@ -277,7 +275,6 @@
             <c:showLeaderLines val="0"/>
             <c:extLst>
               <c:ext xmlns:c15="http://schemas.microsoft.com/office/drawing/2012/chart" uri="{CE6537A1-D6FC-4f65-9D91-7224C49458BB}">
-                <c15:layout/>
                 <c15:showLeaderLines val="1"/>
                 <c15:leaderLines>
                   <c:spPr>
@@ -400,7 +397,7 @@
                     <a:cs typeface="+mn-cs"/>
                   </a:defRPr>
                 </a:pPr>
-                <a:endParaRPr lang="et-EE"/>
+                <a:endParaRPr lang="en-US"/>
               </a:p>
             </c:txPr>
             <c:showLegendKey val="0"/>
@@ -412,7 +409,6 @@
             <c:showLeaderLines val="0"/>
             <c:extLst>
               <c:ext xmlns:c15="http://schemas.microsoft.com/office/drawing/2012/chart" uri="{CE6537A1-D6FC-4f65-9D91-7224C49458BB}">
-                <c15:layout/>
                 <c15:showLeaderLines val="1"/>
                 <c15:leaderLines>
                   <c:spPr>
@@ -538,7 +534,7 @@
                 <a:cs typeface="+mn-cs"/>
               </a:defRPr>
             </a:pPr>
-            <a:endParaRPr lang="et-EE"/>
+            <a:endParaRPr lang="en-US"/>
           </a:p>
         </c:txPr>
         <c:crossAx val="454407592"/>
@@ -597,7 +593,7 @@
                 <a:cs typeface="+mn-cs"/>
               </a:defRPr>
             </a:pPr>
-            <a:endParaRPr lang="et-EE"/>
+            <a:endParaRPr lang="en-US"/>
           </a:p>
         </c:txPr>
         <c:crossAx val="454401688"/>
@@ -614,7 +610,6 @@
     </c:plotArea>
     <c:legend>
       <c:legendPos val="b"/>
-      <c:layout/>
       <c:overlay val="0"/>
       <c:spPr>
         <a:noFill/>
@@ -640,7 +635,7 @@
               <a:cs typeface="+mn-cs"/>
             </a:defRPr>
           </a:pPr>
-          <a:endParaRPr lang="et-EE"/>
+          <a:endParaRPr lang="en-US"/>
         </a:p>
       </c:txPr>
     </c:legend>
@@ -664,7 +659,7 @@
       <a:pPr>
         <a:defRPr/>
       </a:pPr>
-      <a:endParaRPr lang="et-EE"/>
+      <a:endParaRPr lang="en-US"/>
     </a:p>
   </c:txPr>
   <c:externalData r:id="rId3">
@@ -676,7 +671,7 @@
 <file path=ppt/charts/chart2.xml><?xml version="1.0" encoding="utf-8"?>
 <c:chartSpace xmlns:c="http://schemas.openxmlformats.org/drawingml/2006/chart" xmlns:a="http://schemas.openxmlformats.org/drawingml/2006/main" xmlns:r="http://schemas.openxmlformats.org/officeDocument/2006/relationships" xmlns:c16r2="http://schemas.microsoft.com/office/drawing/2015/06/chart">
   <c:date1904 val="0"/>
-  <c:lang val="et-EE"/>
+  <c:lang val="en-US"/>
   <c:roundedCorners val="0"/>
   <mc:AlternateContent xmlns:mc="http://schemas.openxmlformats.org/markup-compatibility/2006">
     <mc:Choice xmlns:c14="http://schemas.microsoft.com/office/drawing/2007/8/2/chart" Requires="c14">
@@ -710,7 +705,6 @@
           </a:p>
         </c:rich>
       </c:tx>
-      <c:layout/>
       <c:overlay val="0"/>
       <c:spPr>
         <a:noFill/>
@@ -733,7 +727,7 @@
               <a:cs typeface="+mn-cs"/>
             </a:defRPr>
           </a:pPr>
-          <a:endParaRPr lang="et-EE"/>
+          <a:endParaRPr lang="en-US"/>
         </a:p>
       </c:txPr>
     </c:title>
@@ -2309,7 +2303,7 @@
                 <a:cs typeface="+mn-cs"/>
               </a:defRPr>
             </a:pPr>
-            <a:endParaRPr lang="et-EE"/>
+            <a:endParaRPr lang="en-US"/>
           </a:p>
         </c:txPr>
         <c:crossAx val="655870160"/>
@@ -2363,7 +2357,6 @@
               </a:p>
             </c:rich>
           </c:tx>
-          <c:layout/>
           <c:overlay val="0"/>
           <c:spPr>
             <a:noFill/>
@@ -2386,7 +2379,7 @@
                   <a:cs typeface="+mn-cs"/>
                 </a:defRPr>
               </a:pPr>
-              <a:endParaRPr lang="et-EE"/>
+              <a:endParaRPr lang="en-US"/>
             </a:p>
           </c:txPr>
         </c:title>
@@ -2415,7 +2408,7 @@
                 <a:cs typeface="+mn-cs"/>
               </a:defRPr>
             </a:pPr>
-            <a:endParaRPr lang="et-EE"/>
+            <a:endParaRPr lang="en-US"/>
           </a:p>
         </c:txPr>
         <c:crossAx val="655869504"/>
@@ -2454,7 +2447,6 @@
               </a:p>
             </c:rich>
           </c:tx>
-          <c:layout/>
           <c:overlay val="0"/>
           <c:spPr>
             <a:noFill/>
@@ -2477,7 +2469,7 @@
                   <a:cs typeface="+mn-cs"/>
                 </a:defRPr>
               </a:pPr>
-              <a:endParaRPr lang="et-EE"/>
+              <a:endParaRPr lang="en-US"/>
             </a:p>
           </c:txPr>
         </c:title>
@@ -2506,7 +2498,7 @@
                 <a:cs typeface="+mn-cs"/>
               </a:defRPr>
             </a:pPr>
-            <a:endParaRPr lang="et-EE"/>
+            <a:endParaRPr lang="en-US"/>
           </a:p>
         </c:txPr>
         <c:crossAx val="584572856"/>
@@ -2563,7 +2555,7 @@
                 <a:cs typeface="+mn-cs"/>
               </a:defRPr>
             </a:pPr>
-            <a:endParaRPr lang="et-EE"/>
+            <a:endParaRPr lang="en-US"/>
           </a:p>
         </c:txPr>
       </c:dTable>
@@ -2649,7 +2641,7 @@
           </a:solidFill>
         </a:defRPr>
       </a:pPr>
-      <a:endParaRPr lang="et-EE"/>
+      <a:endParaRPr lang="en-US"/>
     </a:p>
   </c:txPr>
   <c:externalData r:id="rId3">
@@ -2661,7 +2653,7 @@
 <file path=ppt/charts/chart3.xml><?xml version="1.0" encoding="utf-8"?>
 <c:chartSpace xmlns:c="http://schemas.openxmlformats.org/drawingml/2006/chart" xmlns:a="http://schemas.openxmlformats.org/drawingml/2006/main" xmlns:r="http://schemas.openxmlformats.org/officeDocument/2006/relationships" xmlns:c16r2="http://schemas.microsoft.com/office/drawing/2015/06/chart">
   <c:date1904 val="0"/>
-  <c:lang val="et-EE"/>
+  <c:lang val="en-US"/>
   <c:roundedCorners val="0"/>
   <mc:AlternateContent xmlns:mc="http://schemas.openxmlformats.org/markup-compatibility/2006">
     <mc:Choice xmlns:c14="http://schemas.microsoft.com/office/drawing/2007/8/2/chart" Requires="c14">
@@ -2698,7 +2690,6 @@
           </a:p>
         </c:rich>
       </c:tx>
-      <c:layout/>
       <c:overlay val="0"/>
       <c:spPr>
         <a:noFill/>
@@ -2721,7 +2712,7 @@
               <a:cs typeface="+mn-cs"/>
             </a:defRPr>
           </a:pPr>
-          <a:endParaRPr lang="et-EE"/>
+          <a:endParaRPr lang="en-US"/>
         </a:p>
       </c:txPr>
     </c:title>
@@ -2803,7 +2794,7 @@
                     <a:cs typeface="+mn-cs"/>
                   </a:defRPr>
                 </a:pPr>
-                <a:endParaRPr lang="et-EE"/>
+                <a:endParaRPr lang="en-US"/>
               </a:p>
             </c:txPr>
             <c:dLblPos val="inEnd"/>
@@ -2816,7 +2807,6 @@
             <c:showLeaderLines val="0"/>
             <c:extLst>
               <c:ext xmlns:c15="http://schemas.microsoft.com/office/drawing/2012/chart" uri="{CE6537A1-D6FC-4f65-9D91-7224C49458BB}">
-                <c15:layout/>
                 <c15:showLeaderLines val="1"/>
                 <c15:leaderLines>
                   <c:spPr>
@@ -3048,7 +3038,7 @@
                     <a:cs typeface="+mn-cs"/>
                   </a:defRPr>
                 </a:pPr>
-                <a:endParaRPr lang="et-EE"/>
+                <a:endParaRPr lang="en-US"/>
               </a:p>
             </c:txPr>
             <c:dLblPos val="inEnd"/>
@@ -3061,7 +3051,6 @@
             <c:showLeaderLines val="0"/>
             <c:extLst>
               <c:ext xmlns:c15="http://schemas.microsoft.com/office/drawing/2012/chart" uri="{CE6537A1-D6FC-4f65-9D91-7224C49458BB}">
-                <c15:layout/>
                 <c15:showLeaderLines val="1"/>
                 <c15:leaderLines>
                   <c:spPr>
@@ -3274,7 +3263,7 @@
                 <a:cs typeface="+mn-cs"/>
               </a:defRPr>
             </a:pPr>
-            <a:endParaRPr lang="et-EE"/>
+            <a:endParaRPr lang="en-US"/>
           </a:p>
         </c:txPr>
         <c:crossAx val="454564000"/>
@@ -3330,7 +3319,7 @@
                 <a:cs typeface="+mn-cs"/>
               </a:defRPr>
             </a:pPr>
-            <a:endParaRPr lang="et-EE"/>
+            <a:endParaRPr lang="en-US"/>
           </a:p>
         </c:txPr>
         <c:crossAx val="454559080"/>
@@ -3347,7 +3336,6 @@
     </c:plotArea>
     <c:legend>
       <c:legendPos val="b"/>
-      <c:layout/>
       <c:overlay val="0"/>
       <c:spPr>
         <a:noFill/>
@@ -3361,7 +3349,7 @@
         <a:lstStyle/>
         <a:p>
           <a:pPr>
-            <a:defRPr sz="2400" b="0" i="0" u="none" strike="noStrike" kern="1200" baseline="0">
+            <a:defRPr sz="2800" b="0" i="0" u="none" strike="noStrike" kern="1200" baseline="0">
               <a:solidFill>
                 <a:schemeClr val="tx2"/>
               </a:solidFill>
@@ -3370,13 +3358,12 @@
               <a:cs typeface="+mn-cs"/>
             </a:defRPr>
           </a:pPr>
-          <a:endParaRPr lang="et-EE"/>
+          <a:endParaRPr lang="en-US"/>
         </a:p>
       </c:txPr>
     </c:legend>
     <c:plotVisOnly val="1"/>
     <c:dispBlanksAs val="gap"/>
-    <c:showDLblsOverMax val="0"/>
     <c:extLst>
       <c:ext xmlns:c16r3="http://schemas.microsoft.com/office/drawing/2017/03/chart" uri="{56B9EC1D-385E-4148-901F-78D8002777C0}">
         <c16r3:dataDisplayOptions16>
@@ -3384,6 +3371,7 @@
         </c16r3:dataDisplayOptions16>
       </c:ext>
     </c:extLst>
+    <c:showDLblsOverMax val="0"/>
   </c:chart>
   <c:spPr>
     <a:solidFill>
@@ -3401,7 +3389,7 @@
       <a:pPr>
         <a:defRPr/>
       </a:pPr>
-      <a:endParaRPr lang="et-EE"/>
+      <a:endParaRPr lang="en-US"/>
     </a:p>
   </c:txPr>
   <c:externalData r:id="rId3">
@@ -5151,7 +5139,7 @@
           <a:p>
             <a:fld id="{FF02F886-A6EC-4A2D-B279-21243BFE44BC}" type="datetimeFigureOut">
               <a:rPr lang="en-US" smtClean="0"/>
-              <a:t>12/15/2019</a:t>
+              <a:t>15-Dec-19</a:t>
             </a:fld>
             <a:endParaRPr lang="en-US"/>
           </a:p>
@@ -5349,7 +5337,7 @@
           <a:p>
             <a:fld id="{FF02F886-A6EC-4A2D-B279-21243BFE44BC}" type="datetimeFigureOut">
               <a:rPr lang="en-US" smtClean="0"/>
-              <a:t>12/15/2019</a:t>
+              <a:t>15-Dec-19</a:t>
             </a:fld>
             <a:endParaRPr lang="en-US"/>
           </a:p>
@@ -5557,7 +5545,7 @@
           <a:p>
             <a:fld id="{FF02F886-A6EC-4A2D-B279-21243BFE44BC}" type="datetimeFigureOut">
               <a:rPr lang="en-US" smtClean="0"/>
-              <a:t>12/15/2019</a:t>
+              <a:t>15-Dec-19</a:t>
             </a:fld>
             <a:endParaRPr lang="en-US"/>
           </a:p>
@@ -5755,7 +5743,7 @@
           <a:p>
             <a:fld id="{FF02F886-A6EC-4A2D-B279-21243BFE44BC}" type="datetimeFigureOut">
               <a:rPr lang="en-US" smtClean="0"/>
-              <a:t>12/15/2019</a:t>
+              <a:t>15-Dec-19</a:t>
             </a:fld>
             <a:endParaRPr lang="en-US"/>
           </a:p>
@@ -6030,7 +6018,7 @@
           <a:p>
             <a:fld id="{FF02F886-A6EC-4A2D-B279-21243BFE44BC}" type="datetimeFigureOut">
               <a:rPr lang="en-US" smtClean="0"/>
-              <a:t>12/15/2019</a:t>
+              <a:t>15-Dec-19</a:t>
             </a:fld>
             <a:endParaRPr lang="en-US"/>
           </a:p>
@@ -6295,7 +6283,7 @@
           <a:p>
             <a:fld id="{FF02F886-A6EC-4A2D-B279-21243BFE44BC}" type="datetimeFigureOut">
               <a:rPr lang="en-US" smtClean="0"/>
-              <a:t>12/15/2019</a:t>
+              <a:t>15-Dec-19</a:t>
             </a:fld>
             <a:endParaRPr lang="en-US"/>
           </a:p>
@@ -6707,7 +6695,7 @@
           <a:p>
             <a:fld id="{FF02F886-A6EC-4A2D-B279-21243BFE44BC}" type="datetimeFigureOut">
               <a:rPr lang="en-US" smtClean="0"/>
-              <a:t>12/15/2019</a:t>
+              <a:t>15-Dec-19</a:t>
             </a:fld>
             <a:endParaRPr lang="en-US"/>
           </a:p>
@@ -6848,7 +6836,7 @@
           <a:p>
             <a:fld id="{FF02F886-A6EC-4A2D-B279-21243BFE44BC}" type="datetimeFigureOut">
               <a:rPr lang="en-US" smtClean="0"/>
-              <a:t>12/15/2019</a:t>
+              <a:t>15-Dec-19</a:t>
             </a:fld>
             <a:endParaRPr lang="en-US"/>
           </a:p>
@@ -6961,7 +6949,7 @@
           <a:p>
             <a:fld id="{FF02F886-A6EC-4A2D-B279-21243BFE44BC}" type="datetimeFigureOut">
               <a:rPr lang="en-US" smtClean="0"/>
-              <a:t>12/15/2019</a:t>
+              <a:t>15-Dec-19</a:t>
             </a:fld>
             <a:endParaRPr lang="en-US"/>
           </a:p>
@@ -7272,7 +7260,7 @@
           <a:p>
             <a:fld id="{FF02F886-A6EC-4A2D-B279-21243BFE44BC}" type="datetimeFigureOut">
               <a:rPr lang="en-US" smtClean="0"/>
-              <a:t>12/15/2019</a:t>
+              <a:t>15-Dec-19</a:t>
             </a:fld>
             <a:endParaRPr lang="en-US"/>
           </a:p>
@@ -7560,7 +7548,7 @@
           <a:p>
             <a:fld id="{FF02F886-A6EC-4A2D-B279-21243BFE44BC}" type="datetimeFigureOut">
               <a:rPr lang="en-US" smtClean="0"/>
-              <a:t>12/15/2019</a:t>
+              <a:t>15-Dec-19</a:t>
             </a:fld>
             <a:endParaRPr lang="en-US"/>
           </a:p>
@@ -7801,7 +7789,7 @@
           <a:p>
             <a:fld id="{FF02F886-A6EC-4A2D-B279-21243BFE44BC}" type="datetimeFigureOut">
               <a:rPr lang="en-US" smtClean="0"/>
-              <a:t>12/15/2019</a:t>
+              <a:t>15-Dec-19</a:t>
             </a:fld>
             <a:endParaRPr lang="en-US"/>
           </a:p>
@@ -8276,587 +8264,6 @@
         </p:nvSpPr>
         <p:spPr>
           <a:xfrm>
-            <a:off x="1409700" y="6831106"/>
-            <a:ext cx="27432000" cy="34677258"/>
-          </a:xfrm>
-          <a:prstGeom prst="rect">
-            <a:avLst/>
-          </a:prstGeom>
-        </p:spPr>
-        <p:style>
-          <a:lnRef idx="2">
-            <a:schemeClr val="accent5">
-              <a:shade val="50000"/>
-            </a:schemeClr>
-          </a:lnRef>
-          <a:fillRef idx="1">
-            <a:schemeClr val="accent5"/>
-          </a:fillRef>
-          <a:effectRef idx="0">
-            <a:schemeClr val="accent5"/>
-          </a:effectRef>
-          <a:fontRef idx="minor">
-            <a:schemeClr val="lt1"/>
-          </a:fontRef>
-        </p:style>
-        <p:txBody>
-          <a:bodyPr rtlCol="0" anchor="ctr"/>
-          <a:lstStyle/>
-          <a:p>
-            <a:pPr algn="ctr"/>
-            <a:endParaRPr lang="en-US" dirty="0"/>
-          </a:p>
-        </p:txBody>
-      </p:sp>
-      <p:sp>
-        <p:nvSpPr>
-          <p:cNvPr id="7" name="TextBox 6">
-            <a:extLst>
-              <a:ext uri="{FF2B5EF4-FFF2-40B4-BE49-F238E27FC236}">
-                <a16:creationId xmlns:a16="http://schemas.microsoft.com/office/drawing/2014/main" id="{B59E07CA-E569-4C19-B300-D1D9341F1D26}"/>
-              </a:ext>
-            </a:extLst>
-          </p:cNvPr>
-          <p:cNvSpPr txBox="1"/>
-          <p:nvPr/>
-        </p:nvSpPr>
-        <p:spPr>
-          <a:xfrm>
-            <a:off x="3223512" y="1785879"/>
-            <a:ext cx="23828188" cy="3586559"/>
-          </a:xfrm>
-          <a:prstGeom prst="rect">
-            <a:avLst/>
-          </a:prstGeom>
-          <a:noFill/>
-        </p:spPr>
-        <p:txBody>
-          <a:bodyPr wrap="square" rtlCol="0">
-            <a:spAutoFit/>
-          </a:bodyPr>
-          <a:lstStyle/>
-          <a:p>
-            <a:pPr algn="ctr">
-              <a:lnSpc>
-                <a:spcPct val="150000"/>
-              </a:lnSpc>
-            </a:pPr>
-            <a:r>
-              <a:rPr lang="et-EE" sz="8800" b="1" dirty="0" err="1">
-                <a:solidFill>
-                  <a:schemeClr val="bg1"/>
-                </a:solidFill>
-                <a:latin typeface="Times New Roman" panose="02020603050405020304" pitchFamily="18" charset="0"/>
-                <a:cs typeface="Times New Roman" panose="02020603050405020304" pitchFamily="18" charset="0"/>
-              </a:rPr>
-              <a:t>Football</a:t>
-            </a:r>
-            <a:r>
-              <a:rPr lang="et-EE" sz="8800" b="1" dirty="0">
-                <a:solidFill>
-                  <a:schemeClr val="bg1"/>
-                </a:solidFill>
-                <a:latin typeface="Times New Roman" panose="02020603050405020304" pitchFamily="18" charset="0"/>
-                <a:cs typeface="Times New Roman" panose="02020603050405020304" pitchFamily="18" charset="0"/>
-              </a:rPr>
-              <a:t> </a:t>
-            </a:r>
-            <a:r>
-              <a:rPr lang="et-EE" sz="8800" b="1" dirty="0" err="1">
-                <a:solidFill>
-                  <a:schemeClr val="bg1"/>
-                </a:solidFill>
-                <a:latin typeface="Times New Roman" panose="02020603050405020304" pitchFamily="18" charset="0"/>
-                <a:cs typeface="Times New Roman" panose="02020603050405020304" pitchFamily="18" charset="0"/>
-              </a:rPr>
-              <a:t>bets</a:t>
-            </a:r>
-            <a:endParaRPr lang="et-EE" sz="8800" b="1" dirty="0">
-              <a:solidFill>
-                <a:schemeClr val="bg1"/>
-              </a:solidFill>
-              <a:latin typeface="Times New Roman" panose="02020603050405020304" pitchFamily="18" charset="0"/>
-              <a:cs typeface="Times New Roman" panose="02020603050405020304" pitchFamily="18" charset="0"/>
-            </a:endParaRPr>
-          </a:p>
-          <a:p>
-            <a:pPr algn="ctr">
-              <a:lnSpc>
-                <a:spcPct val="150000"/>
-              </a:lnSpc>
-            </a:pPr>
-            <a:r>
-              <a:rPr lang="et-EE" sz="7200" dirty="0">
-                <a:solidFill>
-                  <a:schemeClr val="bg1"/>
-                </a:solidFill>
-                <a:latin typeface="Times New Roman" panose="02020603050405020304" pitchFamily="18" charset="0"/>
-                <a:cs typeface="Times New Roman" panose="02020603050405020304" pitchFamily="18" charset="0"/>
-              </a:rPr>
-              <a:t>Artjom Valdas, Eduard Rudi</a:t>
-            </a:r>
-            <a:endParaRPr lang="en-US" sz="7200" dirty="0">
-              <a:solidFill>
-                <a:schemeClr val="bg1"/>
-              </a:solidFill>
-              <a:latin typeface="Times New Roman" panose="02020603050405020304" pitchFamily="18" charset="0"/>
-              <a:cs typeface="Times New Roman" panose="02020603050405020304" pitchFamily="18" charset="0"/>
-            </a:endParaRPr>
-          </a:p>
-        </p:txBody>
-      </p:sp>
-      <p:sp>
-        <p:nvSpPr>
-          <p:cNvPr id="11" name="TextBox 10">
-            <a:extLst>
-              <a:ext uri="{FF2B5EF4-FFF2-40B4-BE49-F238E27FC236}">
-                <a16:creationId xmlns:a16="http://schemas.microsoft.com/office/drawing/2014/main" id="{1D38D50B-D57E-4B0C-8F30-958227B785F5}"/>
-              </a:ext>
-            </a:extLst>
-          </p:cNvPr>
-          <p:cNvSpPr txBox="1"/>
-          <p:nvPr/>
-        </p:nvSpPr>
-        <p:spPr>
-          <a:xfrm>
-            <a:off x="2338610" y="7787148"/>
-            <a:ext cx="12321287" cy="6836487"/>
-          </a:xfrm>
-          <a:prstGeom prst="rect">
-            <a:avLst/>
-          </a:prstGeom>
-          <a:solidFill>
-            <a:schemeClr val="bg2"/>
-          </a:solidFill>
-        </p:spPr>
-        <p:txBody>
-          <a:bodyPr wrap="square" rtlCol="0">
-            <a:spAutoFit/>
-          </a:bodyPr>
-          <a:lstStyle/>
-          <a:p>
-            <a:pPr algn="ctr">
-              <a:lnSpc>
-                <a:spcPct val="150000"/>
-              </a:lnSpc>
-            </a:pPr>
-            <a:r>
-              <a:rPr lang="en-US" sz="4000" b="1" dirty="0">
-                <a:latin typeface="Times New Roman" panose="02020603050405020304" pitchFamily="18" charset="0"/>
-                <a:cs typeface="Times New Roman" panose="02020603050405020304" pitchFamily="18" charset="0"/>
-              </a:rPr>
-              <a:t>About</a:t>
-            </a:r>
-          </a:p>
-          <a:p>
-            <a:pPr algn="just">
-              <a:lnSpc>
-                <a:spcPct val="150000"/>
-              </a:lnSpc>
-            </a:pPr>
-            <a:r>
-              <a:rPr lang="en-US" sz="3200" dirty="0">
-                <a:latin typeface="Times New Roman" panose="02020603050405020304" pitchFamily="18" charset="0"/>
-                <a:cs typeface="Times New Roman" panose="02020603050405020304" pitchFamily="18" charset="0"/>
-              </a:rPr>
-              <a:t>Today, bookmakers provide many different bet</a:t>
-            </a:r>
-            <a:r>
-              <a:rPr lang="et-EE" sz="3200" dirty="0">
-                <a:latin typeface="Times New Roman" panose="02020603050405020304" pitchFamily="18" charset="0"/>
-                <a:cs typeface="Times New Roman" panose="02020603050405020304" pitchFamily="18" charset="0"/>
-              </a:rPr>
-              <a:t>ting </a:t>
-            </a:r>
-            <a:r>
-              <a:rPr lang="en-US" sz="3200" dirty="0">
-                <a:latin typeface="Times New Roman" panose="02020603050405020304" pitchFamily="18" charset="0"/>
-                <a:cs typeface="Times New Roman" panose="02020603050405020304" pitchFamily="18" charset="0"/>
-              </a:rPr>
-              <a:t>options on sports, including football. Such companies always give out three bet odds</a:t>
-            </a:r>
-            <a:r>
-              <a:rPr lang="et-EE" sz="3200" dirty="0">
-                <a:latin typeface="Times New Roman" panose="02020603050405020304" pitchFamily="18" charset="0"/>
-                <a:cs typeface="Times New Roman" panose="02020603050405020304" pitchFamily="18" charset="0"/>
-              </a:rPr>
-              <a:t> - </a:t>
-            </a:r>
-            <a:r>
-              <a:rPr lang="en-US" sz="3200" dirty="0">
-                <a:latin typeface="Times New Roman" panose="02020603050405020304" pitchFamily="18" charset="0"/>
-                <a:cs typeface="Times New Roman" panose="02020603050405020304" pitchFamily="18" charset="0"/>
-              </a:rPr>
-              <a:t>one team wins, the other team wins or both teams play a draw.</a:t>
-            </a:r>
-            <a:endParaRPr lang="et-EE" sz="3200" dirty="0">
-              <a:latin typeface="Times New Roman" panose="02020603050405020304" pitchFamily="18" charset="0"/>
-              <a:cs typeface="Times New Roman" panose="02020603050405020304" pitchFamily="18" charset="0"/>
-            </a:endParaRPr>
-          </a:p>
-          <a:p>
-            <a:pPr algn="just">
-              <a:lnSpc>
-                <a:spcPct val="150000"/>
-              </a:lnSpc>
-            </a:pPr>
-            <a:r>
-              <a:rPr lang="en-US" sz="3200" dirty="0">
-                <a:latin typeface="Times New Roman" panose="02020603050405020304" pitchFamily="18" charset="0"/>
-                <a:cs typeface="Times New Roman" panose="02020603050405020304" pitchFamily="18" charset="0"/>
-              </a:rPr>
-              <a:t>The goal of the project was to find interesting and meaningful patterns as well as most dominating team per season. In addition, we wanted to create out own prediction model based on previous matches and their outcome. </a:t>
-            </a:r>
-          </a:p>
-          <a:p>
-            <a:pPr algn="just">
-              <a:lnSpc>
-                <a:spcPct val="150000"/>
-              </a:lnSpc>
-            </a:pPr>
-            <a:r>
-              <a:rPr lang="en-US" sz="3200" dirty="0">
-                <a:latin typeface="Times New Roman" panose="02020603050405020304" pitchFamily="18" charset="0"/>
-                <a:cs typeface="Times New Roman" panose="02020603050405020304" pitchFamily="18" charset="0"/>
-              </a:rPr>
-              <a:t>We also took bet odds into consideration. Graphs were also made to make it more eye catching, easy on the eyes and easier to understand.</a:t>
-            </a:r>
-            <a:endParaRPr lang="et-EE" sz="3200" dirty="0">
-              <a:latin typeface="Times New Roman" panose="02020603050405020304" pitchFamily="18" charset="0"/>
-              <a:cs typeface="Times New Roman" panose="02020603050405020304" pitchFamily="18" charset="0"/>
-            </a:endParaRPr>
-          </a:p>
-        </p:txBody>
-      </p:sp>
-      <p:sp>
-        <p:nvSpPr>
-          <p:cNvPr id="12" name="TextBox 11">
-            <a:extLst>
-              <a:ext uri="{FF2B5EF4-FFF2-40B4-BE49-F238E27FC236}">
-                <a16:creationId xmlns:a16="http://schemas.microsoft.com/office/drawing/2014/main" id="{6872865B-D551-45D6-AAF0-8560E8302F85}"/>
-              </a:ext>
-            </a:extLst>
-          </p:cNvPr>
-          <p:cNvSpPr txBox="1"/>
-          <p:nvPr/>
-        </p:nvSpPr>
-        <p:spPr>
-          <a:xfrm>
-            <a:off x="2338610" y="14912164"/>
-            <a:ext cx="12321287" cy="7575151"/>
-          </a:xfrm>
-          <a:prstGeom prst="rect">
-            <a:avLst/>
-          </a:prstGeom>
-          <a:solidFill>
-            <a:schemeClr val="bg2"/>
-          </a:solidFill>
-        </p:spPr>
-        <p:txBody>
-          <a:bodyPr wrap="square" rtlCol="0">
-            <a:spAutoFit/>
-          </a:bodyPr>
-          <a:lstStyle/>
-          <a:p>
-            <a:pPr algn="ctr">
-              <a:lnSpc>
-                <a:spcPct val="150000"/>
-              </a:lnSpc>
-            </a:pPr>
-            <a:r>
-              <a:rPr lang="en-US" sz="4000" b="1" dirty="0">
-                <a:latin typeface="Times New Roman" panose="02020603050405020304" pitchFamily="18" charset="0"/>
-                <a:cs typeface="Times New Roman" panose="02020603050405020304" pitchFamily="18" charset="0"/>
-              </a:rPr>
-              <a:t>Data</a:t>
-            </a:r>
-            <a:endParaRPr lang="et-EE" sz="3600" b="1" dirty="0">
-              <a:latin typeface="Times New Roman" panose="02020603050405020304" pitchFamily="18" charset="0"/>
-              <a:cs typeface="Times New Roman" panose="02020603050405020304" pitchFamily="18" charset="0"/>
-            </a:endParaRPr>
-          </a:p>
-          <a:p>
-            <a:pPr algn="just">
-              <a:lnSpc>
-                <a:spcPct val="150000"/>
-              </a:lnSpc>
-            </a:pPr>
-            <a:r>
-              <a:rPr lang="en-US" sz="3200" dirty="0">
-                <a:latin typeface="Times New Roman" panose="02020603050405020304" pitchFamily="18" charset="0"/>
-                <a:cs typeface="Times New Roman" panose="02020603050405020304" pitchFamily="18" charset="0"/>
-              </a:rPr>
-              <a:t>For data preparation, we had to drop quite a few columns as they were not needed. For example, there</a:t>
-            </a:r>
-            <a:r>
-              <a:rPr lang="et-EE" sz="3200" dirty="0">
-                <a:latin typeface="Times New Roman" panose="02020603050405020304" pitchFamily="18" charset="0"/>
-                <a:cs typeface="Times New Roman" panose="02020603050405020304" pitchFamily="18" charset="0"/>
-              </a:rPr>
-              <a:t> </a:t>
-            </a:r>
-            <a:r>
-              <a:rPr lang="en-US" sz="3200" dirty="0">
-                <a:latin typeface="Times New Roman" panose="02020603050405020304" pitchFamily="18" charset="0"/>
-                <a:cs typeface="Times New Roman" panose="02020603050405020304" pitchFamily="18" charset="0"/>
-              </a:rPr>
-              <a:t>were different bookmakers</a:t>
-            </a:r>
-            <a:r>
-              <a:rPr lang="et-EE" sz="3200" dirty="0">
-                <a:latin typeface="Times New Roman" panose="02020603050405020304" pitchFamily="18" charset="0"/>
-                <a:cs typeface="Times New Roman" panose="02020603050405020304" pitchFamily="18" charset="0"/>
-              </a:rPr>
-              <a:t>, </a:t>
-            </a:r>
-            <a:r>
-              <a:rPr lang="et-EE" sz="3200" dirty="0" err="1">
-                <a:latin typeface="Times New Roman" panose="02020603050405020304" pitchFamily="18" charset="0"/>
-                <a:cs typeface="Times New Roman" panose="02020603050405020304" pitchFamily="18" charset="0"/>
-              </a:rPr>
-              <a:t>who</a:t>
-            </a:r>
-            <a:r>
-              <a:rPr lang="en-US" sz="3200" dirty="0">
-                <a:latin typeface="Times New Roman" panose="02020603050405020304" pitchFamily="18" charset="0"/>
-                <a:cs typeface="Times New Roman" panose="02020603050405020304" pitchFamily="18" charset="0"/>
-              </a:rPr>
-              <a:t> gave their coefficient </a:t>
-            </a:r>
-            <a:r>
-              <a:rPr lang="et-EE" sz="3200" dirty="0">
-                <a:latin typeface="Times New Roman" panose="02020603050405020304" pitchFamily="18" charset="0"/>
-                <a:cs typeface="Times New Roman" panose="02020603050405020304" pitchFamily="18" charset="0"/>
-              </a:rPr>
-              <a:t>on </a:t>
-            </a:r>
-            <a:r>
-              <a:rPr lang="en-US" sz="3200" dirty="0">
-                <a:latin typeface="Times New Roman" panose="02020603050405020304" pitchFamily="18" charset="0"/>
-                <a:cs typeface="Times New Roman" panose="02020603050405020304" pitchFamily="18" charset="0"/>
-              </a:rPr>
-              <a:t>who would win. We only left one bookmaker as</a:t>
-            </a:r>
-            <a:r>
-              <a:rPr lang="et-EE" sz="3200" dirty="0">
-                <a:latin typeface="Times New Roman" panose="02020603050405020304" pitchFamily="18" charset="0"/>
-                <a:cs typeface="Times New Roman" panose="02020603050405020304" pitchFamily="18" charset="0"/>
-              </a:rPr>
-              <a:t> </a:t>
-            </a:r>
-            <a:r>
-              <a:rPr lang="en-US" sz="3200" dirty="0">
-                <a:latin typeface="Times New Roman" panose="02020603050405020304" pitchFamily="18" charset="0"/>
-                <a:cs typeface="Times New Roman" panose="02020603050405020304" pitchFamily="18" charset="0"/>
-              </a:rPr>
-              <a:t>every bookmaker coefficient was very similar (difference in 0.1 decimal). The data itself was gotten from football-data.co.uk/ website. The claim that the data was gathered from sources such as BBC, ESPN Soccer, Bundesliga.de, Gazzetta.it and Football.fr and the match coefficient taken for weekend games are collected Friday afternoons, and on Tuesday afternoons for midweek games.</a:t>
-            </a:r>
-          </a:p>
-        </p:txBody>
-      </p:sp>
-      <p:sp>
-        <p:nvSpPr>
-          <p:cNvPr id="13" name="TextBox 12">
-            <a:extLst>
-              <a:ext uri="{FF2B5EF4-FFF2-40B4-BE49-F238E27FC236}">
-                <a16:creationId xmlns:a16="http://schemas.microsoft.com/office/drawing/2014/main" id="{4E512496-2038-4A65-8370-BC92D48F69BB}"/>
-              </a:ext>
-            </a:extLst>
-          </p:cNvPr>
-          <p:cNvSpPr txBox="1"/>
-          <p:nvPr/>
-        </p:nvSpPr>
-        <p:spPr>
-          <a:xfrm>
-            <a:off x="20470761" y="31248032"/>
-            <a:ext cx="7465842" cy="5913157"/>
-          </a:xfrm>
-          <a:prstGeom prst="rect">
-            <a:avLst/>
-          </a:prstGeom>
-          <a:solidFill>
-            <a:schemeClr val="bg2"/>
-          </a:solidFill>
-        </p:spPr>
-        <p:txBody>
-          <a:bodyPr wrap="square" rtlCol="0">
-            <a:spAutoFit/>
-          </a:bodyPr>
-          <a:lstStyle/>
-          <a:p>
-            <a:pPr algn="just">
-              <a:lnSpc>
-                <a:spcPct val="150000"/>
-              </a:lnSpc>
-            </a:pPr>
-            <a:r>
-              <a:rPr lang="en-US" sz="3200" dirty="0">
-                <a:latin typeface="Times New Roman" panose="02020603050405020304" pitchFamily="18" charset="0"/>
-                <a:cs typeface="Times New Roman" panose="02020603050405020304" pitchFamily="18" charset="0"/>
-              </a:rPr>
-              <a:t>On left</a:t>
-            </a:r>
-            <a:r>
-              <a:rPr lang="et-EE" sz="3200" dirty="0">
-                <a:latin typeface="Times New Roman" panose="02020603050405020304" pitchFamily="18" charset="0"/>
-                <a:cs typeface="Times New Roman" panose="02020603050405020304" pitchFamily="18" charset="0"/>
-              </a:rPr>
-              <a:t> </a:t>
-            </a:r>
-            <a:r>
-              <a:rPr lang="en-US" sz="3200" dirty="0">
-                <a:latin typeface="Times New Roman" panose="02020603050405020304" pitchFamily="18" charset="0"/>
-                <a:cs typeface="Times New Roman" panose="02020603050405020304" pitchFamily="18" charset="0"/>
-              </a:rPr>
-              <a:t>graph, we have our prediction model versus the actual data for England Premier League 2018-19. For prediction model we used 5 seasons worth of data (2015 to 2020). We also put every team play against each</a:t>
-            </a:r>
-            <a:r>
-              <a:rPr lang="et-EE" sz="3200" dirty="0">
-                <a:latin typeface="Times New Roman" panose="02020603050405020304" pitchFamily="18" charset="0"/>
-                <a:cs typeface="Times New Roman" panose="02020603050405020304" pitchFamily="18" charset="0"/>
-              </a:rPr>
-              <a:t> </a:t>
-            </a:r>
-            <a:r>
-              <a:rPr lang="en-US" sz="3200" dirty="0">
-                <a:latin typeface="Times New Roman" panose="02020603050405020304" pitchFamily="18" charset="0"/>
-                <a:cs typeface="Times New Roman" panose="02020603050405020304" pitchFamily="18" charset="0"/>
-              </a:rPr>
-              <a:t>other so every</a:t>
-            </a:r>
-            <a:r>
-              <a:rPr lang="et-EE" sz="3200" dirty="0">
-                <a:latin typeface="Times New Roman" panose="02020603050405020304" pitchFamily="18" charset="0"/>
-                <a:cs typeface="Times New Roman" panose="02020603050405020304" pitchFamily="18" charset="0"/>
-              </a:rPr>
-              <a:t> </a:t>
-            </a:r>
-            <a:r>
-              <a:rPr lang="en-US" sz="3200" dirty="0">
-                <a:latin typeface="Times New Roman" panose="02020603050405020304" pitchFamily="18" charset="0"/>
-                <a:cs typeface="Times New Roman" panose="02020603050405020304" pitchFamily="18" charset="0"/>
-              </a:rPr>
-              <a:t>combination</a:t>
-            </a:r>
-            <a:r>
-              <a:rPr lang="et-EE" sz="3200" dirty="0">
-                <a:latin typeface="Times New Roman" panose="02020603050405020304" pitchFamily="18" charset="0"/>
-                <a:cs typeface="Times New Roman" panose="02020603050405020304" pitchFamily="18" charset="0"/>
-              </a:rPr>
-              <a:t> </a:t>
-            </a:r>
-            <a:r>
-              <a:rPr lang="en-US" sz="3200" dirty="0">
-                <a:latin typeface="Times New Roman" panose="02020603050405020304" pitchFamily="18" charset="0"/>
-                <a:cs typeface="Times New Roman" panose="02020603050405020304" pitchFamily="18" charset="0"/>
-              </a:rPr>
-              <a:t>while in reality</a:t>
-            </a:r>
-            <a:r>
-              <a:rPr lang="et-EE" sz="3200" dirty="0">
-                <a:latin typeface="Times New Roman" panose="02020603050405020304" pitchFamily="18" charset="0"/>
-                <a:cs typeface="Times New Roman" panose="02020603050405020304" pitchFamily="18" charset="0"/>
-              </a:rPr>
-              <a:t>,</a:t>
-            </a:r>
-            <a:r>
-              <a:rPr lang="en-US" sz="3200" dirty="0">
-                <a:latin typeface="Times New Roman" panose="02020603050405020304" pitchFamily="18" charset="0"/>
-                <a:cs typeface="Times New Roman" panose="02020603050405020304" pitchFamily="18" charset="0"/>
-              </a:rPr>
-              <a:t> not every team plays against all others.</a:t>
-            </a:r>
-          </a:p>
-        </p:txBody>
-      </p:sp>
-    </p:spTree>
-    <p:extLst>
-      <p:ext uri="{BB962C8B-B14F-4D97-AF65-F5344CB8AC3E}">
-        <p14:creationId xmlns:p14="http://schemas.microsoft.com/office/powerpoint/2010/main" val="766954066"/>
-      </p:ext>
-    </p:extLst>
-  </p:cSld>
-  <p:clrMapOvr>
-    <a:masterClrMapping/>
-  </p:clrMapOvr>
-</p:sld>
-</file>
-
-<file path=ppt/slides/slide2.xml><?xml version="1.0" encoding="utf-8"?>
-<p:sld xmlns:a="http://schemas.openxmlformats.org/drawingml/2006/main" xmlns:r="http://schemas.openxmlformats.org/officeDocument/2006/relationships" xmlns:p="http://schemas.openxmlformats.org/presentationml/2006/main">
-  <p:cSld>
-    <p:spTree>
-      <p:nvGrpSpPr>
-        <p:cNvPr id="1" name=""/>
-        <p:cNvGrpSpPr/>
-        <p:nvPr/>
-      </p:nvGrpSpPr>
-      <p:grpSpPr>
-        <a:xfrm>
-          <a:off x="0" y="0"/>
-          <a:ext cx="0" cy="0"/>
-          <a:chOff x="0" y="0"/>
-          <a:chExt cx="0" cy="0"/>
-        </a:xfrm>
-      </p:grpSpPr>
-      <p:sp>
-        <p:nvSpPr>
-          <p:cNvPr id="4" name="Rectangle 3">
-            <a:extLst>
-              <a:ext uri="{FF2B5EF4-FFF2-40B4-BE49-F238E27FC236}">
-                <a16:creationId xmlns:a16="http://schemas.microsoft.com/office/drawing/2014/main" id="{8D3C9F64-FC9C-41B6-8A32-99198496BDA3}"/>
-              </a:ext>
-            </a:extLst>
-          </p:cNvPr>
-          <p:cNvSpPr/>
-          <p:nvPr/>
-        </p:nvSpPr>
-        <p:spPr>
-          <a:xfrm>
-            <a:off x="1409700" y="1295400"/>
-            <a:ext cx="27432000" cy="4567518"/>
-          </a:xfrm>
-          <a:prstGeom prst="rect">
-            <a:avLst/>
-          </a:prstGeom>
-        </p:spPr>
-        <p:style>
-          <a:lnRef idx="3">
-            <a:schemeClr val="lt1"/>
-          </a:lnRef>
-          <a:fillRef idx="1">
-            <a:schemeClr val="accent1"/>
-          </a:fillRef>
-          <a:effectRef idx="1">
-            <a:schemeClr val="accent1"/>
-          </a:effectRef>
-          <a:fontRef idx="minor">
-            <a:schemeClr val="lt1"/>
-          </a:fontRef>
-        </p:style>
-        <p:txBody>
-          <a:bodyPr rtlCol="0" anchor="ctr"/>
-          <a:lstStyle/>
-          <a:p>
-            <a:pPr algn="ctr"/>
-            <a:endParaRPr lang="en-US" dirty="0"/>
-          </a:p>
-        </p:txBody>
-      </p:sp>
-      <p:sp>
-        <p:nvSpPr>
-          <p:cNvPr id="6" name="Rectangle 5">
-            <a:extLst>
-              <a:ext uri="{FF2B5EF4-FFF2-40B4-BE49-F238E27FC236}">
-                <a16:creationId xmlns:a16="http://schemas.microsoft.com/office/drawing/2014/main" id="{43E34CD8-B7BA-4F69-9DE3-B49C9308F8D8}"/>
-              </a:ext>
-            </a:extLst>
-          </p:cNvPr>
-          <p:cNvSpPr/>
-          <p:nvPr/>
-        </p:nvSpPr>
-        <p:spPr>
-          <a:xfrm>
             <a:off x="1409700" y="6353397"/>
             <a:ext cx="27432000" cy="34677258"/>
           </a:xfrm>
@@ -9409,7 +8816,7 @@
           <p:nvPr>
             <p:extLst>
               <p:ext uri="{D42A27DB-BD31-4B8C-83A1-F6EECF244321}">
-                <p14:modId xmlns:p14="http://schemas.microsoft.com/office/powerpoint/2010/main" val="4062435267"/>
+                <p14:modId xmlns:p14="http://schemas.microsoft.com/office/powerpoint/2010/main" val="3193208946"/>
               </p:ext>
             </p:extLst>
           </p:nvPr>
@@ -9529,55 +8936,34 @@
           <a:p>
             <a:pPr algn="just"/>
             <a:r>
-              <a:rPr lang="en-US" sz="3200" dirty="0" smtClean="0">
-                <a:latin typeface="Berlin Sans FB" panose="020E0602020502020306" pitchFamily="34" charset="0"/>
-                <a:cs typeface="Times New Roman" panose="02020603050405020304" pitchFamily="18" charset="0"/>
-              </a:rPr>
-              <a:t>The data itself was gotten from football-data.co.uk/ website</a:t>
-            </a:r>
-            <a:r>
               <a:rPr lang="en-US" sz="3200" dirty="0">
                 <a:latin typeface="Berlin Sans FB" panose="020E0602020502020306" pitchFamily="34" charset="0"/>
                 <a:cs typeface="Times New Roman" panose="02020603050405020304" pitchFamily="18" charset="0"/>
               </a:rPr>
-              <a:t>. We decided to take the data for the last 5 </a:t>
-            </a:r>
-            <a:r>
-              <a:rPr lang="en-US" sz="3200" dirty="0" smtClean="0">
+              <a:t>The data itself was gotten from football-data.co.uk/ website. We decided to take the data for the last 5 </a:t>
+            </a:r>
+            <a:r>
+              <a:rPr lang="en-US" sz="3200" dirty="0">
                 <a:latin typeface="Berlin Sans FB" panose="020E0602020502020306" pitchFamily="34" charset="0"/>
               </a:rPr>
               <a:t>English Premier League</a:t>
             </a:r>
             <a:r>
-              <a:rPr lang="et-EE" sz="3200" dirty="0" smtClean="0">
+              <a:rPr lang="et-EE" sz="3200" dirty="0">
                 <a:latin typeface="Berlin Sans FB" panose="020E0602020502020306" pitchFamily="34" charset="0"/>
                 <a:cs typeface="Times New Roman" panose="02020603050405020304" pitchFamily="18" charset="0"/>
               </a:rPr>
               <a:t> </a:t>
             </a:r>
             <a:r>
-              <a:rPr lang="en-US" sz="3200" dirty="0" smtClean="0">
-                <a:latin typeface="Berlin Sans FB" panose="020E0602020502020306" pitchFamily="34" charset="0"/>
-                <a:cs typeface="Times New Roman" panose="02020603050405020304" pitchFamily="18" charset="0"/>
-              </a:rPr>
-              <a:t>seasons </a:t>
-            </a:r>
-            <a:r>
               <a:rPr lang="en-US" sz="3200" dirty="0">
                 <a:latin typeface="Berlin Sans FB" panose="020E0602020502020306" pitchFamily="34" charset="0"/>
                 <a:cs typeface="Times New Roman" panose="02020603050405020304" pitchFamily="18" charset="0"/>
               </a:rPr>
-              <a:t>including the </a:t>
-            </a:r>
-            <a:r>
-              <a:rPr lang="en-US" sz="3200" dirty="0" smtClean="0">
-                <a:latin typeface="Berlin Sans FB" panose="020E0602020502020306" pitchFamily="34" charset="0"/>
-                <a:cs typeface="Times New Roman" panose="02020603050405020304" pitchFamily="18" charset="0"/>
-              </a:rPr>
-              <a:t>current</a:t>
-            </a:r>
-            <a:r>
-              <a:rPr lang="ru-RU" sz="3200" dirty="0" smtClean="0">
+              <a:t>seasons including the current</a:t>
+            </a:r>
+            <a:r>
+              <a:rPr lang="ru-RU" sz="3200" dirty="0">
                 <a:latin typeface="Berlin Sans FB" panose="020E0602020502020306" pitchFamily="34" charset="0"/>
                 <a:cs typeface="Times New Roman" panose="02020603050405020304" pitchFamily="18" charset="0"/>
               </a:rPr>
@@ -9612,18 +8998,11 @@
               <a:t>, </a:t>
             </a:r>
             <a:r>
-              <a:rPr lang="en-US" sz="3200" dirty="0" smtClean="0">
-                <a:latin typeface="Berlin Sans FB" panose="020E0602020502020306" pitchFamily="34" charset="0"/>
-                <a:cs typeface="Times New Roman" panose="02020603050405020304" pitchFamily="18" charset="0"/>
-              </a:rPr>
-              <a:t>who </a:t>
-            </a:r>
-            <a:r>
               <a:rPr lang="en-US" sz="3200" dirty="0">
                 <a:latin typeface="Berlin Sans FB" panose="020E0602020502020306" pitchFamily="34" charset="0"/>
                 <a:cs typeface="Times New Roman" panose="02020603050405020304" pitchFamily="18" charset="0"/>
               </a:rPr>
-              <a:t>gave their coefficient </a:t>
+              <a:t>who gave their coefficient </a:t>
             </a:r>
             <a:r>
               <a:rPr lang="et-EE" sz="3200" dirty="0">
@@ -9637,14 +9016,7 @@
                 <a:latin typeface="Berlin Sans FB" panose="020E0602020502020306" pitchFamily="34" charset="0"/>
                 <a:cs typeface="Times New Roman" panose="02020603050405020304" pitchFamily="18" charset="0"/>
               </a:rPr>
-              <a:t>who would </a:t>
-            </a:r>
-            <a:r>
-              <a:rPr lang="en-US" sz="3200" dirty="0" smtClean="0">
-                <a:latin typeface="Berlin Sans FB" panose="020E0602020502020306" pitchFamily="34" charset="0"/>
-                <a:cs typeface="Times New Roman" panose="02020603050405020304" pitchFamily="18" charset="0"/>
-              </a:rPr>
-              <a:t>win</a:t>
+              <a:t>who would win</a:t>
             </a:r>
             <a:r>
               <a:rPr lang="et-EE" sz="3200" dirty="0">
@@ -9660,10 +9032,6 @@
               </a:rPr>
               <a:t>(difference in 0.1 decimal). Unfortunately, the data files did not have any information about the players, so only teams and coefficients were taken into account for prediction</a:t>
             </a:r>
-            <a:endParaRPr lang="en-US" sz="3200" dirty="0">
-              <a:latin typeface="Berlin Sans FB" panose="020E0602020502020306" pitchFamily="34" charset="0"/>
-              <a:cs typeface="Times New Roman" panose="02020603050405020304" pitchFamily="18" charset="0"/>
-            </a:endParaRPr>
           </a:p>
         </p:txBody>
       </p:sp>
@@ -9675,8 +9043,8 @@
         </p:nvSpPr>
         <p:spPr>
           <a:xfrm>
-            <a:off x="19969316" y="28780321"/>
-            <a:ext cx="8387413" cy="4647426"/>
+            <a:off x="19567884" y="28780321"/>
+            <a:ext cx="8788846" cy="5139869"/>
           </a:xfrm>
           <a:prstGeom prst="rect">
             <a:avLst/>
@@ -9693,12 +9061,12 @@
           <a:p>
             <a:pPr algn="ctr"/>
             <a:r>
-              <a:rPr lang="en-US" sz="4000" b="1" dirty="0" smtClean="0">
+              <a:rPr lang="en-US" sz="4000" b="1" dirty="0">
                 <a:latin typeface="Berlin Sans FB" panose="020E0602020502020306" pitchFamily="34" charset="0"/>
               </a:rPr>
               <a:t>Fun facts</a:t>
             </a:r>
-            <a:endParaRPr lang="et-EE" sz="4000" b="1" dirty="0" smtClean="0">
+            <a:endParaRPr lang="et-EE" sz="4000" b="1" dirty="0">
               <a:latin typeface="Berlin Sans FB" panose="020E0602020502020306" pitchFamily="34" charset="0"/>
             </a:endParaRPr>
           </a:p>
@@ -9711,12 +9079,12 @@
               <a:buChar char="ü"/>
             </a:pPr>
             <a:r>
-              <a:rPr lang="en-US" sz="3200" dirty="0" smtClean="0">
+              <a:rPr lang="en-US" sz="3200" dirty="0">
                 <a:latin typeface="Berlin Sans FB" panose="020E0602020502020306" pitchFamily="34" charset="0"/>
               </a:rPr>
-              <a:t>In every fifth game, a weak team wins a strong</a:t>
-            </a:r>
-            <a:endParaRPr lang="et-EE" sz="3200" dirty="0" smtClean="0">
+              <a:t>In every fifth game, a weaker team wins the match</a:t>
+            </a:r>
+            <a:endParaRPr lang="et-EE" sz="3200" dirty="0">
               <a:latin typeface="Berlin Sans FB" panose="020E0602020502020306" pitchFamily="34" charset="0"/>
             </a:endParaRPr>
           </a:p>
@@ -9729,24 +9097,12 @@
               <a:buChar char="ü"/>
             </a:pPr>
             <a:r>
-              <a:rPr lang="en-US" sz="3200" dirty="0" smtClean="0">
-                <a:latin typeface="Berlin Sans FB" panose="020E0602020502020306" pitchFamily="34" charset="0"/>
-              </a:rPr>
-              <a:t>45</a:t>
-            </a:r>
-            <a:r>
               <a:rPr lang="en-US" sz="3200" dirty="0">
                 <a:latin typeface="Berlin Sans FB" panose="020E0602020502020306" pitchFamily="34" charset="0"/>
               </a:rPr>
-              <a:t>% of games end in a draw or loss of strong </a:t>
-            </a:r>
-            <a:r>
-              <a:rPr lang="en-US" sz="3200" dirty="0" smtClean="0">
-                <a:latin typeface="Berlin Sans FB" panose="020E0602020502020306" pitchFamily="34" charset="0"/>
-              </a:rPr>
-              <a:t>team</a:t>
-            </a:r>
-            <a:endParaRPr lang="et-EE" sz="3200" dirty="0" smtClean="0">
+              <a:t>45% of games end in a draw or loss of stronger team</a:t>
+            </a:r>
+            <a:endParaRPr lang="et-EE" sz="3200" dirty="0">
               <a:latin typeface="Berlin Sans FB" panose="020E0602020502020306" pitchFamily="34" charset="0"/>
             </a:endParaRPr>
           </a:p>
@@ -9762,15 +9118,9 @@
               <a:rPr lang="en-US" sz="3200" dirty="0">
                 <a:latin typeface="Berlin Sans FB" panose="020E0602020502020306" pitchFamily="34" charset="0"/>
               </a:rPr>
-              <a:t>The more training data, the worse the model </a:t>
-            </a:r>
-            <a:r>
-              <a:rPr lang="en-US" sz="3200" dirty="0" smtClean="0">
-                <a:latin typeface="Berlin Sans FB" panose="020E0602020502020306" pitchFamily="34" charset="0"/>
-              </a:rPr>
-              <a:t>predicts</a:t>
-            </a:r>
-            <a:endParaRPr lang="ru-RU" sz="3200" dirty="0" smtClean="0">
+              <a:t>The more training data, the worse the model predicts</a:t>
+            </a:r>
+            <a:endParaRPr lang="ru-RU" sz="3200" dirty="0">
               <a:latin typeface="Berlin Sans FB" panose="020E0602020502020306" pitchFamily="34" charset="0"/>
             </a:endParaRPr>
           </a:p>
@@ -9786,31 +9136,43 @@
               <a:rPr lang="en-US" sz="3200" dirty="0">
                 <a:latin typeface="Berlin Sans FB" panose="020E0602020502020306" pitchFamily="34" charset="0"/>
               </a:rPr>
-              <a:t>Most often, weak teams won strong </a:t>
-            </a:r>
-            <a:r>
-              <a:rPr lang="en-US" sz="3200" dirty="0" smtClean="0">
+              <a:t>Most often, </a:t>
+            </a:r>
+            <a:r>
+              <a:rPr lang="en-US" sz="3200">
                 <a:latin typeface="Berlin Sans FB" panose="020E0602020502020306" pitchFamily="34" charset="0"/>
               </a:rPr>
-              <a:t>when</a:t>
-            </a:r>
-            <a:r>
-              <a:rPr lang="ru-RU" sz="3200" dirty="0" smtClean="0">
+              <a:t>when weaker teams </a:t>
+            </a:r>
+            <a:r>
+              <a:rPr lang="en-US" sz="3200" dirty="0">
+                <a:latin typeface="Berlin Sans FB" panose="020E0602020502020306" pitchFamily="34" charset="0"/>
+              </a:rPr>
+              <a:t>won </a:t>
+            </a:r>
+            <a:r>
+              <a:rPr lang="en-US" sz="3200">
+                <a:latin typeface="Berlin Sans FB" panose="020E0602020502020306" pitchFamily="34" charset="0"/>
+              </a:rPr>
+              <a:t>stronger teams were</a:t>
+            </a:r>
+            <a:r>
+              <a:rPr lang="en-US" sz="3200" dirty="0">
+                <a:latin typeface="Berlin Sans FB" panose="020E0602020502020306" pitchFamily="34" charset="0"/>
+              </a:rPr>
+              <a:t>, when</a:t>
+            </a:r>
+            <a:r>
+              <a:rPr lang="ru-RU" sz="3200" dirty="0">
                 <a:latin typeface="Berlin Sans FB" panose="020E0602020502020306" pitchFamily="34" charset="0"/>
               </a:rPr>
               <a:t> </a:t>
             </a:r>
             <a:r>
-              <a:rPr lang="en-US" sz="3200" dirty="0" smtClean="0">
-                <a:latin typeface="Berlin Sans FB" panose="020E0602020502020306" pitchFamily="34" charset="0"/>
-              </a:rPr>
-              <a:t>referee </a:t>
-            </a:r>
-            <a:r>
               <a:rPr lang="en-US" sz="3200" dirty="0">
                 <a:latin typeface="Berlin Sans FB" panose="020E0602020502020306" pitchFamily="34" charset="0"/>
               </a:rPr>
-              <a:t>Martin </a:t>
+              <a:t>referee Martin </a:t>
             </a:r>
             <a:r>
               <a:rPr lang="en-US" sz="3200" dirty="0" err="1">
@@ -9825,22 +9187,16 @@
               <a:t> </a:t>
             </a:r>
             <a:r>
-              <a:rPr lang="et-EE" sz="3200" dirty="0" err="1" smtClean="0">
+              <a:rPr lang="et-EE" sz="3200" dirty="0" err="1">
                 <a:latin typeface="Berlin Sans FB" panose="020E0602020502020306" pitchFamily="34" charset="0"/>
               </a:rPr>
               <a:t>wa</a:t>
             </a:r>
             <a:r>
-              <a:rPr lang="en-US" sz="3200" dirty="0" smtClean="0">
-                <a:latin typeface="Berlin Sans FB" panose="020E0602020502020306" pitchFamily="34" charset="0"/>
-              </a:rPr>
-              <a:t>s </a:t>
-            </a:r>
-            <a:r>
               <a:rPr lang="en-US" sz="3200" dirty="0">
                 <a:latin typeface="Berlin Sans FB" panose="020E0602020502020306" pitchFamily="34" charset="0"/>
               </a:rPr>
-              <a:t>on the field</a:t>
+              <a:t>s on the field</a:t>
             </a:r>
           </a:p>
         </p:txBody>
@@ -9853,8 +9209,8 @@
         </p:nvSpPr>
         <p:spPr>
           <a:xfrm>
-            <a:off x="19969316" y="34541649"/>
-            <a:ext cx="8387413" cy="3170099"/>
+            <a:off x="19567884" y="34541649"/>
+            <a:ext cx="8788846" cy="2677656"/>
           </a:xfrm>
           <a:prstGeom prst="rect">
             <a:avLst/>
@@ -9871,12 +9227,12 @@
           <a:p>
             <a:pPr algn="ctr"/>
             <a:r>
-              <a:rPr lang="en-US" sz="4000" b="1" dirty="0" smtClean="0">
+              <a:rPr lang="en-US" sz="4000" b="1" dirty="0">
                 <a:latin typeface="Berlin Sans FB" panose="020E0602020502020306" pitchFamily="34" charset="0"/>
               </a:rPr>
               <a:t>Conclusion</a:t>
             </a:r>
-            <a:endParaRPr lang="et-EE" sz="4000" b="1" dirty="0" smtClean="0">
+            <a:endParaRPr lang="et-EE" sz="4000" b="1" dirty="0">
               <a:latin typeface="Berlin Sans FB" panose="020E0602020502020306" pitchFamily="34" charset="0"/>
             </a:endParaRPr>
           </a:p>
@@ -9886,16 +9242,10 @@
               <a:rPr lang="en-US" sz="3200" dirty="0">
                 <a:latin typeface="Berlin Sans FB" panose="020E0602020502020306" pitchFamily="34" charset="0"/>
               </a:rPr>
-              <a:t>In the end, we can say that making money through football betting is very risky. You can never be sure that a weak team with a coefficient of 11.0 can lose to a team with a coefficient of </a:t>
-            </a:r>
-            <a:r>
-              <a:rPr lang="en-US" sz="3200" dirty="0" smtClean="0">
-                <a:latin typeface="Berlin Sans FB" panose="020E0602020502020306" pitchFamily="34" charset="0"/>
-              </a:rPr>
-              <a:t>1.10</a:t>
-            </a:r>
-            <a:r>
-              <a:rPr lang="ru-RU" sz="3200" dirty="0" smtClean="0">
+              <a:t>In the end, we can say that making money through football betting is very risky. You can never be sure that a weak team with a coefficient of 11.0 can lose to a team with a coefficient of 1.10</a:t>
+            </a:r>
+            <a:r>
+              <a:rPr lang="ru-RU" sz="3200" dirty="0">
                 <a:latin typeface="Berlin Sans FB" panose="020E0602020502020306" pitchFamily="34" charset="0"/>
               </a:rPr>
               <a:t>. </a:t>

--- a/poster.pptx
+++ b/poster.pptx
@@ -8265,7 +8265,7 @@
         <p:spPr>
           <a:xfrm>
             <a:off x="1409700" y="6353397"/>
-            <a:ext cx="27432000" cy="34677258"/>
+            <a:ext cx="27432000" cy="35562166"/>
           </a:xfrm>
           <a:prstGeom prst="rect">
             <a:avLst/>
@@ -8689,7 +8689,7 @@
         </p:nvSpPr>
         <p:spPr>
           <a:xfrm>
-            <a:off x="19561073" y="25328871"/>
+            <a:off x="19561073" y="25389049"/>
             <a:ext cx="8795656" cy="2669584"/>
           </a:xfrm>
           <a:prstGeom prst="borderCallout2">
@@ -9043,7 +9043,7 @@
         </p:nvSpPr>
         <p:spPr>
           <a:xfrm>
-            <a:off x="19567884" y="28780321"/>
+            <a:off x="19567883" y="29201761"/>
             <a:ext cx="8788846" cy="5139869"/>
           </a:xfrm>
           <a:prstGeom prst="rect">
@@ -9136,31 +9136,7 @@
               <a:rPr lang="en-US" sz="3200" dirty="0">
                 <a:latin typeface="Berlin Sans FB" panose="020E0602020502020306" pitchFamily="34" charset="0"/>
               </a:rPr>
-              <a:t>Most often, </a:t>
-            </a:r>
-            <a:r>
-              <a:rPr lang="en-US" sz="3200">
-                <a:latin typeface="Berlin Sans FB" panose="020E0602020502020306" pitchFamily="34" charset="0"/>
-              </a:rPr>
-              <a:t>when weaker teams </a:t>
-            </a:r>
-            <a:r>
-              <a:rPr lang="en-US" sz="3200" dirty="0">
-                <a:latin typeface="Berlin Sans FB" panose="020E0602020502020306" pitchFamily="34" charset="0"/>
-              </a:rPr>
-              <a:t>won </a:t>
-            </a:r>
-            <a:r>
-              <a:rPr lang="en-US" sz="3200">
-                <a:latin typeface="Berlin Sans FB" panose="020E0602020502020306" pitchFamily="34" charset="0"/>
-              </a:rPr>
-              <a:t>stronger teams were</a:t>
-            </a:r>
-            <a:r>
-              <a:rPr lang="en-US" sz="3200" dirty="0">
-                <a:latin typeface="Berlin Sans FB" panose="020E0602020502020306" pitchFamily="34" charset="0"/>
-              </a:rPr>
-              <a:t>, when</a:t>
+              <a:t>Most often, when weaker teams won stronger teams were, when</a:t>
             </a:r>
             <a:r>
               <a:rPr lang="ru-RU" sz="3200" dirty="0">
@@ -9209,8 +9185,8 @@
         </p:nvSpPr>
         <p:spPr>
           <a:xfrm>
-            <a:off x="19567884" y="34541649"/>
-            <a:ext cx="8788846" cy="2677656"/>
+            <a:off x="19602056" y="35544936"/>
+            <a:ext cx="8788846" cy="4154984"/>
           </a:xfrm>
           <a:prstGeom prst="rect">
             <a:avLst/>
@@ -9248,11 +9224,20 @@
               <a:rPr lang="ru-RU" sz="3200" dirty="0">
                 <a:latin typeface="Berlin Sans FB" panose="020E0602020502020306" pitchFamily="34" charset="0"/>
               </a:rPr>
-              <a:t>. </a:t>
-            </a:r>
-            <a:endParaRPr lang="en-US" sz="3200" dirty="0">
+              <a:t>.</a:t>
+            </a:r>
+            <a:endParaRPr lang="et-EE" sz="3200" dirty="0">
               <a:latin typeface="Berlin Sans FB" panose="020E0602020502020306" pitchFamily="34" charset="0"/>
             </a:endParaRPr>
+          </a:p>
+          <a:p>
+            <a:pPr algn="just"/>
+            <a:r>
+              <a:rPr lang="en-US" sz="3200" dirty="0">
+                <a:latin typeface="Berlin Sans FB" panose="020E0602020502020306" pitchFamily="34" charset="0"/>
+              </a:rPr>
+              <a:t>We also found out, that you can not take too old data as teams have changed their roster, so you have to find the sweet spot.</a:t>
+            </a:r>
           </a:p>
         </p:txBody>
       </p:sp>
@@ -9371,6 +9356,289 @@
           </a:fontRef>
         </p:style>
       </p:cxnSp>
+      <p:pic>
+        <p:nvPicPr>
+          <p:cNvPr id="1028" name="Picture 4" descr="Image result for tartu university logo -site:pinterest.*">
+            <a:extLst>
+              <a:ext uri="{FF2B5EF4-FFF2-40B4-BE49-F238E27FC236}">
+                <a16:creationId xmlns:a16="http://schemas.microsoft.com/office/drawing/2014/main" id="{F1B05362-7D61-4E4F-A770-F58131D85D1E}"/>
+              </a:ext>
+            </a:extLst>
+          </p:cNvPr>
+          <p:cNvPicPr>
+            <a:picLocks noChangeAspect="1" noChangeArrowheads="1"/>
+          </p:cNvPicPr>
+          <p:nvPr/>
+        </p:nvPicPr>
+        <p:blipFill>
+          <a:blip r:embed="rId5">
+            <a:extLst>
+              <a:ext uri="{28A0092B-C50C-407E-A947-70E740481C1C}">
+                <a14:useLocalDpi xmlns:a14="http://schemas.microsoft.com/office/drawing/2010/main" val="0"/>
+              </a:ext>
+            </a:extLst>
+          </a:blip>
+          <a:srcRect/>
+          <a:stretch>
+            <a:fillRect/>
+          </a:stretch>
+        </p:blipFill>
+        <p:spPr bwMode="auto">
+          <a:xfrm>
+            <a:off x="3223512" y="1833873"/>
+            <a:ext cx="3490572" cy="3490572"/>
+          </a:xfrm>
+          <a:prstGeom prst="rect">
+            <a:avLst/>
+          </a:prstGeom>
+          <a:solidFill>
+            <a:srgbClr val="FFFFFF">
+              <a:shade val="85000"/>
+            </a:srgbClr>
+          </a:solidFill>
+          <a:ln w="190500" cap="rnd">
+            <a:solidFill>
+              <a:srgbClr val="FFFFFF"/>
+            </a:solidFill>
+          </a:ln>
+          <a:effectLst>
+            <a:outerShdw blurRad="50000" algn="tl" rotWithShape="0">
+              <a:srgbClr val="000000">
+                <a:alpha val="41000"/>
+              </a:srgbClr>
+            </a:outerShdw>
+          </a:effectLst>
+          <a:scene3d>
+            <a:camera prst="orthographicFront"/>
+            <a:lightRig rig="twoPt" dir="t">
+              <a:rot lat="0" lon="0" rev="7800000"/>
+            </a:lightRig>
+          </a:scene3d>
+          <a:sp3d contourW="6350">
+            <a:bevelT w="50800" h="16510"/>
+            <a:contourClr>
+              <a:srgbClr val="C0C0C0"/>
+            </a:contourClr>
+          </a:sp3d>
+          <a:extLst>
+            <a:ext uri="{909E8E84-426E-40DD-AFC4-6F175D3DCCD1}">
+              <a14:hiddenFill xmlns:a14="http://schemas.microsoft.com/office/drawing/2010/main">
+                <a:solidFill>
+                  <a:srgbClr val="FFFFFF"/>
+                </a:solidFill>
+              </a14:hiddenFill>
+            </a:ext>
+          </a:extLst>
+        </p:spPr>
+      </p:pic>
+      <p:pic>
+        <p:nvPicPr>
+          <p:cNvPr id="1030" name="Picture 6" descr="Image result for england premier league logo -site:pinterest.*">
+            <a:extLst>
+              <a:ext uri="{FF2B5EF4-FFF2-40B4-BE49-F238E27FC236}">
+                <a16:creationId xmlns:a16="http://schemas.microsoft.com/office/drawing/2014/main" id="{8BFA526C-36B6-40BD-B1BA-11F46E7EDA18}"/>
+              </a:ext>
+            </a:extLst>
+          </p:cNvPr>
+          <p:cNvPicPr>
+            <a:picLocks noChangeAspect="1" noChangeArrowheads="1"/>
+          </p:cNvPicPr>
+          <p:nvPr/>
+        </p:nvPicPr>
+        <p:blipFill>
+          <a:blip r:embed="rId6">
+            <a:extLst>
+              <a:ext uri="{28A0092B-C50C-407E-A947-70E740481C1C}">
+                <a14:useLocalDpi xmlns:a14="http://schemas.microsoft.com/office/drawing/2010/main" val="0"/>
+              </a:ext>
+            </a:extLst>
+          </a:blip>
+          <a:srcRect/>
+          <a:stretch>
+            <a:fillRect/>
+          </a:stretch>
+        </p:blipFill>
+        <p:spPr bwMode="auto">
+          <a:xfrm>
+            <a:off x="21972866" y="2259339"/>
+            <a:ext cx="6050790" cy="2536289"/>
+          </a:xfrm>
+          <a:prstGeom prst="rect">
+            <a:avLst/>
+          </a:prstGeom>
+          <a:solidFill>
+            <a:srgbClr val="FFFFFF">
+              <a:shade val="85000"/>
+            </a:srgbClr>
+          </a:solidFill>
+          <a:ln w="190500" cap="rnd">
+            <a:solidFill>
+              <a:srgbClr val="FFFFFF"/>
+            </a:solidFill>
+          </a:ln>
+          <a:effectLst>
+            <a:outerShdw blurRad="50000" algn="tl" rotWithShape="0">
+              <a:srgbClr val="000000">
+                <a:alpha val="41000"/>
+              </a:srgbClr>
+            </a:outerShdw>
+          </a:effectLst>
+          <a:scene3d>
+            <a:camera prst="orthographicFront"/>
+            <a:lightRig rig="twoPt" dir="t">
+              <a:rot lat="0" lon="0" rev="7800000"/>
+            </a:lightRig>
+          </a:scene3d>
+          <a:sp3d contourW="6350">
+            <a:bevelT w="50800" h="16510"/>
+            <a:contourClr>
+              <a:srgbClr val="C0C0C0"/>
+            </a:contourClr>
+          </a:sp3d>
+          <a:extLst>
+            <a:ext uri="{909E8E84-426E-40DD-AFC4-6F175D3DCCD1}">
+              <a14:hiddenFill xmlns:a14="http://schemas.microsoft.com/office/drawing/2010/main">
+                <a:solidFill>
+                  <a:srgbClr val="FFFFFF"/>
+                </a:solidFill>
+              </a14:hiddenFill>
+            </a:ext>
+          </a:extLst>
+        </p:spPr>
+      </p:pic>
+      <p:pic>
+        <p:nvPicPr>
+          <p:cNvPr id="5" name="Picture 4" descr="A picture containing drawing&#10;&#10;Description automatically generated">
+            <a:extLst>
+              <a:ext uri="{FF2B5EF4-FFF2-40B4-BE49-F238E27FC236}">
+                <a16:creationId xmlns:a16="http://schemas.microsoft.com/office/drawing/2014/main" id="{FBC657A2-50A1-4DC9-8D27-DD9A0BED5EB3}"/>
+              </a:ext>
+            </a:extLst>
+          </p:cNvPr>
+          <p:cNvPicPr>
+            <a:picLocks noChangeAspect="1"/>
+          </p:cNvPicPr>
+          <p:nvPr/>
+        </p:nvPicPr>
+        <p:blipFill>
+          <a:blip r:embed="rId7">
+            <a:extLst>
+              <a:ext uri="{28A0092B-C50C-407E-A947-70E740481C1C}">
+                <a14:useLocalDpi xmlns:a14="http://schemas.microsoft.com/office/drawing/2010/main" val="0"/>
+              </a:ext>
+            </a:extLst>
+          </a:blip>
+          <a:stretch>
+            <a:fillRect/>
+          </a:stretch>
+        </p:blipFill>
+        <p:spPr>
+          <a:xfrm>
+            <a:off x="2051394" y="38722748"/>
+            <a:ext cx="2917404" cy="2917404"/>
+          </a:xfrm>
+          <a:prstGeom prst="rect">
+            <a:avLst/>
+          </a:prstGeom>
+        </p:spPr>
+      </p:pic>
+      <p:sp>
+        <p:nvSpPr>
+          <p:cNvPr id="8" name="Arrow: Right 7">
+            <a:extLst>
+              <a:ext uri="{FF2B5EF4-FFF2-40B4-BE49-F238E27FC236}">
+                <a16:creationId xmlns:a16="http://schemas.microsoft.com/office/drawing/2014/main" id="{208FF313-4F1F-4E87-8264-BA0DCC38D5D4}"/>
+              </a:ext>
+            </a:extLst>
+          </p:cNvPr>
+          <p:cNvSpPr/>
+          <p:nvPr/>
+        </p:nvSpPr>
+        <p:spPr>
+          <a:xfrm rot="10800000">
+            <a:off x="5582020" y="39486887"/>
+            <a:ext cx="2917403" cy="2021475"/>
+          </a:xfrm>
+          <a:prstGeom prst="rightArrow">
+            <a:avLst/>
+          </a:prstGeom>
+        </p:spPr>
+        <p:style>
+          <a:lnRef idx="2">
+            <a:schemeClr val="accent2">
+              <a:shade val="50000"/>
+            </a:schemeClr>
+          </a:lnRef>
+          <a:fillRef idx="1">
+            <a:schemeClr val="accent2"/>
+          </a:fillRef>
+          <a:effectRef idx="0">
+            <a:schemeClr val="accent2"/>
+          </a:effectRef>
+          <a:fontRef idx="minor">
+            <a:schemeClr val="lt1"/>
+          </a:fontRef>
+        </p:style>
+        <p:txBody>
+          <a:bodyPr rtlCol="0" anchor="ctr"/>
+          <a:lstStyle/>
+          <a:p>
+            <a:pPr algn="ctr"/>
+            <a:endParaRPr lang="en-US"/>
+          </a:p>
+        </p:txBody>
+      </p:sp>
+      <p:sp>
+        <p:nvSpPr>
+          <p:cNvPr id="9" name="TextBox 8">
+            <a:extLst>
+              <a:ext uri="{FF2B5EF4-FFF2-40B4-BE49-F238E27FC236}">
+                <a16:creationId xmlns:a16="http://schemas.microsoft.com/office/drawing/2014/main" id="{A75F1ECB-78EA-40B3-9DB4-EEE1AD6478D6}"/>
+              </a:ext>
+            </a:extLst>
+          </p:cNvPr>
+          <p:cNvSpPr txBox="1"/>
+          <p:nvPr/>
+        </p:nvSpPr>
+        <p:spPr>
+          <a:xfrm rot="1120518">
+            <a:off x="9181433" y="39943277"/>
+            <a:ext cx="4945502" cy="1323439"/>
+          </a:xfrm>
+          <a:prstGeom prst="rect">
+            <a:avLst/>
+          </a:prstGeom>
+          <a:noFill/>
+        </p:spPr>
+        <p:txBody>
+          <a:bodyPr wrap="square" rtlCol="0">
+            <a:spAutoFit/>
+          </a:bodyPr>
+          <a:lstStyle/>
+          <a:p>
+            <a:r>
+              <a:rPr lang="en-US" sz="4000" b="1" dirty="0">
+                <a:ln w="6600">
+                  <a:solidFill>
+                    <a:schemeClr val="accent2"/>
+                  </a:solidFill>
+                  <a:prstDash val="solid"/>
+                </a:ln>
+                <a:solidFill>
+                  <a:srgbClr val="FFFFFF"/>
+                </a:solidFill>
+                <a:effectLst>
+                  <a:outerShdw dist="38100" dir="2700000" algn="tl" rotWithShape="0">
+                    <a:schemeClr val="accent2"/>
+                  </a:outerShdw>
+                </a:effectLst>
+                <a:latin typeface="Berlin Sans FB" panose="020E0602020502020306" pitchFamily="34" charset="0"/>
+              </a:rPr>
+              <a:t>Our predictions for next week matches </a:t>
+            </a:r>
+          </a:p>
+        </p:txBody>
+      </p:sp>
     </p:spTree>
     <p:extLst>
       <p:ext uri="{BB962C8B-B14F-4D97-AF65-F5344CB8AC3E}">

--- a/poster.pptx
+++ b/poster.pptx
@@ -126,7 +126,7 @@
 <file path=ppt/charts/chart1.xml><?xml version="1.0" encoding="utf-8"?>
 <c:chartSpace xmlns:c="http://schemas.openxmlformats.org/drawingml/2006/chart" xmlns:a="http://schemas.openxmlformats.org/drawingml/2006/main" xmlns:r="http://schemas.openxmlformats.org/officeDocument/2006/relationships" xmlns:c16r2="http://schemas.microsoft.com/office/drawing/2015/06/chart">
   <c:date1904 val="0"/>
-  <c:lang val="en-US"/>
+  <c:lang val="et-EE"/>
   <c:roundedCorners val="0"/>
   <mc:AlternateContent xmlns:mc="http://schemas.openxmlformats.org/markup-compatibility/2006">
     <mc:Choice xmlns:c14="http://schemas.microsoft.com/office/drawing/2007/8/2/chart" Requires="c14">
@@ -176,6 +176,7 @@
           </a:p>
         </c:rich>
       </c:tx>
+      <c:layout/>
       <c:overlay val="0"/>
       <c:spPr>
         <a:noFill/>
@@ -201,7 +202,7 @@
               <a:cs typeface="+mn-cs"/>
             </a:defRPr>
           </a:pPr>
-          <a:endParaRPr lang="en-US"/>
+          <a:endParaRPr lang="et-EE"/>
         </a:p>
       </c:txPr>
     </c:title>
@@ -263,7 +264,7 @@
                     <a:cs typeface="+mn-cs"/>
                   </a:defRPr>
                 </a:pPr>
-                <a:endParaRPr lang="en-US"/>
+                <a:endParaRPr lang="et-EE"/>
               </a:p>
             </c:txPr>
             <c:showLegendKey val="0"/>
@@ -275,6 +276,7 @@
             <c:showLeaderLines val="0"/>
             <c:extLst>
               <c:ext xmlns:c15="http://schemas.microsoft.com/office/drawing/2012/chart" uri="{CE6537A1-D6FC-4f65-9D91-7224C49458BB}">
+                <c15:layout/>
                 <c15:showLeaderLines val="1"/>
                 <c15:leaderLines>
                   <c:spPr>
@@ -397,7 +399,7 @@
                     <a:cs typeface="+mn-cs"/>
                   </a:defRPr>
                 </a:pPr>
-                <a:endParaRPr lang="en-US"/>
+                <a:endParaRPr lang="et-EE"/>
               </a:p>
             </c:txPr>
             <c:showLegendKey val="0"/>
@@ -409,6 +411,7 @@
             <c:showLeaderLines val="0"/>
             <c:extLst>
               <c:ext xmlns:c15="http://schemas.microsoft.com/office/drawing/2012/chart" uri="{CE6537A1-D6FC-4f65-9D91-7224C49458BB}">
+                <c15:layout/>
                 <c15:showLeaderLines val="1"/>
                 <c15:leaderLines>
                   <c:spPr>
@@ -534,7 +537,7 @@
                 <a:cs typeface="+mn-cs"/>
               </a:defRPr>
             </a:pPr>
-            <a:endParaRPr lang="en-US"/>
+            <a:endParaRPr lang="et-EE"/>
           </a:p>
         </c:txPr>
         <c:crossAx val="454407592"/>
@@ -593,7 +596,7 @@
                 <a:cs typeface="+mn-cs"/>
               </a:defRPr>
             </a:pPr>
-            <a:endParaRPr lang="en-US"/>
+            <a:endParaRPr lang="et-EE"/>
           </a:p>
         </c:txPr>
         <c:crossAx val="454401688"/>
@@ -610,6 +613,7 @@
     </c:plotArea>
     <c:legend>
       <c:legendPos val="b"/>
+      <c:layout/>
       <c:overlay val="0"/>
       <c:spPr>
         <a:noFill/>
@@ -635,7 +639,7 @@
               <a:cs typeface="+mn-cs"/>
             </a:defRPr>
           </a:pPr>
-          <a:endParaRPr lang="en-US"/>
+          <a:endParaRPr lang="et-EE"/>
         </a:p>
       </c:txPr>
     </c:legend>
@@ -648,7 +652,9 @@
       <a:schemeClr val="bg1"/>
     </a:solidFill>
     <a:ln>
-      <a:noFill/>
+      <a:solidFill>
+        <a:schemeClr val="tx1"/>
+      </a:solidFill>
     </a:ln>
     <a:effectLst/>
   </c:spPr>
@@ -659,7 +665,7 @@
       <a:pPr>
         <a:defRPr/>
       </a:pPr>
-      <a:endParaRPr lang="en-US"/>
+      <a:endParaRPr lang="et-EE"/>
     </a:p>
   </c:txPr>
   <c:externalData r:id="rId3">
@@ -671,7 +677,7 @@
 <file path=ppt/charts/chart2.xml><?xml version="1.0" encoding="utf-8"?>
 <c:chartSpace xmlns:c="http://schemas.openxmlformats.org/drawingml/2006/chart" xmlns:a="http://schemas.openxmlformats.org/drawingml/2006/main" xmlns:r="http://schemas.openxmlformats.org/officeDocument/2006/relationships" xmlns:c16r2="http://schemas.microsoft.com/office/drawing/2015/06/chart">
   <c:date1904 val="0"/>
-  <c:lang val="en-US"/>
+  <c:lang val="et-EE"/>
   <c:roundedCorners val="0"/>
   <mc:AlternateContent xmlns:mc="http://schemas.openxmlformats.org/markup-compatibility/2006">
     <mc:Choice xmlns:c14="http://schemas.microsoft.com/office/drawing/2007/8/2/chart" Requires="c14">
@@ -705,6 +711,7 @@
           </a:p>
         </c:rich>
       </c:tx>
+      <c:layout/>
       <c:overlay val="0"/>
       <c:spPr>
         <a:noFill/>
@@ -727,7 +734,7 @@
               <a:cs typeface="+mn-cs"/>
             </a:defRPr>
           </a:pPr>
-          <a:endParaRPr lang="en-US"/>
+          <a:endParaRPr lang="et-EE"/>
         </a:p>
       </c:txPr>
     </c:title>
@@ -2303,7 +2310,7 @@
                 <a:cs typeface="+mn-cs"/>
               </a:defRPr>
             </a:pPr>
-            <a:endParaRPr lang="en-US"/>
+            <a:endParaRPr lang="et-EE"/>
           </a:p>
         </c:txPr>
         <c:crossAx val="655870160"/>
@@ -2357,6 +2364,7 @@
               </a:p>
             </c:rich>
           </c:tx>
+          <c:layout/>
           <c:overlay val="0"/>
           <c:spPr>
             <a:noFill/>
@@ -2379,7 +2387,7 @@
                   <a:cs typeface="+mn-cs"/>
                 </a:defRPr>
               </a:pPr>
-              <a:endParaRPr lang="en-US"/>
+              <a:endParaRPr lang="et-EE"/>
             </a:p>
           </c:txPr>
         </c:title>
@@ -2408,7 +2416,7 @@
                 <a:cs typeface="+mn-cs"/>
               </a:defRPr>
             </a:pPr>
-            <a:endParaRPr lang="en-US"/>
+            <a:endParaRPr lang="et-EE"/>
           </a:p>
         </c:txPr>
         <c:crossAx val="655869504"/>
@@ -2447,6 +2455,7 @@
               </a:p>
             </c:rich>
           </c:tx>
+          <c:layout/>
           <c:overlay val="0"/>
           <c:spPr>
             <a:noFill/>
@@ -2469,7 +2478,7 @@
                   <a:cs typeface="+mn-cs"/>
                 </a:defRPr>
               </a:pPr>
-              <a:endParaRPr lang="en-US"/>
+              <a:endParaRPr lang="et-EE"/>
             </a:p>
           </c:txPr>
         </c:title>
@@ -2498,7 +2507,7 @@
                 <a:cs typeface="+mn-cs"/>
               </a:defRPr>
             </a:pPr>
-            <a:endParaRPr lang="en-US"/>
+            <a:endParaRPr lang="et-EE"/>
           </a:p>
         </c:txPr>
         <c:crossAx val="584572856"/>
@@ -2555,7 +2564,7 @@
                 <a:cs typeface="+mn-cs"/>
               </a:defRPr>
             </a:pPr>
-            <a:endParaRPr lang="en-US"/>
+            <a:endParaRPr lang="et-EE"/>
           </a:p>
         </c:txPr>
       </c:dTable>
@@ -2576,56 +2585,9 @@
       <a:schemeClr val="bg1"/>
     </a:solidFill>
     <a:ln w="9525" cap="flat" cmpd="sng" algn="ctr">
-      <a:gradFill flip="none" rotWithShape="1">
-        <a:gsLst>
-          <a:gs pos="80000">
-            <a:srgbClr val="B7D3ED"/>
-          </a:gs>
-          <a:gs pos="71687">
-            <a:srgbClr val="B8D4ED"/>
-          </a:gs>
-          <a:gs pos="69375">
-            <a:srgbClr val="BAD5EE"/>
-          </a:gs>
-          <a:gs pos="64750">
-            <a:srgbClr val="BED7EF"/>
-          </a:gs>
-          <a:gs pos="55500">
-            <a:srgbClr val="C6DCF1"/>
-          </a:gs>
-          <a:gs pos="37000">
-            <a:srgbClr val="D6E6F5"/>
-          </a:gs>
-          <a:gs pos="0">
-            <a:schemeClr val="accent1">
-              <a:lumMod val="5000"/>
-              <a:lumOff val="95000"/>
-            </a:schemeClr>
-          </a:gs>
-          <a:gs pos="74000">
-            <a:schemeClr val="accent1">
-              <a:lumMod val="45000"/>
-              <a:lumOff val="55000"/>
-            </a:schemeClr>
-          </a:gs>
-          <a:gs pos="83000">
-            <a:schemeClr val="accent1">
-              <a:lumMod val="45000"/>
-              <a:lumOff val="55000"/>
-            </a:schemeClr>
-          </a:gs>
-          <a:gs pos="100000">
-            <a:schemeClr val="accent1">
-              <a:lumMod val="30000"/>
-              <a:lumOff val="70000"/>
-            </a:schemeClr>
-          </a:gs>
-        </a:gsLst>
-        <a:path path="circle">
-          <a:fillToRect l="100000" t="100000"/>
-        </a:path>
-        <a:tileRect r="-100000" b="-100000"/>
-      </a:gradFill>
+      <a:solidFill>
+        <a:schemeClr val="tx1"/>
+      </a:solidFill>
       <a:round/>
     </a:ln>
     <a:effectLst/>
@@ -2641,7 +2603,7 @@
           </a:solidFill>
         </a:defRPr>
       </a:pPr>
-      <a:endParaRPr lang="en-US"/>
+      <a:endParaRPr lang="et-EE"/>
     </a:p>
   </c:txPr>
   <c:externalData r:id="rId3">
@@ -2653,7 +2615,7 @@
 <file path=ppt/charts/chart3.xml><?xml version="1.0" encoding="utf-8"?>
 <c:chartSpace xmlns:c="http://schemas.openxmlformats.org/drawingml/2006/chart" xmlns:a="http://schemas.openxmlformats.org/drawingml/2006/main" xmlns:r="http://schemas.openxmlformats.org/officeDocument/2006/relationships" xmlns:c16r2="http://schemas.microsoft.com/office/drawing/2015/06/chart">
   <c:date1904 val="0"/>
-  <c:lang val="en-US"/>
+  <c:lang val="et-EE"/>
   <c:roundedCorners val="0"/>
   <mc:AlternateContent xmlns:mc="http://schemas.openxmlformats.org/markup-compatibility/2006">
     <mc:Choice xmlns:c14="http://schemas.microsoft.com/office/drawing/2007/8/2/chart" Requires="c14">
@@ -2690,6 +2652,7 @@
           </a:p>
         </c:rich>
       </c:tx>
+      <c:layout/>
       <c:overlay val="0"/>
       <c:spPr>
         <a:noFill/>
@@ -2712,7 +2675,7 @@
               <a:cs typeface="+mn-cs"/>
             </a:defRPr>
           </a:pPr>
-          <a:endParaRPr lang="en-US"/>
+          <a:endParaRPr lang="et-EE"/>
         </a:p>
       </c:txPr>
     </c:title>
@@ -2794,7 +2757,7 @@
                     <a:cs typeface="+mn-cs"/>
                   </a:defRPr>
                 </a:pPr>
-                <a:endParaRPr lang="en-US"/>
+                <a:endParaRPr lang="et-EE"/>
               </a:p>
             </c:txPr>
             <c:dLblPos val="inEnd"/>
@@ -2807,6 +2770,7 @@
             <c:showLeaderLines val="0"/>
             <c:extLst>
               <c:ext xmlns:c15="http://schemas.microsoft.com/office/drawing/2012/chart" uri="{CE6537A1-D6FC-4f65-9D91-7224C49458BB}">
+                <c15:layout/>
                 <c15:showLeaderLines val="1"/>
                 <c15:leaderLines>
                   <c:spPr>
@@ -3038,7 +3002,7 @@
                     <a:cs typeface="+mn-cs"/>
                   </a:defRPr>
                 </a:pPr>
-                <a:endParaRPr lang="en-US"/>
+                <a:endParaRPr lang="et-EE"/>
               </a:p>
             </c:txPr>
             <c:dLblPos val="inEnd"/>
@@ -3051,6 +3015,7 @@
             <c:showLeaderLines val="0"/>
             <c:extLst>
               <c:ext xmlns:c15="http://schemas.microsoft.com/office/drawing/2012/chart" uri="{CE6537A1-D6FC-4f65-9D91-7224C49458BB}">
+                <c15:layout/>
                 <c15:showLeaderLines val="1"/>
                 <c15:leaderLines>
                   <c:spPr>
@@ -3263,7 +3228,7 @@
                 <a:cs typeface="+mn-cs"/>
               </a:defRPr>
             </a:pPr>
-            <a:endParaRPr lang="en-US"/>
+            <a:endParaRPr lang="et-EE"/>
           </a:p>
         </c:txPr>
         <c:crossAx val="454564000"/>
@@ -3319,7 +3284,7 @@
                 <a:cs typeface="+mn-cs"/>
               </a:defRPr>
             </a:pPr>
-            <a:endParaRPr lang="en-US"/>
+            <a:endParaRPr lang="et-EE"/>
           </a:p>
         </c:txPr>
         <c:crossAx val="454559080"/>
@@ -3336,6 +3301,7 @@
     </c:plotArea>
     <c:legend>
       <c:legendPos val="b"/>
+      <c:layout/>
       <c:overlay val="0"/>
       <c:spPr>
         <a:noFill/>
@@ -3358,12 +3324,13 @@
               <a:cs typeface="+mn-cs"/>
             </a:defRPr>
           </a:pPr>
-          <a:endParaRPr lang="en-US"/>
+          <a:endParaRPr lang="et-EE"/>
         </a:p>
       </c:txPr>
     </c:legend>
     <c:plotVisOnly val="1"/>
     <c:dispBlanksAs val="gap"/>
+    <c:showDLblsOverMax val="0"/>
     <c:extLst>
       <c:ext xmlns:c16r3="http://schemas.microsoft.com/office/drawing/2017/03/chart" uri="{56B9EC1D-385E-4148-901F-78D8002777C0}">
         <c16r3:dataDisplayOptions16>
@@ -3371,14 +3338,15 @@
         </c16r3:dataDisplayOptions16>
       </c:ext>
     </c:extLst>
-    <c:showDLblsOverMax val="0"/>
   </c:chart>
   <c:spPr>
     <a:solidFill>
       <a:schemeClr val="bg1"/>
     </a:solidFill>
     <a:ln>
-      <a:noFill/>
+      <a:solidFill>
+        <a:schemeClr val="tx1"/>
+      </a:solidFill>
     </a:ln>
     <a:effectLst/>
   </c:spPr>
@@ -3389,7 +3357,7 @@
       <a:pPr>
         <a:defRPr/>
       </a:pPr>
-      <a:endParaRPr lang="en-US"/>
+      <a:endParaRPr lang="et-EE"/>
     </a:p>
   </c:txPr>
   <c:externalData r:id="rId3">
@@ -5139,7 +5107,7 @@
           <a:p>
             <a:fld id="{FF02F886-A6EC-4A2D-B279-21243BFE44BC}" type="datetimeFigureOut">
               <a:rPr lang="en-US" smtClean="0"/>
-              <a:t>15-Dec-19</a:t>
+              <a:t>12/15/2019</a:t>
             </a:fld>
             <a:endParaRPr lang="en-US"/>
           </a:p>
@@ -5337,7 +5305,7 @@
           <a:p>
             <a:fld id="{FF02F886-A6EC-4A2D-B279-21243BFE44BC}" type="datetimeFigureOut">
               <a:rPr lang="en-US" smtClean="0"/>
-              <a:t>15-Dec-19</a:t>
+              <a:t>12/15/2019</a:t>
             </a:fld>
             <a:endParaRPr lang="en-US"/>
           </a:p>
@@ -5545,7 +5513,7 @@
           <a:p>
             <a:fld id="{FF02F886-A6EC-4A2D-B279-21243BFE44BC}" type="datetimeFigureOut">
               <a:rPr lang="en-US" smtClean="0"/>
-              <a:t>15-Dec-19</a:t>
+              <a:t>12/15/2019</a:t>
             </a:fld>
             <a:endParaRPr lang="en-US"/>
           </a:p>
@@ -5743,7 +5711,7 @@
           <a:p>
             <a:fld id="{FF02F886-A6EC-4A2D-B279-21243BFE44BC}" type="datetimeFigureOut">
               <a:rPr lang="en-US" smtClean="0"/>
-              <a:t>15-Dec-19</a:t>
+              <a:t>12/15/2019</a:t>
             </a:fld>
             <a:endParaRPr lang="en-US"/>
           </a:p>
@@ -6018,7 +5986,7 @@
           <a:p>
             <a:fld id="{FF02F886-A6EC-4A2D-B279-21243BFE44BC}" type="datetimeFigureOut">
               <a:rPr lang="en-US" smtClean="0"/>
-              <a:t>15-Dec-19</a:t>
+              <a:t>12/15/2019</a:t>
             </a:fld>
             <a:endParaRPr lang="en-US"/>
           </a:p>
@@ -6283,7 +6251,7 @@
           <a:p>
             <a:fld id="{FF02F886-A6EC-4A2D-B279-21243BFE44BC}" type="datetimeFigureOut">
               <a:rPr lang="en-US" smtClean="0"/>
-              <a:t>15-Dec-19</a:t>
+              <a:t>12/15/2019</a:t>
             </a:fld>
             <a:endParaRPr lang="en-US"/>
           </a:p>
@@ -6695,7 +6663,7 @@
           <a:p>
             <a:fld id="{FF02F886-A6EC-4A2D-B279-21243BFE44BC}" type="datetimeFigureOut">
               <a:rPr lang="en-US" smtClean="0"/>
-              <a:t>15-Dec-19</a:t>
+              <a:t>12/15/2019</a:t>
             </a:fld>
             <a:endParaRPr lang="en-US"/>
           </a:p>
@@ -6836,7 +6804,7 @@
           <a:p>
             <a:fld id="{FF02F886-A6EC-4A2D-B279-21243BFE44BC}" type="datetimeFigureOut">
               <a:rPr lang="en-US" smtClean="0"/>
-              <a:t>15-Dec-19</a:t>
+              <a:t>12/15/2019</a:t>
             </a:fld>
             <a:endParaRPr lang="en-US"/>
           </a:p>
@@ -6949,7 +6917,7 @@
           <a:p>
             <a:fld id="{FF02F886-A6EC-4A2D-B279-21243BFE44BC}" type="datetimeFigureOut">
               <a:rPr lang="en-US" smtClean="0"/>
-              <a:t>15-Dec-19</a:t>
+              <a:t>12/15/2019</a:t>
             </a:fld>
             <a:endParaRPr lang="en-US"/>
           </a:p>
@@ -7260,7 +7228,7 @@
           <a:p>
             <a:fld id="{FF02F886-A6EC-4A2D-B279-21243BFE44BC}" type="datetimeFigureOut">
               <a:rPr lang="en-US" smtClean="0"/>
-              <a:t>15-Dec-19</a:t>
+              <a:t>12/15/2019</a:t>
             </a:fld>
             <a:endParaRPr lang="en-US"/>
           </a:p>
@@ -7548,7 +7516,7 @@
           <a:p>
             <a:fld id="{FF02F886-A6EC-4A2D-B279-21243BFE44BC}" type="datetimeFigureOut">
               <a:rPr lang="en-US" smtClean="0"/>
-              <a:t>15-Dec-19</a:t>
+              <a:t>12/15/2019</a:t>
             </a:fld>
             <a:endParaRPr lang="en-US"/>
           </a:p>
@@ -7789,7 +7757,7 @@
           <a:p>
             <a:fld id="{FF02F886-A6EC-4A2D-B279-21243BFE44BC}" type="datetimeFigureOut">
               <a:rPr lang="en-US" smtClean="0"/>
-              <a:t>15-Dec-19</a:t>
+              <a:t>12/15/2019</a:t>
             </a:fld>
             <a:endParaRPr lang="en-US"/>
           </a:p>
@@ -8651,12 +8619,12 @@
         </p:nvCxnSpPr>
         <p:spPr>
           <a:xfrm rot="16200000" flipH="1">
-            <a:off x="22162667" y="17278350"/>
-            <a:ext cx="1265698" cy="29495"/>
+            <a:off x="22213844" y="17324987"/>
+            <a:ext cx="1138656" cy="4808"/>
           </a:xfrm>
           <a:prstGeom prst="curvedConnector3">
             <a:avLst>
-              <a:gd name="adj1" fmla="val 38348"/>
+              <a:gd name="adj1" fmla="val 50000"/>
             </a:avLst>
           </a:prstGeom>
           <a:ln w="82550">
@@ -8756,7 +8724,7 @@
           <p:nvPr>
             <p:extLst>
               <p:ext uri="{D42A27DB-BD31-4B8C-83A1-F6EECF244321}">
-                <p14:modId xmlns:p14="http://schemas.microsoft.com/office/powerpoint/2010/main" val="883573826"/>
+                <p14:modId xmlns:p14="http://schemas.microsoft.com/office/powerpoint/2010/main" val="3581233268"/>
               </p:ext>
             </p:extLst>
           </p:nvPr>
@@ -8786,7 +8754,7 @@
           <p:nvPr>
             <p:extLst>
               <p:ext uri="{D42A27DB-BD31-4B8C-83A1-F6EECF244321}">
-                <p14:modId xmlns:p14="http://schemas.microsoft.com/office/powerpoint/2010/main" val="204084706"/>
+                <p14:modId xmlns:p14="http://schemas.microsoft.com/office/powerpoint/2010/main" val="2733969623"/>
               </p:ext>
             </p:extLst>
           </p:nvPr>
@@ -8816,7 +8784,7 @@
           <p:nvPr>
             <p:extLst>
               <p:ext uri="{D42A27DB-BD31-4B8C-83A1-F6EECF244321}">
-                <p14:modId xmlns:p14="http://schemas.microsoft.com/office/powerpoint/2010/main" val="3193208946"/>
+                <p14:modId xmlns:p14="http://schemas.microsoft.com/office/powerpoint/2010/main" val="2897479629"/>
               </p:ext>
             </p:extLst>
           </p:nvPr>
@@ -8915,6 +8883,11 @@
           <a:solidFill>
             <a:schemeClr val="bg1"/>
           </a:solidFill>
+          <a:ln>
+            <a:solidFill>
+              <a:schemeClr val="tx1"/>
+            </a:solidFill>
+          </a:ln>
         </p:spPr>
         <p:txBody>
           <a:bodyPr wrap="square" rtlCol="0">
@@ -9030,8 +9003,26 @@
                 <a:latin typeface="Berlin Sans FB" panose="020E0602020502020306" pitchFamily="34" charset="0"/>
                 <a:cs typeface="Times New Roman" panose="02020603050405020304" pitchFamily="18" charset="0"/>
               </a:rPr>
-              <a:t>(difference in 0.1 decimal). Unfortunately, the data files did not have any information about the players, so only teams and coefficients were taken into account for prediction</a:t>
-            </a:r>
+              <a:t>(difference in 0.1 decimal). Unfortunately, the data files did not have any information about the players, so only teams and coefficients were taken into account for </a:t>
+            </a:r>
+            <a:r>
+              <a:rPr lang="en-US" sz="3200" dirty="0" smtClean="0">
+                <a:latin typeface="Berlin Sans FB" panose="020E0602020502020306" pitchFamily="34" charset="0"/>
+                <a:cs typeface="Times New Roman" panose="02020603050405020304" pitchFamily="18" charset="0"/>
+              </a:rPr>
+              <a:t>prediction</a:t>
+            </a:r>
+            <a:r>
+              <a:rPr lang="et-EE" sz="3200" dirty="0" smtClean="0">
+                <a:latin typeface="Berlin Sans FB" panose="020E0602020502020306" pitchFamily="34" charset="0"/>
+                <a:cs typeface="Times New Roman" panose="02020603050405020304" pitchFamily="18" charset="0"/>
+              </a:rPr>
+              <a:t>.</a:t>
+            </a:r>
+            <a:endParaRPr lang="en-US" sz="3200" dirty="0">
+              <a:latin typeface="Berlin Sans FB" panose="020E0602020502020306" pitchFamily="34" charset="0"/>
+              <a:cs typeface="Times New Roman" panose="02020603050405020304" pitchFamily="18" charset="0"/>
+            </a:endParaRPr>
           </a:p>
         </p:txBody>
       </p:sp>
@@ -9052,6 +9043,11 @@
           <a:solidFill>
             <a:schemeClr val="bg1"/>
           </a:solidFill>
+          <a:ln>
+            <a:solidFill>
+              <a:schemeClr val="tx1"/>
+            </a:solidFill>
+          </a:ln>
         </p:spPr>
         <p:txBody>
           <a:bodyPr wrap="square" rtlCol="0">
@@ -9194,6 +9190,11 @@
           <a:solidFill>
             <a:schemeClr val="bg1"/>
           </a:solidFill>
+          <a:ln>
+            <a:solidFill>
+              <a:schemeClr val="tx1"/>
+            </a:solidFill>
+          </a:ln>
         </p:spPr>
         <p:txBody>
           <a:bodyPr wrap="square" rtlCol="0">
@@ -9218,7 +9219,25 @@
               <a:rPr lang="en-US" sz="3200" dirty="0">
                 <a:latin typeface="Berlin Sans FB" panose="020E0602020502020306" pitchFamily="34" charset="0"/>
               </a:rPr>
-              <a:t>In the end, we can say that making money through football betting is very risky. You can never be sure that a weak team with a coefficient of 11.0 can lose to a team with a coefficient of 1.10</a:t>
+              <a:t>In the end, we can say that making money through football betting is very risky. You can never be sure that a weak team with a coefficient of 11.0 </a:t>
+            </a:r>
+            <a:r>
+              <a:rPr lang="et-EE" sz="3200" dirty="0" err="1" smtClean="0">
+                <a:latin typeface="Berlin Sans FB" panose="020E0602020502020306" pitchFamily="34" charset="0"/>
+              </a:rPr>
+              <a:t>will</a:t>
+            </a:r>
+            <a:r>
+              <a:rPr lang="en-US" sz="3200" dirty="0" smtClean="0">
+                <a:latin typeface="Berlin Sans FB" panose="020E0602020502020306" pitchFamily="34" charset="0"/>
+              </a:rPr>
+              <a:t> </a:t>
+            </a:r>
+            <a:r>
+              <a:rPr lang="en-US" sz="3200" dirty="0">
+                <a:latin typeface="Berlin Sans FB" panose="020E0602020502020306" pitchFamily="34" charset="0"/>
+              </a:rPr>
+              <a:t>lose to a team with a coefficient of 1.10</a:t>
             </a:r>
             <a:r>
               <a:rPr lang="ru-RU" sz="3200" dirty="0">
@@ -9420,15 +9439,7 @@
               <a:srgbClr val="C0C0C0"/>
             </a:contourClr>
           </a:sp3d>
-          <a:extLst>
-            <a:ext uri="{909E8E84-426E-40DD-AFC4-6F175D3DCCD1}">
-              <a14:hiddenFill xmlns:a14="http://schemas.microsoft.com/office/drawing/2010/main">
-                <a:solidFill>
-                  <a:srgbClr val="FFFFFF"/>
-                </a:solidFill>
-              </a14:hiddenFill>
-            </a:ext>
-          </a:extLst>
+          <a:extLst/>
         </p:spPr>
       </p:pic>
       <p:pic>
@@ -9495,15 +9506,7 @@
               <a:srgbClr val="C0C0C0"/>
             </a:contourClr>
           </a:sp3d>
-          <a:extLst>
-            <a:ext uri="{909E8E84-426E-40DD-AFC4-6F175D3DCCD1}">
-              <a14:hiddenFill xmlns:a14="http://schemas.microsoft.com/office/drawing/2010/main">
-                <a:solidFill>
-                  <a:srgbClr val="FFFFFF"/>
-                </a:solidFill>
-              </a14:hiddenFill>
-            </a:ext>
-          </a:extLst>
+          <a:extLst/>
         </p:spPr>
       </p:pic>
       <p:pic>
